--- a/BackgroundInfo/JCslides.pptx
+++ b/BackgroundInfo/JCslides.pptx
@@ -4,6 +4,9 @@
   <p:sldMasterIdLst>
     <p:sldMasterId id="2147483677" r:id="rId1"/>
   </p:sldMasterIdLst>
+  <p:notesMasterIdLst>
+    <p:notesMasterId r:id="rId9"/>
+  </p:notesMasterIdLst>
   <p:sldIdLst>
     <p:sldId id="256" r:id="rId2"/>
     <p:sldId id="257" r:id="rId3"/>
@@ -110,7 +113,460 @@
       </a:defRPr>
     </a:lvl9pPr>
   </p:defaultTextStyle>
+  <p:extLst>
+    <p:ext uri="{EFAFB233-063F-42B5-8137-9DF3F51BA10A}">
+      <p15:sldGuideLst xmlns:p15="http://schemas.microsoft.com/office/powerpoint/2012/main"/>
+    </p:ext>
+  </p:extLst>
 </p:presentation>
+</file>
+
+<file path=ppt/notesMasters/notesMaster1.xml><?xml version="1.0" encoding="utf-8"?>
+<p:notesMaster xmlns:a="http://schemas.openxmlformats.org/drawingml/2006/main" xmlns:r="http://schemas.openxmlformats.org/officeDocument/2006/relationships" xmlns:p="http://schemas.openxmlformats.org/presentationml/2006/main">
+  <p:cSld>
+    <p:bg>
+      <p:bgRef idx="1001">
+        <a:schemeClr val="bg1"/>
+      </p:bgRef>
+    </p:bg>
+    <p:spTree>
+      <p:nvGrpSpPr>
+        <p:cNvPr id="1" name=""/>
+        <p:cNvGrpSpPr/>
+        <p:nvPr/>
+      </p:nvGrpSpPr>
+      <p:grpSpPr>
+        <a:xfrm>
+          <a:off x="0" y="0"/>
+          <a:ext cx="0" cy="0"/>
+          <a:chOff x="0" y="0"/>
+          <a:chExt cx="0" cy="0"/>
+        </a:xfrm>
+      </p:grpSpPr>
+      <p:sp>
+        <p:nvSpPr>
+          <p:cNvPr id="2" name="Header Placeholder 1"/>
+          <p:cNvSpPr>
+            <a:spLocks noGrp="1"/>
+          </p:cNvSpPr>
+          <p:nvPr>
+            <p:ph type="hdr" sz="quarter"/>
+          </p:nvPr>
+        </p:nvSpPr>
+        <p:spPr>
+          <a:xfrm>
+            <a:off x="0" y="0"/>
+            <a:ext cx="2971800" cy="458788"/>
+          </a:xfrm>
+          <a:prstGeom prst="rect">
+            <a:avLst/>
+          </a:prstGeom>
+        </p:spPr>
+        <p:txBody>
+          <a:bodyPr vert="horz" lIns="91440" tIns="45720" rIns="91440" bIns="45720" rtlCol="0"/>
+          <a:lstStyle>
+            <a:lvl1pPr algn="l">
+              <a:defRPr sz="1200"/>
+            </a:lvl1pPr>
+          </a:lstStyle>
+          <a:p>
+            <a:endParaRPr lang="en-AU"/>
+          </a:p>
+        </p:txBody>
+      </p:sp>
+      <p:sp>
+        <p:nvSpPr>
+          <p:cNvPr id="3" name="Date Placeholder 2"/>
+          <p:cNvSpPr>
+            <a:spLocks noGrp="1"/>
+          </p:cNvSpPr>
+          <p:nvPr>
+            <p:ph type="dt" idx="1"/>
+          </p:nvPr>
+        </p:nvSpPr>
+        <p:spPr>
+          <a:xfrm>
+            <a:off x="3884613" y="0"/>
+            <a:ext cx="2971800" cy="458788"/>
+          </a:xfrm>
+          <a:prstGeom prst="rect">
+            <a:avLst/>
+          </a:prstGeom>
+        </p:spPr>
+        <p:txBody>
+          <a:bodyPr vert="horz" lIns="91440" tIns="45720" rIns="91440" bIns="45720" rtlCol="0"/>
+          <a:lstStyle>
+            <a:lvl1pPr algn="r">
+              <a:defRPr sz="1200"/>
+            </a:lvl1pPr>
+          </a:lstStyle>
+          <a:p>
+            <a:fld id="{3E76E294-BBA0-4AAE-A1F9-80FF5E77064A}" type="datetimeFigureOut">
+              <a:rPr lang="en-AU" smtClean="0"/>
+              <a:t>6/06/2016</a:t>
+            </a:fld>
+            <a:endParaRPr lang="en-AU"/>
+          </a:p>
+        </p:txBody>
+      </p:sp>
+      <p:sp>
+        <p:nvSpPr>
+          <p:cNvPr id="4" name="Slide Image Placeholder 3"/>
+          <p:cNvSpPr>
+            <a:spLocks noGrp="1" noRot="1" noChangeAspect="1"/>
+          </p:cNvSpPr>
+          <p:nvPr>
+            <p:ph type="sldImg" idx="2"/>
+          </p:nvPr>
+        </p:nvSpPr>
+        <p:spPr>
+          <a:xfrm>
+            <a:off x="685800" y="1143000"/>
+            <a:ext cx="5486400" cy="3086100"/>
+          </a:xfrm>
+          <a:prstGeom prst="rect">
+            <a:avLst/>
+          </a:prstGeom>
+          <a:noFill/>
+          <a:ln w="12700">
+            <a:solidFill>
+              <a:prstClr val="black"/>
+            </a:solidFill>
+          </a:ln>
+        </p:spPr>
+        <p:txBody>
+          <a:bodyPr vert="horz" lIns="91440" tIns="45720" rIns="91440" bIns="45720" rtlCol="0" anchor="ctr"/>
+          <a:lstStyle/>
+          <a:p>
+            <a:endParaRPr lang="en-AU"/>
+          </a:p>
+        </p:txBody>
+      </p:sp>
+      <p:sp>
+        <p:nvSpPr>
+          <p:cNvPr id="5" name="Notes Placeholder 4"/>
+          <p:cNvSpPr>
+            <a:spLocks noGrp="1"/>
+          </p:cNvSpPr>
+          <p:nvPr>
+            <p:ph type="body" sz="quarter" idx="3"/>
+          </p:nvPr>
+        </p:nvSpPr>
+        <p:spPr>
+          <a:xfrm>
+            <a:off x="685800" y="4400550"/>
+            <a:ext cx="5486400" cy="3600450"/>
+          </a:xfrm>
+          <a:prstGeom prst="rect">
+            <a:avLst/>
+          </a:prstGeom>
+        </p:spPr>
+        <p:txBody>
+          <a:bodyPr vert="horz" lIns="91440" tIns="45720" rIns="91440" bIns="45720" rtlCol="0"/>
+          <a:lstStyle/>
+          <a:p>
+            <a:pPr lvl="0"/>
+            <a:r>
+              <a:rPr lang="en-US" smtClean="0"/>
+              <a:t>Click to edit Master text styles</a:t>
+            </a:r>
+          </a:p>
+          <a:p>
+            <a:pPr lvl="1"/>
+            <a:r>
+              <a:rPr lang="en-US" smtClean="0"/>
+              <a:t>Second level</a:t>
+            </a:r>
+          </a:p>
+          <a:p>
+            <a:pPr lvl="2"/>
+            <a:r>
+              <a:rPr lang="en-US" smtClean="0"/>
+              <a:t>Third level</a:t>
+            </a:r>
+          </a:p>
+          <a:p>
+            <a:pPr lvl="3"/>
+            <a:r>
+              <a:rPr lang="en-US" smtClean="0"/>
+              <a:t>Fourth level</a:t>
+            </a:r>
+          </a:p>
+          <a:p>
+            <a:pPr lvl="4"/>
+            <a:r>
+              <a:rPr lang="en-US" smtClean="0"/>
+              <a:t>Fifth level</a:t>
+            </a:r>
+            <a:endParaRPr lang="en-AU"/>
+          </a:p>
+        </p:txBody>
+      </p:sp>
+      <p:sp>
+        <p:nvSpPr>
+          <p:cNvPr id="6" name="Footer Placeholder 5"/>
+          <p:cNvSpPr>
+            <a:spLocks noGrp="1"/>
+          </p:cNvSpPr>
+          <p:nvPr>
+            <p:ph type="ftr" sz="quarter" idx="4"/>
+          </p:nvPr>
+        </p:nvSpPr>
+        <p:spPr>
+          <a:xfrm>
+            <a:off x="0" y="8685213"/>
+            <a:ext cx="2971800" cy="458787"/>
+          </a:xfrm>
+          <a:prstGeom prst="rect">
+            <a:avLst/>
+          </a:prstGeom>
+        </p:spPr>
+        <p:txBody>
+          <a:bodyPr vert="horz" lIns="91440" tIns="45720" rIns="91440" bIns="45720" rtlCol="0" anchor="b"/>
+          <a:lstStyle>
+            <a:lvl1pPr algn="l">
+              <a:defRPr sz="1200"/>
+            </a:lvl1pPr>
+          </a:lstStyle>
+          <a:p>
+            <a:endParaRPr lang="en-AU"/>
+          </a:p>
+        </p:txBody>
+      </p:sp>
+      <p:sp>
+        <p:nvSpPr>
+          <p:cNvPr id="7" name="Slide Number Placeholder 6"/>
+          <p:cNvSpPr>
+            <a:spLocks noGrp="1"/>
+          </p:cNvSpPr>
+          <p:nvPr>
+            <p:ph type="sldNum" sz="quarter" idx="5"/>
+          </p:nvPr>
+        </p:nvSpPr>
+        <p:spPr>
+          <a:xfrm>
+            <a:off x="3884613" y="8685213"/>
+            <a:ext cx="2971800" cy="458787"/>
+          </a:xfrm>
+          <a:prstGeom prst="rect">
+            <a:avLst/>
+          </a:prstGeom>
+        </p:spPr>
+        <p:txBody>
+          <a:bodyPr vert="horz" lIns="91440" tIns="45720" rIns="91440" bIns="45720" rtlCol="0" anchor="b"/>
+          <a:lstStyle>
+            <a:lvl1pPr algn="r">
+              <a:defRPr sz="1200"/>
+            </a:lvl1pPr>
+          </a:lstStyle>
+          <a:p>
+            <a:fld id="{504F0287-5C00-4321-9B5B-B42CA9EA4453}" type="slidenum">
+              <a:rPr lang="en-AU" smtClean="0"/>
+              <a:t>‹#›</a:t>
+            </a:fld>
+            <a:endParaRPr lang="en-AU"/>
+          </a:p>
+        </p:txBody>
+      </p:sp>
+    </p:spTree>
+    <p:extLst>
+      <p:ext uri="{BB962C8B-B14F-4D97-AF65-F5344CB8AC3E}">
+        <p14:creationId xmlns:p14="http://schemas.microsoft.com/office/powerpoint/2010/main" val="1708207204"/>
+      </p:ext>
+    </p:extLst>
+  </p:cSld>
+  <p:clrMap bg1="lt1" tx1="dk1" bg2="lt2" tx2="dk2" accent1="accent1" accent2="accent2" accent3="accent3" accent4="accent4" accent5="accent5" accent6="accent6" hlink="hlink" folHlink="folHlink"/>
+  <p:notesStyle>
+    <a:lvl1pPr marL="0" algn="l" defTabSz="914400" rtl="0" eaLnBrk="1" latinLnBrk="0" hangingPunct="1">
+      <a:defRPr sz="1200" kern="1200">
+        <a:solidFill>
+          <a:schemeClr val="tx1"/>
+        </a:solidFill>
+        <a:latin typeface="+mn-lt"/>
+        <a:ea typeface="+mn-ea"/>
+        <a:cs typeface="+mn-cs"/>
+      </a:defRPr>
+    </a:lvl1pPr>
+    <a:lvl2pPr marL="457200" algn="l" defTabSz="914400" rtl="0" eaLnBrk="1" latinLnBrk="0" hangingPunct="1">
+      <a:defRPr sz="1200" kern="1200">
+        <a:solidFill>
+          <a:schemeClr val="tx1"/>
+        </a:solidFill>
+        <a:latin typeface="+mn-lt"/>
+        <a:ea typeface="+mn-ea"/>
+        <a:cs typeface="+mn-cs"/>
+      </a:defRPr>
+    </a:lvl2pPr>
+    <a:lvl3pPr marL="914400" algn="l" defTabSz="914400" rtl="0" eaLnBrk="1" latinLnBrk="0" hangingPunct="1">
+      <a:defRPr sz="1200" kern="1200">
+        <a:solidFill>
+          <a:schemeClr val="tx1"/>
+        </a:solidFill>
+        <a:latin typeface="+mn-lt"/>
+        <a:ea typeface="+mn-ea"/>
+        <a:cs typeface="+mn-cs"/>
+      </a:defRPr>
+    </a:lvl3pPr>
+    <a:lvl4pPr marL="1371600" algn="l" defTabSz="914400" rtl="0" eaLnBrk="1" latinLnBrk="0" hangingPunct="1">
+      <a:defRPr sz="1200" kern="1200">
+        <a:solidFill>
+          <a:schemeClr val="tx1"/>
+        </a:solidFill>
+        <a:latin typeface="+mn-lt"/>
+        <a:ea typeface="+mn-ea"/>
+        <a:cs typeface="+mn-cs"/>
+      </a:defRPr>
+    </a:lvl4pPr>
+    <a:lvl5pPr marL="1828800" algn="l" defTabSz="914400" rtl="0" eaLnBrk="1" latinLnBrk="0" hangingPunct="1">
+      <a:defRPr sz="1200" kern="1200">
+        <a:solidFill>
+          <a:schemeClr val="tx1"/>
+        </a:solidFill>
+        <a:latin typeface="+mn-lt"/>
+        <a:ea typeface="+mn-ea"/>
+        <a:cs typeface="+mn-cs"/>
+      </a:defRPr>
+    </a:lvl5pPr>
+    <a:lvl6pPr marL="2286000" algn="l" defTabSz="914400" rtl="0" eaLnBrk="1" latinLnBrk="0" hangingPunct="1">
+      <a:defRPr sz="1200" kern="1200">
+        <a:solidFill>
+          <a:schemeClr val="tx1"/>
+        </a:solidFill>
+        <a:latin typeface="+mn-lt"/>
+        <a:ea typeface="+mn-ea"/>
+        <a:cs typeface="+mn-cs"/>
+      </a:defRPr>
+    </a:lvl6pPr>
+    <a:lvl7pPr marL="2743200" algn="l" defTabSz="914400" rtl="0" eaLnBrk="1" latinLnBrk="0" hangingPunct="1">
+      <a:defRPr sz="1200" kern="1200">
+        <a:solidFill>
+          <a:schemeClr val="tx1"/>
+        </a:solidFill>
+        <a:latin typeface="+mn-lt"/>
+        <a:ea typeface="+mn-ea"/>
+        <a:cs typeface="+mn-cs"/>
+      </a:defRPr>
+    </a:lvl7pPr>
+    <a:lvl8pPr marL="3200400" algn="l" defTabSz="914400" rtl="0" eaLnBrk="1" latinLnBrk="0" hangingPunct="1">
+      <a:defRPr sz="1200" kern="1200">
+        <a:solidFill>
+          <a:schemeClr val="tx1"/>
+        </a:solidFill>
+        <a:latin typeface="+mn-lt"/>
+        <a:ea typeface="+mn-ea"/>
+        <a:cs typeface="+mn-cs"/>
+      </a:defRPr>
+    </a:lvl8pPr>
+    <a:lvl9pPr marL="3657600" algn="l" defTabSz="914400" rtl="0" eaLnBrk="1" latinLnBrk="0" hangingPunct="1">
+      <a:defRPr sz="1200" kern="1200">
+        <a:solidFill>
+          <a:schemeClr val="tx1"/>
+        </a:solidFill>
+        <a:latin typeface="+mn-lt"/>
+        <a:ea typeface="+mn-ea"/>
+        <a:cs typeface="+mn-cs"/>
+      </a:defRPr>
+    </a:lvl9pPr>
+  </p:notesStyle>
+</p:notesMaster>
+</file>
+
+<file path=ppt/notesSlides/notesSlide1.xml><?xml version="1.0" encoding="utf-8"?>
+<p:notes xmlns:a="http://schemas.openxmlformats.org/drawingml/2006/main" xmlns:r="http://schemas.openxmlformats.org/officeDocument/2006/relationships" xmlns:p="http://schemas.openxmlformats.org/presentationml/2006/main">
+  <p:cSld>
+    <p:spTree>
+      <p:nvGrpSpPr>
+        <p:cNvPr id="1" name=""/>
+        <p:cNvGrpSpPr/>
+        <p:nvPr/>
+      </p:nvGrpSpPr>
+      <p:grpSpPr>
+        <a:xfrm>
+          <a:off x="0" y="0"/>
+          <a:ext cx="0" cy="0"/>
+          <a:chOff x="0" y="0"/>
+          <a:chExt cx="0" cy="0"/>
+        </a:xfrm>
+      </p:grpSpPr>
+      <p:sp>
+        <p:nvSpPr>
+          <p:cNvPr id="2" name="Slide Image Placeholder 1"/>
+          <p:cNvSpPr>
+            <a:spLocks noGrp="1" noRot="1" noChangeAspect="1"/>
+          </p:cNvSpPr>
+          <p:nvPr>
+            <p:ph type="sldImg"/>
+          </p:nvPr>
+        </p:nvSpPr>
+        <p:spPr/>
+      </p:sp>
+      <p:sp>
+        <p:nvSpPr>
+          <p:cNvPr id="3" name="Notes Placeholder 2"/>
+          <p:cNvSpPr>
+            <a:spLocks noGrp="1"/>
+          </p:cNvSpPr>
+          <p:nvPr>
+            <p:ph type="body" idx="1"/>
+          </p:nvPr>
+        </p:nvSpPr>
+        <p:spPr/>
+        <p:txBody>
+          <a:bodyPr/>
+          <a:lstStyle/>
+          <a:p>
+            <a:r>
+              <a:rPr lang="en-US" dirty="0" smtClean="0"/>
+              <a:t>Introduce name</a:t>
+            </a:r>
+            <a:r>
+              <a:rPr lang="en-US" baseline="0" dirty="0" smtClean="0"/>
+              <a:t> etc. </a:t>
+            </a:r>
+          </a:p>
+          <a:p>
+            <a:r>
+              <a:rPr lang="en-US" baseline="0" dirty="0" smtClean="0"/>
+              <a:t>Somewhat related to my project, exosomes in PC3 cells, but I focus on miRNAs and the mechanism of export.</a:t>
+            </a:r>
+            <a:endParaRPr lang="en-AU" dirty="0"/>
+          </a:p>
+        </p:txBody>
+      </p:sp>
+      <p:sp>
+        <p:nvSpPr>
+          <p:cNvPr id="4" name="Slide Number Placeholder 3"/>
+          <p:cNvSpPr>
+            <a:spLocks noGrp="1"/>
+          </p:cNvSpPr>
+          <p:nvPr>
+            <p:ph type="sldNum" sz="quarter" idx="10"/>
+          </p:nvPr>
+        </p:nvSpPr>
+        <p:spPr/>
+        <p:txBody>
+          <a:bodyPr/>
+          <a:lstStyle/>
+          <a:p>
+            <a:fld id="{504F0287-5C00-4321-9B5B-B42CA9EA4453}" type="slidenum">
+              <a:rPr lang="en-AU" smtClean="0"/>
+              <a:t>1</a:t>
+            </a:fld>
+            <a:endParaRPr lang="en-AU"/>
+          </a:p>
+        </p:txBody>
+      </p:sp>
+    </p:spTree>
+    <p:extLst>
+      <p:ext uri="{BB962C8B-B14F-4D97-AF65-F5344CB8AC3E}">
+        <p14:creationId xmlns:p14="http://schemas.microsoft.com/office/powerpoint/2010/main" val="404729710"/>
+      </p:ext>
+    </p:extLst>
+  </p:cSld>
+  <p:clrMapOvr>
+    <a:masterClrMapping/>
+  </p:clrMapOvr>
+</p:notes>
 </file>
 
 <file path=ppt/slideLayouts/slideLayout1.xml><?xml version="1.0" encoding="utf-8"?>
@@ -244,7 +700,7 @@
           <a:p>
             <a:fld id="{7D50A433-14A5-4014-A22C-49E731E6083D}" type="datetimeFigureOut">
               <a:rPr lang="en-AU" smtClean="0"/>
-              <a:t>3/06/2016</a:t>
+              <a:t>6/06/2016</a:t>
             </a:fld>
             <a:endParaRPr lang="en-AU"/>
           </a:p>
@@ -414,7 +870,7 @@
           <a:p>
             <a:fld id="{7D50A433-14A5-4014-A22C-49E731E6083D}" type="datetimeFigureOut">
               <a:rPr lang="en-AU" smtClean="0"/>
-              <a:t>3/06/2016</a:t>
+              <a:t>6/06/2016</a:t>
             </a:fld>
             <a:endParaRPr lang="en-AU"/>
           </a:p>
@@ -594,7 +1050,7 @@
           <a:p>
             <a:fld id="{7D50A433-14A5-4014-A22C-49E731E6083D}" type="datetimeFigureOut">
               <a:rPr lang="en-AU" smtClean="0"/>
-              <a:t>3/06/2016</a:t>
+              <a:t>6/06/2016</a:t>
             </a:fld>
             <a:endParaRPr lang="en-AU"/>
           </a:p>
@@ -764,7 +1220,7 @@
           <a:p>
             <a:fld id="{7D50A433-14A5-4014-A22C-49E731E6083D}" type="datetimeFigureOut">
               <a:rPr lang="en-AU" smtClean="0"/>
-              <a:t>3/06/2016</a:t>
+              <a:t>6/06/2016</a:t>
             </a:fld>
             <a:endParaRPr lang="en-AU"/>
           </a:p>
@@ -1010,7 +1466,7 @@
           <a:p>
             <a:fld id="{7D50A433-14A5-4014-A22C-49E731E6083D}" type="datetimeFigureOut">
               <a:rPr lang="en-AU" smtClean="0"/>
-              <a:t>3/06/2016</a:t>
+              <a:t>6/06/2016</a:t>
             </a:fld>
             <a:endParaRPr lang="en-AU"/>
           </a:p>
@@ -1242,7 +1698,7 @@
           <a:p>
             <a:fld id="{7D50A433-14A5-4014-A22C-49E731E6083D}" type="datetimeFigureOut">
               <a:rPr lang="en-AU" smtClean="0"/>
-              <a:t>3/06/2016</a:t>
+              <a:t>6/06/2016</a:t>
             </a:fld>
             <a:endParaRPr lang="en-AU"/>
           </a:p>
@@ -1609,7 +2065,7 @@
           <a:p>
             <a:fld id="{7D50A433-14A5-4014-A22C-49E731E6083D}" type="datetimeFigureOut">
               <a:rPr lang="en-AU" smtClean="0"/>
-              <a:t>3/06/2016</a:t>
+              <a:t>6/06/2016</a:t>
             </a:fld>
             <a:endParaRPr lang="en-AU"/>
           </a:p>
@@ -1727,7 +2183,7 @@
           <a:p>
             <a:fld id="{7D50A433-14A5-4014-A22C-49E731E6083D}" type="datetimeFigureOut">
               <a:rPr lang="en-AU" smtClean="0"/>
-              <a:t>3/06/2016</a:t>
+              <a:t>6/06/2016</a:t>
             </a:fld>
             <a:endParaRPr lang="en-AU"/>
           </a:p>
@@ -1822,7 +2278,7 @@
           <a:p>
             <a:fld id="{7D50A433-14A5-4014-A22C-49E731E6083D}" type="datetimeFigureOut">
               <a:rPr lang="en-AU" smtClean="0"/>
-              <a:t>3/06/2016</a:t>
+              <a:t>6/06/2016</a:t>
             </a:fld>
             <a:endParaRPr lang="en-AU"/>
           </a:p>
@@ -2099,7 +2555,7 @@
           <a:p>
             <a:fld id="{7D50A433-14A5-4014-A22C-49E731E6083D}" type="datetimeFigureOut">
               <a:rPr lang="en-AU" smtClean="0"/>
-              <a:t>3/06/2016</a:t>
+              <a:t>6/06/2016</a:t>
             </a:fld>
             <a:endParaRPr lang="en-AU"/>
           </a:p>
@@ -2352,7 +2808,7 @@
           <a:p>
             <a:fld id="{7D50A433-14A5-4014-A22C-49E731E6083D}" type="datetimeFigureOut">
               <a:rPr lang="en-AU" smtClean="0"/>
-              <a:t>3/06/2016</a:t>
+              <a:t>6/06/2016</a:t>
             </a:fld>
             <a:endParaRPr lang="en-AU"/>
           </a:p>
@@ -2565,7 +3021,7 @@
           <a:p>
             <a:fld id="{7D50A433-14A5-4014-A22C-49E731E6083D}" type="datetimeFigureOut">
               <a:rPr lang="en-AU" smtClean="0"/>
-              <a:t>3/06/2016</a:t>
+              <a:t>6/06/2016</a:t>
             </a:fld>
             <a:endParaRPr lang="en-AU"/>
           </a:p>
@@ -2982,33 +3438,80 @@
         </p:nvSpPr>
         <p:spPr/>
         <p:txBody>
-          <a:bodyPr/>
-          <a:lstStyle/>
-          <a:p>
+          <a:bodyPr>
+            <a:noAutofit/>
+          </a:bodyPr>
+          <a:lstStyle/>
+          <a:p>
+            <a:r>
+              <a:rPr lang="en-AU" sz="4400" dirty="0"/>
+              <a:t>Exosomes Secreted Under Hypoxia </a:t>
+            </a:r>
+            <a:r>
+              <a:rPr lang="en-AU" sz="4400" dirty="0" smtClean="0"/>
+              <a:t>Enhance Invasiveness </a:t>
+            </a:r>
+            <a:r>
+              <a:rPr lang="en-AU" sz="4400" dirty="0"/>
+              <a:t>and </a:t>
+            </a:r>
+            <a:r>
+              <a:rPr lang="en-AU" sz="4400" dirty="0" err="1"/>
+              <a:t>Stemness</a:t>
+            </a:r>
+            <a:r>
+              <a:rPr lang="en-AU" sz="4400" dirty="0"/>
+              <a:t> of Prostate Cancer Cells </a:t>
+            </a:r>
+            <a:r>
+              <a:rPr lang="en-AU" sz="4400" dirty="0" smtClean="0"/>
+              <a:t>by Targeting </a:t>
+            </a:r>
+            <a:r>
+              <a:rPr lang="en-AU" sz="4400" dirty="0" err="1"/>
+              <a:t>Adherens</a:t>
+            </a:r>
+            <a:r>
+              <a:rPr lang="en-AU" sz="4400" dirty="0"/>
+              <a:t> Junction </a:t>
+            </a:r>
+            <a:r>
+              <a:rPr lang="en-AU" sz="4400" dirty="0" smtClean="0"/>
+              <a:t>Molecules.</a:t>
+            </a:r>
+            <a:endParaRPr lang="en-AU" sz="4400" dirty="0"/>
+          </a:p>
+        </p:txBody>
+      </p:sp>
+      <p:sp>
+        <p:nvSpPr>
+          <p:cNvPr id="3" name="Subtitle 2"/>
+          <p:cNvSpPr>
+            <a:spLocks noGrp="1"/>
+          </p:cNvSpPr>
+          <p:nvPr>
+            <p:ph type="subTitle" idx="1"/>
+          </p:nvPr>
+        </p:nvSpPr>
+        <p:spPr>
+          <a:xfrm>
+            <a:off x="1524000" y="4318000"/>
+            <a:ext cx="9144000" cy="939800"/>
+          </a:xfrm>
+        </p:spPr>
+        <p:txBody>
+          <a:bodyPr/>
+          <a:lstStyle/>
+          <a:p>
+            <a:r>
+              <a:rPr lang="en-US" dirty="0" err="1" smtClean="0"/>
+              <a:t>Ramteke</a:t>
+            </a:r>
             <a:r>
               <a:rPr lang="en-US" dirty="0" smtClean="0"/>
-              <a:t>title</a:t>
+              <a:t>, A et al. 2015.</a:t>
             </a:r>
             <a:endParaRPr lang="en-AU" dirty="0"/>
-          </a:p>
-        </p:txBody>
-      </p:sp>
-      <p:sp>
-        <p:nvSpPr>
-          <p:cNvPr id="3" name="Subtitle 2"/>
-          <p:cNvSpPr>
-            <a:spLocks noGrp="1"/>
-          </p:cNvSpPr>
-          <p:nvPr>
-            <p:ph type="subTitle" idx="1"/>
-          </p:nvPr>
-        </p:nvSpPr>
-        <p:spPr/>
-        <p:txBody>
-          <a:bodyPr/>
-          <a:lstStyle/>
-          <a:p>
-            <a:endParaRPr lang="en-AU"/>
           </a:p>
         </p:txBody>
       </p:sp>
@@ -3063,7 +3566,19 @@
             </a:r>
             <a:r>
               <a:rPr lang="en-US" dirty="0" smtClean="0"/>
-              <a:t> biology and heterogeneity  </a:t>
+              <a:t> </a:t>
+            </a:r>
+            <a:r>
+              <a:rPr lang="en-US" dirty="0" smtClean="0"/>
+              <a:t>Biology </a:t>
+            </a:r>
+            <a:r>
+              <a:rPr lang="en-US" dirty="0" smtClean="0"/>
+              <a:t>and </a:t>
+            </a:r>
+            <a:r>
+              <a:rPr lang="en-US" dirty="0" smtClean="0"/>
+              <a:t>Heterogeneity.  </a:t>
             </a:r>
             <a:endParaRPr lang="en-AU" dirty="0"/>
           </a:p>
@@ -3084,7 +3599,10 @@
           <a:bodyPr/>
           <a:lstStyle/>
           <a:p>
-            <a:endParaRPr lang="en-AU"/>
+            <a:pPr marL="0" indent="0">
+              <a:buNone/>
+            </a:pPr>
+            <a:endParaRPr lang="en-AU" dirty="0"/>
           </a:p>
         </p:txBody>
       </p:sp>
@@ -3720,4 +4238,265 @@
     </a:ext>
   </a:extLst>
 </a:theme>
+</file>
+
+<file path=ppt/theme/theme2.xml><?xml version="1.0" encoding="utf-8"?>
+<a:theme xmlns:a="http://schemas.openxmlformats.org/drawingml/2006/main" name="Office Theme">
+  <a:themeElements>
+    <a:clrScheme name="Office">
+      <a:dk1>
+        <a:sysClr val="windowText" lastClr="000000"/>
+      </a:dk1>
+      <a:lt1>
+        <a:sysClr val="window" lastClr="FFFFFF"/>
+      </a:lt1>
+      <a:dk2>
+        <a:srgbClr val="44546A"/>
+      </a:dk2>
+      <a:lt2>
+        <a:srgbClr val="E7E6E6"/>
+      </a:lt2>
+      <a:accent1>
+        <a:srgbClr val="5B9BD5"/>
+      </a:accent1>
+      <a:accent2>
+        <a:srgbClr val="ED7D31"/>
+      </a:accent2>
+      <a:accent3>
+        <a:srgbClr val="A5A5A5"/>
+      </a:accent3>
+      <a:accent4>
+        <a:srgbClr val="FFC000"/>
+      </a:accent4>
+      <a:accent5>
+        <a:srgbClr val="4472C4"/>
+      </a:accent5>
+      <a:accent6>
+        <a:srgbClr val="70AD47"/>
+      </a:accent6>
+      <a:hlink>
+        <a:srgbClr val="0563C1"/>
+      </a:hlink>
+      <a:folHlink>
+        <a:srgbClr val="954F72"/>
+      </a:folHlink>
+    </a:clrScheme>
+    <a:fontScheme name="Office">
+      <a:majorFont>
+        <a:latin typeface="Calibri Light" panose="020F0302020204030204"/>
+        <a:ea typeface=""/>
+        <a:cs typeface=""/>
+        <a:font script="Jpan" typeface="ＭＳ Ｐゴシック"/>
+        <a:font script="Hang" typeface="맑은 고딕"/>
+        <a:font script="Hans" typeface="宋体"/>
+        <a:font script="Hant" typeface="新細明體"/>
+        <a:font script="Arab" typeface="Times New Roman"/>
+        <a:font script="Hebr" typeface="Times New Roman"/>
+        <a:font script="Thai" typeface="Angsana New"/>
+        <a:font script="Ethi" typeface="Nyala"/>
+        <a:font script="Beng" typeface="Vrinda"/>
+        <a:font script="Gujr" typeface="Shruti"/>
+        <a:font script="Khmr" typeface="MoolBoran"/>
+        <a:font script="Knda" typeface="Tunga"/>
+        <a:font script="Guru" typeface="Raavi"/>
+        <a:font script="Cans" typeface="Euphemia"/>
+        <a:font script="Cher" typeface="Plantagenet Cherokee"/>
+        <a:font script="Yiii" typeface="Microsoft Yi Baiti"/>
+        <a:font script="Tibt" typeface="Microsoft Himalaya"/>
+        <a:font script="Thaa" typeface="MV Boli"/>
+        <a:font script="Deva" typeface="Mangal"/>
+        <a:font script="Telu" typeface="Gautami"/>
+        <a:font script="Taml" typeface="Latha"/>
+        <a:font script="Syrc" typeface="Estrangelo Edessa"/>
+        <a:font script="Orya" typeface="Kalinga"/>
+        <a:font script="Mlym" typeface="Kartika"/>
+        <a:font script="Laoo" typeface="DokChampa"/>
+        <a:font script="Sinh" typeface="Iskoola Pota"/>
+        <a:font script="Mong" typeface="Mongolian Baiti"/>
+        <a:font script="Viet" typeface="Times New Roman"/>
+        <a:font script="Uigh" typeface="Microsoft Uighur"/>
+        <a:font script="Geor" typeface="Sylfaen"/>
+      </a:majorFont>
+      <a:minorFont>
+        <a:latin typeface="Calibri" panose="020F0502020204030204"/>
+        <a:ea typeface=""/>
+        <a:cs typeface=""/>
+        <a:font script="Jpan" typeface="ＭＳ Ｐゴシック"/>
+        <a:font script="Hang" typeface="맑은 고딕"/>
+        <a:font script="Hans" typeface="宋体"/>
+        <a:font script="Hant" typeface="新細明體"/>
+        <a:font script="Arab" typeface="Arial"/>
+        <a:font script="Hebr" typeface="Arial"/>
+        <a:font script="Thai" typeface="Cordia New"/>
+        <a:font script="Ethi" typeface="Nyala"/>
+        <a:font script="Beng" typeface="Vrinda"/>
+        <a:font script="Gujr" typeface="Shruti"/>
+        <a:font script="Khmr" typeface="DaunPenh"/>
+        <a:font script="Knda" typeface="Tunga"/>
+        <a:font script="Guru" typeface="Raavi"/>
+        <a:font script="Cans" typeface="Euphemia"/>
+        <a:font script="Cher" typeface="Plantagenet Cherokee"/>
+        <a:font script="Yiii" typeface="Microsoft Yi Baiti"/>
+        <a:font script="Tibt" typeface="Microsoft Himalaya"/>
+        <a:font script="Thaa" typeface="MV Boli"/>
+        <a:font script="Deva" typeface="Mangal"/>
+        <a:font script="Telu" typeface="Gautami"/>
+        <a:font script="Taml" typeface="Latha"/>
+        <a:font script="Syrc" typeface="Estrangelo Edessa"/>
+        <a:font script="Orya" typeface="Kalinga"/>
+        <a:font script="Mlym" typeface="Kartika"/>
+        <a:font script="Laoo" typeface="DokChampa"/>
+        <a:font script="Sinh" typeface="Iskoola Pota"/>
+        <a:font script="Mong" typeface="Mongolian Baiti"/>
+        <a:font script="Viet" typeface="Arial"/>
+        <a:font script="Uigh" typeface="Microsoft Uighur"/>
+        <a:font script="Geor" typeface="Sylfaen"/>
+      </a:minorFont>
+    </a:fontScheme>
+    <a:fmtScheme name="Office">
+      <a:fillStyleLst>
+        <a:solidFill>
+          <a:schemeClr val="phClr"/>
+        </a:solidFill>
+        <a:gradFill rotWithShape="1">
+          <a:gsLst>
+            <a:gs pos="0">
+              <a:schemeClr val="phClr">
+                <a:lumMod val="110000"/>
+                <a:satMod val="105000"/>
+                <a:tint val="67000"/>
+              </a:schemeClr>
+            </a:gs>
+            <a:gs pos="50000">
+              <a:schemeClr val="phClr">
+                <a:lumMod val="105000"/>
+                <a:satMod val="103000"/>
+                <a:tint val="73000"/>
+              </a:schemeClr>
+            </a:gs>
+            <a:gs pos="100000">
+              <a:schemeClr val="phClr">
+                <a:lumMod val="105000"/>
+                <a:satMod val="109000"/>
+                <a:tint val="81000"/>
+              </a:schemeClr>
+            </a:gs>
+          </a:gsLst>
+          <a:lin ang="5400000" scaled="0"/>
+        </a:gradFill>
+        <a:gradFill rotWithShape="1">
+          <a:gsLst>
+            <a:gs pos="0">
+              <a:schemeClr val="phClr">
+                <a:satMod val="103000"/>
+                <a:lumMod val="102000"/>
+                <a:tint val="94000"/>
+              </a:schemeClr>
+            </a:gs>
+            <a:gs pos="50000">
+              <a:schemeClr val="phClr">
+                <a:satMod val="110000"/>
+                <a:lumMod val="100000"/>
+                <a:shade val="100000"/>
+              </a:schemeClr>
+            </a:gs>
+            <a:gs pos="100000">
+              <a:schemeClr val="phClr">
+                <a:lumMod val="99000"/>
+                <a:satMod val="120000"/>
+                <a:shade val="78000"/>
+              </a:schemeClr>
+            </a:gs>
+          </a:gsLst>
+          <a:lin ang="5400000" scaled="0"/>
+        </a:gradFill>
+      </a:fillStyleLst>
+      <a:lnStyleLst>
+        <a:ln w="6350" cap="flat" cmpd="sng" algn="ctr">
+          <a:solidFill>
+            <a:schemeClr val="phClr"/>
+          </a:solidFill>
+          <a:prstDash val="solid"/>
+          <a:miter lim="800000"/>
+        </a:ln>
+        <a:ln w="12700" cap="flat" cmpd="sng" algn="ctr">
+          <a:solidFill>
+            <a:schemeClr val="phClr"/>
+          </a:solidFill>
+          <a:prstDash val="solid"/>
+          <a:miter lim="800000"/>
+        </a:ln>
+        <a:ln w="19050" cap="flat" cmpd="sng" algn="ctr">
+          <a:solidFill>
+            <a:schemeClr val="phClr"/>
+          </a:solidFill>
+          <a:prstDash val="solid"/>
+          <a:miter lim="800000"/>
+        </a:ln>
+      </a:lnStyleLst>
+      <a:effectStyleLst>
+        <a:effectStyle>
+          <a:effectLst/>
+        </a:effectStyle>
+        <a:effectStyle>
+          <a:effectLst/>
+        </a:effectStyle>
+        <a:effectStyle>
+          <a:effectLst>
+            <a:outerShdw blurRad="57150" dist="19050" dir="5400000" algn="ctr" rotWithShape="0">
+              <a:srgbClr val="000000">
+                <a:alpha val="63000"/>
+              </a:srgbClr>
+            </a:outerShdw>
+          </a:effectLst>
+        </a:effectStyle>
+      </a:effectStyleLst>
+      <a:bgFillStyleLst>
+        <a:solidFill>
+          <a:schemeClr val="phClr"/>
+        </a:solidFill>
+        <a:solidFill>
+          <a:schemeClr val="phClr">
+            <a:tint val="95000"/>
+            <a:satMod val="170000"/>
+          </a:schemeClr>
+        </a:solidFill>
+        <a:gradFill rotWithShape="1">
+          <a:gsLst>
+            <a:gs pos="0">
+              <a:schemeClr val="phClr">
+                <a:tint val="93000"/>
+                <a:satMod val="150000"/>
+                <a:shade val="98000"/>
+                <a:lumMod val="102000"/>
+              </a:schemeClr>
+            </a:gs>
+            <a:gs pos="50000">
+              <a:schemeClr val="phClr">
+                <a:tint val="98000"/>
+                <a:satMod val="130000"/>
+                <a:shade val="90000"/>
+                <a:lumMod val="103000"/>
+              </a:schemeClr>
+            </a:gs>
+            <a:gs pos="100000">
+              <a:schemeClr val="phClr">
+                <a:shade val="63000"/>
+                <a:satMod val="120000"/>
+              </a:schemeClr>
+            </a:gs>
+          </a:gsLst>
+          <a:lin ang="5400000" scaled="0"/>
+        </a:gradFill>
+      </a:bgFillStyleLst>
+    </a:fmtScheme>
+  </a:themeElements>
+  <a:objectDefaults/>
+  <a:extraClrSchemeLst/>
+  <a:extLst>
+    <a:ext uri="{05A4C25C-085E-4340-85A3-A5531E510DB2}">
+      <thm15:themeFamily xmlns:thm15="http://schemas.microsoft.com/office/thememl/2012/main" name="Office Theme" id="{62F939B6-93AF-4DB8-9C6B-D6C7DFDC589F}" vid="{4A3C46E8-61CC-4603-A589-7422A47A8E4A}"/>
+    </a:ext>
+  </a:extLst>
+</a:theme>
 </file>
--- a/BackgroundInfo/JCslides.pptx
+++ b/BackgroundInfo/JCslides.pptx
@@ -5,7 +5,7 @@
     <p:sldMasterId id="2147483677" r:id="rId1"/>
   </p:sldMasterIdLst>
   <p:notesMasterIdLst>
-    <p:notesMasterId r:id="rId9"/>
+    <p:notesMasterId r:id="rId16"/>
   </p:notesMasterIdLst>
   <p:sldIdLst>
     <p:sldId id="256" r:id="rId2"/>
@@ -15,6 +15,13 @@
     <p:sldId id="260" r:id="rId6"/>
     <p:sldId id="261" r:id="rId7"/>
     <p:sldId id="262" r:id="rId8"/>
+    <p:sldId id="263" r:id="rId9"/>
+    <p:sldId id="264" r:id="rId10"/>
+    <p:sldId id="267" r:id="rId11"/>
+    <p:sldId id="265" r:id="rId12"/>
+    <p:sldId id="266" r:id="rId13"/>
+    <p:sldId id="269" r:id="rId14"/>
+    <p:sldId id="268" r:id="rId15"/>
   </p:sldIdLst>
   <p:sldSz cx="12192000" cy="6858000"/>
   <p:notesSz cx="6858000" cy="9144000"/>
@@ -203,7 +210,7 @@
           <a:p>
             <a:fld id="{3E76E294-BBA0-4AAE-A1F9-80FF5E77064A}" type="datetimeFigureOut">
               <a:rPr lang="en-AU" smtClean="0"/>
-              <a:t>6/06/2016</a:t>
+              <a:t>7/06/2016</a:t>
             </a:fld>
             <a:endParaRPr lang="en-AU"/>
           </a:p>
@@ -700,7 +707,7 @@
           <a:p>
             <a:fld id="{7D50A433-14A5-4014-A22C-49E731E6083D}" type="datetimeFigureOut">
               <a:rPr lang="en-AU" smtClean="0"/>
-              <a:t>6/06/2016</a:t>
+              <a:t>7/06/2016</a:t>
             </a:fld>
             <a:endParaRPr lang="en-AU"/>
           </a:p>
@@ -870,7 +877,7 @@
           <a:p>
             <a:fld id="{7D50A433-14A5-4014-A22C-49E731E6083D}" type="datetimeFigureOut">
               <a:rPr lang="en-AU" smtClean="0"/>
-              <a:t>6/06/2016</a:t>
+              <a:t>7/06/2016</a:t>
             </a:fld>
             <a:endParaRPr lang="en-AU"/>
           </a:p>
@@ -1050,7 +1057,7 @@
           <a:p>
             <a:fld id="{7D50A433-14A5-4014-A22C-49E731E6083D}" type="datetimeFigureOut">
               <a:rPr lang="en-AU" smtClean="0"/>
-              <a:t>6/06/2016</a:t>
+              <a:t>7/06/2016</a:t>
             </a:fld>
             <a:endParaRPr lang="en-AU"/>
           </a:p>
@@ -1220,7 +1227,7 @@
           <a:p>
             <a:fld id="{7D50A433-14A5-4014-A22C-49E731E6083D}" type="datetimeFigureOut">
               <a:rPr lang="en-AU" smtClean="0"/>
-              <a:t>6/06/2016</a:t>
+              <a:t>7/06/2016</a:t>
             </a:fld>
             <a:endParaRPr lang="en-AU"/>
           </a:p>
@@ -1466,7 +1473,7 @@
           <a:p>
             <a:fld id="{7D50A433-14A5-4014-A22C-49E731E6083D}" type="datetimeFigureOut">
               <a:rPr lang="en-AU" smtClean="0"/>
-              <a:t>6/06/2016</a:t>
+              <a:t>7/06/2016</a:t>
             </a:fld>
             <a:endParaRPr lang="en-AU"/>
           </a:p>
@@ -1698,7 +1705,7 @@
           <a:p>
             <a:fld id="{7D50A433-14A5-4014-A22C-49E731E6083D}" type="datetimeFigureOut">
               <a:rPr lang="en-AU" smtClean="0"/>
-              <a:t>6/06/2016</a:t>
+              <a:t>7/06/2016</a:t>
             </a:fld>
             <a:endParaRPr lang="en-AU"/>
           </a:p>
@@ -2065,7 +2072,7 @@
           <a:p>
             <a:fld id="{7D50A433-14A5-4014-A22C-49E731E6083D}" type="datetimeFigureOut">
               <a:rPr lang="en-AU" smtClean="0"/>
-              <a:t>6/06/2016</a:t>
+              <a:t>7/06/2016</a:t>
             </a:fld>
             <a:endParaRPr lang="en-AU"/>
           </a:p>
@@ -2183,7 +2190,7 @@
           <a:p>
             <a:fld id="{7D50A433-14A5-4014-A22C-49E731E6083D}" type="datetimeFigureOut">
               <a:rPr lang="en-AU" smtClean="0"/>
-              <a:t>6/06/2016</a:t>
+              <a:t>7/06/2016</a:t>
             </a:fld>
             <a:endParaRPr lang="en-AU"/>
           </a:p>
@@ -2278,7 +2285,7 @@
           <a:p>
             <a:fld id="{7D50A433-14A5-4014-A22C-49E731E6083D}" type="datetimeFigureOut">
               <a:rPr lang="en-AU" smtClean="0"/>
-              <a:t>6/06/2016</a:t>
+              <a:t>7/06/2016</a:t>
             </a:fld>
             <a:endParaRPr lang="en-AU"/>
           </a:p>
@@ -2555,7 +2562,7 @@
           <a:p>
             <a:fld id="{7D50A433-14A5-4014-A22C-49E731E6083D}" type="datetimeFigureOut">
               <a:rPr lang="en-AU" smtClean="0"/>
-              <a:t>6/06/2016</a:t>
+              <a:t>7/06/2016</a:t>
             </a:fld>
             <a:endParaRPr lang="en-AU"/>
           </a:p>
@@ -2808,7 +2815,7 @@
           <a:p>
             <a:fld id="{7D50A433-14A5-4014-A22C-49E731E6083D}" type="datetimeFigureOut">
               <a:rPr lang="en-AU" smtClean="0"/>
-              <a:t>6/06/2016</a:t>
+              <a:t>7/06/2016</a:t>
             </a:fld>
             <a:endParaRPr lang="en-AU"/>
           </a:p>
@@ -3021,7 +3028,7 @@
           <a:p>
             <a:fld id="{7D50A433-14A5-4014-A22C-49E731E6083D}" type="datetimeFigureOut">
               <a:rPr lang="en-AU" smtClean="0"/>
-              <a:t>6/06/2016</a:t>
+              <a:t>7/06/2016</a:t>
             </a:fld>
             <a:endParaRPr lang="en-AU"/>
           </a:p>
@@ -3528,6 +3535,374 @@
 </p:sld>
 </file>
 
+<file path=ppt/slides/slide10.xml><?xml version="1.0" encoding="utf-8"?>
+<p:sld xmlns:a="http://schemas.openxmlformats.org/drawingml/2006/main" xmlns:r="http://schemas.openxmlformats.org/officeDocument/2006/relationships" xmlns:p="http://schemas.openxmlformats.org/presentationml/2006/main">
+  <p:cSld>
+    <p:spTree>
+      <p:nvGrpSpPr>
+        <p:cNvPr id="1" name=""/>
+        <p:cNvGrpSpPr/>
+        <p:nvPr/>
+      </p:nvGrpSpPr>
+      <p:grpSpPr>
+        <a:xfrm>
+          <a:off x="0" y="0"/>
+          <a:ext cx="0" cy="0"/>
+          <a:chOff x="0" y="0"/>
+          <a:chExt cx="0" cy="0"/>
+        </a:xfrm>
+      </p:grpSpPr>
+      <p:sp>
+        <p:nvSpPr>
+          <p:cNvPr id="2" name="Title 1"/>
+          <p:cNvSpPr>
+            <a:spLocks noGrp="1"/>
+          </p:cNvSpPr>
+          <p:nvPr>
+            <p:ph type="title"/>
+          </p:nvPr>
+        </p:nvSpPr>
+        <p:spPr/>
+        <p:txBody>
+          <a:bodyPr/>
+          <a:lstStyle/>
+          <a:p>
+            <a:r>
+              <a:rPr lang="en-US" dirty="0"/>
+              <a:t>Does the hypoxia derived exosome induce </a:t>
+            </a:r>
+            <a:r>
+              <a:rPr lang="en-US" dirty="0" err="1" smtClean="0"/>
+              <a:t>stemness</a:t>
+            </a:r>
+            <a:r>
+              <a:rPr lang="en-US" dirty="0" smtClean="0"/>
+              <a:t>?</a:t>
+            </a:r>
+            <a:endParaRPr lang="en-AU" dirty="0"/>
+          </a:p>
+        </p:txBody>
+      </p:sp>
+      <p:sp>
+        <p:nvSpPr>
+          <p:cNvPr id="3" name="Content Placeholder 2"/>
+          <p:cNvSpPr>
+            <a:spLocks noGrp="1"/>
+          </p:cNvSpPr>
+          <p:nvPr>
+            <p:ph idx="1"/>
+          </p:nvPr>
+        </p:nvSpPr>
+        <p:spPr/>
+        <p:txBody>
+          <a:bodyPr/>
+          <a:lstStyle/>
+          <a:p>
+            <a:endParaRPr lang="en-AU"/>
+          </a:p>
+        </p:txBody>
+      </p:sp>
+    </p:spTree>
+    <p:extLst>
+      <p:ext uri="{BB962C8B-B14F-4D97-AF65-F5344CB8AC3E}">
+        <p14:creationId xmlns:p14="http://schemas.microsoft.com/office/powerpoint/2010/main" val="3593854408"/>
+      </p:ext>
+    </p:extLst>
+  </p:cSld>
+  <p:clrMapOvr>
+    <a:masterClrMapping/>
+  </p:clrMapOvr>
+</p:sld>
+</file>
+
+<file path=ppt/slides/slide11.xml><?xml version="1.0" encoding="utf-8"?>
+<p:sld xmlns:a="http://schemas.openxmlformats.org/drawingml/2006/main" xmlns:r="http://schemas.openxmlformats.org/officeDocument/2006/relationships" xmlns:p="http://schemas.openxmlformats.org/presentationml/2006/main">
+  <p:cSld>
+    <p:spTree>
+      <p:nvGrpSpPr>
+        <p:cNvPr id="1" name=""/>
+        <p:cNvGrpSpPr/>
+        <p:nvPr/>
+      </p:nvGrpSpPr>
+      <p:grpSpPr>
+        <a:xfrm>
+          <a:off x="0" y="0"/>
+          <a:ext cx="0" cy="0"/>
+          <a:chOff x="0" y="0"/>
+          <a:chExt cx="0" cy="0"/>
+        </a:xfrm>
+      </p:grpSpPr>
+      <p:sp>
+        <p:nvSpPr>
+          <p:cNvPr id="2" name="Title 1"/>
+          <p:cNvSpPr>
+            <a:spLocks noGrp="1"/>
+          </p:cNvSpPr>
+          <p:nvPr>
+            <p:ph type="title"/>
+          </p:nvPr>
+        </p:nvSpPr>
+        <p:spPr/>
+        <p:txBody>
+          <a:bodyPr/>
+          <a:lstStyle/>
+          <a:p>
+            <a:r>
+              <a:rPr lang="en-US" dirty="0" smtClean="0"/>
+              <a:t>Is there distinct proteomic content?</a:t>
+            </a:r>
+            <a:endParaRPr lang="en-AU" dirty="0"/>
+          </a:p>
+        </p:txBody>
+      </p:sp>
+      <p:sp>
+        <p:nvSpPr>
+          <p:cNvPr id="3" name="Content Placeholder 2"/>
+          <p:cNvSpPr>
+            <a:spLocks noGrp="1"/>
+          </p:cNvSpPr>
+          <p:nvPr>
+            <p:ph idx="1"/>
+          </p:nvPr>
+        </p:nvSpPr>
+        <p:spPr/>
+        <p:txBody>
+          <a:bodyPr/>
+          <a:lstStyle/>
+          <a:p>
+            <a:endParaRPr lang="en-AU"/>
+          </a:p>
+        </p:txBody>
+      </p:sp>
+    </p:spTree>
+    <p:extLst>
+      <p:ext uri="{BB962C8B-B14F-4D97-AF65-F5344CB8AC3E}">
+        <p14:creationId xmlns:p14="http://schemas.microsoft.com/office/powerpoint/2010/main" val="2133411175"/>
+      </p:ext>
+    </p:extLst>
+  </p:cSld>
+  <p:clrMapOvr>
+    <a:masterClrMapping/>
+  </p:clrMapOvr>
+</p:sld>
+</file>
+
+<file path=ppt/slides/slide12.xml><?xml version="1.0" encoding="utf-8"?>
+<p:sld xmlns:a="http://schemas.openxmlformats.org/drawingml/2006/main" xmlns:r="http://schemas.openxmlformats.org/officeDocument/2006/relationships" xmlns:p="http://schemas.openxmlformats.org/presentationml/2006/main">
+  <p:cSld>
+    <p:spTree>
+      <p:nvGrpSpPr>
+        <p:cNvPr id="1" name=""/>
+        <p:cNvGrpSpPr/>
+        <p:nvPr/>
+      </p:nvGrpSpPr>
+      <p:grpSpPr>
+        <a:xfrm>
+          <a:off x="0" y="0"/>
+          <a:ext cx="0" cy="0"/>
+          <a:chOff x="0" y="0"/>
+          <a:chExt cx="0" cy="0"/>
+        </a:xfrm>
+      </p:grpSpPr>
+      <p:sp>
+        <p:nvSpPr>
+          <p:cNvPr id="2" name="Title 1"/>
+          <p:cNvSpPr>
+            <a:spLocks noGrp="1"/>
+          </p:cNvSpPr>
+          <p:nvPr>
+            <p:ph type="title"/>
+          </p:nvPr>
+        </p:nvSpPr>
+        <p:spPr/>
+        <p:txBody>
+          <a:bodyPr/>
+          <a:lstStyle/>
+          <a:p>
+            <a:r>
+              <a:rPr lang="en-US" dirty="0" smtClean="0"/>
+              <a:t>Does this protein content mediate any particular pathways?</a:t>
+            </a:r>
+            <a:endParaRPr lang="en-AU" dirty="0"/>
+          </a:p>
+        </p:txBody>
+      </p:sp>
+      <p:sp>
+        <p:nvSpPr>
+          <p:cNvPr id="3" name="Content Placeholder 2"/>
+          <p:cNvSpPr>
+            <a:spLocks noGrp="1"/>
+          </p:cNvSpPr>
+          <p:nvPr>
+            <p:ph idx="1"/>
+          </p:nvPr>
+        </p:nvSpPr>
+        <p:spPr/>
+        <p:txBody>
+          <a:bodyPr/>
+          <a:lstStyle/>
+          <a:p>
+            <a:endParaRPr lang="en-AU"/>
+          </a:p>
+        </p:txBody>
+      </p:sp>
+    </p:spTree>
+    <p:extLst>
+      <p:ext uri="{BB962C8B-B14F-4D97-AF65-F5344CB8AC3E}">
+        <p14:creationId xmlns:p14="http://schemas.microsoft.com/office/powerpoint/2010/main" val="3153417084"/>
+      </p:ext>
+    </p:extLst>
+  </p:cSld>
+  <p:clrMapOvr>
+    <a:masterClrMapping/>
+  </p:clrMapOvr>
+</p:sld>
+</file>
+
+<file path=ppt/slides/slide13.xml><?xml version="1.0" encoding="utf-8"?>
+<p:sld xmlns:a="http://schemas.openxmlformats.org/drawingml/2006/main" xmlns:r="http://schemas.openxmlformats.org/officeDocument/2006/relationships" xmlns:p="http://schemas.openxmlformats.org/presentationml/2006/main">
+  <p:cSld>
+    <p:spTree>
+      <p:nvGrpSpPr>
+        <p:cNvPr id="1" name=""/>
+        <p:cNvGrpSpPr/>
+        <p:nvPr/>
+      </p:nvGrpSpPr>
+      <p:grpSpPr>
+        <a:xfrm>
+          <a:off x="0" y="0"/>
+          <a:ext cx="0" cy="0"/>
+          <a:chOff x="0" y="0"/>
+          <a:chExt cx="0" cy="0"/>
+        </a:xfrm>
+      </p:grpSpPr>
+      <p:sp>
+        <p:nvSpPr>
+          <p:cNvPr id="2" name="Title 1"/>
+          <p:cNvSpPr>
+            <a:spLocks noGrp="1"/>
+          </p:cNvSpPr>
+          <p:nvPr>
+            <p:ph type="title"/>
+          </p:nvPr>
+        </p:nvSpPr>
+        <p:spPr/>
+        <p:txBody>
+          <a:bodyPr/>
+          <a:lstStyle/>
+          <a:p>
+            <a:r>
+              <a:rPr lang="en-US" dirty="0" smtClean="0"/>
+              <a:t>Limitation and strengths, future directions. </a:t>
+            </a:r>
+            <a:endParaRPr lang="en-AU" dirty="0"/>
+          </a:p>
+        </p:txBody>
+      </p:sp>
+      <p:sp>
+        <p:nvSpPr>
+          <p:cNvPr id="3" name="Content Placeholder 2"/>
+          <p:cNvSpPr>
+            <a:spLocks noGrp="1"/>
+          </p:cNvSpPr>
+          <p:nvPr>
+            <p:ph idx="1"/>
+          </p:nvPr>
+        </p:nvSpPr>
+        <p:spPr/>
+        <p:txBody>
+          <a:bodyPr/>
+          <a:lstStyle/>
+          <a:p>
+            <a:endParaRPr lang="en-AU"/>
+          </a:p>
+        </p:txBody>
+      </p:sp>
+    </p:spTree>
+    <p:extLst>
+      <p:ext uri="{BB962C8B-B14F-4D97-AF65-F5344CB8AC3E}">
+        <p14:creationId xmlns:p14="http://schemas.microsoft.com/office/powerpoint/2010/main" val="500202845"/>
+      </p:ext>
+    </p:extLst>
+  </p:cSld>
+  <p:clrMapOvr>
+    <a:masterClrMapping/>
+  </p:clrMapOvr>
+</p:sld>
+</file>
+
+<file path=ppt/slides/slide14.xml><?xml version="1.0" encoding="utf-8"?>
+<p:sld xmlns:a="http://schemas.openxmlformats.org/drawingml/2006/main" xmlns:r="http://schemas.openxmlformats.org/officeDocument/2006/relationships" xmlns:p="http://schemas.openxmlformats.org/presentationml/2006/main">
+  <p:cSld>
+    <p:spTree>
+      <p:nvGrpSpPr>
+        <p:cNvPr id="1" name=""/>
+        <p:cNvGrpSpPr/>
+        <p:nvPr/>
+      </p:nvGrpSpPr>
+      <p:grpSpPr>
+        <a:xfrm>
+          <a:off x="0" y="0"/>
+          <a:ext cx="0" cy="0"/>
+          <a:chOff x="0" y="0"/>
+          <a:chExt cx="0" cy="0"/>
+        </a:xfrm>
+      </p:grpSpPr>
+      <p:sp>
+        <p:nvSpPr>
+          <p:cNvPr id="2" name="Title 1"/>
+          <p:cNvSpPr>
+            <a:spLocks noGrp="1"/>
+          </p:cNvSpPr>
+          <p:nvPr>
+            <p:ph type="title"/>
+          </p:nvPr>
+        </p:nvSpPr>
+        <p:spPr/>
+        <p:txBody>
+          <a:bodyPr/>
+          <a:lstStyle/>
+          <a:p>
+            <a:r>
+              <a:rPr lang="en-US" dirty="0" smtClean="0"/>
+              <a:t>Conclusion and Proposed Mechanism</a:t>
+            </a:r>
+            <a:endParaRPr lang="en-AU" dirty="0"/>
+          </a:p>
+        </p:txBody>
+      </p:sp>
+      <p:sp>
+        <p:nvSpPr>
+          <p:cNvPr id="3" name="Content Placeholder 2"/>
+          <p:cNvSpPr>
+            <a:spLocks noGrp="1"/>
+          </p:cNvSpPr>
+          <p:nvPr>
+            <p:ph idx="1"/>
+          </p:nvPr>
+        </p:nvSpPr>
+        <p:spPr/>
+        <p:txBody>
+          <a:bodyPr/>
+          <a:lstStyle/>
+          <a:p>
+            <a:endParaRPr lang="en-AU"/>
+          </a:p>
+        </p:txBody>
+      </p:sp>
+    </p:spTree>
+    <p:extLst>
+      <p:ext uri="{BB962C8B-B14F-4D97-AF65-F5344CB8AC3E}">
+        <p14:creationId xmlns:p14="http://schemas.microsoft.com/office/powerpoint/2010/main" val="945079815"/>
+      </p:ext>
+    </p:extLst>
+  </p:cSld>
+  <p:clrMapOvr>
+    <a:masterClrMapping/>
+  </p:clrMapOvr>
+</p:sld>
+</file>
+
 <file path=ppt/slides/slide2.xml><?xml version="1.0" encoding="utf-8"?>
 <p:sld xmlns:a="http://schemas.openxmlformats.org/drawingml/2006/main" xmlns:r="http://schemas.openxmlformats.org/officeDocument/2006/relationships" xmlns:p="http://schemas.openxmlformats.org/presentationml/2006/main">
   <p:cSld>
@@ -3561,43 +3936,54 @@
           <a:lstStyle/>
           <a:p>
             <a:r>
-              <a:rPr lang="en-US" dirty="0" err="1" smtClean="0"/>
-              <a:t>Tumour</a:t>
-            </a:r>
-            <a:r>
               <a:rPr lang="en-US" dirty="0" smtClean="0"/>
-              <a:t> </a:t>
-            </a:r>
+              <a:t>Exosomes</a:t>
+            </a:r>
+            <a:endParaRPr lang="en-AU" dirty="0"/>
+          </a:p>
+        </p:txBody>
+      </p:sp>
+      <p:sp>
+        <p:nvSpPr>
+          <p:cNvPr id="3" name="Content Placeholder 2"/>
+          <p:cNvSpPr>
+            <a:spLocks noGrp="1"/>
+          </p:cNvSpPr>
+          <p:nvPr>
+            <p:ph idx="1"/>
+          </p:nvPr>
+        </p:nvSpPr>
+        <p:spPr/>
+        <p:txBody>
+          <a:bodyPr/>
+          <a:lstStyle/>
+          <a:p>
+            <a:pPr marL="0" indent="0">
+              <a:buNone/>
+            </a:pPr>
             <a:r>
               <a:rPr lang="en-US" dirty="0" smtClean="0"/>
-              <a:t>Biology </a:t>
-            </a:r>
+              <a:t>History</a:t>
+            </a:r>
+          </a:p>
+          <a:p>
+            <a:pPr marL="0" indent="0">
+              <a:buNone/>
+            </a:pPr>
             <a:r>
               <a:rPr lang="en-US" dirty="0" smtClean="0"/>
-              <a:t>and </a:t>
-            </a:r>
+              <a:t>Function</a:t>
+            </a:r>
+          </a:p>
+          <a:p>
+            <a:pPr marL="0" indent="0">
+              <a:buNone/>
+            </a:pPr>
             <a:r>
               <a:rPr lang="en-US" dirty="0" smtClean="0"/>
-              <a:t>Heterogeneity.  </a:t>
-            </a:r>
-            <a:endParaRPr lang="en-AU" dirty="0"/>
-          </a:p>
-        </p:txBody>
-      </p:sp>
-      <p:sp>
-        <p:nvSpPr>
-          <p:cNvPr id="3" name="Content Placeholder 2"/>
-          <p:cNvSpPr>
-            <a:spLocks noGrp="1"/>
-          </p:cNvSpPr>
-          <p:nvPr>
-            <p:ph idx="1"/>
-          </p:nvPr>
-        </p:nvSpPr>
-        <p:spPr/>
-        <p:txBody>
-          <a:bodyPr/>
-          <a:lstStyle/>
+              <a:t>Biological significance. </a:t>
+            </a:r>
+          </a:p>
           <a:p>
             <a:pPr marL="0" indent="0">
               <a:buNone/>
@@ -3653,7 +4039,7 @@
           <a:p>
             <a:r>
               <a:rPr lang="en-US" dirty="0" smtClean="0"/>
-              <a:t>Hypoxic layer: on the edge of the necrotic core</a:t>
+              <a:t>Exosomes in Cancer</a:t>
             </a:r>
             <a:endParaRPr lang="en-AU" dirty="0"/>
           </a:p>
@@ -3674,6 +4060,30 @@
           <a:bodyPr/>
           <a:lstStyle/>
           <a:p>
+            <a:r>
+              <a:rPr lang="en-US" dirty="0" smtClean="0"/>
+              <a:t>Prior </a:t>
+            </a:r>
+            <a:r>
+              <a:rPr lang="en-US" dirty="0" err="1" smtClean="0"/>
+              <a:t>researchwith</a:t>
+            </a:r>
+            <a:r>
+              <a:rPr lang="en-US" dirty="0" smtClean="0"/>
+              <a:t> specific examples </a:t>
+            </a:r>
+          </a:p>
+          <a:p>
+            <a:r>
+              <a:rPr lang="en-US" dirty="0" smtClean="0"/>
+              <a:t>Broad examples</a:t>
+            </a:r>
+          </a:p>
+          <a:p>
+            <a:r>
+              <a:rPr lang="en-US" dirty="0" smtClean="0"/>
+              <a:t>Possibility for treatment options. </a:t>
+            </a:r>
             <a:endParaRPr lang="en-AU" dirty="0"/>
           </a:p>
         </p:txBody>
@@ -3725,7 +4135,7 @@
           <a:p>
             <a:r>
               <a:rPr lang="en-US" dirty="0" smtClean="0"/>
-              <a:t>Issues</a:t>
+              <a:t>Hypoxia in Cancer</a:t>
             </a:r>
             <a:endParaRPr lang="en-AU" dirty="0"/>
           </a:p>
@@ -3746,7 +4156,31 @@
           <a:bodyPr/>
           <a:lstStyle/>
           <a:p>
-            <a:endParaRPr lang="en-AU"/>
+            <a:r>
+              <a:rPr lang="en-US" dirty="0" smtClean="0"/>
+              <a:t>What is hypoxia</a:t>
+            </a:r>
+          </a:p>
+          <a:p>
+            <a:r>
+              <a:rPr lang="en-US" dirty="0" smtClean="0"/>
+              <a:t>What it does</a:t>
+            </a:r>
+          </a:p>
+          <a:p>
+            <a:r>
+              <a:rPr lang="en-US" dirty="0" smtClean="0"/>
+              <a:t>Issues associated with its formation</a:t>
+            </a:r>
+          </a:p>
+          <a:p>
+            <a:r>
+              <a:rPr lang="en-US" dirty="0" smtClean="0"/>
+              <a:t>Graphs and shit</a:t>
+            </a:r>
+          </a:p>
+          <a:p>
+            <a:endParaRPr lang="en-AU" dirty="0"/>
           </a:p>
         </p:txBody>
       </p:sp>
@@ -3797,11 +4231,7 @@
           <a:p>
             <a:r>
               <a:rPr lang="en-US" dirty="0" smtClean="0"/>
-              <a:t>Exosomes in </a:t>
-            </a:r>
-            <a:r>
-              <a:rPr lang="en-US" dirty="0" err="1" smtClean="0"/>
-              <a:t>tumours</a:t>
+              <a:t>Prostate Cancer</a:t>
             </a:r>
             <a:endParaRPr lang="en-AU" dirty="0"/>
           </a:p>
@@ -3822,7 +4252,17 @@
           <a:bodyPr/>
           <a:lstStyle/>
           <a:p>
-            <a:endParaRPr lang="en-AU"/>
+            <a:r>
+              <a:rPr lang="en-US" dirty="0" smtClean="0"/>
+              <a:t>Statistics and metastasis rates</a:t>
+            </a:r>
+          </a:p>
+          <a:p>
+            <a:r>
+              <a:rPr lang="en-US" dirty="0" smtClean="0"/>
+              <a:t>Cells lines associated</a:t>
+            </a:r>
+            <a:endParaRPr lang="en-US" dirty="0" smtClean="0"/>
           </a:p>
         </p:txBody>
       </p:sp>
@@ -3873,7 +4313,7 @@
           <a:p>
             <a:r>
               <a:rPr lang="en-US" dirty="0" smtClean="0"/>
-              <a:t>Exosomes in hypoxia</a:t>
+              <a:t>Hypotheses and Aims</a:t>
             </a:r>
             <a:endParaRPr lang="en-AU" dirty="0"/>
           </a:p>
@@ -3894,7 +4334,21 @@
           <a:bodyPr/>
           <a:lstStyle/>
           <a:p>
-            <a:endParaRPr lang="en-AU"/>
+            <a:r>
+              <a:rPr lang="en-US" dirty="0" smtClean="0"/>
+              <a:t>Overal</a:t>
+            </a:r>
+            <a:r>
+              <a:rPr lang="en-US" dirty="0" smtClean="0"/>
+              <a:t>l Hypothesis</a:t>
+            </a:r>
+          </a:p>
+          <a:p>
+            <a:r>
+              <a:rPr lang="en-US" dirty="0" smtClean="0"/>
+              <a:t>Individual aims. </a:t>
+            </a:r>
+            <a:endParaRPr lang="en-AU" dirty="0"/>
           </a:p>
         </p:txBody>
       </p:sp>
@@ -3943,7 +4397,11 @@
           <a:bodyPr/>
           <a:lstStyle/>
           <a:p>
-            <a:endParaRPr lang="en-AU"/>
+            <a:r>
+              <a:rPr lang="en-US" dirty="0" smtClean="0"/>
+              <a:t>Is there a difference between exosomes?</a:t>
+            </a:r>
+            <a:endParaRPr lang="en-AU" dirty="0"/>
           </a:p>
         </p:txBody>
       </p:sp>
@@ -3970,6 +4428,154 @@
     <p:extLst>
       <p:ext uri="{BB962C8B-B14F-4D97-AF65-F5344CB8AC3E}">
         <p14:creationId xmlns:p14="http://schemas.microsoft.com/office/powerpoint/2010/main" val="3770642438"/>
+      </p:ext>
+    </p:extLst>
+  </p:cSld>
+  <p:clrMapOvr>
+    <a:masterClrMapping/>
+  </p:clrMapOvr>
+</p:sld>
+</file>
+
+<file path=ppt/slides/slide8.xml><?xml version="1.0" encoding="utf-8"?>
+<p:sld xmlns:a="http://schemas.openxmlformats.org/drawingml/2006/main" xmlns:r="http://schemas.openxmlformats.org/officeDocument/2006/relationships" xmlns:p="http://schemas.openxmlformats.org/presentationml/2006/main">
+  <p:cSld>
+    <p:spTree>
+      <p:nvGrpSpPr>
+        <p:cNvPr id="1" name=""/>
+        <p:cNvGrpSpPr/>
+        <p:nvPr/>
+      </p:nvGrpSpPr>
+      <p:grpSpPr>
+        <a:xfrm>
+          <a:off x="0" y="0"/>
+          <a:ext cx="0" cy="0"/>
+          <a:chOff x="0" y="0"/>
+          <a:chExt cx="0" cy="0"/>
+        </a:xfrm>
+      </p:grpSpPr>
+      <p:sp>
+        <p:nvSpPr>
+          <p:cNvPr id="2" name="Title 1"/>
+          <p:cNvSpPr>
+            <a:spLocks noGrp="1"/>
+          </p:cNvSpPr>
+          <p:nvPr>
+            <p:ph type="title"/>
+          </p:nvPr>
+        </p:nvSpPr>
+        <p:spPr/>
+        <p:txBody>
+          <a:bodyPr/>
+          <a:lstStyle/>
+          <a:p>
+            <a:r>
+              <a:rPr lang="en-US" dirty="0" smtClean="0"/>
+              <a:t>Does the hypoxia derived exosome induce invasiveness?</a:t>
+            </a:r>
+            <a:endParaRPr lang="en-AU" dirty="0"/>
+          </a:p>
+        </p:txBody>
+      </p:sp>
+      <p:sp>
+        <p:nvSpPr>
+          <p:cNvPr id="3" name="Content Placeholder 2"/>
+          <p:cNvSpPr>
+            <a:spLocks noGrp="1"/>
+          </p:cNvSpPr>
+          <p:nvPr>
+            <p:ph idx="1"/>
+          </p:nvPr>
+        </p:nvSpPr>
+        <p:spPr/>
+        <p:txBody>
+          <a:bodyPr/>
+          <a:lstStyle/>
+          <a:p>
+            <a:endParaRPr lang="en-AU"/>
+          </a:p>
+        </p:txBody>
+      </p:sp>
+    </p:spTree>
+    <p:extLst>
+      <p:ext uri="{BB962C8B-B14F-4D97-AF65-F5344CB8AC3E}">
+        <p14:creationId xmlns:p14="http://schemas.microsoft.com/office/powerpoint/2010/main" val="802728832"/>
+      </p:ext>
+    </p:extLst>
+  </p:cSld>
+  <p:clrMapOvr>
+    <a:masterClrMapping/>
+  </p:clrMapOvr>
+</p:sld>
+</file>
+
+<file path=ppt/slides/slide9.xml><?xml version="1.0" encoding="utf-8"?>
+<p:sld xmlns:a="http://schemas.openxmlformats.org/drawingml/2006/main" xmlns:r="http://schemas.openxmlformats.org/officeDocument/2006/relationships" xmlns:p="http://schemas.openxmlformats.org/presentationml/2006/main">
+  <p:cSld>
+    <p:spTree>
+      <p:nvGrpSpPr>
+        <p:cNvPr id="1" name=""/>
+        <p:cNvGrpSpPr/>
+        <p:nvPr/>
+      </p:nvGrpSpPr>
+      <p:grpSpPr>
+        <a:xfrm>
+          <a:off x="0" y="0"/>
+          <a:ext cx="0" cy="0"/>
+          <a:chOff x="0" y="0"/>
+          <a:chExt cx="0" cy="0"/>
+        </a:xfrm>
+      </p:grpSpPr>
+      <p:sp>
+        <p:nvSpPr>
+          <p:cNvPr id="2" name="Title 1"/>
+          <p:cNvSpPr>
+            <a:spLocks noGrp="1"/>
+          </p:cNvSpPr>
+          <p:nvPr>
+            <p:ph type="title"/>
+          </p:nvPr>
+        </p:nvSpPr>
+        <p:spPr/>
+        <p:txBody>
+          <a:bodyPr/>
+          <a:lstStyle/>
+          <a:p>
+            <a:r>
+              <a:rPr lang="en-US" dirty="0"/>
+              <a:t>Does the hypoxia derived exosome induce </a:t>
+            </a:r>
+            <a:r>
+              <a:rPr lang="en-US" dirty="0" smtClean="0"/>
+              <a:t>Migration?</a:t>
+            </a:r>
+            <a:endParaRPr lang="en-AU" dirty="0"/>
+          </a:p>
+        </p:txBody>
+      </p:sp>
+      <p:sp>
+        <p:nvSpPr>
+          <p:cNvPr id="3" name="Content Placeholder 2"/>
+          <p:cNvSpPr>
+            <a:spLocks noGrp="1"/>
+          </p:cNvSpPr>
+          <p:nvPr>
+            <p:ph idx="1"/>
+          </p:nvPr>
+        </p:nvSpPr>
+        <p:spPr/>
+        <p:txBody>
+          <a:bodyPr/>
+          <a:lstStyle/>
+          <a:p>
+            <a:endParaRPr lang="en-AU"/>
+          </a:p>
+        </p:txBody>
+      </p:sp>
+    </p:spTree>
+    <p:extLst>
+      <p:ext uri="{BB962C8B-B14F-4D97-AF65-F5344CB8AC3E}">
+        <p14:creationId xmlns:p14="http://schemas.microsoft.com/office/powerpoint/2010/main" val="2055098817"/>
       </p:ext>
     </p:extLst>
   </p:cSld>

--- a/BackgroundInfo/JCslides.pptx
+++ b/BackgroundInfo/JCslides.pptx
@@ -2,7 +2,7 @@
 <file path=ppt/presentation.xml><?xml version="1.0" encoding="utf-8"?>
 <p:presentation xmlns:a="http://schemas.openxmlformats.org/drawingml/2006/main" xmlns:r="http://schemas.openxmlformats.org/officeDocument/2006/relationships" xmlns:p="http://schemas.openxmlformats.org/presentationml/2006/main" saveSubsetFonts="1">
   <p:sldMasterIdLst>
-    <p:sldMasterId id="2147483677" r:id="rId1"/>
+    <p:sldMasterId id="2147483689" r:id="rId1"/>
   </p:sldMasterIdLst>
   <p:notesMasterIdLst>
     <p:notesMasterId r:id="rId16"/>
@@ -11,8 +11,8 @@
     <p:sldId id="256" r:id="rId2"/>
     <p:sldId id="257" r:id="rId3"/>
     <p:sldId id="258" r:id="rId4"/>
-    <p:sldId id="259" r:id="rId5"/>
-    <p:sldId id="260" r:id="rId6"/>
+    <p:sldId id="260" r:id="rId5"/>
+    <p:sldId id="259" r:id="rId6"/>
     <p:sldId id="261" r:id="rId7"/>
     <p:sldId id="262" r:id="rId8"/>
     <p:sldId id="263" r:id="rId9"/>
@@ -128,6 +128,1234 @@
 </p:presentation>
 </file>
 
+<file path=ppt/charts/chart1.xml><?xml version="1.0" encoding="utf-8"?>
+<c:chartSpace xmlns:c="http://schemas.openxmlformats.org/drawingml/2006/chart" xmlns:a="http://schemas.openxmlformats.org/drawingml/2006/main" xmlns:r="http://schemas.openxmlformats.org/officeDocument/2006/relationships">
+  <c:date1904 val="0"/>
+  <c:lang val="en-US"/>
+  <c:roundedCorners val="0"/>
+  <mc:AlternateContent xmlns:mc="http://schemas.openxmlformats.org/markup-compatibility/2006">
+    <mc:Choice xmlns:c14="http://schemas.microsoft.com/office/drawing/2007/8/2/chart" Requires="c14">
+      <c14:style val="102"/>
+    </mc:Choice>
+    <mc:Fallback>
+      <c:style val="2"/>
+    </mc:Fallback>
+  </mc:AlternateContent>
+  <c:chart>
+    <c:title>
+      <c:tx>
+        <c:rich>
+          <a:bodyPr rot="0" spcFirstLastPara="1" vertOverflow="ellipsis" vert="horz" wrap="square" anchor="ctr" anchorCtr="1"/>
+          <a:lstStyle/>
+          <a:p>
+            <a:pPr>
+              <a:defRPr sz="1400" b="0" i="0" u="none" strike="noStrike" kern="1200" spc="0" baseline="0">
+                <a:solidFill>
+                  <a:schemeClr val="tx1">
+                    <a:lumMod val="65000"/>
+                    <a:lumOff val="35000"/>
+                  </a:schemeClr>
+                </a:solidFill>
+                <a:latin typeface="+mn-lt"/>
+                <a:ea typeface="+mn-ea"/>
+                <a:cs typeface="+mn-cs"/>
+              </a:defRPr>
+            </a:pPr>
+            <a:r>
+              <a:rPr lang="en-AU" dirty="0"/>
+              <a:t>2012 World</a:t>
+            </a:r>
+            <a:r>
+              <a:rPr lang="en-AU" baseline="0" dirty="0"/>
+              <a:t> Statistics</a:t>
+            </a:r>
+            <a:endParaRPr lang="en-AU" dirty="0"/>
+          </a:p>
+        </c:rich>
+      </c:tx>
+      <c:layout>
+        <c:manualLayout>
+          <c:xMode val="edge"/>
+          <c:yMode val="edge"/>
+          <c:x val="0.16393428094215495"/>
+          <c:y val="1.3029315960912053E-2"/>
+        </c:manualLayout>
+      </c:layout>
+      <c:overlay val="0"/>
+      <c:spPr>
+        <a:noFill/>
+        <a:ln>
+          <a:noFill/>
+        </a:ln>
+        <a:effectLst/>
+      </c:spPr>
+      <c:txPr>
+        <a:bodyPr rot="0" spcFirstLastPara="1" vertOverflow="ellipsis" vert="horz" wrap="square" anchor="ctr" anchorCtr="1"/>
+        <a:lstStyle/>
+        <a:p>
+          <a:pPr>
+            <a:defRPr sz="1400" b="0" i="0" u="none" strike="noStrike" kern="1200" spc="0" baseline="0">
+              <a:solidFill>
+                <a:schemeClr val="tx1">
+                  <a:lumMod val="65000"/>
+                  <a:lumOff val="35000"/>
+                </a:schemeClr>
+              </a:solidFill>
+              <a:latin typeface="+mn-lt"/>
+              <a:ea typeface="+mn-ea"/>
+              <a:cs typeface="+mn-cs"/>
+            </a:defRPr>
+          </a:pPr>
+          <a:endParaRPr lang="en-US"/>
+        </a:p>
+      </c:txPr>
+    </c:title>
+    <c:autoTitleDeleted val="0"/>
+    <c:plotArea>
+      <c:layout/>
+      <c:barChart>
+        <c:barDir val="bar"/>
+        <c:grouping val="clustered"/>
+        <c:varyColors val="0"/>
+        <c:ser>
+          <c:idx val="0"/>
+          <c:order val="0"/>
+          <c:tx>
+            <c:strRef>
+              <c:f>Sheet2!$B$1</c:f>
+              <c:strCache>
+                <c:ptCount val="1"/>
+                <c:pt idx="0">
+                  <c:v>Incidence</c:v>
+                </c:pt>
+              </c:strCache>
+            </c:strRef>
+          </c:tx>
+          <c:spPr>
+            <a:solidFill>
+              <a:schemeClr val="accent6">
+                <a:lumMod val="60000"/>
+                <a:lumOff val="40000"/>
+              </a:schemeClr>
+            </a:solidFill>
+            <a:ln>
+              <a:noFill/>
+            </a:ln>
+            <a:effectLst/>
+          </c:spPr>
+          <c:invertIfNegative val="0"/>
+          <c:cat>
+            <c:strRef>
+              <c:f>Sheet2!$A$2:$A$28</c:f>
+              <c:strCache>
+                <c:ptCount val="27"/>
+                <c:pt idx="0">
+                  <c:v> Kaposi sarcoma</c:v>
+                </c:pt>
+                <c:pt idx="1">
+                  <c:v> Testis</c:v>
+                </c:pt>
+                <c:pt idx="2">
+                  <c:v> Hodgkin lymphoma</c:v>
+                </c:pt>
+                <c:pt idx="3">
+                  <c:v> Nasopharynx</c:v>
+                </c:pt>
+                <c:pt idx="4">
+                  <c:v> Multiple myeloma</c:v>
+                </c:pt>
+                <c:pt idx="5">
+                  <c:v> Other pharynx</c:v>
+                </c:pt>
+                <c:pt idx="6">
+                  <c:v> Larynx</c:v>
+                </c:pt>
+                <c:pt idx="7">
+                  <c:v> Gallbladder</c:v>
+                </c:pt>
+                <c:pt idx="8">
+                  <c:v> Melanoma of skin</c:v>
+                </c:pt>
+                <c:pt idx="9">
+                  <c:v> Ovary</c:v>
+                </c:pt>
+                <c:pt idx="10">
+                  <c:v> Brain, nervous system</c:v>
+                </c:pt>
+                <c:pt idx="11">
+                  <c:v> Thyroid</c:v>
+                </c:pt>
+                <c:pt idx="12">
+                  <c:v> Lip, oral cavity</c:v>
+                </c:pt>
+                <c:pt idx="13">
+                  <c:v> Corpus uteri</c:v>
+                </c:pt>
+                <c:pt idx="14">
+                  <c:v> Kidney</c:v>
+                </c:pt>
+                <c:pt idx="15">
+                  <c:v> Pancreas</c:v>
+                </c:pt>
+                <c:pt idx="16">
+                  <c:v> Leukaemia</c:v>
+                </c:pt>
+                <c:pt idx="17">
+                  <c:v> Non-Hodgkin lymphoma</c:v>
+                </c:pt>
+                <c:pt idx="18">
+                  <c:v> Bladder</c:v>
+                </c:pt>
+                <c:pt idx="19">
+                  <c:v> Oesophagus</c:v>
+                </c:pt>
+                <c:pt idx="20">
+                  <c:v> Cervix uteri</c:v>
+                </c:pt>
+                <c:pt idx="21">
+                  <c:v> Liver</c:v>
+                </c:pt>
+                <c:pt idx="22">
+                  <c:v> Stomach</c:v>
+                </c:pt>
+                <c:pt idx="23">
+                  <c:v> Prostate</c:v>
+                </c:pt>
+                <c:pt idx="24">
+                  <c:v> Colorectum</c:v>
+                </c:pt>
+                <c:pt idx="25">
+                  <c:v> Breast</c:v>
+                </c:pt>
+                <c:pt idx="26">
+                  <c:v> Lung</c:v>
+                </c:pt>
+              </c:strCache>
+            </c:strRef>
+          </c:cat>
+          <c:val>
+            <c:numRef>
+              <c:f>Sheet2!$B$2:$B$28</c:f>
+              <c:numCache>
+                <c:formatCode>General</c:formatCode>
+                <c:ptCount val="27"/>
+                <c:pt idx="0">
+                  <c:v>44247</c:v>
+                </c:pt>
+                <c:pt idx="1">
+                  <c:v>55266</c:v>
+                </c:pt>
+                <c:pt idx="2">
+                  <c:v>65950</c:v>
+                </c:pt>
+                <c:pt idx="3">
+                  <c:v>86691</c:v>
+                </c:pt>
+                <c:pt idx="4">
+                  <c:v>114251</c:v>
+                </c:pt>
+                <c:pt idx="5">
+                  <c:v>142387</c:v>
+                </c:pt>
+                <c:pt idx="6">
+                  <c:v>156877</c:v>
+                </c:pt>
+                <c:pt idx="7">
+                  <c:v>178101</c:v>
+                </c:pt>
+                <c:pt idx="8">
+                  <c:v>232130</c:v>
+                </c:pt>
+                <c:pt idx="9">
+                  <c:v>238719</c:v>
+                </c:pt>
+                <c:pt idx="10">
+                  <c:v>256213</c:v>
+                </c:pt>
+                <c:pt idx="11">
+                  <c:v>298102</c:v>
+                </c:pt>
+                <c:pt idx="12">
+                  <c:v>300373</c:v>
+                </c:pt>
+                <c:pt idx="13">
+                  <c:v>319605</c:v>
+                </c:pt>
+                <c:pt idx="14">
+                  <c:v>337860</c:v>
+                </c:pt>
+                <c:pt idx="15">
+                  <c:v>337872</c:v>
+                </c:pt>
+                <c:pt idx="16">
+                  <c:v>351965</c:v>
+                </c:pt>
+                <c:pt idx="17">
+                  <c:v>385741</c:v>
+                </c:pt>
+                <c:pt idx="18">
+                  <c:v>429793</c:v>
+                </c:pt>
+                <c:pt idx="19">
+                  <c:v>455784</c:v>
+                </c:pt>
+                <c:pt idx="20">
+                  <c:v>527624</c:v>
+                </c:pt>
+                <c:pt idx="21">
+                  <c:v>782451</c:v>
+                </c:pt>
+                <c:pt idx="22">
+                  <c:v>951594</c:v>
+                </c:pt>
+                <c:pt idx="23">
+                  <c:v>1094916</c:v>
+                </c:pt>
+                <c:pt idx="24">
+                  <c:v>1360602</c:v>
+                </c:pt>
+                <c:pt idx="25">
+                  <c:v>1671149</c:v>
+                </c:pt>
+                <c:pt idx="26">
+                  <c:v>1824701</c:v>
+                </c:pt>
+              </c:numCache>
+            </c:numRef>
+          </c:val>
+        </c:ser>
+        <c:ser>
+          <c:idx val="1"/>
+          <c:order val="1"/>
+          <c:tx>
+            <c:strRef>
+              <c:f>Sheet2!$C$1</c:f>
+              <c:strCache>
+                <c:ptCount val="1"/>
+                <c:pt idx="0">
+                  <c:v>Mortality</c:v>
+                </c:pt>
+              </c:strCache>
+            </c:strRef>
+          </c:tx>
+          <c:spPr>
+            <a:solidFill>
+              <a:schemeClr val="tx2"/>
+            </a:solidFill>
+            <a:ln>
+              <a:noFill/>
+            </a:ln>
+            <a:effectLst/>
+          </c:spPr>
+          <c:invertIfNegative val="0"/>
+          <c:cat>
+            <c:strRef>
+              <c:f>Sheet2!$A$2:$A$28</c:f>
+              <c:strCache>
+                <c:ptCount val="27"/>
+                <c:pt idx="0">
+                  <c:v> Kaposi sarcoma</c:v>
+                </c:pt>
+                <c:pt idx="1">
+                  <c:v> Testis</c:v>
+                </c:pt>
+                <c:pt idx="2">
+                  <c:v> Hodgkin lymphoma</c:v>
+                </c:pt>
+                <c:pt idx="3">
+                  <c:v> Nasopharynx</c:v>
+                </c:pt>
+                <c:pt idx="4">
+                  <c:v> Multiple myeloma</c:v>
+                </c:pt>
+                <c:pt idx="5">
+                  <c:v> Other pharynx</c:v>
+                </c:pt>
+                <c:pt idx="6">
+                  <c:v> Larynx</c:v>
+                </c:pt>
+                <c:pt idx="7">
+                  <c:v> Gallbladder</c:v>
+                </c:pt>
+                <c:pt idx="8">
+                  <c:v> Melanoma of skin</c:v>
+                </c:pt>
+                <c:pt idx="9">
+                  <c:v> Ovary</c:v>
+                </c:pt>
+                <c:pt idx="10">
+                  <c:v> Brain, nervous system</c:v>
+                </c:pt>
+                <c:pt idx="11">
+                  <c:v> Thyroid</c:v>
+                </c:pt>
+                <c:pt idx="12">
+                  <c:v> Lip, oral cavity</c:v>
+                </c:pt>
+                <c:pt idx="13">
+                  <c:v> Corpus uteri</c:v>
+                </c:pt>
+                <c:pt idx="14">
+                  <c:v> Kidney</c:v>
+                </c:pt>
+                <c:pt idx="15">
+                  <c:v> Pancreas</c:v>
+                </c:pt>
+                <c:pt idx="16">
+                  <c:v> Leukaemia</c:v>
+                </c:pt>
+                <c:pt idx="17">
+                  <c:v> Non-Hodgkin lymphoma</c:v>
+                </c:pt>
+                <c:pt idx="18">
+                  <c:v> Bladder</c:v>
+                </c:pt>
+                <c:pt idx="19">
+                  <c:v> Oesophagus</c:v>
+                </c:pt>
+                <c:pt idx="20">
+                  <c:v> Cervix uteri</c:v>
+                </c:pt>
+                <c:pt idx="21">
+                  <c:v> Liver</c:v>
+                </c:pt>
+                <c:pt idx="22">
+                  <c:v> Stomach</c:v>
+                </c:pt>
+                <c:pt idx="23">
+                  <c:v> Prostate</c:v>
+                </c:pt>
+                <c:pt idx="24">
+                  <c:v> Colorectum</c:v>
+                </c:pt>
+                <c:pt idx="25">
+                  <c:v> Breast</c:v>
+                </c:pt>
+                <c:pt idx="26">
+                  <c:v> Lung</c:v>
+                </c:pt>
+              </c:strCache>
+            </c:strRef>
+          </c:cat>
+          <c:val>
+            <c:numRef>
+              <c:f>Sheet2!$C$2:$C$28</c:f>
+              <c:numCache>
+                <c:formatCode>General</c:formatCode>
+                <c:ptCount val="27"/>
+                <c:pt idx="0">
+                  <c:v>26974</c:v>
+                </c:pt>
+                <c:pt idx="1">
+                  <c:v>10351</c:v>
+                </c:pt>
+                <c:pt idx="2">
+                  <c:v>25469</c:v>
+                </c:pt>
+                <c:pt idx="3">
+                  <c:v>50831</c:v>
+                </c:pt>
+                <c:pt idx="4">
+                  <c:v>80019</c:v>
+                </c:pt>
+                <c:pt idx="5">
+                  <c:v>96105</c:v>
+                </c:pt>
+                <c:pt idx="6">
+                  <c:v>83376</c:v>
+                </c:pt>
+                <c:pt idx="7">
+                  <c:v>142823</c:v>
+                </c:pt>
+                <c:pt idx="8">
+                  <c:v>55488</c:v>
+                </c:pt>
+                <c:pt idx="9">
+                  <c:v>151917</c:v>
+                </c:pt>
+                <c:pt idx="10">
+                  <c:v>189382</c:v>
+                </c:pt>
+                <c:pt idx="11">
+                  <c:v>39771</c:v>
+                </c:pt>
+                <c:pt idx="12">
+                  <c:v>145353</c:v>
+                </c:pt>
+                <c:pt idx="13">
+                  <c:v>76160</c:v>
+                </c:pt>
+                <c:pt idx="14">
+                  <c:v>143406</c:v>
+                </c:pt>
+                <c:pt idx="15">
+                  <c:v>330391</c:v>
+                </c:pt>
+                <c:pt idx="16">
+                  <c:v>265471</c:v>
+                </c:pt>
+                <c:pt idx="17">
+                  <c:v>199670</c:v>
+                </c:pt>
+                <c:pt idx="18">
+                  <c:v>165084</c:v>
+                </c:pt>
+                <c:pt idx="19">
+                  <c:v>400169</c:v>
+                </c:pt>
+                <c:pt idx="20">
+                  <c:v>265672</c:v>
+                </c:pt>
+                <c:pt idx="21">
+                  <c:v>745533</c:v>
+                </c:pt>
+                <c:pt idx="22">
+                  <c:v>723073</c:v>
+                </c:pt>
+                <c:pt idx="23">
+                  <c:v>307481</c:v>
+                </c:pt>
+                <c:pt idx="24">
+                  <c:v>693933</c:v>
+                </c:pt>
+                <c:pt idx="25">
+                  <c:v>521907</c:v>
+                </c:pt>
+                <c:pt idx="26">
+                  <c:v>1589925</c:v>
+                </c:pt>
+              </c:numCache>
+            </c:numRef>
+          </c:val>
+        </c:ser>
+        <c:dLbls>
+          <c:showLegendKey val="0"/>
+          <c:showVal val="0"/>
+          <c:showCatName val="0"/>
+          <c:showSerName val="0"/>
+          <c:showPercent val="0"/>
+          <c:showBubbleSize val="0"/>
+        </c:dLbls>
+        <c:gapWidth val="182"/>
+        <c:axId val="243920624"/>
+        <c:axId val="243923424"/>
+      </c:barChart>
+      <c:catAx>
+        <c:axId val="243920624"/>
+        <c:scaling>
+          <c:orientation val="minMax"/>
+        </c:scaling>
+        <c:delete val="0"/>
+        <c:axPos val="l"/>
+        <c:numFmt formatCode="General" sourceLinked="1"/>
+        <c:majorTickMark val="none"/>
+        <c:minorTickMark val="none"/>
+        <c:tickLblPos val="nextTo"/>
+        <c:spPr>
+          <a:noFill/>
+          <a:ln w="9525" cap="flat" cmpd="sng" algn="ctr">
+            <a:solidFill>
+              <a:schemeClr val="tx1">
+                <a:lumMod val="15000"/>
+                <a:lumOff val="85000"/>
+              </a:schemeClr>
+            </a:solidFill>
+            <a:round/>
+          </a:ln>
+          <a:effectLst/>
+        </c:spPr>
+        <c:txPr>
+          <a:bodyPr rot="-60000000" spcFirstLastPara="1" vertOverflow="ellipsis" vert="horz" wrap="square" anchor="ctr" anchorCtr="1"/>
+          <a:lstStyle/>
+          <a:p>
+            <a:pPr>
+              <a:defRPr sz="900" b="0" i="0" u="none" strike="noStrike" kern="1200" baseline="0">
+                <a:solidFill>
+                  <a:schemeClr val="tx1">
+                    <a:lumMod val="65000"/>
+                    <a:lumOff val="35000"/>
+                  </a:schemeClr>
+                </a:solidFill>
+                <a:latin typeface="+mn-lt"/>
+                <a:ea typeface="+mn-ea"/>
+                <a:cs typeface="+mn-cs"/>
+              </a:defRPr>
+            </a:pPr>
+            <a:endParaRPr lang="en-US"/>
+          </a:p>
+        </c:txPr>
+        <c:crossAx val="243923424"/>
+        <c:crosses val="autoZero"/>
+        <c:auto val="1"/>
+        <c:lblAlgn val="ctr"/>
+        <c:lblOffset val="100"/>
+        <c:noMultiLvlLbl val="0"/>
+      </c:catAx>
+      <c:valAx>
+        <c:axId val="243923424"/>
+        <c:scaling>
+          <c:orientation val="minMax"/>
+        </c:scaling>
+        <c:delete val="0"/>
+        <c:axPos val="b"/>
+        <c:majorGridlines>
+          <c:spPr>
+            <a:ln w="9525" cap="flat" cmpd="sng" algn="ctr">
+              <a:solidFill>
+                <a:schemeClr val="tx1">
+                  <a:lumMod val="15000"/>
+                  <a:lumOff val="85000"/>
+                </a:schemeClr>
+              </a:solidFill>
+              <a:round/>
+            </a:ln>
+            <a:effectLst/>
+          </c:spPr>
+        </c:majorGridlines>
+        <c:numFmt formatCode="#,##0" sourceLinked="0"/>
+        <c:majorTickMark val="none"/>
+        <c:minorTickMark val="none"/>
+        <c:tickLblPos val="nextTo"/>
+        <c:spPr>
+          <a:noFill/>
+          <a:ln>
+            <a:noFill/>
+          </a:ln>
+          <a:effectLst/>
+        </c:spPr>
+        <c:txPr>
+          <a:bodyPr rot="-60000000" spcFirstLastPara="1" vertOverflow="ellipsis" vert="horz" wrap="square" anchor="ctr" anchorCtr="1"/>
+          <a:lstStyle/>
+          <a:p>
+            <a:pPr>
+              <a:defRPr sz="900" b="0" i="0" u="none" strike="noStrike" kern="1200" baseline="0">
+                <a:solidFill>
+                  <a:schemeClr val="tx1">
+                    <a:lumMod val="65000"/>
+                    <a:lumOff val="35000"/>
+                  </a:schemeClr>
+                </a:solidFill>
+                <a:latin typeface="+mn-lt"/>
+                <a:ea typeface="+mn-ea"/>
+                <a:cs typeface="+mn-cs"/>
+              </a:defRPr>
+            </a:pPr>
+            <a:endParaRPr lang="en-US"/>
+          </a:p>
+        </c:txPr>
+        <c:crossAx val="243920624"/>
+        <c:crosses val="autoZero"/>
+        <c:crossBetween val="between"/>
+      </c:valAx>
+      <c:spPr>
+        <a:noFill/>
+        <a:ln>
+          <a:noFill/>
+        </a:ln>
+        <a:effectLst/>
+      </c:spPr>
+    </c:plotArea>
+    <c:legend>
+      <c:legendPos val="b"/>
+      <c:layout/>
+      <c:overlay val="0"/>
+      <c:spPr>
+        <a:noFill/>
+        <a:ln>
+          <a:noFill/>
+        </a:ln>
+        <a:effectLst/>
+      </c:spPr>
+      <c:txPr>
+        <a:bodyPr rot="0" spcFirstLastPara="1" vertOverflow="ellipsis" vert="horz" wrap="square" anchor="ctr" anchorCtr="1"/>
+        <a:lstStyle/>
+        <a:p>
+          <a:pPr>
+            <a:defRPr sz="900" b="0" i="0" u="none" strike="noStrike" kern="1200" baseline="0">
+              <a:solidFill>
+                <a:schemeClr val="tx1">
+                  <a:lumMod val="65000"/>
+                  <a:lumOff val="35000"/>
+                </a:schemeClr>
+              </a:solidFill>
+              <a:latin typeface="+mn-lt"/>
+              <a:ea typeface="+mn-ea"/>
+              <a:cs typeface="+mn-cs"/>
+            </a:defRPr>
+          </a:pPr>
+          <a:endParaRPr lang="en-US"/>
+        </a:p>
+      </c:txPr>
+    </c:legend>
+    <c:plotVisOnly val="1"/>
+    <c:dispBlanksAs val="gap"/>
+    <c:showDLblsOverMax val="0"/>
+  </c:chart>
+  <c:spPr>
+    <a:noFill/>
+    <a:ln>
+      <a:noFill/>
+    </a:ln>
+    <a:effectLst/>
+  </c:spPr>
+  <c:txPr>
+    <a:bodyPr/>
+    <a:lstStyle/>
+    <a:p>
+      <a:pPr>
+        <a:defRPr/>
+      </a:pPr>
+      <a:endParaRPr lang="en-US"/>
+    </a:p>
+  </c:txPr>
+  <c:externalData r:id="rId3">
+    <c:autoUpdate val="0"/>
+  </c:externalData>
+</c:chartSpace>
+</file>
+
+<file path=ppt/charts/colors1.xml><?xml version="1.0" encoding="utf-8"?>
+<cs:colorStyle xmlns:cs="http://schemas.microsoft.com/office/drawing/2012/chartStyle" xmlns:a="http://schemas.openxmlformats.org/drawingml/2006/main" meth="cycle" id="12">
+  <a:schemeClr val="accent2"/>
+  <a:schemeClr val="accent4"/>
+  <a:schemeClr val="accent6"/>
+  <cs:variation/>
+  <cs:variation>
+    <a:lumMod val="60000"/>
+  </cs:variation>
+  <cs:variation>
+    <a:lumMod val="80000"/>
+    <a:lumOff val="20000"/>
+  </cs:variation>
+  <cs:variation>
+    <a:lumMod val="80000"/>
+  </cs:variation>
+  <cs:variation>
+    <a:lumMod val="60000"/>
+    <a:lumOff val="40000"/>
+  </cs:variation>
+  <cs:variation>
+    <a:lumMod val="50000"/>
+  </cs:variation>
+  <cs:variation>
+    <a:lumMod val="70000"/>
+    <a:lumOff val="30000"/>
+  </cs:variation>
+  <cs:variation>
+    <a:lumMod val="70000"/>
+  </cs:variation>
+  <cs:variation>
+    <a:lumMod val="50000"/>
+    <a:lumOff val="50000"/>
+  </cs:variation>
+</cs:colorStyle>
+</file>
+
+<file path=ppt/charts/style1.xml><?xml version="1.0" encoding="utf-8"?>
+<cs:chartStyle xmlns:cs="http://schemas.microsoft.com/office/drawing/2012/chartStyle" xmlns:a="http://schemas.openxmlformats.org/drawingml/2006/main" id="216">
+  <cs:axisTitle>
+    <cs:lnRef idx="0"/>
+    <cs:fillRef idx="0"/>
+    <cs:effectRef idx="0"/>
+    <cs:fontRef idx="minor">
+      <a:schemeClr val="tx1">
+        <a:lumMod val="65000"/>
+        <a:lumOff val="35000"/>
+      </a:schemeClr>
+    </cs:fontRef>
+    <cs:defRPr sz="1000" kern="1200"/>
+  </cs:axisTitle>
+  <cs:categoryAxis>
+    <cs:lnRef idx="0"/>
+    <cs:fillRef idx="0"/>
+    <cs:effectRef idx="0"/>
+    <cs:fontRef idx="minor">
+      <a:schemeClr val="tx1">
+        <a:lumMod val="65000"/>
+        <a:lumOff val="35000"/>
+      </a:schemeClr>
+    </cs:fontRef>
+    <cs:spPr>
+      <a:ln w="9525" cap="flat" cmpd="sng" algn="ctr">
+        <a:solidFill>
+          <a:schemeClr val="tx1">
+            <a:lumMod val="15000"/>
+            <a:lumOff val="85000"/>
+          </a:schemeClr>
+        </a:solidFill>
+        <a:round/>
+      </a:ln>
+    </cs:spPr>
+    <cs:defRPr sz="900" kern="1200"/>
+  </cs:categoryAxis>
+  <cs:chartArea mods="allowNoFillOverride allowNoLineOverride">
+    <cs:lnRef idx="0"/>
+    <cs:fillRef idx="0"/>
+    <cs:effectRef idx="0"/>
+    <cs:fontRef idx="minor">
+      <a:schemeClr val="tx1"/>
+    </cs:fontRef>
+    <cs:spPr>
+      <a:solidFill>
+        <a:schemeClr val="bg1"/>
+      </a:solidFill>
+      <a:ln w="9525" cap="flat" cmpd="sng" algn="ctr">
+        <a:solidFill>
+          <a:schemeClr val="tx1">
+            <a:lumMod val="15000"/>
+            <a:lumOff val="85000"/>
+          </a:schemeClr>
+        </a:solidFill>
+        <a:round/>
+      </a:ln>
+    </cs:spPr>
+    <cs:defRPr sz="1000" kern="1200"/>
+  </cs:chartArea>
+  <cs:dataLabel>
+    <cs:lnRef idx="0"/>
+    <cs:fillRef idx="0"/>
+    <cs:effectRef idx="0"/>
+    <cs:fontRef idx="minor">
+      <a:schemeClr val="tx1">
+        <a:lumMod val="75000"/>
+        <a:lumOff val="25000"/>
+      </a:schemeClr>
+    </cs:fontRef>
+    <cs:defRPr sz="900" kern="1200"/>
+  </cs:dataLabel>
+  <cs:dataLabelCallout>
+    <cs:lnRef idx="0"/>
+    <cs:fillRef idx="0"/>
+    <cs:effectRef idx="0"/>
+    <cs:fontRef idx="minor">
+      <a:schemeClr val="dk1">
+        <a:lumMod val="65000"/>
+        <a:lumOff val="35000"/>
+      </a:schemeClr>
+    </cs:fontRef>
+    <cs:spPr>
+      <a:solidFill>
+        <a:schemeClr val="lt1"/>
+      </a:solidFill>
+      <a:ln>
+        <a:solidFill>
+          <a:schemeClr val="dk1">
+            <a:lumMod val="25000"/>
+            <a:lumOff val="75000"/>
+          </a:schemeClr>
+        </a:solidFill>
+      </a:ln>
+    </cs:spPr>
+    <cs:defRPr sz="900" kern="1200"/>
+    <cs:bodyPr rot="0" spcFirstLastPara="1" vertOverflow="clip" horzOverflow="clip" vert="horz" wrap="square" lIns="36576" tIns="18288" rIns="36576" bIns="18288" anchor="ctr" anchorCtr="1">
+      <a:spAutoFit/>
+    </cs:bodyPr>
+  </cs:dataLabelCallout>
+  <cs:dataPoint>
+    <cs:lnRef idx="0"/>
+    <cs:fillRef idx="1">
+      <cs:styleClr val="auto"/>
+    </cs:fillRef>
+    <cs:effectRef idx="0"/>
+    <cs:fontRef idx="minor">
+      <a:schemeClr val="tx1"/>
+    </cs:fontRef>
+  </cs:dataPoint>
+  <cs:dataPoint3D>
+    <cs:lnRef idx="0"/>
+    <cs:fillRef idx="1">
+      <cs:styleClr val="auto"/>
+    </cs:fillRef>
+    <cs:effectRef idx="0"/>
+    <cs:fontRef idx="minor">
+      <a:schemeClr val="tx1"/>
+    </cs:fontRef>
+  </cs:dataPoint3D>
+  <cs:dataPointLine>
+    <cs:lnRef idx="0">
+      <cs:styleClr val="auto"/>
+    </cs:lnRef>
+    <cs:fillRef idx="1"/>
+    <cs:effectRef idx="0"/>
+    <cs:fontRef idx="minor">
+      <a:schemeClr val="tx1"/>
+    </cs:fontRef>
+    <cs:spPr>
+      <a:ln w="28575" cap="rnd">
+        <a:solidFill>
+          <a:schemeClr val="phClr"/>
+        </a:solidFill>
+        <a:round/>
+      </a:ln>
+    </cs:spPr>
+  </cs:dataPointLine>
+  <cs:dataPointMarker>
+    <cs:lnRef idx="0">
+      <cs:styleClr val="auto"/>
+    </cs:lnRef>
+    <cs:fillRef idx="1">
+      <cs:styleClr val="auto"/>
+    </cs:fillRef>
+    <cs:effectRef idx="0"/>
+    <cs:fontRef idx="minor">
+      <a:schemeClr val="tx1"/>
+    </cs:fontRef>
+    <cs:spPr>
+      <a:ln w="9525">
+        <a:solidFill>
+          <a:schemeClr val="phClr"/>
+        </a:solidFill>
+      </a:ln>
+    </cs:spPr>
+  </cs:dataPointMarker>
+  <cs:dataPointMarkerLayout symbol="circle" size="5"/>
+  <cs:dataPointWireframe>
+    <cs:lnRef idx="0">
+      <cs:styleClr val="auto"/>
+    </cs:lnRef>
+    <cs:fillRef idx="1"/>
+    <cs:effectRef idx="0"/>
+    <cs:fontRef idx="minor">
+      <a:schemeClr val="tx1"/>
+    </cs:fontRef>
+    <cs:spPr>
+      <a:ln w="9525" cap="rnd">
+        <a:solidFill>
+          <a:schemeClr val="phClr"/>
+        </a:solidFill>
+        <a:round/>
+      </a:ln>
+    </cs:spPr>
+  </cs:dataPointWireframe>
+  <cs:dataTable>
+    <cs:lnRef idx="0"/>
+    <cs:fillRef idx="0"/>
+    <cs:effectRef idx="0"/>
+    <cs:fontRef idx="minor">
+      <a:schemeClr val="tx1">
+        <a:lumMod val="65000"/>
+        <a:lumOff val="35000"/>
+      </a:schemeClr>
+    </cs:fontRef>
+    <cs:spPr>
+      <a:noFill/>
+      <a:ln w="9525" cap="flat" cmpd="sng" algn="ctr">
+        <a:solidFill>
+          <a:schemeClr val="tx1">
+            <a:lumMod val="15000"/>
+            <a:lumOff val="85000"/>
+          </a:schemeClr>
+        </a:solidFill>
+        <a:round/>
+      </a:ln>
+    </cs:spPr>
+    <cs:defRPr sz="900" kern="1200"/>
+  </cs:dataTable>
+  <cs:downBar>
+    <cs:lnRef idx="0"/>
+    <cs:fillRef idx="0"/>
+    <cs:effectRef idx="0"/>
+    <cs:fontRef idx="minor">
+      <a:schemeClr val="tx1"/>
+    </cs:fontRef>
+    <cs:spPr>
+      <a:solidFill>
+        <a:schemeClr val="dk1">
+          <a:lumMod val="75000"/>
+          <a:lumOff val="25000"/>
+        </a:schemeClr>
+      </a:solidFill>
+      <a:ln w="9525" cap="flat" cmpd="sng" algn="ctr">
+        <a:solidFill>
+          <a:schemeClr val="tx1">
+            <a:lumMod val="65000"/>
+            <a:lumOff val="35000"/>
+          </a:schemeClr>
+        </a:solidFill>
+        <a:round/>
+      </a:ln>
+    </cs:spPr>
+  </cs:downBar>
+  <cs:dropLine>
+    <cs:lnRef idx="0"/>
+    <cs:fillRef idx="0"/>
+    <cs:effectRef idx="0"/>
+    <cs:fontRef idx="minor">
+      <a:schemeClr val="tx1"/>
+    </cs:fontRef>
+    <cs:spPr>
+      <a:ln w="9525" cap="flat" cmpd="sng" algn="ctr">
+        <a:solidFill>
+          <a:schemeClr val="tx1">
+            <a:lumMod val="35000"/>
+            <a:lumOff val="65000"/>
+          </a:schemeClr>
+        </a:solidFill>
+        <a:round/>
+      </a:ln>
+    </cs:spPr>
+  </cs:dropLine>
+  <cs:errorBar>
+    <cs:lnRef idx="0"/>
+    <cs:fillRef idx="0"/>
+    <cs:effectRef idx="0"/>
+    <cs:fontRef idx="minor">
+      <a:schemeClr val="tx1"/>
+    </cs:fontRef>
+    <cs:spPr>
+      <a:ln w="9525" cap="flat" cmpd="sng" algn="ctr">
+        <a:solidFill>
+          <a:schemeClr val="tx1">
+            <a:lumMod val="65000"/>
+            <a:lumOff val="35000"/>
+          </a:schemeClr>
+        </a:solidFill>
+        <a:round/>
+      </a:ln>
+    </cs:spPr>
+  </cs:errorBar>
+  <cs:floor>
+    <cs:lnRef idx="0"/>
+    <cs:fillRef idx="0"/>
+    <cs:effectRef idx="0"/>
+    <cs:fontRef idx="minor">
+      <a:schemeClr val="tx1"/>
+    </cs:fontRef>
+    <cs:spPr>
+      <a:noFill/>
+      <a:ln>
+        <a:noFill/>
+      </a:ln>
+    </cs:spPr>
+  </cs:floor>
+  <cs:gridlineMajor>
+    <cs:lnRef idx="0"/>
+    <cs:fillRef idx="0"/>
+    <cs:effectRef idx="0"/>
+    <cs:fontRef idx="minor">
+      <a:schemeClr val="tx1"/>
+    </cs:fontRef>
+    <cs:spPr>
+      <a:ln w="9525" cap="flat" cmpd="sng" algn="ctr">
+        <a:solidFill>
+          <a:schemeClr val="tx1">
+            <a:lumMod val="15000"/>
+            <a:lumOff val="85000"/>
+          </a:schemeClr>
+        </a:solidFill>
+        <a:round/>
+      </a:ln>
+    </cs:spPr>
+  </cs:gridlineMajor>
+  <cs:gridlineMinor>
+    <cs:lnRef idx="0"/>
+    <cs:fillRef idx="0"/>
+    <cs:effectRef idx="0"/>
+    <cs:fontRef idx="minor">
+      <a:schemeClr val="tx1"/>
+    </cs:fontRef>
+    <cs:spPr>
+      <a:ln w="9525" cap="flat" cmpd="sng" algn="ctr">
+        <a:solidFill>
+          <a:schemeClr val="tx1">
+            <a:lumMod val="5000"/>
+            <a:lumOff val="95000"/>
+          </a:schemeClr>
+        </a:solidFill>
+        <a:round/>
+      </a:ln>
+    </cs:spPr>
+  </cs:gridlineMinor>
+  <cs:hiLoLine>
+    <cs:lnRef idx="0"/>
+    <cs:fillRef idx="0"/>
+    <cs:effectRef idx="0"/>
+    <cs:fontRef idx="minor">
+      <a:schemeClr val="tx1"/>
+    </cs:fontRef>
+    <cs:spPr>
+      <a:ln w="9525" cap="flat" cmpd="sng" algn="ctr">
+        <a:solidFill>
+          <a:schemeClr val="tx1">
+            <a:lumMod val="50000"/>
+            <a:lumOff val="50000"/>
+          </a:schemeClr>
+        </a:solidFill>
+        <a:round/>
+      </a:ln>
+    </cs:spPr>
+  </cs:hiLoLine>
+  <cs:leaderLine>
+    <cs:lnRef idx="0"/>
+    <cs:fillRef idx="0"/>
+    <cs:effectRef idx="0"/>
+    <cs:fontRef idx="minor">
+      <a:schemeClr val="tx1"/>
+    </cs:fontRef>
+    <cs:spPr>
+      <a:ln w="9525" cap="flat" cmpd="sng" algn="ctr">
+        <a:solidFill>
+          <a:schemeClr val="tx1">
+            <a:lumMod val="35000"/>
+            <a:lumOff val="65000"/>
+          </a:schemeClr>
+        </a:solidFill>
+        <a:round/>
+      </a:ln>
+    </cs:spPr>
+  </cs:leaderLine>
+  <cs:legend>
+    <cs:lnRef idx="0"/>
+    <cs:fillRef idx="0"/>
+    <cs:effectRef idx="0"/>
+    <cs:fontRef idx="minor">
+      <a:schemeClr val="tx1">
+        <a:lumMod val="65000"/>
+        <a:lumOff val="35000"/>
+      </a:schemeClr>
+    </cs:fontRef>
+    <cs:defRPr sz="900" kern="1200"/>
+  </cs:legend>
+  <cs:plotArea mods="allowNoFillOverride allowNoLineOverride">
+    <cs:lnRef idx="0"/>
+    <cs:fillRef idx="0"/>
+    <cs:effectRef idx="0"/>
+    <cs:fontRef idx="minor">
+      <a:schemeClr val="tx1"/>
+    </cs:fontRef>
+  </cs:plotArea>
+  <cs:plotArea3D mods="allowNoFillOverride allowNoLineOverride">
+    <cs:lnRef idx="0"/>
+    <cs:fillRef idx="0"/>
+    <cs:effectRef idx="0"/>
+    <cs:fontRef idx="minor">
+      <a:schemeClr val="tx1"/>
+    </cs:fontRef>
+  </cs:plotArea3D>
+  <cs:seriesAxis>
+    <cs:lnRef idx="0"/>
+    <cs:fillRef idx="0"/>
+    <cs:effectRef idx="0"/>
+    <cs:fontRef idx="minor">
+      <a:schemeClr val="tx1">
+        <a:lumMod val="65000"/>
+        <a:lumOff val="35000"/>
+      </a:schemeClr>
+    </cs:fontRef>
+    <cs:defRPr sz="900" kern="1200"/>
+  </cs:seriesAxis>
+  <cs:seriesLine>
+    <cs:lnRef idx="0"/>
+    <cs:fillRef idx="0"/>
+    <cs:effectRef idx="0"/>
+    <cs:fontRef idx="minor">
+      <a:schemeClr val="tx1"/>
+    </cs:fontRef>
+    <cs:spPr>
+      <a:ln w="9525" cap="flat" cmpd="sng" algn="ctr">
+        <a:solidFill>
+          <a:schemeClr val="tx1">
+            <a:lumMod val="35000"/>
+            <a:lumOff val="65000"/>
+          </a:schemeClr>
+        </a:solidFill>
+        <a:round/>
+      </a:ln>
+    </cs:spPr>
+  </cs:seriesLine>
+  <cs:title>
+    <cs:lnRef idx="0"/>
+    <cs:fillRef idx="0"/>
+    <cs:effectRef idx="0"/>
+    <cs:fontRef idx="minor">
+      <a:schemeClr val="tx1">
+        <a:lumMod val="65000"/>
+        <a:lumOff val="35000"/>
+      </a:schemeClr>
+    </cs:fontRef>
+    <cs:defRPr sz="1400" b="0" kern="1200" spc="0" baseline="0"/>
+  </cs:title>
+  <cs:trendline>
+    <cs:lnRef idx="0">
+      <cs:styleClr val="auto"/>
+    </cs:lnRef>
+    <cs:fillRef idx="0"/>
+    <cs:effectRef idx="0"/>
+    <cs:fontRef idx="minor">
+      <a:schemeClr val="tx1"/>
+    </cs:fontRef>
+    <cs:spPr>
+      <a:ln w="19050" cap="rnd">
+        <a:solidFill>
+          <a:schemeClr val="phClr"/>
+        </a:solidFill>
+        <a:prstDash val="sysDot"/>
+      </a:ln>
+    </cs:spPr>
+  </cs:trendline>
+  <cs:trendlineLabel>
+    <cs:lnRef idx="0"/>
+    <cs:fillRef idx="0"/>
+    <cs:effectRef idx="0"/>
+    <cs:fontRef idx="minor">
+      <a:schemeClr val="tx1">
+        <a:lumMod val="65000"/>
+        <a:lumOff val="35000"/>
+      </a:schemeClr>
+    </cs:fontRef>
+    <cs:defRPr sz="900" kern="1200"/>
+  </cs:trendlineLabel>
+  <cs:upBar>
+    <cs:lnRef idx="0"/>
+    <cs:fillRef idx="0"/>
+    <cs:effectRef idx="0"/>
+    <cs:fontRef idx="minor">
+      <a:schemeClr val="tx1"/>
+    </cs:fontRef>
+    <cs:spPr>
+      <a:solidFill>
+        <a:schemeClr val="lt1"/>
+      </a:solidFill>
+      <a:ln w="9525" cap="flat" cmpd="sng" algn="ctr">
+        <a:solidFill>
+          <a:schemeClr val="tx1">
+            <a:lumMod val="65000"/>
+            <a:lumOff val="35000"/>
+          </a:schemeClr>
+        </a:solidFill>
+        <a:round/>
+      </a:ln>
+    </cs:spPr>
+  </cs:upBar>
+  <cs:valueAxis>
+    <cs:lnRef idx="0"/>
+    <cs:fillRef idx="0"/>
+    <cs:effectRef idx="0"/>
+    <cs:fontRef idx="minor">
+      <a:schemeClr val="tx1">
+        <a:lumMod val="65000"/>
+        <a:lumOff val="35000"/>
+      </a:schemeClr>
+    </cs:fontRef>
+    <cs:defRPr sz="900" kern="1200"/>
+  </cs:valueAxis>
+  <cs:wall>
+    <cs:lnRef idx="0"/>
+    <cs:fillRef idx="0"/>
+    <cs:effectRef idx="0"/>
+    <cs:fontRef idx="minor">
+      <a:schemeClr val="tx1"/>
+    </cs:fontRef>
+    <cs:spPr>
+      <a:noFill/>
+      <a:ln>
+        <a:noFill/>
+      </a:ln>
+    </cs:spPr>
+  </cs:wall>
+</cs:chartStyle>
+</file>
+
 <file path=ppt/notesMasters/notesMaster1.xml><?xml version="1.0" encoding="utf-8"?>
 <p:notesMaster xmlns:a="http://schemas.openxmlformats.org/drawingml/2006/main" xmlns:r="http://schemas.openxmlformats.org/officeDocument/2006/relationships" xmlns:p="http://schemas.openxmlformats.org/presentationml/2006/main">
   <p:cSld>
@@ -210,7 +1438,7 @@
           <a:p>
             <a:fld id="{3E76E294-BBA0-4AAE-A1F9-80FF5E77064A}" type="datetimeFigureOut">
               <a:rPr lang="en-AU" smtClean="0"/>
-              <a:t>7/06/2016</a:t>
+              <a:t>15/06/2016</a:t>
             </a:fld>
             <a:endParaRPr lang="en-AU"/>
           </a:p>
@@ -576,6 +1804,98 @@
 </p:notes>
 </file>
 
+<file path=ppt/notesSlides/notesSlide2.xml><?xml version="1.0" encoding="utf-8"?>
+<p:notes xmlns:a="http://schemas.openxmlformats.org/drawingml/2006/main" xmlns:r="http://schemas.openxmlformats.org/officeDocument/2006/relationships" xmlns:p="http://schemas.openxmlformats.org/presentationml/2006/main">
+  <p:cSld>
+    <p:spTree>
+      <p:nvGrpSpPr>
+        <p:cNvPr id="1" name=""/>
+        <p:cNvGrpSpPr/>
+        <p:nvPr/>
+      </p:nvGrpSpPr>
+      <p:grpSpPr>
+        <a:xfrm>
+          <a:off x="0" y="0"/>
+          <a:ext cx="0" cy="0"/>
+          <a:chOff x="0" y="0"/>
+          <a:chExt cx="0" cy="0"/>
+        </a:xfrm>
+      </p:grpSpPr>
+      <p:sp>
+        <p:nvSpPr>
+          <p:cNvPr id="2" name="Slide Image Placeholder 1"/>
+          <p:cNvSpPr>
+            <a:spLocks noGrp="1" noRot="1" noChangeAspect="1"/>
+          </p:cNvSpPr>
+          <p:nvPr>
+            <p:ph type="sldImg"/>
+          </p:nvPr>
+        </p:nvSpPr>
+        <p:spPr/>
+      </p:sp>
+      <p:sp>
+        <p:nvSpPr>
+          <p:cNvPr id="3" name="Notes Placeholder 2"/>
+          <p:cNvSpPr>
+            <a:spLocks noGrp="1"/>
+          </p:cNvSpPr>
+          <p:nvPr>
+            <p:ph type="body" idx="1"/>
+          </p:nvPr>
+        </p:nvSpPr>
+        <p:spPr/>
+        <p:txBody>
+          <a:bodyPr/>
+          <a:lstStyle/>
+          <a:p>
+            <a:r>
+              <a:rPr lang="en-US" dirty="0" smtClean="0"/>
+              <a:t>Rab27</a:t>
+            </a:r>
+            <a:r>
+              <a:rPr lang="en-US" baseline="0" dirty="0" smtClean="0"/>
+              <a:t> allows for the return of the MVB to the plasma membrane. </a:t>
+            </a:r>
+            <a:endParaRPr lang="en-AU" dirty="0"/>
+          </a:p>
+        </p:txBody>
+      </p:sp>
+      <p:sp>
+        <p:nvSpPr>
+          <p:cNvPr id="4" name="Slide Number Placeholder 3"/>
+          <p:cNvSpPr>
+            <a:spLocks noGrp="1"/>
+          </p:cNvSpPr>
+          <p:nvPr>
+            <p:ph type="sldNum" sz="quarter" idx="10"/>
+          </p:nvPr>
+        </p:nvSpPr>
+        <p:spPr/>
+        <p:txBody>
+          <a:bodyPr/>
+          <a:lstStyle/>
+          <a:p>
+            <a:fld id="{504F0287-5C00-4321-9B5B-B42CA9EA4453}" type="slidenum">
+              <a:rPr lang="en-AU" smtClean="0"/>
+              <a:t>3</a:t>
+            </a:fld>
+            <a:endParaRPr lang="en-AU"/>
+          </a:p>
+        </p:txBody>
+      </p:sp>
+    </p:spTree>
+    <p:extLst>
+      <p:ext uri="{BB962C8B-B14F-4D97-AF65-F5344CB8AC3E}">
+        <p14:creationId xmlns:p14="http://schemas.microsoft.com/office/powerpoint/2010/main" val="4054762114"/>
+      </p:ext>
+    </p:extLst>
+  </p:cSld>
+  <p:clrMapOvr>
+    <a:masterClrMapping/>
+  </p:clrMapOvr>
+</p:notes>
+</file>
+
 <file path=ppt/slideLayouts/slideLayout1.xml><?xml version="1.0" encoding="utf-8"?>
 <p:sldLayout xmlns:a="http://schemas.openxmlformats.org/drawingml/2006/main" xmlns:r="http://schemas.openxmlformats.org/officeDocument/2006/relationships" xmlns:p="http://schemas.openxmlformats.org/presentationml/2006/main" type="title" preserve="1">
   <p:cSld name="Title Slide">
@@ -605,15 +1925,15 @@
         </p:nvSpPr>
         <p:spPr>
           <a:xfrm>
-            <a:off x="1524000" y="1122363"/>
-            <a:ext cx="9144000" cy="2387600"/>
+            <a:off x="1154955" y="1447800"/>
+            <a:ext cx="8825658" cy="3329581"/>
           </a:xfrm>
         </p:spPr>
         <p:txBody>
           <a:bodyPr anchor="b"/>
           <a:lstStyle>
-            <a:lvl1pPr algn="ctr">
-              <a:defRPr sz="6000"/>
+            <a:lvl1pPr>
+              <a:defRPr sz="7200"/>
             </a:lvl1pPr>
           </a:lstStyle>
           <a:p>
@@ -621,7 +1941,7 @@
               <a:rPr lang="en-US" smtClean="0"/>
               <a:t>Click to edit Master title style</a:t>
             </a:r>
-            <a:endParaRPr lang="en-AU"/>
+            <a:endParaRPr lang="en-US" dirty="0"/>
           </a:p>
         </p:txBody>
       </p:sp>
@@ -637,48 +1957,103 @@
         </p:nvSpPr>
         <p:spPr>
           <a:xfrm>
-            <a:off x="1524000" y="3602038"/>
-            <a:ext cx="9144000" cy="1655762"/>
+            <a:off x="1154955" y="4777380"/>
+            <a:ext cx="8825658" cy="861420"/>
           </a:xfrm>
         </p:spPr>
         <p:txBody>
-          <a:bodyPr/>
+          <a:bodyPr anchor="t"/>
           <a:lstStyle>
-            <a:lvl1pPr marL="0" indent="0" algn="ctr">
-              <a:buNone/>
-              <a:defRPr sz="2400"/>
+            <a:lvl1pPr marL="0" indent="0" algn="l">
+              <a:buNone/>
+              <a:defRPr cap="all">
+                <a:solidFill>
+                  <a:schemeClr val="bg2">
+                    <a:lumMod val="40000"/>
+                    <a:lumOff val="60000"/>
+                  </a:schemeClr>
+                </a:solidFill>
+              </a:defRPr>
             </a:lvl1pPr>
             <a:lvl2pPr marL="457200" indent="0" algn="ctr">
               <a:buNone/>
-              <a:defRPr sz="2000"/>
+              <a:defRPr>
+                <a:solidFill>
+                  <a:schemeClr val="tx1">
+                    <a:tint val="75000"/>
+                  </a:schemeClr>
+                </a:solidFill>
+              </a:defRPr>
             </a:lvl2pPr>
             <a:lvl3pPr marL="914400" indent="0" algn="ctr">
               <a:buNone/>
-              <a:defRPr sz="1800"/>
+              <a:defRPr>
+                <a:solidFill>
+                  <a:schemeClr val="tx1">
+                    <a:tint val="75000"/>
+                  </a:schemeClr>
+                </a:solidFill>
+              </a:defRPr>
             </a:lvl3pPr>
             <a:lvl4pPr marL="1371600" indent="0" algn="ctr">
               <a:buNone/>
-              <a:defRPr sz="1600"/>
+              <a:defRPr>
+                <a:solidFill>
+                  <a:schemeClr val="tx1">
+                    <a:tint val="75000"/>
+                  </a:schemeClr>
+                </a:solidFill>
+              </a:defRPr>
             </a:lvl4pPr>
             <a:lvl5pPr marL="1828800" indent="0" algn="ctr">
               <a:buNone/>
-              <a:defRPr sz="1600"/>
+              <a:defRPr>
+                <a:solidFill>
+                  <a:schemeClr val="tx1">
+                    <a:tint val="75000"/>
+                  </a:schemeClr>
+                </a:solidFill>
+              </a:defRPr>
             </a:lvl5pPr>
             <a:lvl6pPr marL="2286000" indent="0" algn="ctr">
               <a:buNone/>
-              <a:defRPr sz="1600"/>
+              <a:defRPr>
+                <a:solidFill>
+                  <a:schemeClr val="tx1">
+                    <a:tint val="75000"/>
+                  </a:schemeClr>
+                </a:solidFill>
+              </a:defRPr>
             </a:lvl6pPr>
             <a:lvl7pPr marL="2743200" indent="0" algn="ctr">
               <a:buNone/>
-              <a:defRPr sz="1600"/>
+              <a:defRPr>
+                <a:solidFill>
+                  <a:schemeClr val="tx1">
+                    <a:tint val="75000"/>
+                  </a:schemeClr>
+                </a:solidFill>
+              </a:defRPr>
             </a:lvl7pPr>
             <a:lvl8pPr marL="3200400" indent="0" algn="ctr">
               <a:buNone/>
-              <a:defRPr sz="1600"/>
+              <a:defRPr>
+                <a:solidFill>
+                  <a:schemeClr val="tx1">
+                    <a:tint val="75000"/>
+                  </a:schemeClr>
+                </a:solidFill>
+              </a:defRPr>
             </a:lvl8pPr>
             <a:lvl9pPr marL="3657600" indent="0" algn="ctr">
               <a:buNone/>
-              <a:defRPr sz="1600"/>
+              <a:defRPr>
+                <a:solidFill>
+                  <a:schemeClr val="tx1">
+                    <a:tint val="75000"/>
+                  </a:schemeClr>
+                </a:solidFill>
+              </a:defRPr>
             </a:lvl9pPr>
           </a:lstStyle>
           <a:p>
@@ -686,7 +2061,7 @@
               <a:rPr lang="en-US" smtClean="0"/>
               <a:t>Click to edit Master subtitle style</a:t>
             </a:r>
-            <a:endParaRPr lang="en-AU"/>
+            <a:endParaRPr lang="en-US" dirty="0"/>
           </a:p>
         </p:txBody>
       </p:sp>
@@ -707,7 +2082,7 @@
           <a:p>
             <a:fld id="{7D50A433-14A5-4014-A22C-49E731E6083D}" type="datetimeFigureOut">
               <a:rPr lang="en-AU" smtClean="0"/>
-              <a:t>7/06/2016</a:t>
+              <a:t>15/06/2016</a:t>
             </a:fld>
             <a:endParaRPr lang="en-AU"/>
           </a:p>
@@ -758,7 +2133,7 @@
     </p:spTree>
     <p:extLst>
       <p:ext uri="{BB962C8B-B14F-4D97-AF65-F5344CB8AC3E}">
-        <p14:creationId xmlns:p14="http://schemas.microsoft.com/office/powerpoint/2010/main" val="2746392439"/>
+        <p14:creationId xmlns:p14="http://schemas.microsoft.com/office/powerpoint/2010/main" val="3637316807"/>
       </p:ext>
     </p:extLst>
   </p:cSld>
@@ -769,6 +2144,2572 @@
 </file>
 
 <file path=ppt/slideLayouts/slideLayout10.xml><?xml version="1.0" encoding="utf-8"?>
+<p:sldLayout xmlns:a="http://schemas.openxmlformats.org/drawingml/2006/main" xmlns:r="http://schemas.openxmlformats.org/officeDocument/2006/relationships" xmlns:p="http://schemas.openxmlformats.org/presentationml/2006/main" preserve="1">
+  <p:cSld name="Panoramic Picture with Caption">
+    <p:spTree>
+      <p:nvGrpSpPr>
+        <p:cNvPr id="1" name=""/>
+        <p:cNvGrpSpPr/>
+        <p:nvPr/>
+      </p:nvGrpSpPr>
+      <p:grpSpPr>
+        <a:xfrm>
+          <a:off x="0" y="0"/>
+          <a:ext cx="0" cy="0"/>
+          <a:chOff x="0" y="0"/>
+          <a:chExt cx="0" cy="0"/>
+        </a:xfrm>
+      </p:grpSpPr>
+      <p:sp>
+        <p:nvSpPr>
+          <p:cNvPr id="2" name="Title 1"/>
+          <p:cNvSpPr>
+            <a:spLocks noGrp="1"/>
+          </p:cNvSpPr>
+          <p:nvPr>
+            <p:ph type="title"/>
+          </p:nvPr>
+        </p:nvSpPr>
+        <p:spPr>
+          <a:xfrm>
+            <a:off x="1154956" y="4800587"/>
+            <a:ext cx="8825657" cy="566738"/>
+          </a:xfrm>
+        </p:spPr>
+        <p:txBody>
+          <a:bodyPr anchor="b">
+            <a:normAutofit/>
+          </a:bodyPr>
+          <a:lstStyle>
+            <a:lvl1pPr algn="l">
+              <a:defRPr sz="2400" b="0"/>
+            </a:lvl1pPr>
+          </a:lstStyle>
+          <a:p>
+            <a:r>
+              <a:rPr lang="en-US" smtClean="0"/>
+              <a:t>Click to edit Master title style</a:t>
+            </a:r>
+            <a:endParaRPr lang="en-US" dirty="0"/>
+          </a:p>
+        </p:txBody>
+      </p:sp>
+      <p:sp>
+        <p:nvSpPr>
+          <p:cNvPr id="3" name="Picture Placeholder 2"/>
+          <p:cNvSpPr>
+            <a:spLocks noGrp="1" noChangeAspect="1"/>
+          </p:cNvSpPr>
+          <p:nvPr>
+            <p:ph type="pic" idx="1"/>
+          </p:nvPr>
+        </p:nvSpPr>
+        <p:spPr>
+          <a:xfrm>
+            <a:off x="1154955" y="685800"/>
+            <a:ext cx="8825658" cy="3640666"/>
+          </a:xfrm>
+          <a:prstGeom prst="roundRect">
+            <a:avLst>
+              <a:gd name="adj" fmla="val 1858"/>
+            </a:avLst>
+          </a:prstGeom>
+          <a:effectLst>
+            <a:outerShdw blurRad="50800" dist="50800" dir="5400000" algn="tl" rotWithShape="0">
+              <a:srgbClr val="000000">
+                <a:alpha val="43000"/>
+              </a:srgbClr>
+            </a:outerShdw>
+          </a:effectLst>
+        </p:spPr>
+        <p:txBody>
+          <a:bodyPr anchor="t">
+            <a:normAutofit/>
+          </a:bodyPr>
+          <a:lstStyle>
+            <a:lvl1pPr marL="0" indent="0" algn="ctr">
+              <a:buNone/>
+              <a:defRPr sz="1600"/>
+            </a:lvl1pPr>
+            <a:lvl2pPr marL="457200" indent="0">
+              <a:buNone/>
+              <a:defRPr sz="1600"/>
+            </a:lvl2pPr>
+            <a:lvl3pPr marL="914400" indent="0">
+              <a:buNone/>
+              <a:defRPr sz="1600"/>
+            </a:lvl3pPr>
+            <a:lvl4pPr marL="1371600" indent="0">
+              <a:buNone/>
+              <a:defRPr sz="1600"/>
+            </a:lvl4pPr>
+            <a:lvl5pPr marL="1828800" indent="0">
+              <a:buNone/>
+              <a:defRPr sz="1600"/>
+            </a:lvl5pPr>
+            <a:lvl6pPr marL="2286000" indent="0">
+              <a:buNone/>
+              <a:defRPr sz="1600"/>
+            </a:lvl6pPr>
+            <a:lvl7pPr marL="2743200" indent="0">
+              <a:buNone/>
+              <a:defRPr sz="1600"/>
+            </a:lvl7pPr>
+            <a:lvl8pPr marL="3200400" indent="0">
+              <a:buNone/>
+              <a:defRPr sz="1600"/>
+            </a:lvl8pPr>
+            <a:lvl9pPr marL="3657600" indent="0">
+              <a:buNone/>
+              <a:defRPr sz="1600"/>
+            </a:lvl9pPr>
+          </a:lstStyle>
+          <a:p>
+            <a:r>
+              <a:rPr lang="en-US" smtClean="0"/>
+              <a:t>Click icon to add picture</a:t>
+            </a:r>
+            <a:endParaRPr lang="en-US" dirty="0"/>
+          </a:p>
+        </p:txBody>
+      </p:sp>
+      <p:sp>
+        <p:nvSpPr>
+          <p:cNvPr id="4" name="Text Placeholder 3"/>
+          <p:cNvSpPr>
+            <a:spLocks noGrp="1"/>
+          </p:cNvSpPr>
+          <p:nvPr>
+            <p:ph type="body" sz="half" idx="2"/>
+          </p:nvPr>
+        </p:nvSpPr>
+        <p:spPr>
+          <a:xfrm>
+            <a:off x="1154956" y="5367325"/>
+            <a:ext cx="8825656" cy="493712"/>
+          </a:xfrm>
+        </p:spPr>
+        <p:txBody>
+          <a:bodyPr>
+            <a:normAutofit/>
+          </a:bodyPr>
+          <a:lstStyle>
+            <a:lvl1pPr marL="0" indent="0">
+              <a:buNone/>
+              <a:defRPr sz="1200"/>
+            </a:lvl1pPr>
+            <a:lvl2pPr marL="457200" indent="0">
+              <a:buNone/>
+              <a:defRPr sz="1200"/>
+            </a:lvl2pPr>
+            <a:lvl3pPr marL="914400" indent="0">
+              <a:buNone/>
+              <a:defRPr sz="1000"/>
+            </a:lvl3pPr>
+            <a:lvl4pPr marL="1371600" indent="0">
+              <a:buNone/>
+              <a:defRPr sz="900"/>
+            </a:lvl4pPr>
+            <a:lvl5pPr marL="1828800" indent="0">
+              <a:buNone/>
+              <a:defRPr sz="900"/>
+            </a:lvl5pPr>
+            <a:lvl6pPr marL="2286000" indent="0">
+              <a:buNone/>
+              <a:defRPr sz="900"/>
+            </a:lvl6pPr>
+            <a:lvl7pPr marL="2743200" indent="0">
+              <a:buNone/>
+              <a:defRPr sz="900"/>
+            </a:lvl7pPr>
+            <a:lvl8pPr marL="3200400" indent="0">
+              <a:buNone/>
+              <a:defRPr sz="900"/>
+            </a:lvl8pPr>
+            <a:lvl9pPr marL="3657600" indent="0">
+              <a:buNone/>
+              <a:defRPr sz="900"/>
+            </a:lvl9pPr>
+          </a:lstStyle>
+          <a:p>
+            <a:pPr lvl="0"/>
+            <a:r>
+              <a:rPr lang="en-US" smtClean="0"/>
+              <a:t>Click to edit Master text styles</a:t>
+            </a:r>
+          </a:p>
+        </p:txBody>
+      </p:sp>
+      <p:sp>
+        <p:nvSpPr>
+          <p:cNvPr id="5" name="Date Placeholder 4"/>
+          <p:cNvSpPr>
+            <a:spLocks noGrp="1"/>
+          </p:cNvSpPr>
+          <p:nvPr>
+            <p:ph type="dt" sz="half" idx="10"/>
+          </p:nvPr>
+        </p:nvSpPr>
+        <p:spPr/>
+        <p:txBody>
+          <a:bodyPr/>
+          <a:lstStyle/>
+          <a:p>
+            <a:fld id="{7D50A433-14A5-4014-A22C-49E731E6083D}" type="datetimeFigureOut">
+              <a:rPr lang="en-AU" smtClean="0"/>
+              <a:t>15/06/2016</a:t>
+            </a:fld>
+            <a:endParaRPr lang="en-AU"/>
+          </a:p>
+        </p:txBody>
+      </p:sp>
+      <p:sp>
+        <p:nvSpPr>
+          <p:cNvPr id="6" name="Footer Placeholder 5"/>
+          <p:cNvSpPr>
+            <a:spLocks noGrp="1"/>
+          </p:cNvSpPr>
+          <p:nvPr>
+            <p:ph type="ftr" sz="quarter" idx="11"/>
+          </p:nvPr>
+        </p:nvSpPr>
+        <p:spPr/>
+        <p:txBody>
+          <a:bodyPr/>
+          <a:lstStyle/>
+          <a:p>
+            <a:endParaRPr lang="en-AU"/>
+          </a:p>
+        </p:txBody>
+      </p:sp>
+      <p:sp>
+        <p:nvSpPr>
+          <p:cNvPr id="7" name="Slide Number Placeholder 6"/>
+          <p:cNvSpPr>
+            <a:spLocks noGrp="1"/>
+          </p:cNvSpPr>
+          <p:nvPr>
+            <p:ph type="sldNum" sz="quarter" idx="12"/>
+          </p:nvPr>
+        </p:nvSpPr>
+        <p:spPr/>
+        <p:txBody>
+          <a:bodyPr/>
+          <a:lstStyle/>
+          <a:p>
+            <a:fld id="{44089D24-1FCD-4B3B-BEA8-E1F721F0147C}" type="slidenum">
+              <a:rPr lang="en-AU" smtClean="0"/>
+              <a:t>‹#›</a:t>
+            </a:fld>
+            <a:endParaRPr lang="en-AU"/>
+          </a:p>
+        </p:txBody>
+      </p:sp>
+    </p:spTree>
+    <p:extLst>
+      <p:ext uri="{BB962C8B-B14F-4D97-AF65-F5344CB8AC3E}">
+        <p14:creationId xmlns:p14="http://schemas.microsoft.com/office/powerpoint/2010/main" val="294997834"/>
+      </p:ext>
+    </p:extLst>
+  </p:cSld>
+  <p:clrMapOvr>
+    <a:masterClrMapping/>
+  </p:clrMapOvr>
+</p:sldLayout>
+</file>
+
+<file path=ppt/slideLayouts/slideLayout11.xml><?xml version="1.0" encoding="utf-8"?>
+<p:sldLayout xmlns:a="http://schemas.openxmlformats.org/drawingml/2006/main" xmlns:r="http://schemas.openxmlformats.org/officeDocument/2006/relationships" xmlns:p="http://schemas.openxmlformats.org/presentationml/2006/main" preserve="1">
+  <p:cSld name="Title and Caption">
+    <p:spTree>
+      <p:nvGrpSpPr>
+        <p:cNvPr id="1" name=""/>
+        <p:cNvGrpSpPr/>
+        <p:nvPr/>
+      </p:nvGrpSpPr>
+      <p:grpSpPr>
+        <a:xfrm>
+          <a:off x="0" y="0"/>
+          <a:ext cx="0" cy="0"/>
+          <a:chOff x="0" y="0"/>
+          <a:chExt cx="0" cy="0"/>
+        </a:xfrm>
+      </p:grpSpPr>
+      <p:sp>
+        <p:nvSpPr>
+          <p:cNvPr id="2" name="Title 1"/>
+          <p:cNvSpPr>
+            <a:spLocks noGrp="1"/>
+          </p:cNvSpPr>
+          <p:nvPr>
+            <p:ph type="title"/>
+          </p:nvPr>
+        </p:nvSpPr>
+        <p:spPr>
+          <a:xfrm>
+            <a:off x="1154954" y="1447800"/>
+            <a:ext cx="8825659" cy="1981200"/>
+          </a:xfrm>
+        </p:spPr>
+        <p:txBody>
+          <a:bodyPr/>
+          <a:lstStyle>
+            <a:lvl1pPr>
+              <a:defRPr sz="4800"/>
+            </a:lvl1pPr>
+          </a:lstStyle>
+          <a:p>
+            <a:r>
+              <a:rPr lang="en-US" smtClean="0"/>
+              <a:t>Click to edit Master title style</a:t>
+            </a:r>
+            <a:endParaRPr lang="en-US" dirty="0"/>
+          </a:p>
+        </p:txBody>
+      </p:sp>
+      <p:sp>
+        <p:nvSpPr>
+          <p:cNvPr id="8" name="Text Placeholder 3"/>
+          <p:cNvSpPr>
+            <a:spLocks noGrp="1"/>
+          </p:cNvSpPr>
+          <p:nvPr>
+            <p:ph type="body" sz="half" idx="2"/>
+          </p:nvPr>
+        </p:nvSpPr>
+        <p:spPr>
+          <a:xfrm>
+            <a:off x="1154954" y="3657600"/>
+            <a:ext cx="8825659" cy="2362200"/>
+          </a:xfrm>
+        </p:spPr>
+        <p:txBody>
+          <a:bodyPr anchor="ctr">
+            <a:normAutofit/>
+          </a:bodyPr>
+          <a:lstStyle>
+            <a:lvl1pPr marL="0" indent="0">
+              <a:buNone/>
+              <a:defRPr sz="1800"/>
+            </a:lvl1pPr>
+            <a:lvl2pPr marL="457200" indent="0">
+              <a:buNone/>
+              <a:defRPr sz="1200"/>
+            </a:lvl2pPr>
+            <a:lvl3pPr marL="914400" indent="0">
+              <a:buNone/>
+              <a:defRPr sz="1000"/>
+            </a:lvl3pPr>
+            <a:lvl4pPr marL="1371600" indent="0">
+              <a:buNone/>
+              <a:defRPr sz="900"/>
+            </a:lvl4pPr>
+            <a:lvl5pPr marL="1828800" indent="0">
+              <a:buNone/>
+              <a:defRPr sz="900"/>
+            </a:lvl5pPr>
+            <a:lvl6pPr marL="2286000" indent="0">
+              <a:buNone/>
+              <a:defRPr sz="900"/>
+            </a:lvl6pPr>
+            <a:lvl7pPr marL="2743200" indent="0">
+              <a:buNone/>
+              <a:defRPr sz="900"/>
+            </a:lvl7pPr>
+            <a:lvl8pPr marL="3200400" indent="0">
+              <a:buNone/>
+              <a:defRPr sz="900"/>
+            </a:lvl8pPr>
+            <a:lvl9pPr marL="3657600" indent="0">
+              <a:buNone/>
+              <a:defRPr sz="900"/>
+            </a:lvl9pPr>
+          </a:lstStyle>
+          <a:p>
+            <a:pPr lvl="0"/>
+            <a:r>
+              <a:rPr lang="en-US" smtClean="0"/>
+              <a:t>Click to edit Master text styles</a:t>
+            </a:r>
+          </a:p>
+        </p:txBody>
+      </p:sp>
+      <p:sp>
+        <p:nvSpPr>
+          <p:cNvPr id="4" name="Date Placeholder 3"/>
+          <p:cNvSpPr>
+            <a:spLocks noGrp="1"/>
+          </p:cNvSpPr>
+          <p:nvPr>
+            <p:ph type="dt" sz="half" idx="10"/>
+          </p:nvPr>
+        </p:nvSpPr>
+        <p:spPr/>
+        <p:txBody>
+          <a:bodyPr/>
+          <a:lstStyle/>
+          <a:p>
+            <a:fld id="{7D50A433-14A5-4014-A22C-49E731E6083D}" type="datetimeFigureOut">
+              <a:rPr lang="en-AU" smtClean="0"/>
+              <a:t>15/06/2016</a:t>
+            </a:fld>
+            <a:endParaRPr lang="en-AU"/>
+          </a:p>
+        </p:txBody>
+      </p:sp>
+      <p:sp>
+        <p:nvSpPr>
+          <p:cNvPr id="5" name="Footer Placeholder 4"/>
+          <p:cNvSpPr>
+            <a:spLocks noGrp="1"/>
+          </p:cNvSpPr>
+          <p:nvPr>
+            <p:ph type="ftr" sz="quarter" idx="11"/>
+          </p:nvPr>
+        </p:nvSpPr>
+        <p:spPr/>
+        <p:txBody>
+          <a:bodyPr/>
+          <a:lstStyle/>
+          <a:p>
+            <a:endParaRPr lang="en-AU"/>
+          </a:p>
+        </p:txBody>
+      </p:sp>
+      <p:sp>
+        <p:nvSpPr>
+          <p:cNvPr id="6" name="Slide Number Placeholder 5"/>
+          <p:cNvSpPr>
+            <a:spLocks noGrp="1"/>
+          </p:cNvSpPr>
+          <p:nvPr>
+            <p:ph type="sldNum" sz="quarter" idx="12"/>
+          </p:nvPr>
+        </p:nvSpPr>
+        <p:spPr/>
+        <p:txBody>
+          <a:bodyPr/>
+          <a:lstStyle/>
+          <a:p>
+            <a:fld id="{44089D24-1FCD-4B3B-BEA8-E1F721F0147C}" type="slidenum">
+              <a:rPr lang="en-AU" smtClean="0"/>
+              <a:t>‹#›</a:t>
+            </a:fld>
+            <a:endParaRPr lang="en-AU"/>
+          </a:p>
+        </p:txBody>
+      </p:sp>
+    </p:spTree>
+    <p:extLst>
+      <p:ext uri="{BB962C8B-B14F-4D97-AF65-F5344CB8AC3E}">
+        <p14:creationId xmlns:p14="http://schemas.microsoft.com/office/powerpoint/2010/main" val="3296366745"/>
+      </p:ext>
+    </p:extLst>
+  </p:cSld>
+  <p:clrMapOvr>
+    <a:masterClrMapping/>
+  </p:clrMapOvr>
+</p:sldLayout>
+</file>
+
+<file path=ppt/slideLayouts/slideLayout12.xml><?xml version="1.0" encoding="utf-8"?>
+<p:sldLayout xmlns:a="http://schemas.openxmlformats.org/drawingml/2006/main" xmlns:r="http://schemas.openxmlformats.org/officeDocument/2006/relationships" xmlns:p="http://schemas.openxmlformats.org/presentationml/2006/main" preserve="1">
+  <p:cSld name="Quote with Caption">
+    <p:spTree>
+      <p:nvGrpSpPr>
+        <p:cNvPr id="1" name=""/>
+        <p:cNvGrpSpPr/>
+        <p:nvPr/>
+      </p:nvGrpSpPr>
+      <p:grpSpPr>
+        <a:xfrm>
+          <a:off x="0" y="0"/>
+          <a:ext cx="0" cy="0"/>
+          <a:chOff x="0" y="0"/>
+          <a:chExt cx="0" cy="0"/>
+        </a:xfrm>
+      </p:grpSpPr>
+      <p:sp>
+        <p:nvSpPr>
+          <p:cNvPr id="2" name="Title 1"/>
+          <p:cNvSpPr>
+            <a:spLocks noGrp="1"/>
+          </p:cNvSpPr>
+          <p:nvPr>
+            <p:ph type="title"/>
+          </p:nvPr>
+        </p:nvSpPr>
+        <p:spPr>
+          <a:xfrm>
+            <a:off x="1574801" y="1447800"/>
+            <a:ext cx="7999315" cy="2323374"/>
+          </a:xfrm>
+        </p:spPr>
+        <p:txBody>
+          <a:bodyPr/>
+          <a:lstStyle>
+            <a:lvl1pPr>
+              <a:defRPr sz="4800"/>
+            </a:lvl1pPr>
+          </a:lstStyle>
+          <a:p>
+            <a:r>
+              <a:rPr lang="en-US" smtClean="0"/>
+              <a:t>Click to edit Master title style</a:t>
+            </a:r>
+            <a:endParaRPr lang="en-US" dirty="0"/>
+          </a:p>
+        </p:txBody>
+      </p:sp>
+      <p:sp>
+        <p:nvSpPr>
+          <p:cNvPr id="11" name="Text Placeholder 3"/>
+          <p:cNvSpPr>
+            <a:spLocks noGrp="1"/>
+          </p:cNvSpPr>
+          <p:nvPr>
+            <p:ph type="body" sz="half" idx="14"/>
+          </p:nvPr>
+        </p:nvSpPr>
+        <p:spPr>
+          <a:xfrm>
+            <a:off x="1930400" y="3771174"/>
+            <a:ext cx="7279649" cy="342174"/>
+          </a:xfrm>
+        </p:spPr>
+        <p:txBody>
+          <a:bodyPr vert="horz" lIns="91440" tIns="45720" rIns="91440" bIns="45720" rtlCol="0" anchor="t">
+            <a:normAutofit/>
+          </a:bodyPr>
+          <a:lstStyle>
+            <a:lvl1pPr marL="0" indent="0">
+              <a:buNone/>
+              <a:defRPr lang="en-US" sz="1400" b="0" i="0" kern="1200" cap="small" dirty="0">
+                <a:solidFill>
+                  <a:schemeClr val="bg2">
+                    <a:lumMod val="40000"/>
+                    <a:lumOff val="60000"/>
+                  </a:schemeClr>
+                </a:solidFill>
+                <a:latin typeface="+mj-lt"/>
+                <a:ea typeface="+mj-ea"/>
+                <a:cs typeface="+mj-cs"/>
+              </a:defRPr>
+            </a:lvl1pPr>
+            <a:lvl2pPr marL="457200" indent="0">
+              <a:buNone/>
+              <a:defRPr sz="1200"/>
+            </a:lvl2pPr>
+            <a:lvl3pPr marL="914400" indent="0">
+              <a:buNone/>
+              <a:defRPr sz="1000"/>
+            </a:lvl3pPr>
+            <a:lvl4pPr marL="1371600" indent="0">
+              <a:buNone/>
+              <a:defRPr sz="900"/>
+            </a:lvl4pPr>
+            <a:lvl5pPr marL="1828800" indent="0">
+              <a:buNone/>
+              <a:defRPr sz="900"/>
+            </a:lvl5pPr>
+            <a:lvl6pPr marL="2286000" indent="0">
+              <a:buNone/>
+              <a:defRPr sz="900"/>
+            </a:lvl6pPr>
+            <a:lvl7pPr marL="2743200" indent="0">
+              <a:buNone/>
+              <a:defRPr sz="900"/>
+            </a:lvl7pPr>
+            <a:lvl8pPr marL="3200400" indent="0">
+              <a:buNone/>
+              <a:defRPr sz="900"/>
+            </a:lvl8pPr>
+            <a:lvl9pPr marL="3657600" indent="0">
+              <a:buNone/>
+              <a:defRPr sz="900"/>
+            </a:lvl9pPr>
+          </a:lstStyle>
+          <a:p>
+            <a:pPr marL="0" lvl="0" indent="0">
+              <a:buNone/>
+            </a:pPr>
+            <a:r>
+              <a:rPr lang="en-US" smtClean="0"/>
+              <a:t>Click to edit Master text styles</a:t>
+            </a:r>
+          </a:p>
+        </p:txBody>
+      </p:sp>
+      <p:sp>
+        <p:nvSpPr>
+          <p:cNvPr id="10" name="Text Placeholder 3"/>
+          <p:cNvSpPr>
+            <a:spLocks noGrp="1"/>
+          </p:cNvSpPr>
+          <p:nvPr>
+            <p:ph type="body" sz="half" idx="2"/>
+          </p:nvPr>
+        </p:nvSpPr>
+        <p:spPr>
+          <a:xfrm>
+            <a:off x="1154954" y="4350657"/>
+            <a:ext cx="8825659" cy="1676400"/>
+          </a:xfrm>
+        </p:spPr>
+        <p:txBody>
+          <a:bodyPr anchor="ctr">
+            <a:normAutofit/>
+          </a:bodyPr>
+          <a:lstStyle>
+            <a:lvl1pPr marL="0" indent="0">
+              <a:buNone/>
+              <a:defRPr sz="1800"/>
+            </a:lvl1pPr>
+            <a:lvl2pPr marL="457200" indent="0">
+              <a:buNone/>
+              <a:defRPr sz="1200"/>
+            </a:lvl2pPr>
+            <a:lvl3pPr marL="914400" indent="0">
+              <a:buNone/>
+              <a:defRPr sz="1000"/>
+            </a:lvl3pPr>
+            <a:lvl4pPr marL="1371600" indent="0">
+              <a:buNone/>
+              <a:defRPr sz="900"/>
+            </a:lvl4pPr>
+            <a:lvl5pPr marL="1828800" indent="0">
+              <a:buNone/>
+              <a:defRPr sz="900"/>
+            </a:lvl5pPr>
+            <a:lvl6pPr marL="2286000" indent="0">
+              <a:buNone/>
+              <a:defRPr sz="900"/>
+            </a:lvl6pPr>
+            <a:lvl7pPr marL="2743200" indent="0">
+              <a:buNone/>
+              <a:defRPr sz="900"/>
+            </a:lvl7pPr>
+            <a:lvl8pPr marL="3200400" indent="0">
+              <a:buNone/>
+              <a:defRPr sz="900"/>
+            </a:lvl8pPr>
+            <a:lvl9pPr marL="3657600" indent="0">
+              <a:buNone/>
+              <a:defRPr sz="900"/>
+            </a:lvl9pPr>
+          </a:lstStyle>
+          <a:p>
+            <a:pPr lvl="0"/>
+            <a:r>
+              <a:rPr lang="en-US" smtClean="0"/>
+              <a:t>Click to edit Master text styles</a:t>
+            </a:r>
+          </a:p>
+        </p:txBody>
+      </p:sp>
+      <p:sp>
+        <p:nvSpPr>
+          <p:cNvPr id="4" name="Date Placeholder 3"/>
+          <p:cNvSpPr>
+            <a:spLocks noGrp="1"/>
+          </p:cNvSpPr>
+          <p:nvPr>
+            <p:ph type="dt" sz="half" idx="10"/>
+          </p:nvPr>
+        </p:nvSpPr>
+        <p:spPr/>
+        <p:txBody>
+          <a:bodyPr/>
+          <a:lstStyle/>
+          <a:p>
+            <a:fld id="{7D50A433-14A5-4014-A22C-49E731E6083D}" type="datetimeFigureOut">
+              <a:rPr lang="en-AU" smtClean="0"/>
+              <a:t>15/06/2016</a:t>
+            </a:fld>
+            <a:endParaRPr lang="en-AU"/>
+          </a:p>
+        </p:txBody>
+      </p:sp>
+      <p:sp>
+        <p:nvSpPr>
+          <p:cNvPr id="5" name="Footer Placeholder 4"/>
+          <p:cNvSpPr>
+            <a:spLocks noGrp="1"/>
+          </p:cNvSpPr>
+          <p:nvPr>
+            <p:ph type="ftr" sz="quarter" idx="11"/>
+          </p:nvPr>
+        </p:nvSpPr>
+        <p:spPr/>
+        <p:txBody>
+          <a:bodyPr/>
+          <a:lstStyle/>
+          <a:p>
+            <a:endParaRPr lang="en-AU"/>
+          </a:p>
+        </p:txBody>
+      </p:sp>
+      <p:sp>
+        <p:nvSpPr>
+          <p:cNvPr id="6" name="Slide Number Placeholder 5"/>
+          <p:cNvSpPr>
+            <a:spLocks noGrp="1"/>
+          </p:cNvSpPr>
+          <p:nvPr>
+            <p:ph type="sldNum" sz="quarter" idx="12"/>
+          </p:nvPr>
+        </p:nvSpPr>
+        <p:spPr/>
+        <p:txBody>
+          <a:bodyPr/>
+          <a:lstStyle/>
+          <a:p>
+            <a:fld id="{44089D24-1FCD-4B3B-BEA8-E1F721F0147C}" type="slidenum">
+              <a:rPr lang="en-AU" smtClean="0"/>
+              <a:t>‹#›</a:t>
+            </a:fld>
+            <a:endParaRPr lang="en-AU"/>
+          </a:p>
+        </p:txBody>
+      </p:sp>
+      <p:sp>
+        <p:nvSpPr>
+          <p:cNvPr id="12" name="TextBox 11"/>
+          <p:cNvSpPr txBox="1"/>
+          <p:nvPr/>
+        </p:nvSpPr>
+        <p:spPr>
+          <a:xfrm>
+            <a:off x="898295" y="971253"/>
+            <a:ext cx="801912" cy="1969770"/>
+          </a:xfrm>
+          <a:prstGeom prst="rect">
+            <a:avLst/>
+          </a:prstGeom>
+          <a:noFill/>
+        </p:spPr>
+        <p:txBody>
+          <a:bodyPr wrap="square" rtlCol="0">
+            <a:spAutoFit/>
+          </a:bodyPr>
+          <a:lstStyle>
+            <a:defPPr>
+              <a:defRPr lang="en-US"/>
+            </a:defPPr>
+            <a:lvl1pPr algn="r">
+              <a:defRPr sz="12200" b="0" i="0">
+                <a:solidFill>
+                  <a:schemeClr val="bg2">
+                    <a:lumMod val="40000"/>
+                    <a:lumOff val="60000"/>
+                  </a:schemeClr>
+                </a:solidFill>
+                <a:latin typeface="Arial"/>
+                <a:ea typeface="+mj-ea"/>
+                <a:cs typeface="+mj-cs"/>
+              </a:defRPr>
+            </a:lvl1pPr>
+          </a:lstStyle>
+          <a:p>
+            <a:pPr lvl="0"/>
+            <a:r>
+              <a:rPr lang="en-US" dirty="0"/>
+              <a:t>“</a:t>
+            </a:r>
+          </a:p>
+        </p:txBody>
+      </p:sp>
+      <p:sp>
+        <p:nvSpPr>
+          <p:cNvPr id="15" name="TextBox 14"/>
+          <p:cNvSpPr txBox="1"/>
+          <p:nvPr/>
+        </p:nvSpPr>
+        <p:spPr>
+          <a:xfrm>
+            <a:off x="9330490" y="2613787"/>
+            <a:ext cx="801912" cy="1969770"/>
+          </a:xfrm>
+          <a:prstGeom prst="rect">
+            <a:avLst/>
+          </a:prstGeom>
+          <a:noFill/>
+        </p:spPr>
+        <p:txBody>
+          <a:bodyPr wrap="square" rtlCol="0">
+            <a:spAutoFit/>
+          </a:bodyPr>
+          <a:lstStyle>
+            <a:defPPr>
+              <a:defRPr lang="en-US"/>
+            </a:defPPr>
+            <a:lvl1pPr algn="r">
+              <a:defRPr sz="12200" b="0" i="0">
+                <a:solidFill>
+                  <a:schemeClr val="bg2">
+                    <a:lumMod val="40000"/>
+                    <a:lumOff val="60000"/>
+                  </a:schemeClr>
+                </a:solidFill>
+                <a:latin typeface="Arial"/>
+                <a:ea typeface="+mj-ea"/>
+                <a:cs typeface="+mj-cs"/>
+              </a:defRPr>
+            </a:lvl1pPr>
+          </a:lstStyle>
+          <a:p>
+            <a:pPr lvl="0"/>
+            <a:r>
+              <a:rPr lang="en-US" dirty="0"/>
+              <a:t>”</a:t>
+            </a:r>
+          </a:p>
+        </p:txBody>
+      </p:sp>
+    </p:spTree>
+    <p:extLst>
+      <p:ext uri="{BB962C8B-B14F-4D97-AF65-F5344CB8AC3E}">
+        <p14:creationId xmlns:p14="http://schemas.microsoft.com/office/powerpoint/2010/main" val="1151841771"/>
+      </p:ext>
+    </p:extLst>
+  </p:cSld>
+  <p:clrMapOvr>
+    <a:masterClrMapping/>
+  </p:clrMapOvr>
+</p:sldLayout>
+</file>
+
+<file path=ppt/slideLayouts/slideLayout13.xml><?xml version="1.0" encoding="utf-8"?>
+<p:sldLayout xmlns:a="http://schemas.openxmlformats.org/drawingml/2006/main" xmlns:r="http://schemas.openxmlformats.org/officeDocument/2006/relationships" xmlns:p="http://schemas.openxmlformats.org/presentationml/2006/main" preserve="1">
+  <p:cSld name="Name Card">
+    <p:spTree>
+      <p:nvGrpSpPr>
+        <p:cNvPr id="1" name=""/>
+        <p:cNvGrpSpPr/>
+        <p:nvPr/>
+      </p:nvGrpSpPr>
+      <p:grpSpPr>
+        <a:xfrm>
+          <a:off x="0" y="0"/>
+          <a:ext cx="0" cy="0"/>
+          <a:chOff x="0" y="0"/>
+          <a:chExt cx="0" cy="0"/>
+        </a:xfrm>
+      </p:grpSpPr>
+      <p:sp>
+        <p:nvSpPr>
+          <p:cNvPr id="2" name="Title 1"/>
+          <p:cNvSpPr>
+            <a:spLocks noGrp="1"/>
+          </p:cNvSpPr>
+          <p:nvPr>
+            <p:ph type="title"/>
+          </p:nvPr>
+        </p:nvSpPr>
+        <p:spPr>
+          <a:xfrm>
+            <a:off x="1154954" y="3124201"/>
+            <a:ext cx="8825660" cy="1653180"/>
+          </a:xfrm>
+        </p:spPr>
+        <p:txBody>
+          <a:bodyPr anchor="b"/>
+          <a:lstStyle>
+            <a:lvl1pPr algn="l">
+              <a:defRPr sz="4000" b="0" cap="none"/>
+            </a:lvl1pPr>
+          </a:lstStyle>
+          <a:p>
+            <a:r>
+              <a:rPr lang="en-US" smtClean="0"/>
+              <a:t>Click to edit Master title style</a:t>
+            </a:r>
+            <a:endParaRPr lang="en-US" dirty="0"/>
+          </a:p>
+        </p:txBody>
+      </p:sp>
+      <p:sp>
+        <p:nvSpPr>
+          <p:cNvPr id="3" name="Text Placeholder 2"/>
+          <p:cNvSpPr>
+            <a:spLocks noGrp="1"/>
+          </p:cNvSpPr>
+          <p:nvPr>
+            <p:ph type="body" idx="1"/>
+          </p:nvPr>
+        </p:nvSpPr>
+        <p:spPr>
+          <a:xfrm>
+            <a:off x="1154954" y="4777381"/>
+            <a:ext cx="8825659" cy="860400"/>
+          </a:xfrm>
+        </p:spPr>
+        <p:txBody>
+          <a:bodyPr anchor="t"/>
+          <a:lstStyle>
+            <a:lvl1pPr marL="0" indent="0" algn="l">
+              <a:buNone/>
+              <a:defRPr sz="2000" cap="none">
+                <a:solidFill>
+                  <a:schemeClr val="bg2">
+                    <a:lumMod val="40000"/>
+                    <a:lumOff val="60000"/>
+                  </a:schemeClr>
+                </a:solidFill>
+              </a:defRPr>
+            </a:lvl1pPr>
+            <a:lvl2pPr marL="457200" indent="0">
+              <a:buNone/>
+              <a:defRPr sz="1800">
+                <a:solidFill>
+                  <a:schemeClr val="tx1">
+                    <a:tint val="75000"/>
+                  </a:schemeClr>
+                </a:solidFill>
+              </a:defRPr>
+            </a:lvl2pPr>
+            <a:lvl3pPr marL="914400" indent="0">
+              <a:buNone/>
+              <a:defRPr sz="1600">
+                <a:solidFill>
+                  <a:schemeClr val="tx1">
+                    <a:tint val="75000"/>
+                  </a:schemeClr>
+                </a:solidFill>
+              </a:defRPr>
+            </a:lvl3pPr>
+            <a:lvl4pPr marL="1371600" indent="0">
+              <a:buNone/>
+              <a:defRPr sz="1400">
+                <a:solidFill>
+                  <a:schemeClr val="tx1">
+                    <a:tint val="75000"/>
+                  </a:schemeClr>
+                </a:solidFill>
+              </a:defRPr>
+            </a:lvl4pPr>
+            <a:lvl5pPr marL="1828800" indent="0">
+              <a:buNone/>
+              <a:defRPr sz="1400">
+                <a:solidFill>
+                  <a:schemeClr val="tx1">
+                    <a:tint val="75000"/>
+                  </a:schemeClr>
+                </a:solidFill>
+              </a:defRPr>
+            </a:lvl5pPr>
+            <a:lvl6pPr marL="2286000" indent="0">
+              <a:buNone/>
+              <a:defRPr sz="1400">
+                <a:solidFill>
+                  <a:schemeClr val="tx1">
+                    <a:tint val="75000"/>
+                  </a:schemeClr>
+                </a:solidFill>
+              </a:defRPr>
+            </a:lvl6pPr>
+            <a:lvl7pPr marL="2743200" indent="0">
+              <a:buNone/>
+              <a:defRPr sz="1400">
+                <a:solidFill>
+                  <a:schemeClr val="tx1">
+                    <a:tint val="75000"/>
+                  </a:schemeClr>
+                </a:solidFill>
+              </a:defRPr>
+            </a:lvl7pPr>
+            <a:lvl8pPr marL="3200400" indent="0">
+              <a:buNone/>
+              <a:defRPr sz="1400">
+                <a:solidFill>
+                  <a:schemeClr val="tx1">
+                    <a:tint val="75000"/>
+                  </a:schemeClr>
+                </a:solidFill>
+              </a:defRPr>
+            </a:lvl8pPr>
+            <a:lvl9pPr marL="3657600" indent="0">
+              <a:buNone/>
+              <a:defRPr sz="1400">
+                <a:solidFill>
+                  <a:schemeClr val="tx1">
+                    <a:tint val="75000"/>
+                  </a:schemeClr>
+                </a:solidFill>
+              </a:defRPr>
+            </a:lvl9pPr>
+          </a:lstStyle>
+          <a:p>
+            <a:pPr lvl="0"/>
+            <a:r>
+              <a:rPr lang="en-US" smtClean="0"/>
+              <a:t>Click to edit Master text styles</a:t>
+            </a:r>
+          </a:p>
+        </p:txBody>
+      </p:sp>
+      <p:sp>
+        <p:nvSpPr>
+          <p:cNvPr id="4" name="Date Placeholder 3"/>
+          <p:cNvSpPr>
+            <a:spLocks noGrp="1"/>
+          </p:cNvSpPr>
+          <p:nvPr>
+            <p:ph type="dt" sz="half" idx="10"/>
+          </p:nvPr>
+        </p:nvSpPr>
+        <p:spPr/>
+        <p:txBody>
+          <a:bodyPr/>
+          <a:lstStyle/>
+          <a:p>
+            <a:fld id="{7D50A433-14A5-4014-A22C-49E731E6083D}" type="datetimeFigureOut">
+              <a:rPr lang="en-AU" smtClean="0"/>
+              <a:t>15/06/2016</a:t>
+            </a:fld>
+            <a:endParaRPr lang="en-AU"/>
+          </a:p>
+        </p:txBody>
+      </p:sp>
+      <p:sp>
+        <p:nvSpPr>
+          <p:cNvPr id="5" name="Footer Placeholder 4"/>
+          <p:cNvSpPr>
+            <a:spLocks noGrp="1"/>
+          </p:cNvSpPr>
+          <p:nvPr>
+            <p:ph type="ftr" sz="quarter" idx="11"/>
+          </p:nvPr>
+        </p:nvSpPr>
+        <p:spPr/>
+        <p:txBody>
+          <a:bodyPr/>
+          <a:lstStyle/>
+          <a:p>
+            <a:endParaRPr lang="en-AU"/>
+          </a:p>
+        </p:txBody>
+      </p:sp>
+      <p:sp>
+        <p:nvSpPr>
+          <p:cNvPr id="6" name="Slide Number Placeholder 5"/>
+          <p:cNvSpPr>
+            <a:spLocks noGrp="1"/>
+          </p:cNvSpPr>
+          <p:nvPr>
+            <p:ph type="sldNum" sz="quarter" idx="12"/>
+          </p:nvPr>
+        </p:nvSpPr>
+        <p:spPr/>
+        <p:txBody>
+          <a:bodyPr/>
+          <a:lstStyle/>
+          <a:p>
+            <a:fld id="{44089D24-1FCD-4B3B-BEA8-E1F721F0147C}" type="slidenum">
+              <a:rPr lang="en-AU" smtClean="0"/>
+              <a:t>‹#›</a:t>
+            </a:fld>
+            <a:endParaRPr lang="en-AU"/>
+          </a:p>
+        </p:txBody>
+      </p:sp>
+    </p:spTree>
+    <p:extLst>
+      <p:ext uri="{BB962C8B-B14F-4D97-AF65-F5344CB8AC3E}">
+        <p14:creationId xmlns:p14="http://schemas.microsoft.com/office/powerpoint/2010/main" val="2494716709"/>
+      </p:ext>
+    </p:extLst>
+  </p:cSld>
+  <p:clrMapOvr>
+    <a:masterClrMapping/>
+  </p:clrMapOvr>
+</p:sldLayout>
+</file>
+
+<file path=ppt/slideLayouts/slideLayout14.xml><?xml version="1.0" encoding="utf-8"?>
+<p:sldLayout xmlns:a="http://schemas.openxmlformats.org/drawingml/2006/main" xmlns:r="http://schemas.openxmlformats.org/officeDocument/2006/relationships" xmlns:p="http://schemas.openxmlformats.org/presentationml/2006/main" preserve="1">
+  <p:cSld name="3 Column">
+    <p:spTree>
+      <p:nvGrpSpPr>
+        <p:cNvPr id="1" name=""/>
+        <p:cNvGrpSpPr/>
+        <p:nvPr/>
+      </p:nvGrpSpPr>
+      <p:grpSpPr>
+        <a:xfrm>
+          <a:off x="0" y="0"/>
+          <a:ext cx="0" cy="0"/>
+          <a:chOff x="0" y="0"/>
+          <a:chExt cx="0" cy="0"/>
+        </a:xfrm>
+      </p:grpSpPr>
+      <p:sp>
+        <p:nvSpPr>
+          <p:cNvPr id="2" name="Title 1"/>
+          <p:cNvSpPr>
+            <a:spLocks noGrp="1"/>
+          </p:cNvSpPr>
+          <p:nvPr>
+            <p:ph type="title"/>
+          </p:nvPr>
+        </p:nvSpPr>
+        <p:spPr/>
+        <p:txBody>
+          <a:bodyPr/>
+          <a:lstStyle>
+            <a:lvl1pPr>
+              <a:defRPr sz="4200"/>
+            </a:lvl1pPr>
+          </a:lstStyle>
+          <a:p>
+            <a:r>
+              <a:rPr lang="en-US" smtClean="0"/>
+              <a:t>Click to edit Master title style</a:t>
+            </a:r>
+            <a:endParaRPr lang="en-US" dirty="0"/>
+          </a:p>
+        </p:txBody>
+      </p:sp>
+      <p:sp>
+        <p:nvSpPr>
+          <p:cNvPr id="3" name="Text Placeholder 2"/>
+          <p:cNvSpPr>
+            <a:spLocks noGrp="1"/>
+          </p:cNvSpPr>
+          <p:nvPr>
+            <p:ph type="body" idx="1"/>
+          </p:nvPr>
+        </p:nvSpPr>
+        <p:spPr>
+          <a:xfrm>
+            <a:off x="632947" y="1981200"/>
+            <a:ext cx="2946866" cy="576262"/>
+          </a:xfrm>
+        </p:spPr>
+        <p:txBody>
+          <a:bodyPr anchor="b">
+            <a:noAutofit/>
+          </a:bodyPr>
+          <a:lstStyle>
+            <a:lvl1pPr marL="0" indent="0">
+              <a:buNone/>
+              <a:defRPr sz="2400" b="0">
+                <a:solidFill>
+                  <a:schemeClr val="bg2">
+                    <a:lumMod val="40000"/>
+                    <a:lumOff val="60000"/>
+                  </a:schemeClr>
+                </a:solidFill>
+              </a:defRPr>
+            </a:lvl1pPr>
+            <a:lvl2pPr marL="457200" indent="0">
+              <a:buNone/>
+              <a:defRPr sz="2000" b="1"/>
+            </a:lvl2pPr>
+            <a:lvl3pPr marL="914400" indent="0">
+              <a:buNone/>
+              <a:defRPr sz="1800" b="1"/>
+            </a:lvl3pPr>
+            <a:lvl4pPr marL="1371600" indent="0">
+              <a:buNone/>
+              <a:defRPr sz="1600" b="1"/>
+            </a:lvl4pPr>
+            <a:lvl5pPr marL="1828800" indent="0">
+              <a:buNone/>
+              <a:defRPr sz="1600" b="1"/>
+            </a:lvl5pPr>
+            <a:lvl6pPr marL="2286000" indent="0">
+              <a:buNone/>
+              <a:defRPr sz="1600" b="1"/>
+            </a:lvl6pPr>
+            <a:lvl7pPr marL="2743200" indent="0">
+              <a:buNone/>
+              <a:defRPr sz="1600" b="1"/>
+            </a:lvl7pPr>
+            <a:lvl8pPr marL="3200400" indent="0">
+              <a:buNone/>
+              <a:defRPr sz="1600" b="1"/>
+            </a:lvl8pPr>
+            <a:lvl9pPr marL="3657600" indent="0">
+              <a:buNone/>
+              <a:defRPr sz="1600" b="1"/>
+            </a:lvl9pPr>
+          </a:lstStyle>
+          <a:p>
+            <a:pPr lvl="0"/>
+            <a:r>
+              <a:rPr lang="en-US" smtClean="0"/>
+              <a:t>Click to edit Master text styles</a:t>
+            </a:r>
+          </a:p>
+        </p:txBody>
+      </p:sp>
+      <p:sp>
+        <p:nvSpPr>
+          <p:cNvPr id="16" name="Text Placeholder 3"/>
+          <p:cNvSpPr>
+            <a:spLocks noGrp="1"/>
+          </p:cNvSpPr>
+          <p:nvPr>
+            <p:ph type="body" sz="half" idx="15"/>
+          </p:nvPr>
+        </p:nvSpPr>
+        <p:spPr>
+          <a:xfrm>
+            <a:off x="652463" y="2667000"/>
+            <a:ext cx="2927350" cy="3589338"/>
+          </a:xfrm>
+        </p:spPr>
+        <p:txBody>
+          <a:bodyPr anchor="t">
+            <a:normAutofit/>
+          </a:bodyPr>
+          <a:lstStyle>
+            <a:lvl1pPr marL="0" indent="0">
+              <a:buNone/>
+              <a:defRPr sz="1400"/>
+            </a:lvl1pPr>
+            <a:lvl2pPr marL="457200" indent="0">
+              <a:buNone/>
+              <a:defRPr sz="1200"/>
+            </a:lvl2pPr>
+            <a:lvl3pPr marL="914400" indent="0">
+              <a:buNone/>
+              <a:defRPr sz="1000"/>
+            </a:lvl3pPr>
+            <a:lvl4pPr marL="1371600" indent="0">
+              <a:buNone/>
+              <a:defRPr sz="900"/>
+            </a:lvl4pPr>
+            <a:lvl5pPr marL="1828800" indent="0">
+              <a:buNone/>
+              <a:defRPr sz="900"/>
+            </a:lvl5pPr>
+            <a:lvl6pPr marL="2286000" indent="0">
+              <a:buNone/>
+              <a:defRPr sz="900"/>
+            </a:lvl6pPr>
+            <a:lvl7pPr marL="2743200" indent="0">
+              <a:buNone/>
+              <a:defRPr sz="900"/>
+            </a:lvl7pPr>
+            <a:lvl8pPr marL="3200400" indent="0">
+              <a:buNone/>
+              <a:defRPr sz="900"/>
+            </a:lvl8pPr>
+            <a:lvl9pPr marL="3657600" indent="0">
+              <a:buNone/>
+              <a:defRPr sz="900"/>
+            </a:lvl9pPr>
+          </a:lstStyle>
+          <a:p>
+            <a:pPr lvl="0"/>
+            <a:r>
+              <a:rPr lang="en-US" smtClean="0"/>
+              <a:t>Click to edit Master text styles</a:t>
+            </a:r>
+          </a:p>
+        </p:txBody>
+      </p:sp>
+      <p:sp>
+        <p:nvSpPr>
+          <p:cNvPr id="5" name="Text Placeholder 4"/>
+          <p:cNvSpPr>
+            <a:spLocks noGrp="1"/>
+          </p:cNvSpPr>
+          <p:nvPr>
+            <p:ph type="body" sz="quarter" idx="3"/>
+          </p:nvPr>
+        </p:nvSpPr>
+        <p:spPr>
+          <a:xfrm>
+            <a:off x="3883659" y="1981200"/>
+            <a:ext cx="2936241" cy="576262"/>
+          </a:xfrm>
+        </p:spPr>
+        <p:txBody>
+          <a:bodyPr anchor="b">
+            <a:noAutofit/>
+          </a:bodyPr>
+          <a:lstStyle>
+            <a:lvl1pPr marL="0" indent="0">
+              <a:buNone/>
+              <a:defRPr sz="2400" b="0">
+                <a:solidFill>
+                  <a:schemeClr val="bg2">
+                    <a:lumMod val="40000"/>
+                    <a:lumOff val="60000"/>
+                  </a:schemeClr>
+                </a:solidFill>
+              </a:defRPr>
+            </a:lvl1pPr>
+            <a:lvl2pPr marL="457200" indent="0">
+              <a:buNone/>
+              <a:defRPr sz="2000" b="1"/>
+            </a:lvl2pPr>
+            <a:lvl3pPr marL="914400" indent="0">
+              <a:buNone/>
+              <a:defRPr sz="1800" b="1"/>
+            </a:lvl3pPr>
+            <a:lvl4pPr marL="1371600" indent="0">
+              <a:buNone/>
+              <a:defRPr sz="1600" b="1"/>
+            </a:lvl4pPr>
+            <a:lvl5pPr marL="1828800" indent="0">
+              <a:buNone/>
+              <a:defRPr sz="1600" b="1"/>
+            </a:lvl5pPr>
+            <a:lvl6pPr marL="2286000" indent="0">
+              <a:buNone/>
+              <a:defRPr sz="1600" b="1"/>
+            </a:lvl6pPr>
+            <a:lvl7pPr marL="2743200" indent="0">
+              <a:buNone/>
+              <a:defRPr sz="1600" b="1"/>
+            </a:lvl7pPr>
+            <a:lvl8pPr marL="3200400" indent="0">
+              <a:buNone/>
+              <a:defRPr sz="1600" b="1"/>
+            </a:lvl8pPr>
+            <a:lvl9pPr marL="3657600" indent="0">
+              <a:buNone/>
+              <a:defRPr sz="1600" b="1"/>
+            </a:lvl9pPr>
+          </a:lstStyle>
+          <a:p>
+            <a:pPr lvl="0"/>
+            <a:r>
+              <a:rPr lang="en-US" smtClean="0"/>
+              <a:t>Click to edit Master text styles</a:t>
+            </a:r>
+          </a:p>
+        </p:txBody>
+      </p:sp>
+      <p:sp>
+        <p:nvSpPr>
+          <p:cNvPr id="19" name="Text Placeholder 3"/>
+          <p:cNvSpPr>
+            <a:spLocks noGrp="1"/>
+          </p:cNvSpPr>
+          <p:nvPr>
+            <p:ph type="body" sz="half" idx="16"/>
+          </p:nvPr>
+        </p:nvSpPr>
+        <p:spPr>
+          <a:xfrm>
+            <a:off x="3873106" y="2667000"/>
+            <a:ext cx="2946794" cy="3589338"/>
+          </a:xfrm>
+        </p:spPr>
+        <p:txBody>
+          <a:bodyPr anchor="t">
+            <a:normAutofit/>
+          </a:bodyPr>
+          <a:lstStyle>
+            <a:lvl1pPr marL="0" indent="0">
+              <a:buNone/>
+              <a:defRPr sz="1400"/>
+            </a:lvl1pPr>
+            <a:lvl2pPr marL="457200" indent="0">
+              <a:buNone/>
+              <a:defRPr sz="1200"/>
+            </a:lvl2pPr>
+            <a:lvl3pPr marL="914400" indent="0">
+              <a:buNone/>
+              <a:defRPr sz="1000"/>
+            </a:lvl3pPr>
+            <a:lvl4pPr marL="1371600" indent="0">
+              <a:buNone/>
+              <a:defRPr sz="900"/>
+            </a:lvl4pPr>
+            <a:lvl5pPr marL="1828800" indent="0">
+              <a:buNone/>
+              <a:defRPr sz="900"/>
+            </a:lvl5pPr>
+            <a:lvl6pPr marL="2286000" indent="0">
+              <a:buNone/>
+              <a:defRPr sz="900"/>
+            </a:lvl6pPr>
+            <a:lvl7pPr marL="2743200" indent="0">
+              <a:buNone/>
+              <a:defRPr sz="900"/>
+            </a:lvl7pPr>
+            <a:lvl8pPr marL="3200400" indent="0">
+              <a:buNone/>
+              <a:defRPr sz="900"/>
+            </a:lvl8pPr>
+            <a:lvl9pPr marL="3657600" indent="0">
+              <a:buNone/>
+              <a:defRPr sz="900"/>
+            </a:lvl9pPr>
+          </a:lstStyle>
+          <a:p>
+            <a:pPr lvl="0"/>
+            <a:r>
+              <a:rPr lang="en-US" smtClean="0"/>
+              <a:t>Click to edit Master text styles</a:t>
+            </a:r>
+          </a:p>
+        </p:txBody>
+      </p:sp>
+      <p:sp>
+        <p:nvSpPr>
+          <p:cNvPr id="14" name="Text Placeholder 4"/>
+          <p:cNvSpPr>
+            <a:spLocks noGrp="1"/>
+          </p:cNvSpPr>
+          <p:nvPr>
+            <p:ph type="body" sz="quarter" idx="13"/>
+          </p:nvPr>
+        </p:nvSpPr>
+        <p:spPr>
+          <a:xfrm>
+            <a:off x="7124700" y="1981200"/>
+            <a:ext cx="2932113" cy="576262"/>
+          </a:xfrm>
+        </p:spPr>
+        <p:txBody>
+          <a:bodyPr anchor="b">
+            <a:noAutofit/>
+          </a:bodyPr>
+          <a:lstStyle>
+            <a:lvl1pPr marL="0" indent="0">
+              <a:buNone/>
+              <a:defRPr sz="2400" b="0">
+                <a:solidFill>
+                  <a:schemeClr val="bg2">
+                    <a:lumMod val="40000"/>
+                    <a:lumOff val="60000"/>
+                  </a:schemeClr>
+                </a:solidFill>
+              </a:defRPr>
+            </a:lvl1pPr>
+            <a:lvl2pPr marL="457200" indent="0">
+              <a:buNone/>
+              <a:defRPr sz="2000" b="1"/>
+            </a:lvl2pPr>
+            <a:lvl3pPr marL="914400" indent="0">
+              <a:buNone/>
+              <a:defRPr sz="1800" b="1"/>
+            </a:lvl3pPr>
+            <a:lvl4pPr marL="1371600" indent="0">
+              <a:buNone/>
+              <a:defRPr sz="1600" b="1"/>
+            </a:lvl4pPr>
+            <a:lvl5pPr marL="1828800" indent="0">
+              <a:buNone/>
+              <a:defRPr sz="1600" b="1"/>
+            </a:lvl5pPr>
+            <a:lvl6pPr marL="2286000" indent="0">
+              <a:buNone/>
+              <a:defRPr sz="1600" b="1"/>
+            </a:lvl6pPr>
+            <a:lvl7pPr marL="2743200" indent="0">
+              <a:buNone/>
+              <a:defRPr sz="1600" b="1"/>
+            </a:lvl7pPr>
+            <a:lvl8pPr marL="3200400" indent="0">
+              <a:buNone/>
+              <a:defRPr sz="1600" b="1"/>
+            </a:lvl8pPr>
+            <a:lvl9pPr marL="3657600" indent="0">
+              <a:buNone/>
+              <a:defRPr sz="1600" b="1"/>
+            </a:lvl9pPr>
+          </a:lstStyle>
+          <a:p>
+            <a:pPr lvl="0"/>
+            <a:r>
+              <a:rPr lang="en-US" smtClean="0"/>
+              <a:t>Click to edit Master text styles</a:t>
+            </a:r>
+          </a:p>
+        </p:txBody>
+      </p:sp>
+      <p:sp>
+        <p:nvSpPr>
+          <p:cNvPr id="20" name="Text Placeholder 3"/>
+          <p:cNvSpPr>
+            <a:spLocks noGrp="1"/>
+          </p:cNvSpPr>
+          <p:nvPr>
+            <p:ph type="body" sz="half" idx="17"/>
+          </p:nvPr>
+        </p:nvSpPr>
+        <p:spPr>
+          <a:xfrm>
+            <a:off x="7124700" y="2667000"/>
+            <a:ext cx="2932113" cy="3589338"/>
+          </a:xfrm>
+        </p:spPr>
+        <p:txBody>
+          <a:bodyPr anchor="t">
+            <a:normAutofit/>
+          </a:bodyPr>
+          <a:lstStyle>
+            <a:lvl1pPr marL="0" indent="0">
+              <a:buNone/>
+              <a:defRPr sz="1400"/>
+            </a:lvl1pPr>
+            <a:lvl2pPr marL="457200" indent="0">
+              <a:buNone/>
+              <a:defRPr sz="1200"/>
+            </a:lvl2pPr>
+            <a:lvl3pPr marL="914400" indent="0">
+              <a:buNone/>
+              <a:defRPr sz="1000"/>
+            </a:lvl3pPr>
+            <a:lvl4pPr marL="1371600" indent="0">
+              <a:buNone/>
+              <a:defRPr sz="900"/>
+            </a:lvl4pPr>
+            <a:lvl5pPr marL="1828800" indent="0">
+              <a:buNone/>
+              <a:defRPr sz="900"/>
+            </a:lvl5pPr>
+            <a:lvl6pPr marL="2286000" indent="0">
+              <a:buNone/>
+              <a:defRPr sz="900"/>
+            </a:lvl6pPr>
+            <a:lvl7pPr marL="2743200" indent="0">
+              <a:buNone/>
+              <a:defRPr sz="900"/>
+            </a:lvl7pPr>
+            <a:lvl8pPr marL="3200400" indent="0">
+              <a:buNone/>
+              <a:defRPr sz="900"/>
+            </a:lvl8pPr>
+            <a:lvl9pPr marL="3657600" indent="0">
+              <a:buNone/>
+              <a:defRPr sz="900"/>
+            </a:lvl9pPr>
+          </a:lstStyle>
+          <a:p>
+            <a:pPr lvl="0"/>
+            <a:r>
+              <a:rPr lang="en-US" smtClean="0"/>
+              <a:t>Click to edit Master text styles</a:t>
+            </a:r>
+          </a:p>
+        </p:txBody>
+      </p:sp>
+      <p:cxnSp>
+        <p:nvCxnSpPr>
+          <p:cNvPr id="17" name="Straight Connector 16"/>
+          <p:cNvCxnSpPr/>
+          <p:nvPr/>
+        </p:nvCxnSpPr>
+        <p:spPr>
+          <a:xfrm>
+            <a:off x="3726142" y="2133600"/>
+            <a:ext cx="0" cy="3962400"/>
+          </a:xfrm>
+          <a:prstGeom prst="line">
+            <a:avLst/>
+          </a:prstGeom>
+          <a:ln w="12700" cmpd="sng">
+            <a:solidFill>
+              <a:schemeClr val="bg2">
+                <a:lumMod val="40000"/>
+                <a:lumOff val="60000"/>
+                <a:alpha val="40000"/>
+              </a:schemeClr>
+            </a:solidFill>
+          </a:ln>
+        </p:spPr>
+        <p:style>
+          <a:lnRef idx="2">
+            <a:schemeClr val="accent1"/>
+          </a:lnRef>
+          <a:fillRef idx="0">
+            <a:schemeClr val="accent1"/>
+          </a:fillRef>
+          <a:effectRef idx="1">
+            <a:schemeClr val="accent1"/>
+          </a:effectRef>
+          <a:fontRef idx="minor">
+            <a:schemeClr val="tx1"/>
+          </a:fontRef>
+        </p:style>
+      </p:cxnSp>
+      <p:cxnSp>
+        <p:nvCxnSpPr>
+          <p:cNvPr id="18" name="Straight Connector 17"/>
+          <p:cNvCxnSpPr/>
+          <p:nvPr/>
+        </p:nvCxnSpPr>
+        <p:spPr>
+          <a:xfrm>
+            <a:off x="6962227" y="2133600"/>
+            <a:ext cx="0" cy="3966882"/>
+          </a:xfrm>
+          <a:prstGeom prst="line">
+            <a:avLst/>
+          </a:prstGeom>
+          <a:ln w="12700" cmpd="sng">
+            <a:solidFill>
+              <a:schemeClr val="bg2">
+                <a:lumMod val="40000"/>
+                <a:lumOff val="60000"/>
+                <a:alpha val="40000"/>
+              </a:schemeClr>
+            </a:solidFill>
+          </a:ln>
+        </p:spPr>
+        <p:style>
+          <a:lnRef idx="2">
+            <a:schemeClr val="accent1"/>
+          </a:lnRef>
+          <a:fillRef idx="0">
+            <a:schemeClr val="accent1"/>
+          </a:fillRef>
+          <a:effectRef idx="1">
+            <a:schemeClr val="accent1"/>
+          </a:effectRef>
+          <a:fontRef idx="minor">
+            <a:schemeClr val="tx1"/>
+          </a:fontRef>
+        </p:style>
+      </p:cxnSp>
+      <p:sp>
+        <p:nvSpPr>
+          <p:cNvPr id="7" name="Date Placeholder 3"/>
+          <p:cNvSpPr>
+            <a:spLocks noGrp="1"/>
+          </p:cNvSpPr>
+          <p:nvPr>
+            <p:ph type="dt" sz="half" idx="10"/>
+          </p:nvPr>
+        </p:nvSpPr>
+        <p:spPr/>
+        <p:txBody>
+          <a:bodyPr/>
+          <a:lstStyle/>
+          <a:p>
+            <a:fld id="{7D50A433-14A5-4014-A22C-49E731E6083D}" type="datetimeFigureOut">
+              <a:rPr lang="en-AU" smtClean="0"/>
+              <a:t>15/06/2016</a:t>
+            </a:fld>
+            <a:endParaRPr lang="en-AU"/>
+          </a:p>
+        </p:txBody>
+      </p:sp>
+      <p:sp>
+        <p:nvSpPr>
+          <p:cNvPr id="4" name="Footer Placeholder 4"/>
+          <p:cNvSpPr>
+            <a:spLocks noGrp="1"/>
+          </p:cNvSpPr>
+          <p:nvPr>
+            <p:ph type="ftr" sz="quarter" idx="11"/>
+          </p:nvPr>
+        </p:nvSpPr>
+        <p:spPr/>
+        <p:txBody>
+          <a:bodyPr/>
+          <a:lstStyle/>
+          <a:p>
+            <a:endParaRPr lang="en-AU"/>
+          </a:p>
+        </p:txBody>
+      </p:sp>
+      <p:sp>
+        <p:nvSpPr>
+          <p:cNvPr id="6" name="Slide Number Placeholder 5"/>
+          <p:cNvSpPr>
+            <a:spLocks noGrp="1"/>
+          </p:cNvSpPr>
+          <p:nvPr>
+            <p:ph type="sldNum" sz="quarter" idx="12"/>
+          </p:nvPr>
+        </p:nvSpPr>
+        <p:spPr/>
+        <p:txBody>
+          <a:bodyPr/>
+          <a:lstStyle/>
+          <a:p>
+            <a:fld id="{44089D24-1FCD-4B3B-BEA8-E1F721F0147C}" type="slidenum">
+              <a:rPr lang="en-AU" smtClean="0"/>
+              <a:t>‹#›</a:t>
+            </a:fld>
+            <a:endParaRPr lang="en-AU"/>
+          </a:p>
+        </p:txBody>
+      </p:sp>
+    </p:spTree>
+    <p:extLst>
+      <p:ext uri="{BB962C8B-B14F-4D97-AF65-F5344CB8AC3E}">
+        <p14:creationId xmlns:p14="http://schemas.microsoft.com/office/powerpoint/2010/main" val="2652681322"/>
+      </p:ext>
+    </p:extLst>
+  </p:cSld>
+  <p:clrMapOvr>
+    <a:masterClrMapping/>
+  </p:clrMapOvr>
+</p:sldLayout>
+</file>
+
+<file path=ppt/slideLayouts/slideLayout15.xml><?xml version="1.0" encoding="utf-8"?>
+<p:sldLayout xmlns:a="http://schemas.openxmlformats.org/drawingml/2006/main" xmlns:r="http://schemas.openxmlformats.org/officeDocument/2006/relationships" xmlns:p="http://schemas.openxmlformats.org/presentationml/2006/main" preserve="1">
+  <p:cSld name="3 Picture Column">
+    <p:spTree>
+      <p:nvGrpSpPr>
+        <p:cNvPr id="1" name=""/>
+        <p:cNvGrpSpPr/>
+        <p:nvPr/>
+      </p:nvGrpSpPr>
+      <p:grpSpPr>
+        <a:xfrm>
+          <a:off x="0" y="0"/>
+          <a:ext cx="0" cy="0"/>
+          <a:chOff x="0" y="0"/>
+          <a:chExt cx="0" cy="0"/>
+        </a:xfrm>
+      </p:grpSpPr>
+      <p:sp>
+        <p:nvSpPr>
+          <p:cNvPr id="2" name="Title 1"/>
+          <p:cNvSpPr>
+            <a:spLocks noGrp="1"/>
+          </p:cNvSpPr>
+          <p:nvPr>
+            <p:ph type="title"/>
+          </p:nvPr>
+        </p:nvSpPr>
+        <p:spPr/>
+        <p:txBody>
+          <a:bodyPr/>
+          <a:lstStyle>
+            <a:lvl1pPr>
+              <a:defRPr sz="4200"/>
+            </a:lvl1pPr>
+          </a:lstStyle>
+          <a:p>
+            <a:r>
+              <a:rPr lang="en-US" smtClean="0"/>
+              <a:t>Click to edit Master title style</a:t>
+            </a:r>
+            <a:endParaRPr lang="en-US" dirty="0"/>
+          </a:p>
+        </p:txBody>
+      </p:sp>
+      <p:sp>
+        <p:nvSpPr>
+          <p:cNvPr id="3" name="Text Placeholder 2"/>
+          <p:cNvSpPr>
+            <a:spLocks noGrp="1"/>
+          </p:cNvSpPr>
+          <p:nvPr>
+            <p:ph type="body" idx="1"/>
+          </p:nvPr>
+        </p:nvSpPr>
+        <p:spPr>
+          <a:xfrm>
+            <a:off x="652463" y="4250949"/>
+            <a:ext cx="2940050" cy="576262"/>
+          </a:xfrm>
+        </p:spPr>
+        <p:txBody>
+          <a:bodyPr anchor="b">
+            <a:noAutofit/>
+          </a:bodyPr>
+          <a:lstStyle>
+            <a:lvl1pPr marL="0" indent="0">
+              <a:buNone/>
+              <a:defRPr sz="2400" b="0">
+                <a:solidFill>
+                  <a:schemeClr val="bg2">
+                    <a:lumMod val="40000"/>
+                    <a:lumOff val="60000"/>
+                  </a:schemeClr>
+                </a:solidFill>
+              </a:defRPr>
+            </a:lvl1pPr>
+            <a:lvl2pPr marL="457200" indent="0">
+              <a:buNone/>
+              <a:defRPr sz="2000" b="1"/>
+            </a:lvl2pPr>
+            <a:lvl3pPr marL="914400" indent="0">
+              <a:buNone/>
+              <a:defRPr sz="1800" b="1"/>
+            </a:lvl3pPr>
+            <a:lvl4pPr marL="1371600" indent="0">
+              <a:buNone/>
+              <a:defRPr sz="1600" b="1"/>
+            </a:lvl4pPr>
+            <a:lvl5pPr marL="1828800" indent="0">
+              <a:buNone/>
+              <a:defRPr sz="1600" b="1"/>
+            </a:lvl5pPr>
+            <a:lvl6pPr marL="2286000" indent="0">
+              <a:buNone/>
+              <a:defRPr sz="1600" b="1"/>
+            </a:lvl6pPr>
+            <a:lvl7pPr marL="2743200" indent="0">
+              <a:buNone/>
+              <a:defRPr sz="1600" b="1"/>
+            </a:lvl7pPr>
+            <a:lvl8pPr marL="3200400" indent="0">
+              <a:buNone/>
+              <a:defRPr sz="1600" b="1"/>
+            </a:lvl8pPr>
+            <a:lvl9pPr marL="3657600" indent="0">
+              <a:buNone/>
+              <a:defRPr sz="1600" b="1"/>
+            </a:lvl9pPr>
+          </a:lstStyle>
+          <a:p>
+            <a:pPr lvl="0"/>
+            <a:r>
+              <a:rPr lang="en-US" smtClean="0"/>
+              <a:t>Click to edit Master text styles</a:t>
+            </a:r>
+          </a:p>
+        </p:txBody>
+      </p:sp>
+      <p:sp>
+        <p:nvSpPr>
+          <p:cNvPr id="29" name="Picture Placeholder 2"/>
+          <p:cNvSpPr>
+            <a:spLocks noGrp="1" noChangeAspect="1"/>
+          </p:cNvSpPr>
+          <p:nvPr>
+            <p:ph type="pic" idx="15"/>
+          </p:nvPr>
+        </p:nvSpPr>
+        <p:spPr>
+          <a:xfrm>
+            <a:off x="652463" y="2209800"/>
+            <a:ext cx="2940050" cy="1524000"/>
+          </a:xfrm>
+          <a:prstGeom prst="roundRect">
+            <a:avLst>
+              <a:gd name="adj" fmla="val 1858"/>
+            </a:avLst>
+          </a:prstGeom>
+          <a:effectLst>
+            <a:outerShdw blurRad="50800" dist="50800" dir="5400000" algn="tl" rotWithShape="0">
+              <a:srgbClr val="000000">
+                <a:alpha val="43000"/>
+              </a:srgbClr>
+            </a:outerShdw>
+          </a:effectLst>
+        </p:spPr>
+        <p:txBody>
+          <a:bodyPr anchor="t">
+            <a:normAutofit/>
+          </a:bodyPr>
+          <a:lstStyle>
+            <a:lvl1pPr marL="0" indent="0" algn="ctr">
+              <a:buNone/>
+              <a:defRPr sz="1600"/>
+            </a:lvl1pPr>
+            <a:lvl2pPr marL="457200" indent="0">
+              <a:buNone/>
+              <a:defRPr sz="1600"/>
+            </a:lvl2pPr>
+            <a:lvl3pPr marL="914400" indent="0">
+              <a:buNone/>
+              <a:defRPr sz="1600"/>
+            </a:lvl3pPr>
+            <a:lvl4pPr marL="1371600" indent="0">
+              <a:buNone/>
+              <a:defRPr sz="1600"/>
+            </a:lvl4pPr>
+            <a:lvl5pPr marL="1828800" indent="0">
+              <a:buNone/>
+              <a:defRPr sz="1600"/>
+            </a:lvl5pPr>
+            <a:lvl6pPr marL="2286000" indent="0">
+              <a:buNone/>
+              <a:defRPr sz="1600"/>
+            </a:lvl6pPr>
+            <a:lvl7pPr marL="2743200" indent="0">
+              <a:buNone/>
+              <a:defRPr sz="1600"/>
+            </a:lvl7pPr>
+            <a:lvl8pPr marL="3200400" indent="0">
+              <a:buNone/>
+              <a:defRPr sz="1600"/>
+            </a:lvl8pPr>
+            <a:lvl9pPr marL="3657600" indent="0">
+              <a:buNone/>
+              <a:defRPr sz="1600"/>
+            </a:lvl9pPr>
+          </a:lstStyle>
+          <a:p>
+            <a:r>
+              <a:rPr lang="en-US" smtClean="0"/>
+              <a:t>Click icon to add picture</a:t>
+            </a:r>
+            <a:endParaRPr lang="en-US" dirty="0"/>
+          </a:p>
+        </p:txBody>
+      </p:sp>
+      <p:sp>
+        <p:nvSpPr>
+          <p:cNvPr id="22" name="Text Placeholder 3"/>
+          <p:cNvSpPr>
+            <a:spLocks noGrp="1"/>
+          </p:cNvSpPr>
+          <p:nvPr>
+            <p:ph type="body" sz="half" idx="18"/>
+          </p:nvPr>
+        </p:nvSpPr>
+        <p:spPr>
+          <a:xfrm>
+            <a:off x="652463" y="4827211"/>
+            <a:ext cx="2940050" cy="659189"/>
+          </a:xfrm>
+        </p:spPr>
+        <p:txBody>
+          <a:bodyPr anchor="t">
+            <a:normAutofit/>
+          </a:bodyPr>
+          <a:lstStyle>
+            <a:lvl1pPr marL="0" indent="0">
+              <a:buNone/>
+              <a:defRPr sz="1400"/>
+            </a:lvl1pPr>
+            <a:lvl2pPr marL="457200" indent="0">
+              <a:buNone/>
+              <a:defRPr sz="1200"/>
+            </a:lvl2pPr>
+            <a:lvl3pPr marL="914400" indent="0">
+              <a:buNone/>
+              <a:defRPr sz="1000"/>
+            </a:lvl3pPr>
+            <a:lvl4pPr marL="1371600" indent="0">
+              <a:buNone/>
+              <a:defRPr sz="900"/>
+            </a:lvl4pPr>
+            <a:lvl5pPr marL="1828800" indent="0">
+              <a:buNone/>
+              <a:defRPr sz="900"/>
+            </a:lvl5pPr>
+            <a:lvl6pPr marL="2286000" indent="0">
+              <a:buNone/>
+              <a:defRPr sz="900"/>
+            </a:lvl6pPr>
+            <a:lvl7pPr marL="2743200" indent="0">
+              <a:buNone/>
+              <a:defRPr sz="900"/>
+            </a:lvl7pPr>
+            <a:lvl8pPr marL="3200400" indent="0">
+              <a:buNone/>
+              <a:defRPr sz="900"/>
+            </a:lvl8pPr>
+            <a:lvl9pPr marL="3657600" indent="0">
+              <a:buNone/>
+              <a:defRPr sz="900"/>
+            </a:lvl9pPr>
+          </a:lstStyle>
+          <a:p>
+            <a:pPr lvl="0"/>
+            <a:r>
+              <a:rPr lang="en-US" smtClean="0"/>
+              <a:t>Click to edit Master text styles</a:t>
+            </a:r>
+          </a:p>
+        </p:txBody>
+      </p:sp>
+      <p:sp>
+        <p:nvSpPr>
+          <p:cNvPr id="5" name="Text Placeholder 4"/>
+          <p:cNvSpPr>
+            <a:spLocks noGrp="1"/>
+          </p:cNvSpPr>
+          <p:nvPr>
+            <p:ph type="body" sz="quarter" idx="3"/>
+          </p:nvPr>
+        </p:nvSpPr>
+        <p:spPr>
+          <a:xfrm>
+            <a:off x="3889375" y="4250949"/>
+            <a:ext cx="2930525" cy="576262"/>
+          </a:xfrm>
+        </p:spPr>
+        <p:txBody>
+          <a:bodyPr anchor="b">
+            <a:noAutofit/>
+          </a:bodyPr>
+          <a:lstStyle>
+            <a:lvl1pPr marL="0" indent="0">
+              <a:buNone/>
+              <a:defRPr sz="2400" b="0">
+                <a:solidFill>
+                  <a:schemeClr val="bg2">
+                    <a:lumMod val="40000"/>
+                    <a:lumOff val="60000"/>
+                  </a:schemeClr>
+                </a:solidFill>
+              </a:defRPr>
+            </a:lvl1pPr>
+            <a:lvl2pPr marL="457200" indent="0">
+              <a:buNone/>
+              <a:defRPr sz="2000" b="1"/>
+            </a:lvl2pPr>
+            <a:lvl3pPr marL="914400" indent="0">
+              <a:buNone/>
+              <a:defRPr sz="1800" b="1"/>
+            </a:lvl3pPr>
+            <a:lvl4pPr marL="1371600" indent="0">
+              <a:buNone/>
+              <a:defRPr sz="1600" b="1"/>
+            </a:lvl4pPr>
+            <a:lvl5pPr marL="1828800" indent="0">
+              <a:buNone/>
+              <a:defRPr sz="1600" b="1"/>
+            </a:lvl5pPr>
+            <a:lvl6pPr marL="2286000" indent="0">
+              <a:buNone/>
+              <a:defRPr sz="1600" b="1"/>
+            </a:lvl6pPr>
+            <a:lvl7pPr marL="2743200" indent="0">
+              <a:buNone/>
+              <a:defRPr sz="1600" b="1"/>
+            </a:lvl7pPr>
+            <a:lvl8pPr marL="3200400" indent="0">
+              <a:buNone/>
+              <a:defRPr sz="1600" b="1"/>
+            </a:lvl8pPr>
+            <a:lvl9pPr marL="3657600" indent="0">
+              <a:buNone/>
+              <a:defRPr sz="1600" b="1"/>
+            </a:lvl9pPr>
+          </a:lstStyle>
+          <a:p>
+            <a:pPr lvl="0"/>
+            <a:r>
+              <a:rPr lang="en-US" smtClean="0"/>
+              <a:t>Click to edit Master text styles</a:t>
+            </a:r>
+          </a:p>
+        </p:txBody>
+      </p:sp>
+      <p:sp>
+        <p:nvSpPr>
+          <p:cNvPr id="30" name="Picture Placeholder 2"/>
+          <p:cNvSpPr>
+            <a:spLocks noGrp="1" noChangeAspect="1"/>
+          </p:cNvSpPr>
+          <p:nvPr>
+            <p:ph type="pic" idx="21"/>
+          </p:nvPr>
+        </p:nvSpPr>
+        <p:spPr>
+          <a:xfrm>
+            <a:off x="3889374" y="2209800"/>
+            <a:ext cx="2930525" cy="1524000"/>
+          </a:xfrm>
+          <a:prstGeom prst="roundRect">
+            <a:avLst>
+              <a:gd name="adj" fmla="val 1858"/>
+            </a:avLst>
+          </a:prstGeom>
+          <a:effectLst>
+            <a:outerShdw blurRad="50800" dist="50800" dir="5400000" algn="tl" rotWithShape="0">
+              <a:srgbClr val="000000">
+                <a:alpha val="43000"/>
+              </a:srgbClr>
+            </a:outerShdw>
+          </a:effectLst>
+        </p:spPr>
+        <p:txBody>
+          <a:bodyPr anchor="t">
+            <a:normAutofit/>
+          </a:bodyPr>
+          <a:lstStyle>
+            <a:lvl1pPr marL="0" indent="0" algn="ctr">
+              <a:buNone/>
+              <a:defRPr sz="1600"/>
+            </a:lvl1pPr>
+            <a:lvl2pPr marL="457200" indent="0">
+              <a:buNone/>
+              <a:defRPr sz="1600"/>
+            </a:lvl2pPr>
+            <a:lvl3pPr marL="914400" indent="0">
+              <a:buNone/>
+              <a:defRPr sz="1600"/>
+            </a:lvl3pPr>
+            <a:lvl4pPr marL="1371600" indent="0">
+              <a:buNone/>
+              <a:defRPr sz="1600"/>
+            </a:lvl4pPr>
+            <a:lvl5pPr marL="1828800" indent="0">
+              <a:buNone/>
+              <a:defRPr sz="1600"/>
+            </a:lvl5pPr>
+            <a:lvl6pPr marL="2286000" indent="0">
+              <a:buNone/>
+              <a:defRPr sz="1600"/>
+            </a:lvl6pPr>
+            <a:lvl7pPr marL="2743200" indent="0">
+              <a:buNone/>
+              <a:defRPr sz="1600"/>
+            </a:lvl7pPr>
+            <a:lvl8pPr marL="3200400" indent="0">
+              <a:buNone/>
+              <a:defRPr sz="1600"/>
+            </a:lvl8pPr>
+            <a:lvl9pPr marL="3657600" indent="0">
+              <a:buNone/>
+              <a:defRPr sz="1600"/>
+            </a:lvl9pPr>
+          </a:lstStyle>
+          <a:p>
+            <a:r>
+              <a:rPr lang="en-US" smtClean="0"/>
+              <a:t>Click icon to add picture</a:t>
+            </a:r>
+            <a:endParaRPr lang="en-US" dirty="0"/>
+          </a:p>
+        </p:txBody>
+      </p:sp>
+      <p:sp>
+        <p:nvSpPr>
+          <p:cNvPr id="23" name="Text Placeholder 3"/>
+          <p:cNvSpPr>
+            <a:spLocks noGrp="1"/>
+          </p:cNvSpPr>
+          <p:nvPr>
+            <p:ph type="body" sz="half" idx="19"/>
+          </p:nvPr>
+        </p:nvSpPr>
+        <p:spPr>
+          <a:xfrm>
+            <a:off x="3888022" y="4827210"/>
+            <a:ext cx="2934406" cy="659189"/>
+          </a:xfrm>
+        </p:spPr>
+        <p:txBody>
+          <a:bodyPr anchor="t">
+            <a:normAutofit/>
+          </a:bodyPr>
+          <a:lstStyle>
+            <a:lvl1pPr marL="0" indent="0">
+              <a:buNone/>
+              <a:defRPr sz="1400"/>
+            </a:lvl1pPr>
+            <a:lvl2pPr marL="457200" indent="0">
+              <a:buNone/>
+              <a:defRPr sz="1200"/>
+            </a:lvl2pPr>
+            <a:lvl3pPr marL="914400" indent="0">
+              <a:buNone/>
+              <a:defRPr sz="1000"/>
+            </a:lvl3pPr>
+            <a:lvl4pPr marL="1371600" indent="0">
+              <a:buNone/>
+              <a:defRPr sz="900"/>
+            </a:lvl4pPr>
+            <a:lvl5pPr marL="1828800" indent="0">
+              <a:buNone/>
+              <a:defRPr sz="900"/>
+            </a:lvl5pPr>
+            <a:lvl6pPr marL="2286000" indent="0">
+              <a:buNone/>
+              <a:defRPr sz="900"/>
+            </a:lvl6pPr>
+            <a:lvl7pPr marL="2743200" indent="0">
+              <a:buNone/>
+              <a:defRPr sz="900"/>
+            </a:lvl7pPr>
+            <a:lvl8pPr marL="3200400" indent="0">
+              <a:buNone/>
+              <a:defRPr sz="900"/>
+            </a:lvl8pPr>
+            <a:lvl9pPr marL="3657600" indent="0">
+              <a:buNone/>
+              <a:defRPr sz="900"/>
+            </a:lvl9pPr>
+          </a:lstStyle>
+          <a:p>
+            <a:pPr lvl="0"/>
+            <a:r>
+              <a:rPr lang="en-US" smtClean="0"/>
+              <a:t>Click to edit Master text styles</a:t>
+            </a:r>
+          </a:p>
+        </p:txBody>
+      </p:sp>
+      <p:sp>
+        <p:nvSpPr>
+          <p:cNvPr id="14" name="Text Placeholder 4"/>
+          <p:cNvSpPr>
+            <a:spLocks noGrp="1"/>
+          </p:cNvSpPr>
+          <p:nvPr>
+            <p:ph type="body" sz="quarter" idx="13"/>
+          </p:nvPr>
+        </p:nvSpPr>
+        <p:spPr>
+          <a:xfrm>
+            <a:off x="7124700" y="4250949"/>
+            <a:ext cx="2932113" cy="576262"/>
+          </a:xfrm>
+        </p:spPr>
+        <p:txBody>
+          <a:bodyPr anchor="b">
+            <a:noAutofit/>
+          </a:bodyPr>
+          <a:lstStyle>
+            <a:lvl1pPr marL="0" indent="0">
+              <a:buNone/>
+              <a:defRPr sz="2400" b="0">
+                <a:solidFill>
+                  <a:schemeClr val="bg2">
+                    <a:lumMod val="40000"/>
+                    <a:lumOff val="60000"/>
+                  </a:schemeClr>
+                </a:solidFill>
+              </a:defRPr>
+            </a:lvl1pPr>
+            <a:lvl2pPr marL="457200" indent="0">
+              <a:buNone/>
+              <a:defRPr sz="2000" b="1"/>
+            </a:lvl2pPr>
+            <a:lvl3pPr marL="914400" indent="0">
+              <a:buNone/>
+              <a:defRPr sz="1800" b="1"/>
+            </a:lvl3pPr>
+            <a:lvl4pPr marL="1371600" indent="0">
+              <a:buNone/>
+              <a:defRPr sz="1600" b="1"/>
+            </a:lvl4pPr>
+            <a:lvl5pPr marL="1828800" indent="0">
+              <a:buNone/>
+              <a:defRPr sz="1600" b="1"/>
+            </a:lvl5pPr>
+            <a:lvl6pPr marL="2286000" indent="0">
+              <a:buNone/>
+              <a:defRPr sz="1600" b="1"/>
+            </a:lvl6pPr>
+            <a:lvl7pPr marL="2743200" indent="0">
+              <a:buNone/>
+              <a:defRPr sz="1600" b="1"/>
+            </a:lvl7pPr>
+            <a:lvl8pPr marL="3200400" indent="0">
+              <a:buNone/>
+              <a:defRPr sz="1600" b="1"/>
+            </a:lvl8pPr>
+            <a:lvl9pPr marL="3657600" indent="0">
+              <a:buNone/>
+              <a:defRPr sz="1600" b="1"/>
+            </a:lvl9pPr>
+          </a:lstStyle>
+          <a:p>
+            <a:pPr lvl="0"/>
+            <a:r>
+              <a:rPr lang="en-US" smtClean="0"/>
+              <a:t>Click to edit Master text styles</a:t>
+            </a:r>
+          </a:p>
+        </p:txBody>
+      </p:sp>
+      <p:sp>
+        <p:nvSpPr>
+          <p:cNvPr id="31" name="Picture Placeholder 2"/>
+          <p:cNvSpPr>
+            <a:spLocks noGrp="1" noChangeAspect="1"/>
+          </p:cNvSpPr>
+          <p:nvPr>
+            <p:ph type="pic" idx="22"/>
+          </p:nvPr>
+        </p:nvSpPr>
+        <p:spPr>
+          <a:xfrm>
+            <a:off x="7124699" y="2209800"/>
+            <a:ext cx="2932113" cy="1524000"/>
+          </a:xfrm>
+          <a:prstGeom prst="roundRect">
+            <a:avLst>
+              <a:gd name="adj" fmla="val 1858"/>
+            </a:avLst>
+          </a:prstGeom>
+          <a:effectLst>
+            <a:outerShdw blurRad="50800" dist="50800" dir="5400000" algn="tl" rotWithShape="0">
+              <a:srgbClr val="000000">
+                <a:alpha val="43000"/>
+              </a:srgbClr>
+            </a:outerShdw>
+          </a:effectLst>
+        </p:spPr>
+        <p:txBody>
+          <a:bodyPr anchor="t">
+            <a:normAutofit/>
+          </a:bodyPr>
+          <a:lstStyle>
+            <a:lvl1pPr marL="0" indent="0" algn="ctr">
+              <a:buNone/>
+              <a:defRPr sz="1600"/>
+            </a:lvl1pPr>
+            <a:lvl2pPr marL="457200" indent="0">
+              <a:buNone/>
+              <a:defRPr sz="1600"/>
+            </a:lvl2pPr>
+            <a:lvl3pPr marL="914400" indent="0">
+              <a:buNone/>
+              <a:defRPr sz="1600"/>
+            </a:lvl3pPr>
+            <a:lvl4pPr marL="1371600" indent="0">
+              <a:buNone/>
+              <a:defRPr sz="1600"/>
+            </a:lvl4pPr>
+            <a:lvl5pPr marL="1828800" indent="0">
+              <a:buNone/>
+              <a:defRPr sz="1600"/>
+            </a:lvl5pPr>
+            <a:lvl6pPr marL="2286000" indent="0">
+              <a:buNone/>
+              <a:defRPr sz="1600"/>
+            </a:lvl6pPr>
+            <a:lvl7pPr marL="2743200" indent="0">
+              <a:buNone/>
+              <a:defRPr sz="1600"/>
+            </a:lvl7pPr>
+            <a:lvl8pPr marL="3200400" indent="0">
+              <a:buNone/>
+              <a:defRPr sz="1600"/>
+            </a:lvl8pPr>
+            <a:lvl9pPr marL="3657600" indent="0">
+              <a:buNone/>
+              <a:defRPr sz="1600"/>
+            </a:lvl9pPr>
+          </a:lstStyle>
+          <a:p>
+            <a:r>
+              <a:rPr lang="en-US" smtClean="0"/>
+              <a:t>Click icon to add picture</a:t>
+            </a:r>
+            <a:endParaRPr lang="en-US" dirty="0"/>
+          </a:p>
+        </p:txBody>
+      </p:sp>
+      <p:sp>
+        <p:nvSpPr>
+          <p:cNvPr id="24" name="Text Placeholder 3"/>
+          <p:cNvSpPr>
+            <a:spLocks noGrp="1"/>
+          </p:cNvSpPr>
+          <p:nvPr>
+            <p:ph type="body" sz="half" idx="20"/>
+          </p:nvPr>
+        </p:nvSpPr>
+        <p:spPr>
+          <a:xfrm>
+            <a:off x="7124575" y="4827208"/>
+            <a:ext cx="2935997" cy="659189"/>
+          </a:xfrm>
+        </p:spPr>
+        <p:txBody>
+          <a:bodyPr anchor="t">
+            <a:normAutofit/>
+          </a:bodyPr>
+          <a:lstStyle>
+            <a:lvl1pPr marL="0" indent="0">
+              <a:buNone/>
+              <a:defRPr sz="1400"/>
+            </a:lvl1pPr>
+            <a:lvl2pPr marL="457200" indent="0">
+              <a:buNone/>
+              <a:defRPr sz="1200"/>
+            </a:lvl2pPr>
+            <a:lvl3pPr marL="914400" indent="0">
+              <a:buNone/>
+              <a:defRPr sz="1000"/>
+            </a:lvl3pPr>
+            <a:lvl4pPr marL="1371600" indent="0">
+              <a:buNone/>
+              <a:defRPr sz="900"/>
+            </a:lvl4pPr>
+            <a:lvl5pPr marL="1828800" indent="0">
+              <a:buNone/>
+              <a:defRPr sz="900"/>
+            </a:lvl5pPr>
+            <a:lvl6pPr marL="2286000" indent="0">
+              <a:buNone/>
+              <a:defRPr sz="900"/>
+            </a:lvl6pPr>
+            <a:lvl7pPr marL="2743200" indent="0">
+              <a:buNone/>
+              <a:defRPr sz="900"/>
+            </a:lvl7pPr>
+            <a:lvl8pPr marL="3200400" indent="0">
+              <a:buNone/>
+              <a:defRPr sz="900"/>
+            </a:lvl8pPr>
+            <a:lvl9pPr marL="3657600" indent="0">
+              <a:buNone/>
+              <a:defRPr sz="900"/>
+            </a:lvl9pPr>
+          </a:lstStyle>
+          <a:p>
+            <a:pPr lvl="0"/>
+            <a:r>
+              <a:rPr lang="en-US" smtClean="0"/>
+              <a:t>Click to edit Master text styles</a:t>
+            </a:r>
+          </a:p>
+        </p:txBody>
+      </p:sp>
+      <p:cxnSp>
+        <p:nvCxnSpPr>
+          <p:cNvPr id="19" name="Straight Connector 18"/>
+          <p:cNvCxnSpPr/>
+          <p:nvPr/>
+        </p:nvCxnSpPr>
+        <p:spPr>
+          <a:xfrm>
+            <a:off x="3726142" y="2133600"/>
+            <a:ext cx="0" cy="3962400"/>
+          </a:xfrm>
+          <a:prstGeom prst="line">
+            <a:avLst/>
+          </a:prstGeom>
+          <a:ln w="12700" cmpd="sng">
+            <a:solidFill>
+              <a:schemeClr val="bg2">
+                <a:lumMod val="40000"/>
+                <a:lumOff val="60000"/>
+                <a:alpha val="40000"/>
+              </a:schemeClr>
+            </a:solidFill>
+          </a:ln>
+        </p:spPr>
+        <p:style>
+          <a:lnRef idx="2">
+            <a:schemeClr val="accent1"/>
+          </a:lnRef>
+          <a:fillRef idx="0">
+            <a:schemeClr val="accent1"/>
+          </a:fillRef>
+          <a:effectRef idx="1">
+            <a:schemeClr val="accent1"/>
+          </a:effectRef>
+          <a:fontRef idx="minor">
+            <a:schemeClr val="tx1"/>
+          </a:fontRef>
+        </p:style>
+      </p:cxnSp>
+      <p:cxnSp>
+        <p:nvCxnSpPr>
+          <p:cNvPr id="20" name="Straight Connector 19"/>
+          <p:cNvCxnSpPr/>
+          <p:nvPr/>
+        </p:nvCxnSpPr>
+        <p:spPr>
+          <a:xfrm>
+            <a:off x="6962227" y="2133600"/>
+            <a:ext cx="0" cy="3966882"/>
+          </a:xfrm>
+          <a:prstGeom prst="line">
+            <a:avLst/>
+          </a:prstGeom>
+          <a:ln w="12700" cmpd="sng">
+            <a:solidFill>
+              <a:schemeClr val="bg2">
+                <a:lumMod val="40000"/>
+                <a:lumOff val="60000"/>
+                <a:alpha val="40000"/>
+              </a:schemeClr>
+            </a:solidFill>
+          </a:ln>
+        </p:spPr>
+        <p:style>
+          <a:lnRef idx="2">
+            <a:schemeClr val="accent1"/>
+          </a:lnRef>
+          <a:fillRef idx="0">
+            <a:schemeClr val="accent1"/>
+          </a:fillRef>
+          <a:effectRef idx="1">
+            <a:schemeClr val="accent1"/>
+          </a:effectRef>
+          <a:fontRef idx="minor">
+            <a:schemeClr val="tx1"/>
+          </a:fontRef>
+        </p:style>
+      </p:cxnSp>
+      <p:sp>
+        <p:nvSpPr>
+          <p:cNvPr id="7" name="Date Placeholder 3"/>
+          <p:cNvSpPr>
+            <a:spLocks noGrp="1"/>
+          </p:cNvSpPr>
+          <p:nvPr>
+            <p:ph type="dt" sz="half" idx="10"/>
+          </p:nvPr>
+        </p:nvSpPr>
+        <p:spPr/>
+        <p:txBody>
+          <a:bodyPr/>
+          <a:lstStyle/>
+          <a:p>
+            <a:fld id="{7D50A433-14A5-4014-A22C-49E731E6083D}" type="datetimeFigureOut">
+              <a:rPr lang="en-AU" smtClean="0"/>
+              <a:t>15/06/2016</a:t>
+            </a:fld>
+            <a:endParaRPr lang="en-AU"/>
+          </a:p>
+        </p:txBody>
+      </p:sp>
+      <p:sp>
+        <p:nvSpPr>
+          <p:cNvPr id="4" name="Footer Placeholder 4"/>
+          <p:cNvSpPr>
+            <a:spLocks noGrp="1"/>
+          </p:cNvSpPr>
+          <p:nvPr>
+            <p:ph type="ftr" sz="quarter" idx="11"/>
+          </p:nvPr>
+        </p:nvSpPr>
+        <p:spPr/>
+        <p:txBody>
+          <a:bodyPr/>
+          <a:lstStyle/>
+          <a:p>
+            <a:endParaRPr lang="en-AU"/>
+          </a:p>
+        </p:txBody>
+      </p:sp>
+      <p:sp>
+        <p:nvSpPr>
+          <p:cNvPr id="6" name="Slide Number Placeholder 5"/>
+          <p:cNvSpPr>
+            <a:spLocks noGrp="1"/>
+          </p:cNvSpPr>
+          <p:nvPr>
+            <p:ph type="sldNum" sz="quarter" idx="12"/>
+          </p:nvPr>
+        </p:nvSpPr>
+        <p:spPr/>
+        <p:txBody>
+          <a:bodyPr/>
+          <a:lstStyle/>
+          <a:p>
+            <a:fld id="{44089D24-1FCD-4B3B-BEA8-E1F721F0147C}" type="slidenum">
+              <a:rPr lang="en-AU" smtClean="0"/>
+              <a:t>‹#›</a:t>
+            </a:fld>
+            <a:endParaRPr lang="en-AU"/>
+          </a:p>
+        </p:txBody>
+      </p:sp>
+    </p:spTree>
+    <p:extLst>
+      <p:ext uri="{BB962C8B-B14F-4D97-AF65-F5344CB8AC3E}">
+        <p14:creationId xmlns:p14="http://schemas.microsoft.com/office/powerpoint/2010/main" val="3304219564"/>
+      </p:ext>
+    </p:extLst>
+  </p:cSld>
+  <p:clrMapOvr>
+    <a:masterClrMapping/>
+  </p:clrMapOvr>
+</p:sldLayout>
+</file>
+
+<file path=ppt/slideLayouts/slideLayout16.xml><?xml version="1.0" encoding="utf-8"?>
 <p:sldLayout xmlns:a="http://schemas.openxmlformats.org/drawingml/2006/main" xmlns:r="http://schemas.openxmlformats.org/officeDocument/2006/relationships" xmlns:p="http://schemas.openxmlformats.org/presentationml/2006/main" type="vertTx" preserve="1">
   <p:cSld name="Title and Vertical Text">
     <p:spTree>
@@ -804,7 +4745,7 @@
               <a:rPr lang="en-US" smtClean="0"/>
               <a:t>Click to edit Master title style</a:t>
             </a:r>
-            <a:endParaRPr lang="en-AU"/>
+            <a:endParaRPr lang="en-US" dirty="0"/>
           </a:p>
         </p:txBody>
       </p:sp>
@@ -820,7 +4761,7 @@
         </p:nvSpPr>
         <p:spPr/>
         <p:txBody>
-          <a:bodyPr vert="eaVert"/>
+          <a:bodyPr vert="eaVert" anchor="t" anchorCtr="0"/>
           <a:lstStyle/>
           <a:p>
             <a:pPr lvl="0"/>
@@ -856,7 +4797,7 @@
               <a:rPr lang="en-US" smtClean="0"/>
               <a:t>Fifth level</a:t>
             </a:r>
-            <a:endParaRPr lang="en-AU"/>
+            <a:endParaRPr lang="en-US" dirty="0"/>
           </a:p>
         </p:txBody>
       </p:sp>
@@ -877,7 +4818,7 @@
           <a:p>
             <a:fld id="{7D50A433-14A5-4014-A22C-49E731E6083D}" type="datetimeFigureOut">
               <a:rPr lang="en-AU" smtClean="0"/>
-              <a:t>7/06/2016</a:t>
+              <a:t>15/06/2016</a:t>
             </a:fld>
             <a:endParaRPr lang="en-AU"/>
           </a:p>
@@ -928,7 +4869,7 @@
     </p:spTree>
     <p:extLst>
       <p:ext uri="{BB962C8B-B14F-4D97-AF65-F5344CB8AC3E}">
-        <p14:creationId xmlns:p14="http://schemas.microsoft.com/office/powerpoint/2010/main" val="730975255"/>
+        <p14:creationId xmlns:p14="http://schemas.microsoft.com/office/powerpoint/2010/main" val="506984118"/>
       </p:ext>
     </p:extLst>
   </p:cSld>
@@ -938,7 +4879,7 @@
 </p:sldLayout>
 </file>
 
-<file path=ppt/slideLayouts/slideLayout11.xml><?xml version="1.0" encoding="utf-8"?>
+<file path=ppt/slideLayouts/slideLayout17.xml><?xml version="1.0" encoding="utf-8"?>
 <p:sldLayout xmlns:a="http://schemas.openxmlformats.org/drawingml/2006/main" xmlns:r="http://schemas.openxmlformats.org/officeDocument/2006/relationships" xmlns:p="http://schemas.openxmlformats.org/presentationml/2006/main" type="vertTitleAndTx" preserve="1">
   <p:cSld name="Vertical Title and Text">
     <p:spTree>
@@ -967,42 +4908,42 @@
         </p:nvSpPr>
         <p:spPr>
           <a:xfrm>
-            <a:off x="8724900" y="365125"/>
-            <a:ext cx="2628900" cy="5811838"/>
+            <a:off x="8304212" y="430213"/>
+            <a:ext cx="1752601" cy="5826125"/>
           </a:xfrm>
         </p:spPr>
         <p:txBody>
+          <a:bodyPr vert="eaVert" anchor="b" anchorCtr="0"/>
+          <a:lstStyle/>
+          <a:p>
+            <a:r>
+              <a:rPr lang="en-US" smtClean="0"/>
+              <a:t>Click to edit Master title style</a:t>
+            </a:r>
+            <a:endParaRPr lang="en-US" dirty="0"/>
+          </a:p>
+        </p:txBody>
+      </p:sp>
+      <p:sp>
+        <p:nvSpPr>
+          <p:cNvPr id="3" name="Vertical Text Placeholder 2"/>
+          <p:cNvSpPr>
+            <a:spLocks noGrp="1"/>
+          </p:cNvSpPr>
+          <p:nvPr>
+            <p:ph type="body" orient="vert" idx="1"/>
+          </p:nvPr>
+        </p:nvSpPr>
+        <p:spPr>
+          <a:xfrm>
+            <a:off x="652463" y="887414"/>
+            <a:ext cx="7423149" cy="5368924"/>
+          </a:xfrm>
+        </p:spPr>
+        <p:txBody>
           <a:bodyPr vert="eaVert"/>
           <a:lstStyle/>
           <a:p>
-            <a:r>
-              <a:rPr lang="en-US" smtClean="0"/>
-              <a:t>Click to edit Master title style</a:t>
-            </a:r>
-            <a:endParaRPr lang="en-AU"/>
-          </a:p>
-        </p:txBody>
-      </p:sp>
-      <p:sp>
-        <p:nvSpPr>
-          <p:cNvPr id="3" name="Vertical Text Placeholder 2"/>
-          <p:cNvSpPr>
-            <a:spLocks noGrp="1"/>
-          </p:cNvSpPr>
-          <p:nvPr>
-            <p:ph type="body" orient="vert" idx="1"/>
-          </p:nvPr>
-        </p:nvSpPr>
-        <p:spPr>
-          <a:xfrm>
-            <a:off x="838200" y="365125"/>
-            <a:ext cx="7734300" cy="5811838"/>
-          </a:xfrm>
-        </p:spPr>
-        <p:txBody>
-          <a:bodyPr vert="eaVert"/>
-          <a:lstStyle/>
-          <a:p>
             <a:pPr lvl="0"/>
             <a:r>
               <a:rPr lang="en-US" smtClean="0"/>
@@ -1036,7 +4977,7 @@
               <a:rPr lang="en-US" smtClean="0"/>
               <a:t>Fifth level</a:t>
             </a:r>
-            <a:endParaRPr lang="en-AU"/>
+            <a:endParaRPr lang="en-US" dirty="0"/>
           </a:p>
         </p:txBody>
       </p:sp>
@@ -1057,7 +4998,7 @@
           <a:p>
             <a:fld id="{7D50A433-14A5-4014-A22C-49E731E6083D}" type="datetimeFigureOut">
               <a:rPr lang="en-AU" smtClean="0"/>
-              <a:t>7/06/2016</a:t>
+              <a:t>15/06/2016</a:t>
             </a:fld>
             <a:endParaRPr lang="en-AU"/>
           </a:p>
@@ -1108,7 +5049,7 @@
     </p:spTree>
     <p:extLst>
       <p:ext uri="{BB962C8B-B14F-4D97-AF65-F5344CB8AC3E}">
-        <p14:creationId xmlns:p14="http://schemas.microsoft.com/office/powerpoint/2010/main" val="1636558997"/>
+        <p14:creationId xmlns:p14="http://schemas.microsoft.com/office/powerpoint/2010/main" val="3876179190"/>
       </p:ext>
     </p:extLst>
   </p:cSld>
@@ -1154,7 +5095,7 @@
               <a:rPr lang="en-US" smtClean="0"/>
               <a:t>Click to edit Master title style</a:t>
             </a:r>
-            <a:endParaRPr lang="en-AU"/>
+            <a:endParaRPr lang="en-US" dirty="0"/>
           </a:p>
         </p:txBody>
       </p:sp>
@@ -1206,13 +5147,13 @@
               <a:rPr lang="en-US" smtClean="0"/>
               <a:t>Fifth level</a:t>
             </a:r>
-            <a:endParaRPr lang="en-AU"/>
-          </a:p>
-        </p:txBody>
-      </p:sp>
-      <p:sp>
-        <p:nvSpPr>
-          <p:cNvPr id="4" name="Date Placeholder 3"/>
+            <a:endParaRPr lang="en-US" dirty="0"/>
+          </a:p>
+        </p:txBody>
+      </p:sp>
+      <p:sp>
+        <p:nvSpPr>
+          <p:cNvPr id="7" name="Date Placeholder 3"/>
           <p:cNvSpPr>
             <a:spLocks noGrp="1"/>
           </p:cNvSpPr>
@@ -1227,7 +5168,7 @@
           <a:p>
             <a:fld id="{7D50A433-14A5-4014-A22C-49E731E6083D}" type="datetimeFigureOut">
               <a:rPr lang="en-AU" smtClean="0"/>
-              <a:t>7/06/2016</a:t>
+              <a:t>15/06/2016</a:t>
             </a:fld>
             <a:endParaRPr lang="en-AU"/>
           </a:p>
@@ -1278,7 +5219,7 @@
     </p:spTree>
     <p:extLst>
       <p:ext uri="{BB962C8B-B14F-4D97-AF65-F5344CB8AC3E}">
-        <p14:creationId xmlns:p14="http://schemas.microsoft.com/office/powerpoint/2010/main" val="3498845412"/>
+        <p14:creationId xmlns:p14="http://schemas.microsoft.com/office/powerpoint/2010/main" val="910687248"/>
       </p:ext>
     </p:extLst>
   </p:cSld>
@@ -1317,15 +5258,15 @@
         </p:nvSpPr>
         <p:spPr>
           <a:xfrm>
-            <a:off x="831850" y="1709738"/>
-            <a:ext cx="10515600" cy="2852737"/>
+            <a:off x="1154956" y="2861733"/>
+            <a:ext cx="8825657" cy="1915647"/>
           </a:xfrm>
         </p:spPr>
         <p:txBody>
           <a:bodyPr anchor="b"/>
           <a:lstStyle>
-            <a:lvl1pPr>
-              <a:defRPr sz="6000"/>
+            <a:lvl1pPr algn="l">
+              <a:defRPr sz="4000" b="0" cap="none"/>
             </a:lvl1pPr>
           </a:lstStyle>
           <a:p>
@@ -1333,7 +5274,7 @@
               <a:rPr lang="en-US" smtClean="0"/>
               <a:t>Click to edit Master title style</a:t>
             </a:r>
-            <a:endParaRPr lang="en-AU"/>
+            <a:endParaRPr lang="en-US" dirty="0"/>
           </a:p>
         </p:txBody>
       </p:sp>
@@ -1349,26 +5290,27 @@
         </p:nvSpPr>
         <p:spPr>
           <a:xfrm>
-            <a:off x="831850" y="4589463"/>
-            <a:ext cx="10515600" cy="1500187"/>
+            <a:off x="1154955" y="4777381"/>
+            <a:ext cx="8825658" cy="860400"/>
           </a:xfrm>
         </p:spPr>
         <p:txBody>
-          <a:bodyPr/>
+          <a:bodyPr anchor="t"/>
           <a:lstStyle>
-            <a:lvl1pPr marL="0" indent="0">
-              <a:buNone/>
-              <a:defRPr sz="2400">
+            <a:lvl1pPr marL="0" indent="0" algn="l">
+              <a:buNone/>
+              <a:defRPr sz="2000" cap="all">
                 <a:solidFill>
-                  <a:schemeClr val="tx1">
-                    <a:tint val="75000"/>
+                  <a:schemeClr val="bg2">
+                    <a:lumMod val="40000"/>
+                    <a:lumOff val="60000"/>
                   </a:schemeClr>
                 </a:solidFill>
               </a:defRPr>
             </a:lvl1pPr>
             <a:lvl2pPr marL="457200" indent="0">
               <a:buNone/>
-              <a:defRPr sz="2000">
+              <a:defRPr sz="1800">
                 <a:solidFill>
                   <a:schemeClr val="tx1">
                     <a:tint val="75000"/>
@@ -1378,7 +5320,7 @@
             </a:lvl2pPr>
             <a:lvl3pPr marL="914400" indent="0">
               <a:buNone/>
-              <a:defRPr sz="1800">
+              <a:defRPr sz="1600">
                 <a:solidFill>
                   <a:schemeClr val="tx1">
                     <a:tint val="75000"/>
@@ -1388,7 +5330,7 @@
             </a:lvl3pPr>
             <a:lvl4pPr marL="1371600" indent="0">
               <a:buNone/>
-              <a:defRPr sz="1600">
+              <a:defRPr sz="1400">
                 <a:solidFill>
                   <a:schemeClr val="tx1">
                     <a:tint val="75000"/>
@@ -1398,7 +5340,7 @@
             </a:lvl4pPr>
             <a:lvl5pPr marL="1828800" indent="0">
               <a:buNone/>
-              <a:defRPr sz="1600">
+              <a:defRPr sz="1400">
                 <a:solidFill>
                   <a:schemeClr val="tx1">
                     <a:tint val="75000"/>
@@ -1408,7 +5350,7 @@
             </a:lvl5pPr>
             <a:lvl6pPr marL="2286000" indent="0">
               <a:buNone/>
-              <a:defRPr sz="1600">
+              <a:defRPr sz="1400">
                 <a:solidFill>
                   <a:schemeClr val="tx1">
                     <a:tint val="75000"/>
@@ -1418,7 +5360,7 @@
             </a:lvl6pPr>
             <a:lvl7pPr marL="2743200" indent="0">
               <a:buNone/>
-              <a:defRPr sz="1600">
+              <a:defRPr sz="1400">
                 <a:solidFill>
                   <a:schemeClr val="tx1">
                     <a:tint val="75000"/>
@@ -1428,7 +5370,7 @@
             </a:lvl7pPr>
             <a:lvl8pPr marL="3200400" indent="0">
               <a:buNone/>
-              <a:defRPr sz="1600">
+              <a:defRPr sz="1400">
                 <a:solidFill>
                   <a:schemeClr val="tx1">
                     <a:tint val="75000"/>
@@ -1438,7 +5380,7 @@
             </a:lvl8pPr>
             <a:lvl9pPr marL="3657600" indent="0">
               <a:buNone/>
-              <a:defRPr sz="1600">
+              <a:defRPr sz="1400">
                 <a:solidFill>
                   <a:schemeClr val="tx1">
                     <a:tint val="75000"/>
@@ -1473,7 +5415,7 @@
           <a:p>
             <a:fld id="{7D50A433-14A5-4014-A22C-49E731E6083D}" type="datetimeFigureOut">
               <a:rPr lang="en-AU" smtClean="0"/>
-              <a:t>7/06/2016</a:t>
+              <a:t>15/06/2016</a:t>
             </a:fld>
             <a:endParaRPr lang="en-AU"/>
           </a:p>
@@ -1524,7 +5466,7 @@
     </p:spTree>
     <p:extLst>
       <p:ext uri="{BB962C8B-B14F-4D97-AF65-F5344CB8AC3E}">
-        <p14:creationId xmlns:p14="http://schemas.microsoft.com/office/powerpoint/2010/main" val="3781810505"/>
+        <p14:creationId xmlns:p14="http://schemas.microsoft.com/office/powerpoint/2010/main" val="4005772367"/>
       </p:ext>
     </p:extLst>
   </p:cSld>
@@ -1570,7 +5512,7 @@
               <a:rPr lang="en-US" smtClean="0"/>
               <a:t>Click to edit Master title style</a:t>
             </a:r>
-            <a:endParaRPr lang="en-AU"/>
+            <a:endParaRPr lang="en-US" dirty="0"/>
           </a:p>
         </p:txBody>
       </p:sp>
@@ -1586,126 +5528,186 @@
         </p:nvSpPr>
         <p:spPr>
           <a:xfrm>
-            <a:off x="838200" y="1825625"/>
-            <a:ext cx="5181600" cy="4351338"/>
+            <a:off x="1103312" y="2060575"/>
+            <a:ext cx="4396339" cy="4195763"/>
           </a:xfrm>
         </p:spPr>
         <p:txBody>
+          <a:bodyPr>
+            <a:normAutofit/>
+          </a:bodyPr>
+          <a:lstStyle>
+            <a:lvl1pPr>
+              <a:defRPr sz="1800"/>
+            </a:lvl1pPr>
+            <a:lvl2pPr>
+              <a:defRPr sz="1600"/>
+            </a:lvl2pPr>
+            <a:lvl3pPr>
+              <a:defRPr sz="1400"/>
+            </a:lvl3pPr>
+            <a:lvl4pPr>
+              <a:defRPr sz="1200"/>
+            </a:lvl4pPr>
+            <a:lvl5pPr>
+              <a:defRPr sz="1200"/>
+            </a:lvl5pPr>
+            <a:lvl6pPr>
+              <a:defRPr sz="1200"/>
+            </a:lvl6pPr>
+            <a:lvl7pPr>
+              <a:defRPr sz="1200"/>
+            </a:lvl7pPr>
+            <a:lvl8pPr>
+              <a:defRPr sz="1200"/>
+            </a:lvl8pPr>
+            <a:lvl9pPr>
+              <a:defRPr sz="1200"/>
+            </a:lvl9pPr>
+          </a:lstStyle>
+          <a:p>
+            <a:pPr lvl="0"/>
+            <a:r>
+              <a:rPr lang="en-US" smtClean="0"/>
+              <a:t>Click to edit Master text styles</a:t>
+            </a:r>
+          </a:p>
+          <a:p>
+            <a:pPr lvl="1"/>
+            <a:r>
+              <a:rPr lang="en-US" smtClean="0"/>
+              <a:t>Second level</a:t>
+            </a:r>
+          </a:p>
+          <a:p>
+            <a:pPr lvl="2"/>
+            <a:r>
+              <a:rPr lang="en-US" smtClean="0"/>
+              <a:t>Third level</a:t>
+            </a:r>
+          </a:p>
+          <a:p>
+            <a:pPr lvl="3"/>
+            <a:r>
+              <a:rPr lang="en-US" smtClean="0"/>
+              <a:t>Fourth level</a:t>
+            </a:r>
+          </a:p>
+          <a:p>
+            <a:pPr lvl="4"/>
+            <a:r>
+              <a:rPr lang="en-US" smtClean="0"/>
+              <a:t>Fifth level</a:t>
+            </a:r>
+            <a:endParaRPr lang="en-US" dirty="0"/>
+          </a:p>
+        </p:txBody>
+      </p:sp>
+      <p:sp>
+        <p:nvSpPr>
+          <p:cNvPr id="4" name="Content Placeholder 3"/>
+          <p:cNvSpPr>
+            <a:spLocks noGrp="1"/>
+          </p:cNvSpPr>
+          <p:nvPr>
+            <p:ph sz="half" idx="2"/>
+          </p:nvPr>
+        </p:nvSpPr>
+        <p:spPr>
+          <a:xfrm>
+            <a:off x="5654493" y="2056092"/>
+            <a:ext cx="4396341" cy="4200245"/>
+          </a:xfrm>
+        </p:spPr>
+        <p:txBody>
+          <a:bodyPr>
+            <a:normAutofit/>
+          </a:bodyPr>
+          <a:lstStyle>
+            <a:lvl1pPr>
+              <a:defRPr sz="1800"/>
+            </a:lvl1pPr>
+            <a:lvl2pPr>
+              <a:defRPr sz="1600"/>
+            </a:lvl2pPr>
+            <a:lvl3pPr>
+              <a:defRPr sz="1400"/>
+            </a:lvl3pPr>
+            <a:lvl4pPr>
+              <a:defRPr sz="1200"/>
+            </a:lvl4pPr>
+            <a:lvl5pPr>
+              <a:defRPr sz="1200"/>
+            </a:lvl5pPr>
+            <a:lvl6pPr>
+              <a:defRPr sz="1200"/>
+            </a:lvl6pPr>
+            <a:lvl7pPr>
+              <a:defRPr sz="1200"/>
+            </a:lvl7pPr>
+            <a:lvl8pPr>
+              <a:defRPr sz="1200"/>
+            </a:lvl8pPr>
+            <a:lvl9pPr>
+              <a:defRPr sz="1200"/>
+            </a:lvl9pPr>
+          </a:lstStyle>
+          <a:p>
+            <a:pPr lvl="0"/>
+            <a:r>
+              <a:rPr lang="en-US" smtClean="0"/>
+              <a:t>Click to edit Master text styles</a:t>
+            </a:r>
+          </a:p>
+          <a:p>
+            <a:pPr lvl="1"/>
+            <a:r>
+              <a:rPr lang="en-US" smtClean="0"/>
+              <a:t>Second level</a:t>
+            </a:r>
+          </a:p>
+          <a:p>
+            <a:pPr lvl="2"/>
+            <a:r>
+              <a:rPr lang="en-US" smtClean="0"/>
+              <a:t>Third level</a:t>
+            </a:r>
+          </a:p>
+          <a:p>
+            <a:pPr lvl="3"/>
+            <a:r>
+              <a:rPr lang="en-US" smtClean="0"/>
+              <a:t>Fourth level</a:t>
+            </a:r>
+          </a:p>
+          <a:p>
+            <a:pPr lvl="4"/>
+            <a:r>
+              <a:rPr lang="en-US" smtClean="0"/>
+              <a:t>Fifth level</a:t>
+            </a:r>
+            <a:endParaRPr lang="en-US" dirty="0"/>
+          </a:p>
+        </p:txBody>
+      </p:sp>
+      <p:sp>
+        <p:nvSpPr>
+          <p:cNvPr id="5" name="Date Placeholder 4"/>
+          <p:cNvSpPr>
+            <a:spLocks noGrp="1"/>
+          </p:cNvSpPr>
+          <p:nvPr>
+            <p:ph type="dt" sz="half" idx="10"/>
+          </p:nvPr>
+        </p:nvSpPr>
+        <p:spPr/>
+        <p:txBody>
           <a:bodyPr/>
           <a:lstStyle/>
           <a:p>
-            <a:pPr lvl="0"/>
-            <a:r>
-              <a:rPr lang="en-US" smtClean="0"/>
-              <a:t>Click to edit Master text styles</a:t>
-            </a:r>
-          </a:p>
-          <a:p>
-            <a:pPr lvl="1"/>
-            <a:r>
-              <a:rPr lang="en-US" smtClean="0"/>
-              <a:t>Second level</a:t>
-            </a:r>
-          </a:p>
-          <a:p>
-            <a:pPr lvl="2"/>
-            <a:r>
-              <a:rPr lang="en-US" smtClean="0"/>
-              <a:t>Third level</a:t>
-            </a:r>
-          </a:p>
-          <a:p>
-            <a:pPr lvl="3"/>
-            <a:r>
-              <a:rPr lang="en-US" smtClean="0"/>
-              <a:t>Fourth level</a:t>
-            </a:r>
-          </a:p>
-          <a:p>
-            <a:pPr lvl="4"/>
-            <a:r>
-              <a:rPr lang="en-US" smtClean="0"/>
-              <a:t>Fifth level</a:t>
-            </a:r>
-            <a:endParaRPr lang="en-AU"/>
-          </a:p>
-        </p:txBody>
-      </p:sp>
-      <p:sp>
-        <p:nvSpPr>
-          <p:cNvPr id="4" name="Content Placeholder 3"/>
-          <p:cNvSpPr>
-            <a:spLocks noGrp="1"/>
-          </p:cNvSpPr>
-          <p:nvPr>
-            <p:ph sz="half" idx="2"/>
-          </p:nvPr>
-        </p:nvSpPr>
-        <p:spPr>
-          <a:xfrm>
-            <a:off x="6172200" y="1825625"/>
-            <a:ext cx="5181600" cy="4351338"/>
-          </a:xfrm>
-        </p:spPr>
-        <p:txBody>
-          <a:bodyPr/>
-          <a:lstStyle/>
-          <a:p>
-            <a:pPr lvl="0"/>
-            <a:r>
-              <a:rPr lang="en-US" smtClean="0"/>
-              <a:t>Click to edit Master text styles</a:t>
-            </a:r>
-          </a:p>
-          <a:p>
-            <a:pPr lvl="1"/>
-            <a:r>
-              <a:rPr lang="en-US" smtClean="0"/>
-              <a:t>Second level</a:t>
-            </a:r>
-          </a:p>
-          <a:p>
-            <a:pPr lvl="2"/>
-            <a:r>
-              <a:rPr lang="en-US" smtClean="0"/>
-              <a:t>Third level</a:t>
-            </a:r>
-          </a:p>
-          <a:p>
-            <a:pPr lvl="3"/>
-            <a:r>
-              <a:rPr lang="en-US" smtClean="0"/>
-              <a:t>Fourth level</a:t>
-            </a:r>
-          </a:p>
-          <a:p>
-            <a:pPr lvl="4"/>
-            <a:r>
-              <a:rPr lang="en-US" smtClean="0"/>
-              <a:t>Fifth level</a:t>
-            </a:r>
-            <a:endParaRPr lang="en-AU"/>
-          </a:p>
-        </p:txBody>
-      </p:sp>
-      <p:sp>
-        <p:nvSpPr>
-          <p:cNvPr id="5" name="Date Placeholder 4"/>
-          <p:cNvSpPr>
-            <a:spLocks noGrp="1"/>
-          </p:cNvSpPr>
-          <p:nvPr>
-            <p:ph type="dt" sz="half" idx="10"/>
-          </p:nvPr>
-        </p:nvSpPr>
-        <p:spPr/>
-        <p:txBody>
-          <a:bodyPr/>
-          <a:lstStyle/>
-          <a:p>
             <a:fld id="{7D50A433-14A5-4014-A22C-49E731E6083D}" type="datetimeFigureOut">
               <a:rPr lang="en-AU" smtClean="0"/>
-              <a:t>7/06/2016</a:t>
+              <a:t>15/06/2016</a:t>
             </a:fld>
             <a:endParaRPr lang="en-AU"/>
           </a:p>
@@ -1756,7 +5758,7 @@
     </p:spTree>
     <p:extLst>
       <p:ext uri="{BB962C8B-B14F-4D97-AF65-F5344CB8AC3E}">
-        <p14:creationId xmlns:p14="http://schemas.microsoft.com/office/powerpoint/2010/main" val="1171371856"/>
+        <p14:creationId xmlns:p14="http://schemas.microsoft.com/office/powerpoint/2010/main" val="1913710842"/>
       </p:ext>
     </p:extLst>
   </p:cSld>
@@ -1793,46 +5795,54 @@
             <p:ph type="title"/>
           </p:nvPr>
         </p:nvSpPr>
+        <p:spPr/>
+        <p:txBody>
+          <a:bodyPr/>
+          <a:lstStyle>
+            <a:lvl1pPr>
+              <a:defRPr/>
+            </a:lvl1pPr>
+          </a:lstStyle>
+          <a:p>
+            <a:r>
+              <a:rPr lang="en-US" smtClean="0"/>
+              <a:t>Click to edit Master title style</a:t>
+            </a:r>
+            <a:endParaRPr lang="en-US" dirty="0"/>
+          </a:p>
+        </p:txBody>
+      </p:sp>
+      <p:sp>
+        <p:nvSpPr>
+          <p:cNvPr id="3" name="Text Placeholder 2"/>
+          <p:cNvSpPr>
+            <a:spLocks noGrp="1"/>
+          </p:cNvSpPr>
+          <p:nvPr>
+            <p:ph type="body" idx="1"/>
+          </p:nvPr>
+        </p:nvSpPr>
         <p:spPr>
           <a:xfrm>
-            <a:off x="839788" y="365125"/>
-            <a:ext cx="10515600" cy="1325563"/>
+            <a:off x="1103313" y="1905000"/>
+            <a:ext cx="4396338" cy="576262"/>
           </a:xfrm>
         </p:spPr>
         <p:txBody>
-          <a:bodyPr/>
-          <a:lstStyle/>
-          <a:p>
-            <a:r>
-              <a:rPr lang="en-US" smtClean="0"/>
-              <a:t>Click to edit Master title style</a:t>
-            </a:r>
-            <a:endParaRPr lang="en-AU"/>
-          </a:p>
-        </p:txBody>
-      </p:sp>
-      <p:sp>
-        <p:nvSpPr>
-          <p:cNvPr id="3" name="Text Placeholder 2"/>
-          <p:cNvSpPr>
-            <a:spLocks noGrp="1"/>
-          </p:cNvSpPr>
-          <p:nvPr>
-            <p:ph type="body" idx="1"/>
-          </p:nvPr>
-        </p:nvSpPr>
-        <p:spPr>
-          <a:xfrm>
-            <a:off x="839788" y="1681163"/>
-            <a:ext cx="5157787" cy="823912"/>
-          </a:xfrm>
-        </p:spPr>
-        <p:txBody>
-          <a:bodyPr anchor="b"/>
+          <a:bodyPr anchor="b">
+            <a:noAutofit/>
+          </a:bodyPr>
           <a:lstStyle>
             <a:lvl1pPr marL="0" indent="0">
               <a:buNone/>
-              <a:defRPr sz="2400" b="1"/>
+              <a:defRPr sz="2400" b="0">
+                <a:solidFill>
+                  <a:schemeClr val="bg2">
+                    <a:lumMod val="40000"/>
+                    <a:lumOff val="60000"/>
+                  </a:schemeClr>
+                </a:solidFill>
+              </a:defRPr>
             </a:lvl1pPr>
             <a:lvl2pPr marL="457200" indent="0">
               <a:buNone/>
@@ -1888,13 +5898,43 @@
         </p:nvSpPr>
         <p:spPr>
           <a:xfrm>
-            <a:off x="839788" y="2505075"/>
-            <a:ext cx="5157787" cy="3684588"/>
+            <a:off x="1103312" y="2514600"/>
+            <a:ext cx="4396339" cy="3741738"/>
           </a:xfrm>
         </p:spPr>
         <p:txBody>
-          <a:bodyPr/>
-          <a:lstStyle/>
+          <a:bodyPr>
+            <a:normAutofit/>
+          </a:bodyPr>
+          <a:lstStyle>
+            <a:lvl1pPr>
+              <a:defRPr sz="1800"/>
+            </a:lvl1pPr>
+            <a:lvl2pPr>
+              <a:defRPr sz="1600"/>
+            </a:lvl2pPr>
+            <a:lvl3pPr>
+              <a:defRPr sz="1400"/>
+            </a:lvl3pPr>
+            <a:lvl4pPr>
+              <a:defRPr sz="1200"/>
+            </a:lvl4pPr>
+            <a:lvl5pPr>
+              <a:defRPr sz="1200"/>
+            </a:lvl5pPr>
+            <a:lvl6pPr>
+              <a:defRPr sz="1200"/>
+            </a:lvl6pPr>
+            <a:lvl7pPr>
+              <a:defRPr sz="1200"/>
+            </a:lvl7pPr>
+            <a:lvl8pPr>
+              <a:defRPr sz="1200"/>
+            </a:lvl8pPr>
+            <a:lvl9pPr>
+              <a:defRPr sz="1200"/>
+            </a:lvl9pPr>
+          </a:lstStyle>
           <a:p>
             <a:pPr lvl="0"/>
             <a:r>
@@ -1929,7 +5969,7 @@
               <a:rPr lang="en-US" smtClean="0"/>
               <a:t>Fifth level</a:t>
             </a:r>
-            <a:endParaRPr lang="en-AU"/>
+            <a:endParaRPr lang="en-US" dirty="0"/>
           </a:p>
         </p:txBody>
       </p:sp>
@@ -1945,16 +5985,25 @@
         </p:nvSpPr>
         <p:spPr>
           <a:xfrm>
-            <a:off x="6172200" y="1681163"/>
-            <a:ext cx="5183188" cy="823912"/>
+            <a:off x="5654495" y="1905000"/>
+            <a:ext cx="4396339" cy="576262"/>
           </a:xfrm>
         </p:spPr>
         <p:txBody>
-          <a:bodyPr anchor="b"/>
+          <a:bodyPr anchor="b">
+            <a:noAutofit/>
+          </a:bodyPr>
           <a:lstStyle>
             <a:lvl1pPr marL="0" indent="0">
               <a:buNone/>
-              <a:defRPr sz="2400" b="1"/>
+              <a:defRPr sz="2400" b="0">
+                <a:solidFill>
+                  <a:schemeClr val="bg2">
+                    <a:lumMod val="40000"/>
+                    <a:lumOff val="60000"/>
+                  </a:schemeClr>
+                </a:solidFill>
+              </a:defRPr>
             </a:lvl1pPr>
             <a:lvl2pPr marL="457200" indent="0">
               <a:buNone/>
@@ -2010,69 +6059,99 @@
         </p:nvSpPr>
         <p:spPr>
           <a:xfrm>
-            <a:off x="6172200" y="2505075"/>
-            <a:ext cx="5183188" cy="3684588"/>
+            <a:off x="5654495" y="2514600"/>
+            <a:ext cx="4396339" cy="3741738"/>
           </a:xfrm>
         </p:spPr>
         <p:txBody>
+          <a:bodyPr>
+            <a:normAutofit/>
+          </a:bodyPr>
+          <a:lstStyle>
+            <a:lvl1pPr>
+              <a:defRPr sz="1800"/>
+            </a:lvl1pPr>
+            <a:lvl2pPr>
+              <a:defRPr sz="1600"/>
+            </a:lvl2pPr>
+            <a:lvl3pPr>
+              <a:defRPr sz="1400"/>
+            </a:lvl3pPr>
+            <a:lvl4pPr>
+              <a:defRPr sz="1200"/>
+            </a:lvl4pPr>
+            <a:lvl5pPr>
+              <a:defRPr sz="1200"/>
+            </a:lvl5pPr>
+            <a:lvl6pPr>
+              <a:defRPr sz="1200"/>
+            </a:lvl6pPr>
+            <a:lvl7pPr>
+              <a:defRPr sz="1200"/>
+            </a:lvl7pPr>
+            <a:lvl8pPr>
+              <a:defRPr sz="1200"/>
+            </a:lvl8pPr>
+            <a:lvl9pPr>
+              <a:defRPr sz="1200"/>
+            </a:lvl9pPr>
+          </a:lstStyle>
+          <a:p>
+            <a:pPr lvl="0"/>
+            <a:r>
+              <a:rPr lang="en-US" smtClean="0"/>
+              <a:t>Click to edit Master text styles</a:t>
+            </a:r>
+          </a:p>
+          <a:p>
+            <a:pPr lvl="1"/>
+            <a:r>
+              <a:rPr lang="en-US" smtClean="0"/>
+              <a:t>Second level</a:t>
+            </a:r>
+          </a:p>
+          <a:p>
+            <a:pPr lvl="2"/>
+            <a:r>
+              <a:rPr lang="en-US" smtClean="0"/>
+              <a:t>Third level</a:t>
+            </a:r>
+          </a:p>
+          <a:p>
+            <a:pPr lvl="3"/>
+            <a:r>
+              <a:rPr lang="en-US" smtClean="0"/>
+              <a:t>Fourth level</a:t>
+            </a:r>
+          </a:p>
+          <a:p>
+            <a:pPr lvl="4"/>
+            <a:r>
+              <a:rPr lang="en-US" smtClean="0"/>
+              <a:t>Fifth level</a:t>
+            </a:r>
+            <a:endParaRPr lang="en-US" dirty="0"/>
+          </a:p>
+        </p:txBody>
+      </p:sp>
+      <p:sp>
+        <p:nvSpPr>
+          <p:cNvPr id="7" name="Date Placeholder 6"/>
+          <p:cNvSpPr>
+            <a:spLocks noGrp="1"/>
+          </p:cNvSpPr>
+          <p:nvPr>
+            <p:ph type="dt" sz="half" idx="10"/>
+          </p:nvPr>
+        </p:nvSpPr>
+        <p:spPr/>
+        <p:txBody>
           <a:bodyPr/>
           <a:lstStyle/>
           <a:p>
-            <a:pPr lvl="0"/>
-            <a:r>
-              <a:rPr lang="en-US" smtClean="0"/>
-              <a:t>Click to edit Master text styles</a:t>
-            </a:r>
-          </a:p>
-          <a:p>
-            <a:pPr lvl="1"/>
-            <a:r>
-              <a:rPr lang="en-US" smtClean="0"/>
-              <a:t>Second level</a:t>
-            </a:r>
-          </a:p>
-          <a:p>
-            <a:pPr lvl="2"/>
-            <a:r>
-              <a:rPr lang="en-US" smtClean="0"/>
-              <a:t>Third level</a:t>
-            </a:r>
-          </a:p>
-          <a:p>
-            <a:pPr lvl="3"/>
-            <a:r>
-              <a:rPr lang="en-US" smtClean="0"/>
-              <a:t>Fourth level</a:t>
-            </a:r>
-          </a:p>
-          <a:p>
-            <a:pPr lvl="4"/>
-            <a:r>
-              <a:rPr lang="en-US" smtClean="0"/>
-              <a:t>Fifth level</a:t>
-            </a:r>
-            <a:endParaRPr lang="en-AU"/>
-          </a:p>
-        </p:txBody>
-      </p:sp>
-      <p:sp>
-        <p:nvSpPr>
-          <p:cNvPr id="7" name="Date Placeholder 6"/>
-          <p:cNvSpPr>
-            <a:spLocks noGrp="1"/>
-          </p:cNvSpPr>
-          <p:nvPr>
-            <p:ph type="dt" sz="half" idx="10"/>
-          </p:nvPr>
-        </p:nvSpPr>
-        <p:spPr/>
-        <p:txBody>
-          <a:bodyPr/>
-          <a:lstStyle/>
-          <a:p>
             <a:fld id="{7D50A433-14A5-4014-A22C-49E731E6083D}" type="datetimeFigureOut">
               <a:rPr lang="en-AU" smtClean="0"/>
-              <a:t>7/06/2016</a:t>
+              <a:t>15/06/2016</a:t>
             </a:fld>
             <a:endParaRPr lang="en-AU"/>
           </a:p>
@@ -2123,7 +6202,7 @@
     </p:spTree>
     <p:extLst>
       <p:ext uri="{BB962C8B-B14F-4D97-AF65-F5344CB8AC3E}">
-        <p14:creationId xmlns:p14="http://schemas.microsoft.com/office/powerpoint/2010/main" val="802796360"/>
+        <p14:creationId xmlns:p14="http://schemas.microsoft.com/office/powerpoint/2010/main" val="191412272"/>
       </p:ext>
     </p:extLst>
   </p:cSld>
@@ -2169,13 +6248,13 @@
               <a:rPr lang="en-US" smtClean="0"/>
               <a:t>Click to edit Master title style</a:t>
             </a:r>
-            <a:endParaRPr lang="en-AU"/>
-          </a:p>
-        </p:txBody>
-      </p:sp>
-      <p:sp>
-        <p:nvSpPr>
-          <p:cNvPr id="3" name="Date Placeholder 2"/>
+            <a:endParaRPr lang="en-US" dirty="0"/>
+          </a:p>
+        </p:txBody>
+      </p:sp>
+      <p:sp>
+        <p:nvSpPr>
+          <p:cNvPr id="7" name="Date Placeholder 2"/>
           <p:cNvSpPr>
             <a:spLocks noGrp="1"/>
           </p:cNvSpPr>
@@ -2190,7 +6269,7 @@
           <a:p>
             <a:fld id="{7D50A433-14A5-4014-A22C-49E731E6083D}" type="datetimeFigureOut">
               <a:rPr lang="en-AU" smtClean="0"/>
-              <a:t>7/06/2016</a:t>
+              <a:t>15/06/2016</a:t>
             </a:fld>
             <a:endParaRPr lang="en-AU"/>
           </a:p>
@@ -2198,7 +6277,7 @@
       </p:sp>
       <p:sp>
         <p:nvSpPr>
-          <p:cNvPr id="4" name="Footer Placeholder 3"/>
+          <p:cNvPr id="5" name="Footer Placeholder 3"/>
           <p:cNvSpPr>
             <a:spLocks noGrp="1"/>
           </p:cNvSpPr>
@@ -2217,7 +6296,7 @@
       </p:sp>
       <p:sp>
         <p:nvSpPr>
-          <p:cNvPr id="5" name="Slide Number Placeholder 4"/>
+          <p:cNvPr id="6" name="Slide Number Placeholder 4"/>
           <p:cNvSpPr>
             <a:spLocks noGrp="1"/>
           </p:cNvSpPr>
@@ -2241,7 +6320,7 @@
     </p:spTree>
     <p:extLst>
       <p:ext uri="{BB962C8B-B14F-4D97-AF65-F5344CB8AC3E}">
-        <p14:creationId xmlns:p14="http://schemas.microsoft.com/office/powerpoint/2010/main" val="1654040231"/>
+        <p14:creationId xmlns:p14="http://schemas.microsoft.com/office/powerpoint/2010/main" val="1643985269"/>
       </p:ext>
     </p:extLst>
   </p:cSld>
@@ -2270,7 +6349,7 @@
       </p:grpSpPr>
       <p:sp>
         <p:nvSpPr>
-          <p:cNvPr id="2" name="Date Placeholder 1"/>
+          <p:cNvPr id="7" name="Date Placeholder 1"/>
           <p:cNvSpPr>
             <a:spLocks noGrp="1"/>
           </p:cNvSpPr>
@@ -2285,7 +6364,7 @@
           <a:p>
             <a:fld id="{7D50A433-14A5-4014-A22C-49E731E6083D}" type="datetimeFigureOut">
               <a:rPr lang="en-AU" smtClean="0"/>
-              <a:t>7/06/2016</a:t>
+              <a:t>15/06/2016</a:t>
             </a:fld>
             <a:endParaRPr lang="en-AU"/>
           </a:p>
@@ -2293,7 +6372,7 @@
       </p:sp>
       <p:sp>
         <p:nvSpPr>
-          <p:cNvPr id="3" name="Footer Placeholder 2"/>
+          <p:cNvPr id="5" name="Footer Placeholder 2"/>
           <p:cNvSpPr>
             <a:spLocks noGrp="1"/>
           </p:cNvSpPr>
@@ -2312,7 +6391,7 @@
       </p:sp>
       <p:sp>
         <p:nvSpPr>
-          <p:cNvPr id="4" name="Slide Number Placeholder 3"/>
+          <p:cNvPr id="6" name="Slide Number Placeholder 3"/>
           <p:cNvSpPr>
             <a:spLocks noGrp="1"/>
           </p:cNvSpPr>
@@ -2336,7 +6415,7 @@
     </p:spTree>
     <p:extLst>
       <p:ext uri="{BB962C8B-B14F-4D97-AF65-F5344CB8AC3E}">
-        <p14:creationId xmlns:p14="http://schemas.microsoft.com/office/powerpoint/2010/main" val="1498875652"/>
+        <p14:creationId xmlns:p14="http://schemas.microsoft.com/office/powerpoint/2010/main" val="980156092"/>
       </p:ext>
     </p:extLst>
   </p:cSld>
@@ -2375,15 +6454,15 @@
         </p:nvSpPr>
         <p:spPr>
           <a:xfrm>
-            <a:off x="839788" y="457200"/>
-            <a:ext cx="3932237" cy="1600200"/>
+            <a:off x="1154953" y="1447800"/>
+            <a:ext cx="3401064" cy="1447800"/>
           </a:xfrm>
         </p:spPr>
         <p:txBody>
           <a:bodyPr anchor="b"/>
           <a:lstStyle>
-            <a:lvl1pPr>
-              <a:defRPr sz="3200"/>
+            <a:lvl1pPr algn="l">
+              <a:defRPr sz="2400" b="0"/>
             </a:lvl1pPr>
           </a:lstStyle>
           <a:p>
@@ -2391,7 +6470,7 @@
               <a:rPr lang="en-US" smtClean="0"/>
               <a:t>Click to edit Master title style</a:t>
             </a:r>
-            <a:endParaRPr lang="en-AU"/>
+            <a:endParaRPr lang="en-US" dirty="0"/>
           </a:p>
         </p:txBody>
       </p:sp>
@@ -2407,39 +6486,41 @@
         </p:nvSpPr>
         <p:spPr>
           <a:xfrm>
-            <a:off x="5183188" y="987425"/>
-            <a:ext cx="6172200" cy="4873625"/>
+            <a:off x="4784616" y="1447800"/>
+            <a:ext cx="5195997" cy="4572000"/>
           </a:xfrm>
         </p:spPr>
         <p:txBody>
-          <a:bodyPr/>
+          <a:bodyPr anchor="ctr">
+            <a:normAutofit/>
+          </a:bodyPr>
           <a:lstStyle>
             <a:lvl1pPr>
-              <a:defRPr sz="3200"/>
+              <a:defRPr sz="2000"/>
             </a:lvl1pPr>
             <a:lvl2pPr>
-              <a:defRPr sz="2800"/>
+              <a:defRPr sz="1800"/>
             </a:lvl2pPr>
             <a:lvl3pPr>
-              <a:defRPr sz="2400"/>
+              <a:defRPr sz="1600"/>
             </a:lvl3pPr>
             <a:lvl4pPr>
-              <a:defRPr sz="2000"/>
+              <a:defRPr sz="1400"/>
             </a:lvl4pPr>
             <a:lvl5pPr>
-              <a:defRPr sz="2000"/>
+              <a:defRPr sz="1400"/>
             </a:lvl5pPr>
             <a:lvl6pPr>
-              <a:defRPr sz="2000"/>
+              <a:defRPr sz="1400"/>
             </a:lvl6pPr>
             <a:lvl7pPr>
-              <a:defRPr sz="2000"/>
+              <a:defRPr sz="1400"/>
             </a:lvl7pPr>
             <a:lvl8pPr>
-              <a:defRPr sz="2000"/>
+              <a:defRPr sz="1400"/>
             </a:lvl8pPr>
             <a:lvl9pPr>
-              <a:defRPr sz="2000"/>
+              <a:defRPr sz="1400"/>
             </a:lvl9pPr>
           </a:lstStyle>
           <a:p>
@@ -2476,7 +6557,7 @@
               <a:rPr lang="en-US" smtClean="0"/>
               <a:t>Fifth level</a:t>
             </a:r>
-            <a:endParaRPr lang="en-AU"/>
+            <a:endParaRPr lang="en-US" dirty="0"/>
           </a:p>
         </p:txBody>
       </p:sp>
@@ -2492,8 +6573,8 @@
         </p:nvSpPr>
         <p:spPr>
           <a:xfrm>
-            <a:off x="839788" y="2057400"/>
-            <a:ext cx="3932237" cy="3811588"/>
+            <a:off x="1154953" y="3129280"/>
+            <a:ext cx="3401063" cy="2895599"/>
           </a:xfrm>
         </p:spPr>
         <p:txBody>
@@ -2501,39 +6582,39 @@
           <a:lstStyle>
             <a:lvl1pPr marL="0" indent="0">
               <a:buNone/>
-              <a:defRPr sz="1600"/>
+              <a:defRPr sz="1400"/>
             </a:lvl1pPr>
             <a:lvl2pPr marL="457200" indent="0">
               <a:buNone/>
-              <a:defRPr sz="1400"/>
+              <a:defRPr sz="1200"/>
             </a:lvl2pPr>
             <a:lvl3pPr marL="914400" indent="0">
               <a:buNone/>
-              <a:defRPr sz="1200"/>
+              <a:defRPr sz="1000"/>
             </a:lvl3pPr>
             <a:lvl4pPr marL="1371600" indent="0">
               <a:buNone/>
-              <a:defRPr sz="1000"/>
+              <a:defRPr sz="900"/>
             </a:lvl4pPr>
             <a:lvl5pPr marL="1828800" indent="0">
               <a:buNone/>
-              <a:defRPr sz="1000"/>
+              <a:defRPr sz="900"/>
             </a:lvl5pPr>
             <a:lvl6pPr marL="2286000" indent="0">
               <a:buNone/>
-              <a:defRPr sz="1000"/>
+              <a:defRPr sz="900"/>
             </a:lvl6pPr>
             <a:lvl7pPr marL="2743200" indent="0">
               <a:buNone/>
-              <a:defRPr sz="1000"/>
+              <a:defRPr sz="900"/>
             </a:lvl7pPr>
             <a:lvl8pPr marL="3200400" indent="0">
               <a:buNone/>
-              <a:defRPr sz="1000"/>
+              <a:defRPr sz="900"/>
             </a:lvl8pPr>
             <a:lvl9pPr marL="3657600" indent="0">
               <a:buNone/>
-              <a:defRPr sz="1000"/>
+              <a:defRPr sz="900"/>
             </a:lvl9pPr>
           </a:lstStyle>
           <a:p>
@@ -2547,7 +6628,7 @@
       </p:sp>
       <p:sp>
         <p:nvSpPr>
-          <p:cNvPr id="5" name="Date Placeholder 4"/>
+          <p:cNvPr id="7" name="Date Placeholder 4"/>
           <p:cNvSpPr>
             <a:spLocks noGrp="1"/>
           </p:cNvSpPr>
@@ -2562,7 +6643,7 @@
           <a:p>
             <a:fld id="{7D50A433-14A5-4014-A22C-49E731E6083D}" type="datetimeFigureOut">
               <a:rPr lang="en-AU" smtClean="0"/>
-              <a:t>7/06/2016</a:t>
+              <a:t>15/06/2016</a:t>
             </a:fld>
             <a:endParaRPr lang="en-AU"/>
           </a:p>
@@ -2570,7 +6651,7 @@
       </p:sp>
       <p:sp>
         <p:nvSpPr>
-          <p:cNvPr id="6" name="Footer Placeholder 5"/>
+          <p:cNvPr id="5" name="Footer Placeholder 5"/>
           <p:cNvSpPr>
             <a:spLocks noGrp="1"/>
           </p:cNvSpPr>
@@ -2589,7 +6670,7 @@
       </p:sp>
       <p:sp>
         <p:nvSpPr>
-          <p:cNvPr id="7" name="Slide Number Placeholder 6"/>
+          <p:cNvPr id="6" name="Slide Number Placeholder 6"/>
           <p:cNvSpPr>
             <a:spLocks noGrp="1"/>
           </p:cNvSpPr>
@@ -2613,7 +6694,7 @@
     </p:spTree>
     <p:extLst>
       <p:ext uri="{BB962C8B-B14F-4D97-AF65-F5344CB8AC3E}">
-        <p14:creationId xmlns:p14="http://schemas.microsoft.com/office/powerpoint/2010/main" val="3326676178"/>
+        <p14:creationId xmlns:p14="http://schemas.microsoft.com/office/powerpoint/2010/main" val="1808730396"/>
       </p:ext>
     </p:extLst>
   </p:cSld>
@@ -2652,15 +6733,17 @@
         </p:nvSpPr>
         <p:spPr>
           <a:xfrm>
-            <a:off x="839788" y="457200"/>
-            <a:ext cx="3932237" cy="1600200"/>
+            <a:off x="1153907" y="1854192"/>
+            <a:ext cx="5092906" cy="1574808"/>
           </a:xfrm>
         </p:spPr>
         <p:txBody>
-          <a:bodyPr anchor="b"/>
+          <a:bodyPr anchor="b">
+            <a:normAutofit/>
+          </a:bodyPr>
           <a:lstStyle>
-            <a:lvl1pPr>
-              <a:defRPr sz="3200"/>
+            <a:lvl1pPr algn="l">
+              <a:defRPr sz="3600" b="0"/>
             </a:lvl1pPr>
           </a:lstStyle>
           <a:p>
@@ -2668,7 +6751,7 @@
               <a:rPr lang="en-US" smtClean="0"/>
               <a:t>Click to edit Master title style</a:t>
             </a:r>
-            <a:endParaRPr lang="en-AU"/>
+            <a:endParaRPr lang="en-US" dirty="0"/>
           </a:p>
         </p:txBody>
       </p:sp>
@@ -2676,7 +6759,7 @@
         <p:nvSpPr>
           <p:cNvPr id="3" name="Picture Placeholder 2"/>
           <p:cNvSpPr>
-            <a:spLocks noGrp="1"/>
+            <a:spLocks noGrp="1" noChangeAspect="1"/>
           </p:cNvSpPr>
           <p:nvPr>
             <p:ph type="pic" idx="1"/>
@@ -2684,112 +6767,132 @@
         </p:nvSpPr>
         <p:spPr>
           <a:xfrm>
-            <a:off x="5183188" y="987425"/>
-            <a:ext cx="6172200" cy="4873625"/>
+            <a:off x="6949546" y="1143000"/>
+            <a:ext cx="3200400" cy="4572000"/>
           </a:xfrm>
+          <a:prstGeom prst="roundRect">
+            <a:avLst>
+              <a:gd name="adj" fmla="val 1858"/>
+            </a:avLst>
+          </a:prstGeom>
+          <a:effectLst>
+            <a:outerShdw blurRad="50800" dist="50800" dir="5400000" algn="tl" rotWithShape="0">
+              <a:srgbClr val="000000">
+                <a:alpha val="43000"/>
+              </a:srgbClr>
+            </a:outerShdw>
+          </a:effectLst>
         </p:spPr>
         <p:txBody>
-          <a:bodyPr/>
+          <a:bodyPr anchor="t">
+            <a:normAutofit/>
+          </a:bodyPr>
           <a:lstStyle>
-            <a:lvl1pPr marL="0" indent="0">
-              <a:buNone/>
-              <a:defRPr sz="3200"/>
-            </a:lvl1pPr>
-            <a:lvl2pPr marL="457200" indent="0">
-              <a:buNone/>
-              <a:defRPr sz="2800"/>
-            </a:lvl2pPr>
-            <a:lvl3pPr marL="914400" indent="0">
-              <a:buNone/>
-              <a:defRPr sz="2400"/>
-            </a:lvl3pPr>
-            <a:lvl4pPr marL="1371600" indent="0">
-              <a:buNone/>
-              <a:defRPr sz="2000"/>
-            </a:lvl4pPr>
-            <a:lvl5pPr marL="1828800" indent="0">
-              <a:buNone/>
-              <a:defRPr sz="2000"/>
-            </a:lvl5pPr>
-            <a:lvl6pPr marL="2286000" indent="0">
-              <a:buNone/>
-              <a:defRPr sz="2000"/>
-            </a:lvl6pPr>
-            <a:lvl7pPr marL="2743200" indent="0">
-              <a:buNone/>
-              <a:defRPr sz="2000"/>
-            </a:lvl7pPr>
-            <a:lvl8pPr marL="3200400" indent="0">
-              <a:buNone/>
-              <a:defRPr sz="2000"/>
-            </a:lvl8pPr>
-            <a:lvl9pPr marL="3657600" indent="0">
-              <a:buNone/>
-              <a:defRPr sz="2000"/>
-            </a:lvl9pPr>
-          </a:lstStyle>
-          <a:p>
-            <a:endParaRPr lang="en-AU"/>
-          </a:p>
-        </p:txBody>
-      </p:sp>
-      <p:sp>
-        <p:nvSpPr>
-          <p:cNvPr id="4" name="Text Placeholder 3"/>
-          <p:cNvSpPr>
-            <a:spLocks noGrp="1"/>
-          </p:cNvSpPr>
-          <p:nvPr>
-            <p:ph type="body" sz="half" idx="2"/>
-          </p:nvPr>
-        </p:nvSpPr>
-        <p:spPr>
-          <a:xfrm>
-            <a:off x="839788" y="2057400"/>
-            <a:ext cx="3932237" cy="3811588"/>
-          </a:xfrm>
-        </p:spPr>
-        <p:txBody>
-          <a:bodyPr/>
-          <a:lstStyle>
-            <a:lvl1pPr marL="0" indent="0">
+            <a:lvl1pPr marL="0" indent="0" algn="ctr">
               <a:buNone/>
               <a:defRPr sz="1600"/>
             </a:lvl1pPr>
             <a:lvl2pPr marL="457200" indent="0">
               <a:buNone/>
-              <a:defRPr sz="1400"/>
+              <a:defRPr sz="1600"/>
             </a:lvl2pPr>
             <a:lvl3pPr marL="914400" indent="0">
               <a:buNone/>
-              <a:defRPr sz="1200"/>
+              <a:defRPr sz="1600"/>
             </a:lvl3pPr>
             <a:lvl4pPr marL="1371600" indent="0">
               <a:buNone/>
-              <a:defRPr sz="1000"/>
+              <a:defRPr sz="1600"/>
             </a:lvl4pPr>
             <a:lvl5pPr marL="1828800" indent="0">
               <a:buNone/>
-              <a:defRPr sz="1000"/>
+              <a:defRPr sz="1600"/>
             </a:lvl5pPr>
             <a:lvl6pPr marL="2286000" indent="0">
               <a:buNone/>
-              <a:defRPr sz="1000"/>
+              <a:defRPr sz="1600"/>
             </a:lvl6pPr>
             <a:lvl7pPr marL="2743200" indent="0">
               <a:buNone/>
-              <a:defRPr sz="1000"/>
+              <a:defRPr sz="1600"/>
             </a:lvl7pPr>
             <a:lvl8pPr marL="3200400" indent="0">
               <a:buNone/>
-              <a:defRPr sz="1000"/>
+              <a:defRPr sz="1600"/>
             </a:lvl8pPr>
             <a:lvl9pPr marL="3657600" indent="0">
               <a:buNone/>
-              <a:defRPr sz="1000"/>
+              <a:defRPr sz="1600"/>
             </a:lvl9pPr>
           </a:lstStyle>
           <a:p>
+            <a:r>
+              <a:rPr lang="en-US" smtClean="0"/>
+              <a:t>Click icon to add picture</a:t>
+            </a:r>
+            <a:endParaRPr lang="en-US" dirty="0"/>
+          </a:p>
+        </p:txBody>
+      </p:sp>
+      <p:sp>
+        <p:nvSpPr>
+          <p:cNvPr id="4" name="Text Placeholder 3"/>
+          <p:cNvSpPr>
+            <a:spLocks noGrp="1"/>
+          </p:cNvSpPr>
+          <p:nvPr>
+            <p:ph type="body" sz="half" idx="2"/>
+          </p:nvPr>
+        </p:nvSpPr>
+        <p:spPr>
+          <a:xfrm>
+            <a:off x="1154954" y="3657600"/>
+            <a:ext cx="5084979" cy="1371600"/>
+          </a:xfrm>
+        </p:spPr>
+        <p:txBody>
+          <a:bodyPr>
+            <a:normAutofit/>
+          </a:bodyPr>
+          <a:lstStyle>
+            <a:lvl1pPr marL="0" indent="0">
+              <a:buNone/>
+              <a:defRPr sz="1400"/>
+            </a:lvl1pPr>
+            <a:lvl2pPr marL="457200" indent="0">
+              <a:buNone/>
+              <a:defRPr sz="1200"/>
+            </a:lvl2pPr>
+            <a:lvl3pPr marL="914400" indent="0">
+              <a:buNone/>
+              <a:defRPr sz="1000"/>
+            </a:lvl3pPr>
+            <a:lvl4pPr marL="1371600" indent="0">
+              <a:buNone/>
+              <a:defRPr sz="900"/>
+            </a:lvl4pPr>
+            <a:lvl5pPr marL="1828800" indent="0">
+              <a:buNone/>
+              <a:defRPr sz="900"/>
+            </a:lvl5pPr>
+            <a:lvl6pPr marL="2286000" indent="0">
+              <a:buNone/>
+              <a:defRPr sz="900"/>
+            </a:lvl6pPr>
+            <a:lvl7pPr marL="2743200" indent="0">
+              <a:buNone/>
+              <a:defRPr sz="900"/>
+            </a:lvl7pPr>
+            <a:lvl8pPr marL="3200400" indent="0">
+              <a:buNone/>
+              <a:defRPr sz="900"/>
+            </a:lvl8pPr>
+            <a:lvl9pPr marL="3657600" indent="0">
+              <a:buNone/>
+              <a:defRPr sz="900"/>
+            </a:lvl9pPr>
+          </a:lstStyle>
+          <a:p>
             <a:pPr lvl="0"/>
             <a:r>
               <a:rPr lang="en-US" smtClean="0"/>
@@ -2815,7 +6918,7 @@
           <a:p>
             <a:fld id="{7D50A433-14A5-4014-A22C-49E731E6083D}" type="datetimeFigureOut">
               <a:rPr lang="en-AU" smtClean="0"/>
-              <a:t>7/06/2016</a:t>
+              <a:t>15/06/2016</a:t>
             </a:fld>
             <a:endParaRPr lang="en-AU"/>
           </a:p>
@@ -2866,7 +6969,7 @@
     </p:spTree>
     <p:extLst>
       <p:ext uri="{BB962C8B-B14F-4D97-AF65-F5344CB8AC3E}">
-        <p14:creationId xmlns:p14="http://schemas.microsoft.com/office/powerpoint/2010/main" val="852056908"/>
+        <p14:creationId xmlns:p14="http://schemas.microsoft.com/office/powerpoint/2010/main" val="1631687789"/>
       </p:ext>
     </p:extLst>
   </p:cSld>
@@ -2880,8 +6983,8 @@
 <p:sldMaster xmlns:a="http://schemas.openxmlformats.org/drawingml/2006/main" xmlns:r="http://schemas.openxmlformats.org/officeDocument/2006/relationships" xmlns:p="http://schemas.openxmlformats.org/presentationml/2006/main">
   <p:cSld>
     <p:bg>
-      <p:bgRef idx="1001">
-        <a:schemeClr val="bg1"/>
+      <p:bgRef idx="1003">
+        <a:schemeClr val="bg2"/>
       </p:bgRef>
     </p:bg>
     <p:spTree>
@@ -2898,125 +7001,420 @@
           <a:chExt cx="0" cy="0"/>
         </a:xfrm>
       </p:grpSpPr>
-      <p:sp>
-        <p:nvSpPr>
-          <p:cNvPr id="2" name="Title Placeholder 1"/>
-          <p:cNvSpPr>
-            <a:spLocks noGrp="1"/>
-          </p:cNvSpPr>
-          <p:nvPr>
-            <p:ph type="title"/>
-          </p:nvPr>
-        </p:nvSpPr>
+      <p:pic>
+        <p:nvPicPr>
+          <p:cNvPr id="8" name="Picture 7"/>
+          <p:cNvPicPr>
+            <a:picLocks noChangeAspect="1"/>
+          </p:cNvPicPr>
+          <p:nvPr/>
+        </p:nvPicPr>
+        <p:blipFill rotWithShape="1">
+          <a:blip r:embed="rId19">
+            <a:extLst>
+              <a:ext uri="{28A0092B-C50C-407E-A947-70E740481C1C}">
+                <a14:useLocalDpi xmlns:a14="http://schemas.microsoft.com/office/drawing/2010/main" val="0"/>
+              </a:ext>
+            </a:extLst>
+          </a:blip>
+          <a:srcRect l="3613"/>
+          <a:stretch/>
+        </p:blipFill>
         <p:spPr>
           <a:xfrm>
-            <a:off x="838200" y="365125"/>
-            <a:ext cx="10515600" cy="1325563"/>
+            <a:off x="0" y="2669685"/>
+            <a:ext cx="4037012" cy="4188315"/>
           </a:xfrm>
           <a:prstGeom prst="rect">
             <a:avLst/>
           </a:prstGeom>
         </p:spPr>
-        <p:txBody>
-          <a:bodyPr vert="horz" lIns="91440" tIns="45720" rIns="91440" bIns="45720" rtlCol="0" anchor="ctr">
-            <a:normAutofit/>
-          </a:bodyPr>
-          <a:lstStyle/>
-          <a:p>
-            <a:r>
-              <a:rPr lang="en-US" smtClean="0"/>
-              <a:t>Click to edit Master title style</a:t>
-            </a:r>
-            <a:endParaRPr lang="en-AU"/>
-          </a:p>
-        </p:txBody>
-      </p:sp>
-      <p:sp>
-        <p:nvSpPr>
-          <p:cNvPr id="3" name="Text Placeholder 2"/>
-          <p:cNvSpPr>
-            <a:spLocks noGrp="1"/>
-          </p:cNvSpPr>
-          <p:nvPr>
-            <p:ph type="body" idx="1"/>
-          </p:nvPr>
-        </p:nvSpPr>
+      </p:pic>
+      <p:pic>
+        <p:nvPicPr>
+          <p:cNvPr id="7" name="Picture 6"/>
+          <p:cNvPicPr>
+            <a:picLocks noChangeAspect="1"/>
+          </p:cNvPicPr>
+          <p:nvPr/>
+        </p:nvPicPr>
+        <p:blipFill rotWithShape="1">
+          <a:blip r:embed="rId20">
+            <a:extLst>
+              <a:ext uri="{28A0092B-C50C-407E-A947-70E740481C1C}">
+                <a14:useLocalDpi xmlns:a14="http://schemas.microsoft.com/office/drawing/2010/main" val="0"/>
+              </a:ext>
+            </a:extLst>
+          </a:blip>
+          <a:srcRect l="35640"/>
+          <a:stretch/>
+        </p:blipFill>
         <p:spPr>
           <a:xfrm>
-            <a:off x="838200" y="1825625"/>
-            <a:ext cx="10515600" cy="4351338"/>
+            <a:off x="0" y="2892347"/>
+            <a:ext cx="1522412" cy="2365453"/>
           </a:xfrm>
           <a:prstGeom prst="rect">
             <a:avLst/>
           </a:prstGeom>
         </p:spPr>
-        <p:txBody>
-          <a:bodyPr vert="horz" lIns="91440" tIns="45720" rIns="91440" bIns="45720" rtlCol="0">
-            <a:normAutofit/>
-          </a:bodyPr>
-          <a:lstStyle/>
-          <a:p>
-            <a:pPr lvl="0"/>
-            <a:r>
-              <a:rPr lang="en-US" smtClean="0"/>
-              <a:t>Click to edit Master text styles</a:t>
-            </a:r>
-          </a:p>
-          <a:p>
-            <a:pPr lvl="1"/>
-            <a:r>
-              <a:rPr lang="en-US" smtClean="0"/>
-              <a:t>Second level</a:t>
-            </a:r>
-          </a:p>
-          <a:p>
-            <a:pPr lvl="2"/>
-            <a:r>
-              <a:rPr lang="en-US" smtClean="0"/>
-              <a:t>Third level</a:t>
-            </a:r>
-          </a:p>
-          <a:p>
-            <a:pPr lvl="3"/>
-            <a:r>
-              <a:rPr lang="en-US" smtClean="0"/>
-              <a:t>Fourth level</a:t>
-            </a:r>
-          </a:p>
-          <a:p>
-            <a:pPr lvl="4"/>
-            <a:r>
-              <a:rPr lang="en-US" smtClean="0"/>
-              <a:t>Fifth level</a:t>
-            </a:r>
-            <a:endParaRPr lang="en-AU"/>
-          </a:p>
-        </p:txBody>
-      </p:sp>
-      <p:sp>
-        <p:nvSpPr>
-          <p:cNvPr id="4" name="Date Placeholder 3"/>
-          <p:cNvSpPr>
-            <a:spLocks noGrp="1"/>
-          </p:cNvSpPr>
-          <p:nvPr>
-            <p:ph type="dt" sz="half" idx="2"/>
-          </p:nvPr>
+      </p:pic>
+      <p:sp>
+        <p:nvSpPr>
+          <p:cNvPr id="16" name="Oval 15"/>
+          <p:cNvSpPr/>
+          <p:nvPr/>
         </p:nvSpPr>
         <p:spPr>
           <a:xfrm>
-            <a:off x="838200" y="6356350"/>
-            <a:ext cx="2743200" cy="365125"/>
+            <a:off x="8609012" y="1676400"/>
+            <a:ext cx="2819400" cy="2819400"/>
+          </a:xfrm>
+          <a:prstGeom prst="ellipse">
+            <a:avLst/>
+          </a:prstGeom>
+          <a:gradFill flip="none" rotWithShape="1">
+            <a:gsLst>
+              <a:gs pos="0">
+                <a:schemeClr val="bg2">
+                  <a:lumMod val="60000"/>
+                  <a:lumOff val="40000"/>
+                  <a:alpha val="7000"/>
+                </a:schemeClr>
+              </a:gs>
+              <a:gs pos="69000">
+                <a:schemeClr val="bg2">
+                  <a:lumMod val="60000"/>
+                  <a:lumOff val="40000"/>
+                  <a:alpha val="0"/>
+                </a:schemeClr>
+              </a:gs>
+              <a:gs pos="36000">
+                <a:schemeClr val="bg2">
+                  <a:lumMod val="60000"/>
+                  <a:lumOff val="40000"/>
+                  <a:alpha val="6000"/>
+                </a:schemeClr>
+              </a:gs>
+            </a:gsLst>
+            <a:path path="circle">
+              <a:fillToRect l="50000" t="50000" r="50000" b="50000"/>
+            </a:path>
+            <a:tileRect/>
+          </a:gradFill>
+          <a:ln>
+            <a:noFill/>
+          </a:ln>
+          <a:effectLst/>
+        </p:spPr>
+        <p:style>
+          <a:lnRef idx="1">
+            <a:schemeClr val="accent1"/>
+          </a:lnRef>
+          <a:fillRef idx="3">
+            <a:schemeClr val="accent1"/>
+          </a:fillRef>
+          <a:effectRef idx="2">
+            <a:schemeClr val="accent1"/>
+          </a:effectRef>
+          <a:fontRef idx="minor">
+            <a:schemeClr val="lt1"/>
+          </a:fontRef>
+        </p:style>
+      </p:sp>
+      <p:pic>
+        <p:nvPicPr>
+          <p:cNvPr id="9" name="Picture 8"/>
+          <p:cNvPicPr>
+            <a:picLocks noChangeAspect="1"/>
+          </p:cNvPicPr>
+          <p:nvPr/>
+        </p:nvPicPr>
+        <p:blipFill rotWithShape="1">
+          <a:blip r:embed="rId21">
+            <a:extLst>
+              <a:ext uri="{28A0092B-C50C-407E-A947-70E740481C1C}">
+                <a14:useLocalDpi xmlns:a14="http://schemas.microsoft.com/office/drawing/2010/main" val="0"/>
+              </a:ext>
+            </a:extLst>
+          </a:blip>
+          <a:srcRect t="28813"/>
+          <a:stretch/>
+        </p:blipFill>
+        <p:spPr>
+          <a:xfrm>
+            <a:off x="7999412" y="0"/>
+            <a:ext cx="1603387" cy="1141407"/>
           </a:xfrm>
           <a:prstGeom prst="rect">
             <a:avLst/>
           </a:prstGeom>
         </p:spPr>
-        <p:txBody>
-          <a:bodyPr vert="horz" lIns="91440" tIns="45720" rIns="91440" bIns="45720" rtlCol="0" anchor="ctr"/>
+      </p:pic>
+      <p:pic>
+        <p:nvPicPr>
+          <p:cNvPr id="10" name="Picture 9"/>
+          <p:cNvPicPr>
+            <a:picLocks noChangeAspect="1"/>
+          </p:cNvPicPr>
+          <p:nvPr/>
+        </p:nvPicPr>
+        <p:blipFill rotWithShape="1">
+          <a:blip r:embed="rId22">
+            <a:extLst>
+              <a:ext uri="{28A0092B-C50C-407E-A947-70E740481C1C}">
+                <a14:useLocalDpi xmlns:a14="http://schemas.microsoft.com/office/drawing/2010/main" val="0"/>
+              </a:ext>
+            </a:extLst>
+          </a:blip>
+          <a:srcRect b="23320"/>
+          <a:stretch/>
+        </p:blipFill>
+        <p:spPr>
+          <a:xfrm>
+            <a:off x="8605878" y="6096000"/>
+            <a:ext cx="993734" cy="762000"/>
+          </a:xfrm>
+          <a:prstGeom prst="rect">
+            <a:avLst/>
+          </a:prstGeom>
+        </p:spPr>
+      </p:pic>
+      <p:sp>
+        <p:nvSpPr>
+          <p:cNvPr id="14" name="Rectangle 13"/>
+          <p:cNvSpPr/>
+          <p:nvPr/>
+        </p:nvSpPr>
+        <p:spPr>
+          <a:xfrm>
+            <a:off x="10437812" y="0"/>
+            <a:ext cx="685800" cy="1143000"/>
+          </a:xfrm>
+          <a:prstGeom prst="rect">
+            <a:avLst/>
+          </a:prstGeom>
+          <a:solidFill>
+            <a:schemeClr val="accent1"/>
+          </a:solidFill>
+          <a:ln>
+            <a:noFill/>
+          </a:ln>
+        </p:spPr>
+        <p:style>
+          <a:lnRef idx="1">
+            <a:schemeClr val="accent1"/>
+          </a:lnRef>
+          <a:fillRef idx="3">
+            <a:schemeClr val="accent1"/>
+          </a:fillRef>
+          <a:effectRef idx="2">
+            <a:schemeClr val="accent1"/>
+          </a:effectRef>
+          <a:fontRef idx="minor">
+            <a:schemeClr val="lt1"/>
+          </a:fontRef>
+        </p:style>
+      </p:sp>
+      <p:sp>
+        <p:nvSpPr>
+          <p:cNvPr id="2" name="Title Placeholder 1"/>
+          <p:cNvSpPr>
+            <a:spLocks noGrp="1"/>
+          </p:cNvSpPr>
+          <p:nvPr>
+            <p:ph type="title"/>
+          </p:nvPr>
+        </p:nvSpPr>
+        <p:spPr>
+          <a:xfrm>
+            <a:off x="646111" y="452718"/>
+            <a:ext cx="9404723" cy="1400530"/>
+          </a:xfrm>
+          <a:prstGeom prst="rect">
+            <a:avLst/>
+          </a:prstGeom>
+        </p:spPr>
+        <p:txBody>
+          <a:bodyPr vert="horz" lIns="91440" tIns="45720" rIns="91440" bIns="45720" rtlCol="0" anchor="t">
+            <a:noAutofit/>
+          </a:bodyPr>
+          <a:lstStyle/>
+          <a:p>
+            <a:r>
+              <a:rPr lang="en-US" smtClean="0"/>
+              <a:t>Click to edit Master title style</a:t>
+            </a:r>
+            <a:endParaRPr lang="en-US" dirty="0"/>
+          </a:p>
+        </p:txBody>
+      </p:sp>
+      <p:sp>
+        <p:nvSpPr>
+          <p:cNvPr id="3" name="Text Placeholder 2"/>
+          <p:cNvSpPr>
+            <a:spLocks noGrp="1"/>
+          </p:cNvSpPr>
+          <p:nvPr>
+            <p:ph type="body" idx="1"/>
+          </p:nvPr>
+        </p:nvSpPr>
+        <p:spPr>
+          <a:xfrm>
+            <a:off x="1103312" y="2052918"/>
+            <a:ext cx="8946541" cy="4195481"/>
+          </a:xfrm>
+          <a:prstGeom prst="rect">
+            <a:avLst/>
+          </a:prstGeom>
+        </p:spPr>
+        <p:txBody>
+          <a:bodyPr vert="horz" lIns="91440" tIns="45720" rIns="91440" bIns="45720" rtlCol="0">
+            <a:normAutofit/>
+          </a:bodyPr>
+          <a:lstStyle/>
+          <a:p>
+            <a:pPr lvl="0"/>
+            <a:r>
+              <a:rPr lang="en-US" smtClean="0"/>
+              <a:t>Click to edit Master text styles</a:t>
+            </a:r>
+          </a:p>
+          <a:p>
+            <a:pPr lvl="1"/>
+            <a:r>
+              <a:rPr lang="en-US" smtClean="0"/>
+              <a:t>Second level</a:t>
+            </a:r>
+          </a:p>
+          <a:p>
+            <a:pPr lvl="2"/>
+            <a:r>
+              <a:rPr lang="en-US" smtClean="0"/>
+              <a:t>Third level</a:t>
+            </a:r>
+          </a:p>
+          <a:p>
+            <a:pPr lvl="3"/>
+            <a:r>
+              <a:rPr lang="en-US" smtClean="0"/>
+              <a:t>Fourth level</a:t>
+            </a:r>
+          </a:p>
+          <a:p>
+            <a:pPr lvl="4"/>
+            <a:r>
+              <a:rPr lang="en-US" smtClean="0"/>
+              <a:t>Fifth level</a:t>
+            </a:r>
+            <a:endParaRPr lang="en-US" dirty="0"/>
+          </a:p>
+        </p:txBody>
+      </p:sp>
+      <p:sp>
+        <p:nvSpPr>
+          <p:cNvPr id="4" name="Date Placeholder 3"/>
+          <p:cNvSpPr>
+            <a:spLocks noGrp="1"/>
+          </p:cNvSpPr>
+          <p:nvPr>
+            <p:ph type="dt" sz="half" idx="2"/>
+          </p:nvPr>
+        </p:nvSpPr>
+        <p:spPr>
+          <a:xfrm rot="5400000">
+            <a:off x="10155639" y="1790701"/>
+            <a:ext cx="990599" cy="304799"/>
+          </a:xfrm>
+          <a:prstGeom prst="rect">
+            <a:avLst/>
+          </a:prstGeom>
+        </p:spPr>
+        <p:txBody>
+          <a:bodyPr vert="horz" lIns="91440" tIns="45720" rIns="91440" bIns="45720" rtlCol="0" anchor="t"/>
           <a:lstStyle>
             <a:lvl1pPr algn="l">
-              <a:defRPr sz="1200">
+              <a:defRPr sz="1100" b="0" i="0">
+                <a:solidFill>
+                  <a:schemeClr val="tx1">
+                    <a:tint val="75000"/>
+                    <a:alpha val="60000"/>
+                  </a:schemeClr>
+                </a:solidFill>
+              </a:defRPr>
+            </a:lvl1pPr>
+          </a:lstStyle>
+          <a:p>
+            <a:fld id="{7D50A433-14A5-4014-A22C-49E731E6083D}" type="datetimeFigureOut">
+              <a:rPr lang="en-AU" smtClean="0"/>
+              <a:t>15/06/2016</a:t>
+            </a:fld>
+            <a:endParaRPr lang="en-AU"/>
+          </a:p>
+        </p:txBody>
+      </p:sp>
+      <p:sp>
+        <p:nvSpPr>
+          <p:cNvPr id="5" name="Footer Placeholder 4"/>
+          <p:cNvSpPr>
+            <a:spLocks noGrp="1"/>
+          </p:cNvSpPr>
+          <p:nvPr>
+            <p:ph type="ftr" sz="quarter" idx="3"/>
+          </p:nvPr>
+        </p:nvSpPr>
+        <p:spPr>
+          <a:xfrm rot="5400000">
+            <a:off x="8951573" y="3225297"/>
+            <a:ext cx="3859795" cy="304801"/>
+          </a:xfrm>
+          <a:prstGeom prst="rect">
+            <a:avLst/>
+          </a:prstGeom>
+        </p:spPr>
+        <p:txBody>
+          <a:bodyPr vert="horz" lIns="91440" tIns="45720" rIns="91440" bIns="45720" rtlCol="0" anchor="b"/>
+          <a:lstStyle>
+            <a:lvl1pPr algn="l">
+              <a:defRPr sz="1100" b="0" i="0">
+                <a:solidFill>
+                  <a:schemeClr val="tx1">
+                    <a:tint val="75000"/>
+                    <a:alpha val="60000"/>
+                  </a:schemeClr>
+                </a:solidFill>
+              </a:defRPr>
+            </a:lvl1pPr>
+          </a:lstStyle>
+          <a:p>
+            <a:endParaRPr lang="en-AU"/>
+          </a:p>
+        </p:txBody>
+      </p:sp>
+      <p:sp>
+        <p:nvSpPr>
+          <p:cNvPr id="6" name="Slide Number Placeholder 5"/>
+          <p:cNvSpPr>
+            <a:spLocks noGrp="1"/>
+          </p:cNvSpPr>
+          <p:nvPr>
+            <p:ph type="sldNum" sz="quarter" idx="4"/>
+          </p:nvPr>
+        </p:nvSpPr>
+        <p:spPr bwMode="gray">
+          <a:xfrm>
+            <a:off x="10352540" y="295729"/>
+            <a:ext cx="838199" cy="767687"/>
+          </a:xfrm>
+          <a:prstGeom prst="rect">
+            <a:avLst/>
+          </a:prstGeom>
+        </p:spPr>
+        <p:txBody>
+          <a:bodyPr vert="horz" lIns="91440" tIns="45720" rIns="91440" bIns="45720" rtlCol="0" anchor="b"/>
+          <a:lstStyle>
+            <a:lvl1pPr algn="ctr">
+              <a:defRPr sz="2800" b="0" i="0">
                 <a:solidFill>
                   <a:schemeClr val="tx1">
                     <a:tint val="75000"/>
@@ -3026,84 +7424,6 @@
             </a:lvl1pPr>
           </a:lstStyle>
           <a:p>
-            <a:fld id="{7D50A433-14A5-4014-A22C-49E731E6083D}" type="datetimeFigureOut">
-              <a:rPr lang="en-AU" smtClean="0"/>
-              <a:t>7/06/2016</a:t>
-            </a:fld>
-            <a:endParaRPr lang="en-AU"/>
-          </a:p>
-        </p:txBody>
-      </p:sp>
-      <p:sp>
-        <p:nvSpPr>
-          <p:cNvPr id="5" name="Footer Placeholder 4"/>
-          <p:cNvSpPr>
-            <a:spLocks noGrp="1"/>
-          </p:cNvSpPr>
-          <p:nvPr>
-            <p:ph type="ftr" sz="quarter" idx="3"/>
-          </p:nvPr>
-        </p:nvSpPr>
-        <p:spPr>
-          <a:xfrm>
-            <a:off x="4038600" y="6356350"/>
-            <a:ext cx="4114800" cy="365125"/>
-          </a:xfrm>
-          <a:prstGeom prst="rect">
-            <a:avLst/>
-          </a:prstGeom>
-        </p:spPr>
-        <p:txBody>
-          <a:bodyPr vert="horz" lIns="91440" tIns="45720" rIns="91440" bIns="45720" rtlCol="0" anchor="ctr"/>
-          <a:lstStyle>
-            <a:lvl1pPr algn="ctr">
-              <a:defRPr sz="1200">
-                <a:solidFill>
-                  <a:schemeClr val="tx1">
-                    <a:tint val="75000"/>
-                  </a:schemeClr>
-                </a:solidFill>
-              </a:defRPr>
-            </a:lvl1pPr>
-          </a:lstStyle>
-          <a:p>
-            <a:endParaRPr lang="en-AU"/>
-          </a:p>
-        </p:txBody>
-      </p:sp>
-      <p:sp>
-        <p:nvSpPr>
-          <p:cNvPr id="6" name="Slide Number Placeholder 5"/>
-          <p:cNvSpPr>
-            <a:spLocks noGrp="1"/>
-          </p:cNvSpPr>
-          <p:nvPr>
-            <p:ph type="sldNum" sz="quarter" idx="4"/>
-          </p:nvPr>
-        </p:nvSpPr>
-        <p:spPr>
-          <a:xfrm>
-            <a:off x="8610600" y="6356350"/>
-            <a:ext cx="2743200" cy="365125"/>
-          </a:xfrm>
-          <a:prstGeom prst="rect">
-            <a:avLst/>
-          </a:prstGeom>
-        </p:spPr>
-        <p:txBody>
-          <a:bodyPr vert="horz" lIns="91440" tIns="45720" rIns="91440" bIns="45720" rtlCol="0" anchor="ctr"/>
-          <a:lstStyle>
-            <a:lvl1pPr algn="r">
-              <a:defRPr sz="1200">
-                <a:solidFill>
-                  <a:schemeClr val="tx1">
-                    <a:tint val="75000"/>
-                  </a:schemeClr>
-                </a:solidFill>
-              </a:defRPr>
-            </a:lvl1pPr>
-          </a:lstStyle>
-          <a:p>
             <a:fld id="{44089D24-1FCD-4B3B-BEA8-E1F721F0147C}" type="slidenum">
               <a:rPr lang="en-AU" smtClean="0"/>
               <a:t>‹#›</a:t>
@@ -3115,35 +7435,121 @@
     </p:spTree>
     <p:extLst>
       <p:ext uri="{BB962C8B-B14F-4D97-AF65-F5344CB8AC3E}">
-        <p14:creationId xmlns:p14="http://schemas.microsoft.com/office/powerpoint/2010/main" val="312887726"/>
+        <p14:creationId xmlns:p14="http://schemas.microsoft.com/office/powerpoint/2010/main" val="3085729618"/>
       </p:ext>
     </p:extLst>
   </p:cSld>
-  <p:clrMap bg1="lt1" tx1="dk1" bg2="lt2" tx2="dk2" accent1="accent1" accent2="accent2" accent3="accent3" accent4="accent4" accent5="accent5" accent6="accent6" hlink="hlink" folHlink="folHlink"/>
+  <p:clrMap bg1="dk1" tx1="lt1" bg2="dk2" tx2="lt2" accent1="accent1" accent2="accent2" accent3="accent3" accent4="accent4" accent5="accent5" accent6="accent6" hlink="hlink" folHlink="folHlink"/>
   <p:sldLayoutIdLst>
-    <p:sldLayoutId id="2147483678" r:id="rId1"/>
-    <p:sldLayoutId id="2147483679" r:id="rId2"/>
-    <p:sldLayoutId id="2147483680" r:id="rId3"/>
-    <p:sldLayoutId id="2147483681" r:id="rId4"/>
-    <p:sldLayoutId id="2147483682" r:id="rId5"/>
-    <p:sldLayoutId id="2147483683" r:id="rId6"/>
-    <p:sldLayoutId id="2147483684" r:id="rId7"/>
-    <p:sldLayoutId id="2147483685" r:id="rId8"/>
-    <p:sldLayoutId id="2147483686" r:id="rId9"/>
-    <p:sldLayoutId id="2147483687" r:id="rId10"/>
-    <p:sldLayoutId id="2147483688" r:id="rId11"/>
+    <p:sldLayoutId id="2147483690" r:id="rId1"/>
+    <p:sldLayoutId id="2147483691" r:id="rId2"/>
+    <p:sldLayoutId id="2147483692" r:id="rId3"/>
+    <p:sldLayoutId id="2147483693" r:id="rId4"/>
+    <p:sldLayoutId id="2147483694" r:id="rId5"/>
+    <p:sldLayoutId id="2147483695" r:id="rId6"/>
+    <p:sldLayoutId id="2147483696" r:id="rId7"/>
+    <p:sldLayoutId id="2147483697" r:id="rId8"/>
+    <p:sldLayoutId id="2147483698" r:id="rId9"/>
+    <p:sldLayoutId id="2147483699" r:id="rId10"/>
+    <p:sldLayoutId id="2147483700" r:id="rId11"/>
+    <p:sldLayoutId id="2147483701" r:id="rId12"/>
+    <p:sldLayoutId id="2147483702" r:id="rId13"/>
+    <p:sldLayoutId id="2147483703" r:id="rId14"/>
+    <p:sldLayoutId id="2147483704" r:id="rId15"/>
+    <p:sldLayoutId id="2147483705" r:id="rId16"/>
+    <p:sldLayoutId id="2147483706" r:id="rId17"/>
   </p:sldLayoutIdLst>
   <p:txStyles>
     <p:titleStyle>
-      <a:lvl1pPr algn="l" defTabSz="914400" rtl="0" eaLnBrk="1" latinLnBrk="0" hangingPunct="1">
-        <a:lnSpc>
-          <a:spcPct val="90000"/>
-        </a:lnSpc>
+      <a:lvl1pPr algn="l" defTabSz="457200" rtl="0" eaLnBrk="1" latinLnBrk="0" hangingPunct="1">
         <a:spcBef>
           <a:spcPct val="0"/>
         </a:spcBef>
         <a:buNone/>
-        <a:defRPr sz="4400" kern="1200">
+        <a:defRPr sz="4200" b="0" i="0" kern="1200">
+          <a:solidFill>
+            <a:schemeClr val="tx2"/>
+          </a:solidFill>
+          <a:latin typeface="+mj-lt"/>
+          <a:ea typeface="+mj-ea"/>
+          <a:cs typeface="+mj-cs"/>
+        </a:defRPr>
+      </a:lvl1pPr>
+      <a:lvl2pPr eaLnBrk="1" hangingPunct="1">
+        <a:defRPr>
+          <a:solidFill>
+            <a:schemeClr val="tx2"/>
+          </a:solidFill>
+        </a:defRPr>
+      </a:lvl2pPr>
+      <a:lvl3pPr eaLnBrk="1" hangingPunct="1">
+        <a:defRPr>
+          <a:solidFill>
+            <a:schemeClr val="tx2"/>
+          </a:solidFill>
+        </a:defRPr>
+      </a:lvl3pPr>
+      <a:lvl4pPr eaLnBrk="1" hangingPunct="1">
+        <a:defRPr>
+          <a:solidFill>
+            <a:schemeClr val="tx2"/>
+          </a:solidFill>
+        </a:defRPr>
+      </a:lvl4pPr>
+      <a:lvl5pPr eaLnBrk="1" hangingPunct="1">
+        <a:defRPr>
+          <a:solidFill>
+            <a:schemeClr val="tx2"/>
+          </a:solidFill>
+        </a:defRPr>
+      </a:lvl5pPr>
+      <a:lvl6pPr eaLnBrk="1" hangingPunct="1">
+        <a:defRPr>
+          <a:solidFill>
+            <a:schemeClr val="tx2"/>
+          </a:solidFill>
+        </a:defRPr>
+      </a:lvl6pPr>
+      <a:lvl7pPr eaLnBrk="1" hangingPunct="1">
+        <a:defRPr>
+          <a:solidFill>
+            <a:schemeClr val="tx2"/>
+          </a:solidFill>
+        </a:defRPr>
+      </a:lvl7pPr>
+      <a:lvl8pPr eaLnBrk="1" hangingPunct="1">
+        <a:defRPr>
+          <a:solidFill>
+            <a:schemeClr val="tx2"/>
+          </a:solidFill>
+        </a:defRPr>
+      </a:lvl8pPr>
+      <a:lvl9pPr eaLnBrk="1" hangingPunct="1">
+        <a:defRPr>
+          <a:solidFill>
+            <a:schemeClr val="tx2"/>
+          </a:solidFill>
+        </a:defRPr>
+      </a:lvl9pPr>
+    </p:titleStyle>
+    <p:bodyStyle>
+      <a:lvl1pPr marL="342900" indent="-342900" algn="l" defTabSz="457200" rtl="0" eaLnBrk="1" latinLnBrk="0" hangingPunct="1">
+        <a:spcBef>
+          <a:spcPts val="1000"/>
+        </a:spcBef>
+        <a:spcAft>
+          <a:spcPts val="0"/>
+        </a:spcAft>
+        <a:buClr>
+          <a:schemeClr val="bg2">
+            <a:lumMod val="40000"/>
+            <a:lumOff val="60000"/>
+          </a:schemeClr>
+        </a:buClr>
+        <a:buSzPct val="80000"/>
+        <a:buFont typeface="Wingdings 3" charset="2"/>
+        <a:buChar char=""/>
+        <a:defRPr sz="2000" b="0" i="0" kern="1200">
           <a:solidFill>
             <a:schemeClr val="tx1"/>
           </a:solidFill>
@@ -3152,18 +7558,213 @@
           <a:cs typeface="+mj-cs"/>
         </a:defRPr>
       </a:lvl1pPr>
-    </p:titleStyle>
-    <p:bodyStyle>
-      <a:lvl1pPr marL="228600" indent="-228600" algn="l" defTabSz="914400" rtl="0" eaLnBrk="1" latinLnBrk="0" hangingPunct="1">
-        <a:lnSpc>
-          <a:spcPct val="90000"/>
-        </a:lnSpc>
+      <a:lvl2pPr marL="742950" indent="-285750" algn="l" defTabSz="457200" rtl="0" eaLnBrk="1" latinLnBrk="0" hangingPunct="1">
         <a:spcBef>
           <a:spcPts val="1000"/>
         </a:spcBef>
-        <a:buFont typeface="Arial" panose="020B0604020202020204" pitchFamily="34" charset="0"/>
-        <a:buChar char="•"/>
-        <a:defRPr sz="2800" kern="1200">
+        <a:spcAft>
+          <a:spcPts val="0"/>
+        </a:spcAft>
+        <a:buClr>
+          <a:schemeClr val="bg2">
+            <a:lumMod val="40000"/>
+            <a:lumOff val="60000"/>
+          </a:schemeClr>
+        </a:buClr>
+        <a:buSzPct val="80000"/>
+        <a:buFont typeface="Wingdings 3" charset="2"/>
+        <a:buChar char=""/>
+        <a:defRPr sz="1800" b="0" i="0" kern="1200">
+          <a:solidFill>
+            <a:schemeClr val="tx1"/>
+          </a:solidFill>
+          <a:latin typeface="+mj-lt"/>
+          <a:ea typeface="+mj-ea"/>
+          <a:cs typeface="+mj-cs"/>
+        </a:defRPr>
+      </a:lvl2pPr>
+      <a:lvl3pPr marL="1143000" indent="-228600" algn="l" defTabSz="457200" rtl="0" eaLnBrk="1" latinLnBrk="0" hangingPunct="1">
+        <a:spcBef>
+          <a:spcPts val="1000"/>
+        </a:spcBef>
+        <a:spcAft>
+          <a:spcPts val="0"/>
+        </a:spcAft>
+        <a:buClr>
+          <a:schemeClr val="bg2">
+            <a:lumMod val="40000"/>
+            <a:lumOff val="60000"/>
+          </a:schemeClr>
+        </a:buClr>
+        <a:buSzPct val="80000"/>
+        <a:buFont typeface="Wingdings 3" charset="2"/>
+        <a:buChar char=""/>
+        <a:defRPr sz="1600" b="0" i="0" kern="1200">
+          <a:solidFill>
+            <a:schemeClr val="tx1"/>
+          </a:solidFill>
+          <a:latin typeface="+mj-lt"/>
+          <a:ea typeface="+mj-ea"/>
+          <a:cs typeface="+mj-cs"/>
+        </a:defRPr>
+      </a:lvl3pPr>
+      <a:lvl4pPr marL="1600200" indent="-228600" algn="l" defTabSz="457200" rtl="0" eaLnBrk="1" latinLnBrk="0" hangingPunct="1">
+        <a:spcBef>
+          <a:spcPts val="1000"/>
+        </a:spcBef>
+        <a:spcAft>
+          <a:spcPts val="0"/>
+        </a:spcAft>
+        <a:buClr>
+          <a:schemeClr val="bg2">
+            <a:lumMod val="40000"/>
+            <a:lumOff val="60000"/>
+          </a:schemeClr>
+        </a:buClr>
+        <a:buSzPct val="80000"/>
+        <a:buFont typeface="Wingdings 3" charset="2"/>
+        <a:buChar char=""/>
+        <a:defRPr sz="1400" b="0" i="0" kern="1200">
+          <a:solidFill>
+            <a:schemeClr val="tx1"/>
+          </a:solidFill>
+          <a:latin typeface="+mj-lt"/>
+          <a:ea typeface="+mj-ea"/>
+          <a:cs typeface="+mj-cs"/>
+        </a:defRPr>
+      </a:lvl4pPr>
+      <a:lvl5pPr marL="2057400" indent="-228600" algn="l" defTabSz="457200" rtl="0" eaLnBrk="1" latinLnBrk="0" hangingPunct="1">
+        <a:spcBef>
+          <a:spcPts val="1000"/>
+        </a:spcBef>
+        <a:spcAft>
+          <a:spcPts val="0"/>
+        </a:spcAft>
+        <a:buClr>
+          <a:schemeClr val="bg2">
+            <a:lumMod val="40000"/>
+            <a:lumOff val="60000"/>
+          </a:schemeClr>
+        </a:buClr>
+        <a:buSzPct val="80000"/>
+        <a:buFont typeface="Wingdings 3" charset="2"/>
+        <a:buChar char=""/>
+        <a:defRPr sz="1400" b="0" i="0" kern="1200">
+          <a:solidFill>
+            <a:schemeClr val="tx1"/>
+          </a:solidFill>
+          <a:latin typeface="+mj-lt"/>
+          <a:ea typeface="+mj-ea"/>
+          <a:cs typeface="+mj-cs"/>
+        </a:defRPr>
+      </a:lvl5pPr>
+      <a:lvl6pPr marL="2506000" indent="-228600" algn="l" defTabSz="457200" rtl="0" eaLnBrk="1" latinLnBrk="0" hangingPunct="1">
+        <a:spcBef>
+          <a:spcPts val="1000"/>
+        </a:spcBef>
+        <a:spcAft>
+          <a:spcPts val="0"/>
+        </a:spcAft>
+        <a:buClr>
+          <a:schemeClr val="bg2">
+            <a:lumMod val="40000"/>
+            <a:lumOff val="60000"/>
+          </a:schemeClr>
+        </a:buClr>
+        <a:buSzPct val="80000"/>
+        <a:buFont typeface="Wingdings 3" charset="2"/>
+        <a:buChar char=""/>
+        <a:defRPr sz="1400" b="0" i="0" kern="1200">
+          <a:solidFill>
+            <a:schemeClr val="tx1"/>
+          </a:solidFill>
+          <a:latin typeface="+mj-lt"/>
+          <a:ea typeface="+mj-ea"/>
+          <a:cs typeface="+mj-cs"/>
+        </a:defRPr>
+      </a:lvl6pPr>
+      <a:lvl7pPr marL="2971800" indent="-228600" algn="l" defTabSz="457200" rtl="0" eaLnBrk="1" latinLnBrk="0" hangingPunct="1">
+        <a:spcBef>
+          <a:spcPts val="1000"/>
+        </a:spcBef>
+        <a:spcAft>
+          <a:spcPts val="0"/>
+        </a:spcAft>
+        <a:buClr>
+          <a:schemeClr val="bg2">
+            <a:lumMod val="40000"/>
+            <a:lumOff val="60000"/>
+          </a:schemeClr>
+        </a:buClr>
+        <a:buSzPct val="80000"/>
+        <a:buFont typeface="Wingdings 3" charset="2"/>
+        <a:buChar char=""/>
+        <a:defRPr sz="1400" b="0" i="0" kern="1200">
+          <a:solidFill>
+            <a:schemeClr val="tx1"/>
+          </a:solidFill>
+          <a:latin typeface="+mj-lt"/>
+          <a:ea typeface="+mj-ea"/>
+          <a:cs typeface="+mj-cs"/>
+        </a:defRPr>
+      </a:lvl7pPr>
+      <a:lvl8pPr marL="3429000" indent="-228600" algn="l" defTabSz="457200" rtl="0" eaLnBrk="1" latinLnBrk="0" hangingPunct="1">
+        <a:spcBef>
+          <a:spcPts val="1000"/>
+        </a:spcBef>
+        <a:spcAft>
+          <a:spcPts val="0"/>
+        </a:spcAft>
+        <a:buClr>
+          <a:schemeClr val="bg2">
+            <a:lumMod val="40000"/>
+            <a:lumOff val="60000"/>
+          </a:schemeClr>
+        </a:buClr>
+        <a:buSzPct val="80000"/>
+        <a:buFont typeface="Wingdings 3" charset="2"/>
+        <a:buChar char=""/>
+        <a:defRPr sz="1400" b="0" i="0" kern="1200">
+          <a:solidFill>
+            <a:schemeClr val="tx1"/>
+          </a:solidFill>
+          <a:latin typeface="+mj-lt"/>
+          <a:ea typeface="+mj-ea"/>
+          <a:cs typeface="+mj-cs"/>
+        </a:defRPr>
+      </a:lvl8pPr>
+      <a:lvl9pPr marL="3886200" indent="-228600" algn="l" defTabSz="457200" rtl="0" eaLnBrk="1" latinLnBrk="0" hangingPunct="1">
+        <a:spcBef>
+          <a:spcPts val="1000"/>
+        </a:spcBef>
+        <a:spcAft>
+          <a:spcPts val="0"/>
+        </a:spcAft>
+        <a:buClr>
+          <a:schemeClr val="bg2">
+            <a:lumMod val="40000"/>
+            <a:lumOff val="60000"/>
+          </a:schemeClr>
+        </a:buClr>
+        <a:buSzPct val="80000"/>
+        <a:buFont typeface="Wingdings 3" charset="2"/>
+        <a:buChar char=""/>
+        <a:defRPr sz="1400" b="0" i="0" kern="1200">
+          <a:solidFill>
+            <a:schemeClr val="tx1"/>
+          </a:solidFill>
+          <a:latin typeface="+mj-lt"/>
+          <a:ea typeface="+mj-ea"/>
+          <a:cs typeface="+mj-cs"/>
+        </a:defRPr>
+      </a:lvl9pPr>
+    </p:bodyStyle>
+    <p:otherStyle>
+      <a:defPPr>
+        <a:defRPr lang="en-US"/>
+      </a:defPPr>
+      <a:lvl1pPr marL="0" algn="l" defTabSz="457200" rtl="0" eaLnBrk="1" latinLnBrk="0" hangingPunct="1">
+        <a:defRPr sz="1800" kern="1200">
           <a:solidFill>
             <a:schemeClr val="tx1"/>
           </a:solidFill>
@@ -3172,16 +7773,8 @@
           <a:cs typeface="+mn-cs"/>
         </a:defRPr>
       </a:lvl1pPr>
-      <a:lvl2pPr marL="685800" indent="-228600" algn="l" defTabSz="914400" rtl="0" eaLnBrk="1" latinLnBrk="0" hangingPunct="1">
-        <a:lnSpc>
-          <a:spcPct val="90000"/>
-        </a:lnSpc>
-        <a:spcBef>
-          <a:spcPts val="500"/>
-        </a:spcBef>
-        <a:buFont typeface="Arial" panose="020B0604020202020204" pitchFamily="34" charset="0"/>
-        <a:buChar char="•"/>
-        <a:defRPr sz="2400" kern="1200">
+      <a:lvl2pPr marL="457200" algn="l" defTabSz="457200" rtl="0" eaLnBrk="1" latinLnBrk="0" hangingPunct="1">
+        <a:defRPr sz="1800" kern="1200">
           <a:solidFill>
             <a:schemeClr val="tx1"/>
           </a:solidFill>
@@ -3190,16 +7783,8 @@
           <a:cs typeface="+mn-cs"/>
         </a:defRPr>
       </a:lvl2pPr>
-      <a:lvl3pPr marL="1143000" indent="-228600" algn="l" defTabSz="914400" rtl="0" eaLnBrk="1" latinLnBrk="0" hangingPunct="1">
-        <a:lnSpc>
-          <a:spcPct val="90000"/>
-        </a:lnSpc>
-        <a:spcBef>
-          <a:spcPts val="500"/>
-        </a:spcBef>
-        <a:buFont typeface="Arial" panose="020B0604020202020204" pitchFamily="34" charset="0"/>
-        <a:buChar char="•"/>
-        <a:defRPr sz="2000" kern="1200">
+      <a:lvl3pPr marL="914400" algn="l" defTabSz="457200" rtl="0" eaLnBrk="1" latinLnBrk="0" hangingPunct="1">
+        <a:defRPr sz="1800" kern="1200">
           <a:solidFill>
             <a:schemeClr val="tx1"/>
           </a:solidFill>
@@ -3208,15 +7793,7 @@
           <a:cs typeface="+mn-cs"/>
         </a:defRPr>
       </a:lvl3pPr>
-      <a:lvl4pPr marL="1600200" indent="-228600" algn="l" defTabSz="914400" rtl="0" eaLnBrk="1" latinLnBrk="0" hangingPunct="1">
-        <a:lnSpc>
-          <a:spcPct val="90000"/>
-        </a:lnSpc>
-        <a:spcBef>
-          <a:spcPts val="500"/>
-        </a:spcBef>
-        <a:buFont typeface="Arial" panose="020B0604020202020204" pitchFamily="34" charset="0"/>
-        <a:buChar char="•"/>
+      <a:lvl4pPr marL="1371600" algn="l" defTabSz="457200" rtl="0" eaLnBrk="1" latinLnBrk="0" hangingPunct="1">
         <a:defRPr sz="1800" kern="1200">
           <a:solidFill>
             <a:schemeClr val="tx1"/>
@@ -3226,15 +7803,7 @@
           <a:cs typeface="+mn-cs"/>
         </a:defRPr>
       </a:lvl4pPr>
-      <a:lvl5pPr marL="2057400" indent="-228600" algn="l" defTabSz="914400" rtl="0" eaLnBrk="1" latinLnBrk="0" hangingPunct="1">
-        <a:lnSpc>
-          <a:spcPct val="90000"/>
-        </a:lnSpc>
-        <a:spcBef>
-          <a:spcPts val="500"/>
-        </a:spcBef>
-        <a:buFont typeface="Arial" panose="020B0604020202020204" pitchFamily="34" charset="0"/>
-        <a:buChar char="•"/>
+      <a:lvl5pPr marL="1828800" algn="l" defTabSz="457200" rtl="0" eaLnBrk="1" latinLnBrk="0" hangingPunct="1">
         <a:defRPr sz="1800" kern="1200">
           <a:solidFill>
             <a:schemeClr val="tx1"/>
@@ -3244,15 +7813,7 @@
           <a:cs typeface="+mn-cs"/>
         </a:defRPr>
       </a:lvl5pPr>
-      <a:lvl6pPr marL="2514600" indent="-228600" algn="l" defTabSz="914400" rtl="0" eaLnBrk="1" latinLnBrk="0" hangingPunct="1">
-        <a:lnSpc>
-          <a:spcPct val="90000"/>
-        </a:lnSpc>
-        <a:spcBef>
-          <a:spcPts val="500"/>
-        </a:spcBef>
-        <a:buFont typeface="Arial" panose="020B0604020202020204" pitchFamily="34" charset="0"/>
-        <a:buChar char="•"/>
+      <a:lvl6pPr marL="2286000" algn="l" defTabSz="457200" rtl="0" eaLnBrk="1" latinLnBrk="0" hangingPunct="1">
         <a:defRPr sz="1800" kern="1200">
           <a:solidFill>
             <a:schemeClr val="tx1"/>
@@ -3262,15 +7823,7 @@
           <a:cs typeface="+mn-cs"/>
         </a:defRPr>
       </a:lvl6pPr>
-      <a:lvl7pPr marL="2971800" indent="-228600" algn="l" defTabSz="914400" rtl="0" eaLnBrk="1" latinLnBrk="0" hangingPunct="1">
-        <a:lnSpc>
-          <a:spcPct val="90000"/>
-        </a:lnSpc>
-        <a:spcBef>
-          <a:spcPts val="500"/>
-        </a:spcBef>
-        <a:buFont typeface="Arial" panose="020B0604020202020204" pitchFamily="34" charset="0"/>
-        <a:buChar char="•"/>
+      <a:lvl7pPr marL="2743200" algn="l" defTabSz="457200" rtl="0" eaLnBrk="1" latinLnBrk="0" hangingPunct="1">
         <a:defRPr sz="1800" kern="1200">
           <a:solidFill>
             <a:schemeClr val="tx1"/>
@@ -3280,15 +7833,7 @@
           <a:cs typeface="+mn-cs"/>
         </a:defRPr>
       </a:lvl7pPr>
-      <a:lvl8pPr marL="3429000" indent="-228600" algn="l" defTabSz="914400" rtl="0" eaLnBrk="1" latinLnBrk="0" hangingPunct="1">
-        <a:lnSpc>
-          <a:spcPct val="90000"/>
-        </a:lnSpc>
-        <a:spcBef>
-          <a:spcPts val="500"/>
-        </a:spcBef>
-        <a:buFont typeface="Arial" panose="020B0604020202020204" pitchFamily="34" charset="0"/>
-        <a:buChar char="•"/>
+      <a:lvl8pPr marL="3200400" algn="l" defTabSz="457200" rtl="0" eaLnBrk="1" latinLnBrk="0" hangingPunct="1">
         <a:defRPr sz="1800" kern="1200">
           <a:solidFill>
             <a:schemeClr val="tx1"/>
@@ -3298,110 +7843,7 @@
           <a:cs typeface="+mn-cs"/>
         </a:defRPr>
       </a:lvl8pPr>
-      <a:lvl9pPr marL="3886200" indent="-228600" algn="l" defTabSz="914400" rtl="0" eaLnBrk="1" latinLnBrk="0" hangingPunct="1">
-        <a:lnSpc>
-          <a:spcPct val="90000"/>
-        </a:lnSpc>
-        <a:spcBef>
-          <a:spcPts val="500"/>
-        </a:spcBef>
-        <a:buFont typeface="Arial" panose="020B0604020202020204" pitchFamily="34" charset="0"/>
-        <a:buChar char="•"/>
-        <a:defRPr sz="1800" kern="1200">
-          <a:solidFill>
-            <a:schemeClr val="tx1"/>
-          </a:solidFill>
-          <a:latin typeface="+mn-lt"/>
-          <a:ea typeface="+mn-ea"/>
-          <a:cs typeface="+mn-cs"/>
-        </a:defRPr>
-      </a:lvl9pPr>
-    </p:bodyStyle>
-    <p:otherStyle>
-      <a:defPPr>
-        <a:defRPr lang="en-US"/>
-      </a:defPPr>
-      <a:lvl1pPr marL="0" algn="l" defTabSz="914400" rtl="0" eaLnBrk="1" latinLnBrk="0" hangingPunct="1">
-        <a:defRPr sz="1800" kern="1200">
-          <a:solidFill>
-            <a:schemeClr val="tx1"/>
-          </a:solidFill>
-          <a:latin typeface="+mn-lt"/>
-          <a:ea typeface="+mn-ea"/>
-          <a:cs typeface="+mn-cs"/>
-        </a:defRPr>
-      </a:lvl1pPr>
-      <a:lvl2pPr marL="457200" algn="l" defTabSz="914400" rtl="0" eaLnBrk="1" latinLnBrk="0" hangingPunct="1">
-        <a:defRPr sz="1800" kern="1200">
-          <a:solidFill>
-            <a:schemeClr val="tx1"/>
-          </a:solidFill>
-          <a:latin typeface="+mn-lt"/>
-          <a:ea typeface="+mn-ea"/>
-          <a:cs typeface="+mn-cs"/>
-        </a:defRPr>
-      </a:lvl2pPr>
-      <a:lvl3pPr marL="914400" algn="l" defTabSz="914400" rtl="0" eaLnBrk="1" latinLnBrk="0" hangingPunct="1">
-        <a:defRPr sz="1800" kern="1200">
-          <a:solidFill>
-            <a:schemeClr val="tx1"/>
-          </a:solidFill>
-          <a:latin typeface="+mn-lt"/>
-          <a:ea typeface="+mn-ea"/>
-          <a:cs typeface="+mn-cs"/>
-        </a:defRPr>
-      </a:lvl3pPr>
-      <a:lvl4pPr marL="1371600" algn="l" defTabSz="914400" rtl="0" eaLnBrk="1" latinLnBrk="0" hangingPunct="1">
-        <a:defRPr sz="1800" kern="1200">
-          <a:solidFill>
-            <a:schemeClr val="tx1"/>
-          </a:solidFill>
-          <a:latin typeface="+mn-lt"/>
-          <a:ea typeface="+mn-ea"/>
-          <a:cs typeface="+mn-cs"/>
-        </a:defRPr>
-      </a:lvl4pPr>
-      <a:lvl5pPr marL="1828800" algn="l" defTabSz="914400" rtl="0" eaLnBrk="1" latinLnBrk="0" hangingPunct="1">
-        <a:defRPr sz="1800" kern="1200">
-          <a:solidFill>
-            <a:schemeClr val="tx1"/>
-          </a:solidFill>
-          <a:latin typeface="+mn-lt"/>
-          <a:ea typeface="+mn-ea"/>
-          <a:cs typeface="+mn-cs"/>
-        </a:defRPr>
-      </a:lvl5pPr>
-      <a:lvl6pPr marL="2286000" algn="l" defTabSz="914400" rtl="0" eaLnBrk="1" latinLnBrk="0" hangingPunct="1">
-        <a:defRPr sz="1800" kern="1200">
-          <a:solidFill>
-            <a:schemeClr val="tx1"/>
-          </a:solidFill>
-          <a:latin typeface="+mn-lt"/>
-          <a:ea typeface="+mn-ea"/>
-          <a:cs typeface="+mn-cs"/>
-        </a:defRPr>
-      </a:lvl6pPr>
-      <a:lvl7pPr marL="2743200" algn="l" defTabSz="914400" rtl="0" eaLnBrk="1" latinLnBrk="0" hangingPunct="1">
-        <a:defRPr sz="1800" kern="1200">
-          <a:solidFill>
-            <a:schemeClr val="tx1"/>
-          </a:solidFill>
-          <a:latin typeface="+mn-lt"/>
-          <a:ea typeface="+mn-ea"/>
-          <a:cs typeface="+mn-cs"/>
-        </a:defRPr>
-      </a:lvl7pPr>
-      <a:lvl8pPr marL="3200400" algn="l" defTabSz="914400" rtl="0" eaLnBrk="1" latinLnBrk="0" hangingPunct="1">
-        <a:defRPr sz="1800" kern="1200">
-          <a:solidFill>
-            <a:schemeClr val="tx1"/>
-          </a:solidFill>
-          <a:latin typeface="+mn-lt"/>
-          <a:ea typeface="+mn-ea"/>
-          <a:cs typeface="+mn-cs"/>
-        </a:defRPr>
-      </a:lvl8pPr>
-      <a:lvl9pPr marL="3657600" algn="l" defTabSz="914400" rtl="0" eaLnBrk="1" latinLnBrk="0" hangingPunct="1">
+      <a:lvl9pPr marL="3657600" algn="l" defTabSz="457200" rtl="0" eaLnBrk="1" latinLnBrk="0" hangingPunct="1">
         <a:defRPr sz="1800" kern="1200">
           <a:solidFill>
             <a:schemeClr val="tx1"/>
@@ -3502,7 +7944,7 @@
         </p:nvSpPr>
         <p:spPr>
           <a:xfrm>
-            <a:off x="1524000" y="4318000"/>
+            <a:off x="1402620" y="4941087"/>
             <a:ext cx="9144000" cy="939800"/>
           </a:xfrm>
         </p:spPr>
@@ -3532,6 +7974,13 @@
   <p:clrMapOvr>
     <a:masterClrMapping/>
   </p:clrMapOvr>
+  <p:timing>
+    <p:tnLst>
+      <p:par>
+        <p:cTn id="1" dur="indefinite" restart="never" nodeType="tmRoot"/>
+      </p:par>
+    </p:tnLst>
+  </p:timing>
 </p:sld>
 </file>
 
@@ -3612,6 +8061,13 @@
   <p:clrMapOvr>
     <a:masterClrMapping/>
   </p:clrMapOvr>
+  <p:timing>
+    <p:tnLst>
+      <p:par>
+        <p:cTn id="1" dur="indefinite" restart="never" nodeType="tmRoot"/>
+      </p:par>
+    </p:tnLst>
+  </p:timing>
 </p:sld>
 </file>
 
@@ -3684,6 +8140,13 @@
   <p:clrMapOvr>
     <a:masterClrMapping/>
   </p:clrMapOvr>
+  <p:timing>
+    <p:tnLst>
+      <p:par>
+        <p:cTn id="1" dur="indefinite" restart="never" nodeType="tmRoot"/>
+      </p:par>
+    </p:tnLst>
+  </p:timing>
 </p:sld>
 </file>
 
@@ -3756,6 +8219,13 @@
   <p:clrMapOvr>
     <a:masterClrMapping/>
   </p:clrMapOvr>
+  <p:timing>
+    <p:tnLst>
+      <p:par>
+        <p:cTn id="1" dur="indefinite" restart="never" nodeType="tmRoot"/>
+      </p:par>
+    </p:tnLst>
+  </p:timing>
 </p:sld>
 </file>
 
@@ -3828,6 +8298,13 @@
   <p:clrMapOvr>
     <a:masterClrMapping/>
   </p:clrMapOvr>
+  <p:timing>
+    <p:tnLst>
+      <p:par>
+        <p:cTn id="1" dur="indefinite" restart="never" nodeType="tmRoot"/>
+      </p:par>
+    </p:tnLst>
+  </p:timing>
 </p:sld>
 </file>
 
@@ -3900,6 +8377,13 @@
   <p:clrMapOvr>
     <a:masterClrMapping/>
   </p:clrMapOvr>
+  <p:timing>
+    <p:tnLst>
+      <p:par>
+        <p:cTn id="1" dur="indefinite" restart="never" nodeType="tmRoot"/>
+      </p:par>
+    </p:tnLst>
+  </p:timing>
 </p:sld>
 </file>
 
@@ -3937,7 +8421,7 @@
           <a:p>
             <a:r>
               <a:rPr lang="en-US" dirty="0" smtClean="0"/>
-              <a:t>Exosomes</a:t>
+              <a:t>Exosomes. </a:t>
             </a:r>
             <a:endParaRPr lang="en-AU" dirty="0"/>
           </a:p>
@@ -3953,35 +8437,67 @@
             <p:ph idx="1"/>
           </p:nvPr>
         </p:nvSpPr>
-        <p:spPr/>
-        <p:txBody>
-          <a:bodyPr/>
+        <p:spPr>
+          <a:xfrm>
+            <a:off x="5810417" y="1597836"/>
+            <a:ext cx="4966061" cy="4195481"/>
+          </a:xfrm>
+        </p:spPr>
+        <p:txBody>
+          <a:bodyPr>
+            <a:normAutofit lnSpcReduction="10000"/>
+          </a:bodyPr>
           <a:lstStyle/>
           <a:p>
-            <a:pPr marL="0" indent="0">
-              <a:buNone/>
-            </a:pPr>
             <a:r>
               <a:rPr lang="en-US" dirty="0" smtClean="0"/>
-              <a:t>History</a:t>
-            </a:r>
-          </a:p>
-          <a:p>
-            <a:pPr marL="0" indent="0">
-              <a:buNone/>
-            </a:pPr>
+              <a:t>Subpopulation of extracellular vesicles.</a:t>
+            </a:r>
+          </a:p>
+          <a:p>
+            <a:endParaRPr lang="en-US" dirty="0"/>
+          </a:p>
+          <a:p>
             <a:r>
               <a:rPr lang="en-US" dirty="0" smtClean="0"/>
-              <a:t>Function</a:t>
-            </a:r>
-          </a:p>
-          <a:p>
-            <a:pPr marL="0" indent="0">
-              <a:buNone/>
-            </a:pPr>
+              <a:t> </a:t>
+            </a:r>
+            <a:r>
+              <a:rPr lang="en-US" strike="sngStrike" dirty="0" smtClean="0"/>
+              <a:t>Garbage disposal</a:t>
+            </a:r>
             <a:r>
               <a:rPr lang="en-US" dirty="0" smtClean="0"/>
-              <a:t>Biological significance. </a:t>
+              <a:t>. </a:t>
+            </a:r>
+            <a:r>
+              <a:rPr lang="en-US" dirty="0" smtClean="0">
+                <a:latin typeface="Wingdings 3" panose="05040102010807070707" pitchFamily="18" charset="2"/>
+              </a:rPr>
+              <a:t>g</a:t>
+            </a:r>
+            <a:r>
+              <a:rPr lang="en-US" dirty="0" smtClean="0"/>
+              <a:t> Intercellular communications. </a:t>
+            </a:r>
+            <a:endParaRPr lang="en-US" dirty="0" smtClean="0"/>
+          </a:p>
+          <a:p>
+            <a:endParaRPr lang="en-US" dirty="0" smtClean="0"/>
+          </a:p>
+          <a:p>
+            <a:r>
+              <a:rPr lang="en-US" dirty="0" smtClean="0"/>
+              <a:t>Little known about formation, sorting and content. </a:t>
+            </a:r>
+          </a:p>
+          <a:p>
+            <a:endParaRPr lang="en-US" dirty="0"/>
+          </a:p>
+          <a:p>
+            <a:r>
+              <a:rPr lang="en-US" dirty="0" smtClean="0"/>
+              <a:t>Strong links to roles in cancer, stress signaling and immunity. </a:t>
             </a:r>
           </a:p>
           <a:p>
@@ -3992,6 +8508,36 @@
           </a:p>
         </p:txBody>
       </p:sp>
+      <p:pic>
+        <p:nvPicPr>
+          <p:cNvPr id="4" name="Picture 3"/>
+          <p:cNvPicPr>
+            <a:picLocks noChangeAspect="1"/>
+          </p:cNvPicPr>
+          <p:nvPr/>
+        </p:nvPicPr>
+        <p:blipFill>
+          <a:blip r:embed="rId2">
+            <a:extLst>
+              <a:ext uri="{28A0092B-C50C-407E-A947-70E740481C1C}">
+                <a14:useLocalDpi xmlns:a14="http://schemas.microsoft.com/office/drawing/2010/main" val="0"/>
+              </a:ext>
+            </a:extLst>
+          </a:blip>
+          <a:stretch>
+            <a:fillRect/>
+          </a:stretch>
+        </p:blipFill>
+        <p:spPr>
+          <a:xfrm>
+            <a:off x="1112294" y="1597836"/>
+            <a:ext cx="3972479" cy="4296375"/>
+          </a:xfrm>
+          <a:prstGeom prst="rect">
+            <a:avLst/>
+          </a:prstGeom>
+        </p:spPr>
+      </p:pic>
     </p:spTree>
     <p:extLst>
       <p:ext uri="{BB962C8B-B14F-4D97-AF65-F5344CB8AC3E}">
@@ -4002,6 +8548,13 @@
   <p:clrMapOvr>
     <a:masterClrMapping/>
   </p:clrMapOvr>
+  <p:timing>
+    <p:tnLst>
+      <p:par>
+        <p:cTn id="1" dur="indefinite" restart="never" nodeType="tmRoot"/>
+      </p:par>
+    </p:tnLst>
+  </p:timing>
 </p:sld>
 </file>
 
@@ -4055,39 +8608,92 @@
             <p:ph idx="1"/>
           </p:nvPr>
         </p:nvSpPr>
-        <p:spPr/>
+        <p:spPr>
+          <a:xfrm>
+            <a:off x="855662" y="1652868"/>
+            <a:ext cx="10821987" cy="4195481"/>
+          </a:xfrm>
+        </p:spPr>
         <p:txBody>
           <a:bodyPr/>
           <a:lstStyle/>
           <a:p>
             <a:r>
               <a:rPr lang="en-US" dirty="0" smtClean="0"/>
-              <a:t>Prior </a:t>
+              <a:t>Knockdown of exosome biogenesis, via RAB proteins reduced </a:t>
             </a:r>
             <a:r>
               <a:rPr lang="en-US" dirty="0" err="1" smtClean="0"/>
-              <a:t>researchwith</a:t>
+              <a:t>tumour</a:t>
             </a:r>
             <a:r>
               <a:rPr lang="en-US" dirty="0" smtClean="0"/>
-              <a:t> specific examples </a:t>
-            </a:r>
-          </a:p>
-          <a:p>
+              <a:t> growth</a:t>
+            </a:r>
+            <a:r>
+              <a:rPr lang="en-US" dirty="0"/>
+              <a:t> </a:t>
+            </a:r>
             <a:r>
               <a:rPr lang="en-US" dirty="0" smtClean="0"/>
-              <a:t>Broad examples</a:t>
-            </a:r>
-          </a:p>
-          <a:p>
+              <a:t>and</a:t>
+            </a:r>
             <a:r>
               <a:rPr lang="en-US" dirty="0" smtClean="0"/>
-              <a:t>Possibility for treatment options. </a:t>
+              <a:t> metastasis in Melanoma. </a:t>
+            </a:r>
+          </a:p>
+          <a:p>
+            <a:endParaRPr lang="en-US" dirty="0" smtClean="0"/>
+          </a:p>
+          <a:p>
+            <a:r>
+              <a:rPr lang="en-US" dirty="0" smtClean="0"/>
+              <a:t>Addition of Colorectal cancer derived exosomes to healthy cells induced migration. </a:t>
+            </a:r>
+          </a:p>
+          <a:p>
+            <a:endParaRPr lang="en-US" dirty="0" smtClean="0"/>
+          </a:p>
+          <a:p>
+            <a:r>
+              <a:rPr lang="en-US" dirty="0" smtClean="0"/>
+              <a:t>Suggested as a target for cancer diagnostics and treatment targets. </a:t>
             </a:r>
             <a:endParaRPr lang="en-AU" dirty="0"/>
           </a:p>
         </p:txBody>
       </p:sp>
+      <p:pic>
+        <p:nvPicPr>
+          <p:cNvPr id="4" name="Picture 3"/>
+          <p:cNvPicPr>
+            <a:picLocks noChangeAspect="1"/>
+          </p:cNvPicPr>
+          <p:nvPr/>
+        </p:nvPicPr>
+        <p:blipFill>
+          <a:blip r:embed="rId3">
+            <a:extLst>
+              <a:ext uri="{28A0092B-C50C-407E-A947-70E740481C1C}">
+                <a14:useLocalDpi xmlns:a14="http://schemas.microsoft.com/office/drawing/2010/main" val="0"/>
+              </a:ext>
+            </a:extLst>
+          </a:blip>
+          <a:stretch>
+            <a:fillRect/>
+          </a:stretch>
+        </p:blipFill>
+        <p:spPr>
+          <a:xfrm>
+            <a:off x="2532062" y="3617258"/>
+            <a:ext cx="9355138" cy="3005277"/>
+          </a:xfrm>
+          <a:prstGeom prst="rect">
+            <a:avLst/>
+          </a:prstGeom>
+        </p:spPr>
+      </p:pic>
     </p:spTree>
     <p:extLst>
       <p:ext uri="{BB962C8B-B14F-4D97-AF65-F5344CB8AC3E}">
@@ -4098,6 +8704,81 @@
   <p:clrMapOvr>
     <a:masterClrMapping/>
   </p:clrMapOvr>
+  <p:timing>
+    <p:tnLst>
+      <p:par>
+        <p:cTn id="1" dur="indefinite" restart="never" nodeType="tmRoot">
+          <p:childTnLst>
+            <p:seq concurrent="1" nextAc="seek">
+              <p:cTn id="2" dur="indefinite" nodeType="mainSeq">
+                <p:childTnLst>
+                  <p:par>
+                    <p:cTn id="3" fill="hold">
+                      <p:stCondLst>
+                        <p:cond delay="indefinite"/>
+                      </p:stCondLst>
+                      <p:childTnLst>
+                        <p:par>
+                          <p:cTn id="4" fill="hold">
+                            <p:stCondLst>
+                              <p:cond delay="0"/>
+                            </p:stCondLst>
+                            <p:childTnLst>
+                              <p:par>
+                                <p:cTn id="5" presetID="1" presetClass="entr" presetSubtype="0" fill="hold" nodeType="clickEffect">
+                                  <p:stCondLst>
+                                    <p:cond delay="0"/>
+                                  </p:stCondLst>
+                                  <p:childTnLst>
+                                    <p:set>
+                                      <p:cBhvr>
+                                        <p:cTn id="6" dur="1" fill="hold">
+                                          <p:stCondLst>
+                                            <p:cond delay="0"/>
+                                          </p:stCondLst>
+                                        </p:cTn>
+                                        <p:tgtEl>
+                                          <p:spTgt spid="4"/>
+                                        </p:tgtEl>
+                                        <p:attrNameLst>
+                                          <p:attrName>style.visibility</p:attrName>
+                                        </p:attrNameLst>
+                                      </p:cBhvr>
+                                      <p:to>
+                                        <p:strVal val="visible"/>
+                                      </p:to>
+                                    </p:set>
+                                  </p:childTnLst>
+                                </p:cTn>
+                              </p:par>
+                            </p:childTnLst>
+                          </p:cTn>
+                        </p:par>
+                      </p:childTnLst>
+                    </p:cTn>
+                  </p:par>
+                </p:childTnLst>
+              </p:cTn>
+              <p:prevCondLst>
+                <p:cond evt="onPrev" delay="0">
+                  <p:tgtEl>
+                    <p:sldTgt/>
+                  </p:tgtEl>
+                </p:cond>
+              </p:prevCondLst>
+              <p:nextCondLst>
+                <p:cond evt="onNext" delay="0">
+                  <p:tgtEl>
+                    <p:sldTgt/>
+                  </p:tgtEl>
+                </p:cond>
+              </p:nextCondLst>
+            </p:seq>
+          </p:childTnLst>
+        </p:cTn>
+      </p:par>
+    </p:tnLst>
+  </p:timing>
 </p:sld>
 </file>
 
@@ -4135,7 +8816,11 @@
           <a:p>
             <a:r>
               <a:rPr lang="en-US" dirty="0" smtClean="0"/>
-              <a:t>Hypoxia in Cancer</a:t>
+              <a:t>Prostate </a:t>
+            </a:r>
+            <a:r>
+              <a:rPr lang="en-US" dirty="0" smtClean="0"/>
+              <a:t>Cancer (PCA)</a:t>
             </a:r>
             <a:endParaRPr lang="en-AU" dirty="0"/>
           </a:p>
@@ -4151,49 +8836,174 @@
             <p:ph idx="1"/>
           </p:nvPr>
         </p:nvSpPr>
-        <p:spPr/>
+        <p:spPr>
+          <a:xfrm>
+            <a:off x="946484" y="1940608"/>
+            <a:ext cx="4892842" cy="4482632"/>
+          </a:xfrm>
+        </p:spPr>
         <p:txBody>
           <a:bodyPr/>
           <a:lstStyle/>
           <a:p>
             <a:r>
               <a:rPr lang="en-US" dirty="0" smtClean="0"/>
-              <a:t>What is hypoxia</a:t>
-            </a:r>
-          </a:p>
-          <a:p>
+              <a:t>High incidence, low mortality UNLESS.. Metastatic</a:t>
+            </a:r>
             <a:r>
               <a:rPr lang="en-US" dirty="0" smtClean="0"/>
-              <a:t>What it does</a:t>
-            </a:r>
+              <a:t>.</a:t>
+            </a:r>
+          </a:p>
+          <a:p>
+            <a:endParaRPr lang="en-US" dirty="0"/>
           </a:p>
           <a:p>
             <a:r>
               <a:rPr lang="en-US" dirty="0" smtClean="0"/>
-              <a:t>Issues associated with its formation</a:t>
-            </a:r>
+              <a:t>Advanced PCA results in survival of 12-15months.  </a:t>
+            </a:r>
+          </a:p>
+          <a:p>
+            <a:endParaRPr lang="en-US" dirty="0"/>
           </a:p>
           <a:p>
             <a:r>
               <a:rPr lang="en-US" dirty="0" smtClean="0"/>
-              <a:t>Graphs and shit</a:t>
-            </a:r>
-          </a:p>
-          <a:p>
-            <a:endParaRPr lang="en-AU" dirty="0"/>
+              <a:t>Tends to spread to bone or lymph nodes. </a:t>
+            </a:r>
+          </a:p>
+          <a:p>
+            <a:endParaRPr lang="en-US" dirty="0"/>
+          </a:p>
+          <a:p>
+            <a:r>
+              <a:rPr lang="en-US" dirty="0" smtClean="0"/>
+              <a:t>Necessity to understand metastasis</a:t>
+            </a:r>
+          </a:p>
+          <a:p>
+            <a:endParaRPr lang="en-US" dirty="0" smtClean="0"/>
+          </a:p>
+        </p:txBody>
+      </p:sp>
+      <p:graphicFrame>
+        <p:nvGraphicFramePr>
+          <p:cNvPr id="5" name="Chart 4"/>
+          <p:cNvGraphicFramePr>
+            <a:graphicFrameLocks/>
+          </p:cNvGraphicFramePr>
+          <p:nvPr>
+            <p:extLst>
+              <p:ext uri="{D42A27DB-BD31-4B8C-83A1-F6EECF244321}">
+                <p14:modId xmlns:p14="http://schemas.microsoft.com/office/powerpoint/2010/main" val="4217127507"/>
+              </p:ext>
+            </p:extLst>
+          </p:nvPr>
+        </p:nvGraphicFramePr>
+        <p:xfrm>
+          <a:off x="6357914" y="452717"/>
+          <a:ext cx="3692920" cy="6049597"/>
+        </p:xfrm>
+        <a:graphic>
+          <a:graphicData uri="http://schemas.openxmlformats.org/drawingml/2006/chart">
+            <c:chart xmlns:c="http://schemas.openxmlformats.org/drawingml/2006/chart" xmlns:r="http://schemas.openxmlformats.org/officeDocument/2006/relationships" r:id="rId2"/>
+          </a:graphicData>
+        </a:graphic>
+      </p:graphicFrame>
+      <p:sp>
+        <p:nvSpPr>
+          <p:cNvPr id="6" name="Oval 5"/>
+          <p:cNvSpPr/>
+          <p:nvPr/>
+        </p:nvSpPr>
+        <p:spPr>
+          <a:xfrm>
+            <a:off x="7172825" y="1363579"/>
+            <a:ext cx="1826795" cy="289894"/>
+          </a:xfrm>
+          <a:prstGeom prst="ellipse">
+            <a:avLst/>
+          </a:prstGeom>
+          <a:noFill/>
+          <a:ln>
+            <a:solidFill>
+              <a:srgbClr val="FF0000"/>
+            </a:solidFill>
+          </a:ln>
+        </p:spPr>
+        <p:style>
+          <a:lnRef idx="2">
+            <a:schemeClr val="accent1">
+              <a:shade val="50000"/>
+            </a:schemeClr>
+          </a:lnRef>
+          <a:fillRef idx="1">
+            <a:schemeClr val="accent1"/>
+          </a:fillRef>
+          <a:effectRef idx="0">
+            <a:schemeClr val="accent1"/>
+          </a:effectRef>
+          <a:fontRef idx="minor">
+            <a:schemeClr val="lt1"/>
+          </a:fontRef>
+        </p:style>
+        <p:txBody>
+          <a:bodyPr rtlCol="0" anchor="ctr"/>
+          <a:lstStyle/>
+          <a:p>
+            <a:pPr algn="ctr"/>
+            <a:endParaRPr lang="en-AU"/>
+          </a:p>
+        </p:txBody>
+      </p:sp>
+      <p:sp>
+        <p:nvSpPr>
+          <p:cNvPr id="7" name="TextBox 6"/>
+          <p:cNvSpPr txBox="1"/>
+          <p:nvPr/>
+        </p:nvSpPr>
+        <p:spPr>
+          <a:xfrm>
+            <a:off x="8999620" y="6383378"/>
+            <a:ext cx="1420582" cy="253916"/>
+          </a:xfrm>
+          <a:prstGeom prst="rect">
+            <a:avLst/>
+          </a:prstGeom>
+          <a:noFill/>
+        </p:spPr>
+        <p:txBody>
+          <a:bodyPr wrap="none" rtlCol="0">
+            <a:spAutoFit/>
+          </a:bodyPr>
+          <a:lstStyle/>
+          <a:p>
+            <a:r>
+              <a:rPr lang="en-US" sz="1050" dirty="0" smtClean="0"/>
+              <a:t>(GLOBOCAN 2012)</a:t>
+            </a:r>
+            <a:endParaRPr lang="en-AU" sz="1050" dirty="0"/>
           </a:p>
         </p:txBody>
       </p:sp>
     </p:spTree>
     <p:extLst>
       <p:ext uri="{BB962C8B-B14F-4D97-AF65-F5344CB8AC3E}">
-        <p14:creationId xmlns:p14="http://schemas.microsoft.com/office/powerpoint/2010/main" val="4172996141"/>
+        <p14:creationId xmlns:p14="http://schemas.microsoft.com/office/powerpoint/2010/main" val="202492270"/>
       </p:ext>
     </p:extLst>
   </p:cSld>
   <p:clrMapOvr>
     <a:masterClrMapping/>
   </p:clrMapOvr>
+  <p:timing>
+    <p:tnLst>
+      <p:par>
+        <p:cTn id="1" dur="indefinite" restart="never" nodeType="tmRoot"/>
+      </p:par>
+    </p:tnLst>
+  </p:timing>
 </p:sld>
 </file>
 
@@ -4231,7 +9041,7 @@
           <a:p>
             <a:r>
               <a:rPr lang="en-US" dirty="0" smtClean="0"/>
-              <a:t>Prostate Cancer</a:t>
+              <a:t>Hypoxia in Cancer</a:t>
             </a:r>
             <a:endParaRPr lang="en-AU" dirty="0"/>
           </a:p>
@@ -4254,28 +9064,49 @@
           <a:p>
             <a:r>
               <a:rPr lang="en-US" dirty="0" smtClean="0"/>
-              <a:t>Statistics and metastasis rates</a:t>
+              <a:t>What is hypoxia</a:t>
             </a:r>
           </a:p>
           <a:p>
             <a:r>
               <a:rPr lang="en-US" dirty="0" smtClean="0"/>
-              <a:t>Cells lines associated</a:t>
-            </a:r>
-            <a:endParaRPr lang="en-US" dirty="0" smtClean="0"/>
+              <a:t>What it does</a:t>
+            </a:r>
+          </a:p>
+          <a:p>
+            <a:r>
+              <a:rPr lang="en-US" dirty="0" smtClean="0"/>
+              <a:t>Issues associated with its formation</a:t>
+            </a:r>
+          </a:p>
+          <a:p>
+            <a:r>
+              <a:rPr lang="en-US" dirty="0" smtClean="0"/>
+              <a:t>Graphs and shit</a:t>
+            </a:r>
+          </a:p>
+          <a:p>
+            <a:endParaRPr lang="en-AU" dirty="0"/>
           </a:p>
         </p:txBody>
       </p:sp>
     </p:spTree>
     <p:extLst>
       <p:ext uri="{BB962C8B-B14F-4D97-AF65-F5344CB8AC3E}">
-        <p14:creationId xmlns:p14="http://schemas.microsoft.com/office/powerpoint/2010/main" val="202492270"/>
+        <p14:creationId xmlns:p14="http://schemas.microsoft.com/office/powerpoint/2010/main" val="4172996141"/>
       </p:ext>
     </p:extLst>
   </p:cSld>
   <p:clrMapOvr>
     <a:masterClrMapping/>
   </p:clrMapOvr>
+  <p:timing>
+    <p:tnLst>
+      <p:par>
+        <p:cTn id="1" dur="indefinite" restart="never" nodeType="tmRoot"/>
+      </p:par>
+    </p:tnLst>
+  </p:timing>
 </p:sld>
 </file>
 
@@ -4334,19 +9165,77 @@
           <a:bodyPr/>
           <a:lstStyle/>
           <a:p>
+            <a:pPr lvl="0"/>
             <a:r>
               <a:rPr lang="en-US" dirty="0" smtClean="0"/>
-              <a:t>Overal</a:t>
-            </a:r>
+              <a:t>Hypothesis: </a:t>
+            </a:r>
+          </a:p>
+          <a:p>
+            <a:pPr marL="449263" lvl="0" indent="176213" algn="ctr">
+              <a:buNone/>
+            </a:pPr>
+            <a:r>
+              <a:rPr lang="en-AU" dirty="0" smtClean="0"/>
+              <a:t>H</a:t>
+            </a:r>
+            <a:r>
+              <a:rPr lang="en-AU" dirty="0" smtClean="0"/>
+              <a:t>ypoxic </a:t>
+            </a:r>
+            <a:r>
+              <a:rPr lang="en-AU" dirty="0"/>
+              <a:t>prostate tumour cells secrete exosomes containing pro-invasive, and metastasising proteins which can be absorbed by surrounding cells. </a:t>
+            </a:r>
+          </a:p>
+          <a:p>
+            <a:endParaRPr lang="en-US" dirty="0" smtClean="0"/>
+          </a:p>
+          <a:p>
             <a:r>
               <a:rPr lang="en-US" dirty="0" smtClean="0"/>
-              <a:t>l Hypothesis</a:t>
-            </a:r>
-          </a:p>
-          <a:p>
+              <a:t>Aims: </a:t>
+            </a:r>
+          </a:p>
+          <a:p>
+            <a:pPr lvl="2"/>
             <a:r>
               <a:rPr lang="en-US" dirty="0" smtClean="0"/>
-              <a:t>Individual aims. </a:t>
+              <a:t>Establish the differences in exosome content between hypoxic and </a:t>
+            </a:r>
+            <a:r>
+              <a:rPr lang="en-US" dirty="0" err="1" smtClean="0"/>
+              <a:t>normoxic</a:t>
+            </a:r>
+            <a:r>
+              <a:rPr lang="en-US" dirty="0" smtClean="0"/>
+              <a:t> cells. </a:t>
+            </a:r>
+          </a:p>
+          <a:p>
+            <a:pPr lvl="2"/>
+            <a:r>
+              <a:rPr lang="en-US" dirty="0" smtClean="0"/>
+              <a:t>Determine the invasiveness, </a:t>
+            </a:r>
+            <a:r>
+              <a:rPr lang="en-US" dirty="0" smtClean="0"/>
+              <a:t>migration and </a:t>
+            </a:r>
+            <a:r>
+              <a:rPr lang="en-US" dirty="0" err="1" smtClean="0"/>
+              <a:t>stemness</a:t>
+            </a:r>
+            <a:r>
+              <a:rPr lang="en-US" dirty="0" smtClean="0"/>
+              <a:t> induced by hypoxic exosomes. </a:t>
+            </a:r>
+          </a:p>
+          <a:p>
+            <a:pPr lvl="2"/>
+            <a:r>
+              <a:rPr lang="en-US" dirty="0" smtClean="0"/>
+              <a:t>Elucidate the causative action induced by the hypoxic exosomes. </a:t>
             </a:r>
             <a:endParaRPr lang="en-AU" dirty="0"/>
           </a:p>
@@ -4362,6 +9251,13 @@
   <p:clrMapOvr>
     <a:masterClrMapping/>
   </p:clrMapOvr>
+  <p:timing>
+    <p:tnLst>
+      <p:par>
+        <p:cTn id="1" dur="indefinite" restart="never" nodeType="tmRoot"/>
+      </p:par>
+    </p:tnLst>
+  </p:timing>
 </p:sld>
 </file>
 
@@ -4434,6 +9330,13 @@
   <p:clrMapOvr>
     <a:masterClrMapping/>
   </p:clrMapOvr>
+  <p:timing>
+    <p:tnLst>
+      <p:par>
+        <p:cTn id="1" dur="indefinite" restart="never" nodeType="tmRoot"/>
+      </p:par>
+    </p:tnLst>
+  </p:timing>
 </p:sld>
 </file>
 
@@ -4506,6 +9409,13 @@
   <p:clrMapOvr>
     <a:masterClrMapping/>
   </p:clrMapOvr>
+  <p:timing>
+    <p:tnLst>
+      <p:par>
+        <p:cTn id="1" dur="indefinite" restart="never" nodeType="tmRoot"/>
+      </p:par>
+    </p:tnLst>
+  </p:timing>
 </p:sld>
 </file>
 
@@ -4582,13 +9492,20 @@
   <p:clrMapOvr>
     <a:masterClrMapping/>
   </p:clrMapOvr>
+  <p:timing>
+    <p:tnLst>
+      <p:par>
+        <p:cTn id="1" dur="indefinite" restart="never" nodeType="tmRoot"/>
+      </p:par>
+    </p:tnLst>
+  </p:timing>
 </p:sld>
 </file>
 
 <file path=ppt/theme/theme1.xml><?xml version="1.0" encoding="utf-8"?>
-<a:theme xmlns:a="http://schemas.openxmlformats.org/drawingml/2006/main" name="Office Theme">
+<a:theme xmlns:a="http://schemas.openxmlformats.org/drawingml/2006/main" name="Ion">
   <a:themeElements>
-    <a:clrScheme name="Office">
+    <a:clrScheme name="Grayscale">
       <a:dk1>
         <a:sysClr val="windowText" lastClr="000000"/>
       </a:dk1>
@@ -4596,42 +9513,42 @@
         <a:sysClr val="window" lastClr="FFFFFF"/>
       </a:lt1>
       <a:dk2>
-        <a:srgbClr val="44546A"/>
+        <a:srgbClr val="000000"/>
       </a:dk2>
       <a:lt2>
-        <a:srgbClr val="E7E6E6"/>
+        <a:srgbClr val="F8F8F8"/>
       </a:lt2>
       <a:accent1>
-        <a:srgbClr val="5B9BD5"/>
+        <a:srgbClr val="DDDDDD"/>
       </a:accent1>
       <a:accent2>
-        <a:srgbClr val="ED7D31"/>
+        <a:srgbClr val="B2B2B2"/>
       </a:accent2>
       <a:accent3>
-        <a:srgbClr val="A5A5A5"/>
+        <a:srgbClr val="969696"/>
       </a:accent3>
       <a:accent4>
-        <a:srgbClr val="FFC000"/>
+        <a:srgbClr val="808080"/>
       </a:accent4>
       <a:accent5>
-        <a:srgbClr val="4472C4"/>
+        <a:srgbClr val="5F5F5F"/>
       </a:accent5>
       <a:accent6>
-        <a:srgbClr val="70AD47"/>
+        <a:srgbClr val="4D4D4D"/>
       </a:accent6>
       <a:hlink>
-        <a:srgbClr val="0563C1"/>
+        <a:srgbClr val="5F5F5F"/>
       </a:hlink>
       <a:folHlink>
-        <a:srgbClr val="954F72"/>
+        <a:srgbClr val="919191"/>
       </a:folHlink>
     </a:clrScheme>
-    <a:fontScheme name="Office">
+    <a:fontScheme name="Ion">
       <a:majorFont>
-        <a:latin typeface="Calibri Light" panose="020F0302020204030204"/>
+        <a:latin typeface="Century Gothic" panose="020B0502020202020204"/>
         <a:ea typeface=""/>
         <a:cs typeface=""/>
-        <a:font script="Jpan" typeface="ＭＳ Ｐゴシック"/>
+        <a:font script="Jpan" typeface="メイリオ"/>
         <a:font script="Hang" typeface="맑은 고딕"/>
         <a:font script="Hans" typeface="宋体"/>
         <a:font script="Hant" typeface="新細明體"/>
@@ -4663,10 +9580,10 @@
         <a:font script="Geor" typeface="Sylfaen"/>
       </a:majorFont>
       <a:minorFont>
-        <a:latin typeface="Calibri" panose="020F0502020204030204"/>
+        <a:latin typeface="Century Gothic" panose="020B0502020202020204"/>
         <a:ea typeface=""/>
         <a:cs typeface=""/>
-        <a:font script="Jpan" typeface="ＭＳ Ｐゴシック"/>
+        <a:font script="Jpan" typeface="メイリオ"/>
         <a:font script="Hang" typeface="맑은 고딕"/>
         <a:font script="Hans" typeface="宋体"/>
         <a:font script="Hant" typeface="新細明體"/>
@@ -4698,7 +9615,7 @@
         <a:font script="Geor" typeface="Sylfaen"/>
       </a:minorFont>
     </a:fontScheme>
-    <a:fmtScheme name="Office">
+    <a:fmtScheme name="Ion">
       <a:fillStyleLst>
         <a:solidFill>
           <a:schemeClr val="phClr"/>
@@ -4707,23 +9624,15 @@
           <a:gsLst>
             <a:gs pos="0">
               <a:schemeClr val="phClr">
-                <a:lumMod val="110000"/>
-                <a:satMod val="105000"/>
-                <a:tint val="67000"/>
-              </a:schemeClr>
-            </a:gs>
-            <a:gs pos="50000">
-              <a:schemeClr val="phClr">
-                <a:lumMod val="105000"/>
-                <a:satMod val="103000"/>
-                <a:tint val="73000"/>
+                <a:tint val="64000"/>
+                <a:lumMod val="118000"/>
               </a:schemeClr>
             </a:gs>
             <a:gs pos="100000">
               <a:schemeClr val="phClr">
-                <a:lumMod val="105000"/>
-                <a:satMod val="109000"/>
-                <a:tint val="81000"/>
+                <a:tint val="92000"/>
+                <a:alpha val="100000"/>
+                <a:lumMod val="110000"/>
               </a:schemeClr>
             </a:gs>
           </a:gsLst>
@@ -4733,23 +9642,14 @@
           <a:gsLst>
             <a:gs pos="0">
               <a:schemeClr val="phClr">
-                <a:satMod val="103000"/>
-                <a:lumMod val="102000"/>
-                <a:tint val="94000"/>
-              </a:schemeClr>
-            </a:gs>
-            <a:gs pos="50000">
-              <a:schemeClr val="phClr">
-                <a:satMod val="110000"/>
-                <a:lumMod val="100000"/>
-                <a:shade val="100000"/>
+                <a:tint val="98000"/>
+                <a:lumMod val="114000"/>
               </a:schemeClr>
             </a:gs>
             <a:gs pos="100000">
               <a:schemeClr val="phClr">
-                <a:lumMod val="99000"/>
-                <a:satMod val="120000"/>
-                <a:shade val="78000"/>
+                <a:shade val="90000"/>
+                <a:lumMod val="84000"/>
               </a:schemeClr>
             </a:gs>
           </a:gsLst>
@@ -4757,26 +9657,23 @@
         </a:gradFill>
       </a:fillStyleLst>
       <a:lnStyleLst>
-        <a:ln w="6350" cap="flat" cmpd="sng" algn="ctr">
+        <a:ln w="9525" cap="rnd" cmpd="sng" algn="ctr">
           <a:solidFill>
             <a:schemeClr val="phClr"/>
           </a:solidFill>
           <a:prstDash val="solid"/>
-          <a:miter lim="800000"/>
         </a:ln>
-        <a:ln w="12700" cap="flat" cmpd="sng" algn="ctr">
+        <a:ln w="19050" cap="rnd" cmpd="sng" algn="ctr">
           <a:solidFill>
             <a:schemeClr val="phClr"/>
           </a:solidFill>
           <a:prstDash val="solid"/>
-          <a:miter lim="800000"/>
         </a:ln>
-        <a:ln w="19050" cap="flat" cmpd="sng" algn="ctr">
+        <a:ln w="28575" cap="rnd" cmpd="sng" algn="ctr">
           <a:solidFill>
             <a:schemeClr val="phClr"/>
           </a:solidFill>
           <a:prstDash val="solid"/>
-          <a:miter lim="800000"/>
         </a:ln>
       </a:lnStyleLst>
       <a:effectStyleLst>
@@ -4784,55 +9681,80 @@
           <a:effectLst/>
         </a:effectStyle>
         <a:effectStyle>
-          <a:effectLst/>
+          <a:effectLst>
+            <a:outerShdw blurRad="38100" dist="25400" dir="5400000" rotWithShape="0">
+              <a:srgbClr val="000000">
+                <a:alpha val="45000"/>
+              </a:srgbClr>
+            </a:outerShdw>
+          </a:effectLst>
         </a:effectStyle>
         <a:effectStyle>
           <a:effectLst>
-            <a:outerShdw blurRad="57150" dist="19050" dir="5400000" algn="ctr" rotWithShape="0">
+            <a:outerShdw blurRad="63500" dist="38100" dir="5400000" rotWithShape="0">
               <a:srgbClr val="000000">
-                <a:alpha val="63000"/>
+                <a:alpha val="60000"/>
               </a:srgbClr>
             </a:outerShdw>
           </a:effectLst>
+          <a:scene3d>
+            <a:camera prst="orthographicFront">
+              <a:rot lat="0" lon="0" rev="0"/>
+            </a:camera>
+            <a:lightRig rig="threePt" dir="tl"/>
+          </a:scene3d>
+          <a:sp3d prstMaterial="plastic">
+            <a:bevelT w="0" h="0"/>
+          </a:sp3d>
         </a:effectStyle>
       </a:effectStyleLst>
       <a:bgFillStyleLst>
         <a:solidFill>
           <a:schemeClr val="phClr"/>
         </a:solidFill>
-        <a:solidFill>
-          <a:schemeClr val="phClr">
-            <a:tint val="95000"/>
-            <a:satMod val="170000"/>
-          </a:schemeClr>
-        </a:solidFill>
         <a:gradFill rotWithShape="1">
           <a:gsLst>
             <a:gs pos="0">
               <a:schemeClr val="phClr">
-                <a:tint val="93000"/>
-                <a:satMod val="150000"/>
-                <a:shade val="98000"/>
-                <a:lumMod val="102000"/>
-              </a:schemeClr>
-            </a:gs>
-            <a:gs pos="50000">
-              <a:schemeClr val="phClr">
-                <a:tint val="98000"/>
+                <a:tint val="97000"/>
+                <a:hueMod val="88000"/>
                 <a:satMod val="130000"/>
-                <a:shade val="90000"/>
-                <a:lumMod val="103000"/>
+                <a:lumMod val="124000"/>
               </a:schemeClr>
             </a:gs>
             <a:gs pos="100000">
               <a:schemeClr val="phClr">
-                <a:shade val="63000"/>
-                <a:satMod val="120000"/>
+                <a:tint val="96000"/>
+                <a:shade val="88000"/>
+                <a:hueMod val="108000"/>
+                <a:satMod val="164000"/>
+                <a:lumMod val="76000"/>
               </a:schemeClr>
             </a:gs>
           </a:gsLst>
-          <a:lin ang="5400000" scaled="0"/>
+          <a:path path="circle">
+            <a:fillToRect l="45000" t="65000" r="125000" b="100000"/>
+          </a:path>
         </a:gradFill>
+        <a:blipFill rotWithShape="1">
+          <a:blip xmlns:r="http://schemas.openxmlformats.org/officeDocument/2006/relationships" r:embed="rId1">
+            <a:duotone>
+              <a:schemeClr val="phClr">
+                <a:shade val="69000"/>
+                <a:hueMod val="108000"/>
+                <a:satMod val="164000"/>
+                <a:lumMod val="74000"/>
+              </a:schemeClr>
+              <a:schemeClr val="phClr">
+                <a:tint val="96000"/>
+                <a:hueMod val="88000"/>
+                <a:satMod val="140000"/>
+                <a:lumMod val="132000"/>
+              </a:schemeClr>
+            </a:duotone>
+          </a:blip>
+          <a:stretch/>
+        </a:blipFill>
       </a:bgFillStyleLst>
     </a:fmtScheme>
   </a:themeElements>
@@ -4840,7 +9762,7 @@
   <a:extraClrSchemeLst/>
   <a:extLst>
     <a:ext uri="{05A4C25C-085E-4340-85A3-A5531E510DB2}">
-      <thm15:themeFamily xmlns:thm15="http://schemas.microsoft.com/office/thememl/2012/main" name="Office Theme" id="{62F939B6-93AF-4DB8-9C6B-D6C7DFDC589F}" vid="{4A3C46E8-61CC-4603-A589-7422A47A8E4A}"/>
+      <thm15:themeFamily xmlns:thm15="http://schemas.microsoft.com/office/thememl/2012/main" name="Ion" id="{B8441ADB-2E43-4AF7-B97A-BD870242C6A8}" vid="{292E63A9-BB86-4E3D-B92A-7223C6510D2E}"/>
     </a:ext>
   </a:extLst>
 </a:theme>

--- a/BackgroundInfo/JCslides.pptx
+++ b/BackgroundInfo/JCslides.pptx
@@ -5,23 +5,22 @@
     <p:sldMasterId id="2147483689" r:id="rId1"/>
   </p:sldMasterIdLst>
   <p:notesMasterIdLst>
-    <p:notesMasterId r:id="rId16"/>
+    <p:notesMasterId r:id="rId15"/>
   </p:notesMasterIdLst>
   <p:sldIdLst>
     <p:sldId id="256" r:id="rId2"/>
     <p:sldId id="257" r:id="rId3"/>
     <p:sldId id="258" r:id="rId4"/>
-    <p:sldId id="260" r:id="rId5"/>
-    <p:sldId id="259" r:id="rId6"/>
-    <p:sldId id="261" r:id="rId7"/>
-    <p:sldId id="262" r:id="rId8"/>
-    <p:sldId id="263" r:id="rId9"/>
-    <p:sldId id="264" r:id="rId10"/>
-    <p:sldId id="267" r:id="rId11"/>
-    <p:sldId id="265" r:id="rId12"/>
-    <p:sldId id="266" r:id="rId13"/>
-    <p:sldId id="269" r:id="rId14"/>
-    <p:sldId id="268" r:id="rId15"/>
+    <p:sldId id="259" r:id="rId5"/>
+    <p:sldId id="261" r:id="rId6"/>
+    <p:sldId id="262" r:id="rId7"/>
+    <p:sldId id="263" r:id="rId8"/>
+    <p:sldId id="267" r:id="rId9"/>
+    <p:sldId id="265" r:id="rId10"/>
+    <p:sldId id="266" r:id="rId11"/>
+    <p:sldId id="269" r:id="rId12"/>
+    <p:sldId id="268" r:id="rId13"/>
+    <p:sldId id="260" r:id="rId14"/>
   </p:sldIdLst>
   <p:sldSz cx="12192000" cy="6858000"/>
   <p:notesSz cx="6858000" cy="9144000"/>
@@ -177,8 +176,8 @@
         <c:manualLayout>
           <c:xMode val="edge"/>
           <c:yMode val="edge"/>
-          <c:x val="0.16393428094215495"/>
-          <c:y val="1.3029315960912053E-2"/>
+          <c:x val="0.32212883030230821"/>
+          <c:y val="1.302929765404208E-2"/>
         </c:manualLayout>
       </c:layout>
       <c:overlay val="0"/>
@@ -637,11 +636,11 @@
           <c:showBubbleSize val="0"/>
         </c:dLbls>
         <c:gapWidth val="182"/>
-        <c:axId val="243920624"/>
-        <c:axId val="243923424"/>
+        <c:axId val="143722608"/>
+        <c:axId val="143723168"/>
       </c:barChart>
       <c:catAx>
-        <c:axId val="243920624"/>
+        <c:axId val="143722608"/>
         <c:scaling>
           <c:orientation val="minMax"/>
         </c:scaling>
@@ -684,7 +683,7 @@
             <a:endParaRPr lang="en-US"/>
           </a:p>
         </c:txPr>
-        <c:crossAx val="243923424"/>
+        <c:crossAx val="143723168"/>
         <c:crosses val="autoZero"/>
         <c:auto val="1"/>
         <c:lblAlgn val="ctr"/>
@@ -692,7 +691,7 @@
         <c:noMultiLvlLbl val="0"/>
       </c:catAx>
       <c:valAx>
-        <c:axId val="243923424"/>
+        <c:axId val="143723168"/>
         <c:scaling>
           <c:orientation val="minMax"/>
         </c:scaling>
@@ -743,7 +742,7 @@
             <a:endParaRPr lang="en-US"/>
           </a:p>
         </c:txPr>
-        <c:crossAx val="243920624"/>
+        <c:crossAx val="143722608"/>
         <c:crosses val="autoZero"/>
         <c:crossBetween val="between"/>
       </c:valAx>
@@ -1438,7 +1437,7 @@
           <a:p>
             <a:fld id="{3E76E294-BBA0-4AAE-A1F9-80FF5E77064A}" type="datetimeFigureOut">
               <a:rPr lang="en-AU" smtClean="0"/>
-              <a:t>15/06/2016</a:t>
+              <a:t>16/06/2016</a:t>
             </a:fld>
             <a:endParaRPr lang="en-AU"/>
           </a:p>
@@ -2082,7 +2081,7 @@
           <a:p>
             <a:fld id="{7D50A433-14A5-4014-A22C-49E731E6083D}" type="datetimeFigureOut">
               <a:rPr lang="en-AU" smtClean="0"/>
-              <a:t>15/06/2016</a:t>
+              <a:t>16/06/2016</a:t>
             </a:fld>
             <a:endParaRPr lang="en-AU"/>
           </a:p>
@@ -2357,7 +2356,7 @@
           <a:p>
             <a:fld id="{7D50A433-14A5-4014-A22C-49E731E6083D}" type="datetimeFigureOut">
               <a:rPr lang="en-AU" smtClean="0"/>
-              <a:t>15/06/2016</a:t>
+              <a:t>16/06/2016</a:t>
             </a:fld>
             <a:endParaRPr lang="en-AU"/>
           </a:p>
@@ -2551,7 +2550,7 @@
           <a:p>
             <a:fld id="{7D50A433-14A5-4014-A22C-49E731E6083D}" type="datetimeFigureOut">
               <a:rPr lang="en-AU" smtClean="0"/>
-              <a:t>15/06/2016</a:t>
+              <a:t>16/06/2016</a:t>
             </a:fld>
             <a:endParaRPr lang="en-AU"/>
           </a:p>
@@ -2824,7 +2823,7 @@
           <a:p>
             <a:fld id="{7D50A433-14A5-4014-A22C-49E731E6083D}" type="datetimeFigureOut">
               <a:rPr lang="en-AU" smtClean="0"/>
-              <a:t>15/06/2016</a:t>
+              <a:t>16/06/2016</a:t>
             </a:fld>
             <a:endParaRPr lang="en-AU"/>
           </a:p>
@@ -3165,7 +3164,7 @@
           <a:p>
             <a:fld id="{7D50A433-14A5-4014-A22C-49E731E6083D}" type="datetimeFigureOut">
               <a:rPr lang="en-AU" smtClean="0"/>
-              <a:t>15/06/2016</a:t>
+              <a:t>16/06/2016</a:t>
             </a:fld>
             <a:endParaRPr lang="en-AU"/>
           </a:p>
@@ -3788,7 +3787,7 @@
           <a:p>
             <a:fld id="{7D50A433-14A5-4014-A22C-49E731E6083D}" type="datetimeFigureOut">
               <a:rPr lang="en-AU" smtClean="0"/>
-              <a:t>15/06/2016</a:t>
+              <a:t>16/06/2016</a:t>
             </a:fld>
             <a:endParaRPr lang="en-AU"/>
           </a:p>
@@ -4648,7 +4647,7 @@
           <a:p>
             <a:fld id="{7D50A433-14A5-4014-A22C-49E731E6083D}" type="datetimeFigureOut">
               <a:rPr lang="en-AU" smtClean="0"/>
-              <a:t>15/06/2016</a:t>
+              <a:t>16/06/2016</a:t>
             </a:fld>
             <a:endParaRPr lang="en-AU"/>
           </a:p>
@@ -4818,7 +4817,7 @@
           <a:p>
             <a:fld id="{7D50A433-14A5-4014-A22C-49E731E6083D}" type="datetimeFigureOut">
               <a:rPr lang="en-AU" smtClean="0"/>
-              <a:t>15/06/2016</a:t>
+              <a:t>16/06/2016</a:t>
             </a:fld>
             <a:endParaRPr lang="en-AU"/>
           </a:p>
@@ -4998,7 +4997,7 @@
           <a:p>
             <a:fld id="{7D50A433-14A5-4014-A22C-49E731E6083D}" type="datetimeFigureOut">
               <a:rPr lang="en-AU" smtClean="0"/>
-              <a:t>15/06/2016</a:t>
+              <a:t>16/06/2016</a:t>
             </a:fld>
             <a:endParaRPr lang="en-AU"/>
           </a:p>
@@ -5168,7 +5167,7 @@
           <a:p>
             <a:fld id="{7D50A433-14A5-4014-A22C-49E731E6083D}" type="datetimeFigureOut">
               <a:rPr lang="en-AU" smtClean="0"/>
-              <a:t>15/06/2016</a:t>
+              <a:t>16/06/2016</a:t>
             </a:fld>
             <a:endParaRPr lang="en-AU"/>
           </a:p>
@@ -5415,7 +5414,7 @@
           <a:p>
             <a:fld id="{7D50A433-14A5-4014-A22C-49E731E6083D}" type="datetimeFigureOut">
               <a:rPr lang="en-AU" smtClean="0"/>
-              <a:t>15/06/2016</a:t>
+              <a:t>16/06/2016</a:t>
             </a:fld>
             <a:endParaRPr lang="en-AU"/>
           </a:p>
@@ -5707,7 +5706,7 @@
           <a:p>
             <a:fld id="{7D50A433-14A5-4014-A22C-49E731E6083D}" type="datetimeFigureOut">
               <a:rPr lang="en-AU" smtClean="0"/>
-              <a:t>15/06/2016</a:t>
+              <a:t>16/06/2016</a:t>
             </a:fld>
             <a:endParaRPr lang="en-AU"/>
           </a:p>
@@ -6151,7 +6150,7 @@
           <a:p>
             <a:fld id="{7D50A433-14A5-4014-A22C-49E731E6083D}" type="datetimeFigureOut">
               <a:rPr lang="en-AU" smtClean="0"/>
-              <a:t>15/06/2016</a:t>
+              <a:t>16/06/2016</a:t>
             </a:fld>
             <a:endParaRPr lang="en-AU"/>
           </a:p>
@@ -6269,7 +6268,7 @@
           <a:p>
             <a:fld id="{7D50A433-14A5-4014-A22C-49E731E6083D}" type="datetimeFigureOut">
               <a:rPr lang="en-AU" smtClean="0"/>
-              <a:t>15/06/2016</a:t>
+              <a:t>16/06/2016</a:t>
             </a:fld>
             <a:endParaRPr lang="en-AU"/>
           </a:p>
@@ -6364,7 +6363,7 @@
           <a:p>
             <a:fld id="{7D50A433-14A5-4014-A22C-49E731E6083D}" type="datetimeFigureOut">
               <a:rPr lang="en-AU" smtClean="0"/>
-              <a:t>15/06/2016</a:t>
+              <a:t>16/06/2016</a:t>
             </a:fld>
             <a:endParaRPr lang="en-AU"/>
           </a:p>
@@ -6643,7 +6642,7 @@
           <a:p>
             <a:fld id="{7D50A433-14A5-4014-A22C-49E731E6083D}" type="datetimeFigureOut">
               <a:rPr lang="en-AU" smtClean="0"/>
-              <a:t>15/06/2016</a:t>
+              <a:t>16/06/2016</a:t>
             </a:fld>
             <a:endParaRPr lang="en-AU"/>
           </a:p>
@@ -6918,7 +6917,7 @@
           <a:p>
             <a:fld id="{7D50A433-14A5-4014-A22C-49E731E6083D}" type="datetimeFigureOut">
               <a:rPr lang="en-AU" smtClean="0"/>
-              <a:t>15/06/2016</a:t>
+              <a:t>16/06/2016</a:t>
             </a:fld>
             <a:endParaRPr lang="en-AU"/>
           </a:p>
@@ -7347,7 +7346,7 @@
           <a:p>
             <a:fld id="{7D50A433-14A5-4014-A22C-49E731E6083D}" type="datetimeFigureOut">
               <a:rPr lang="en-AU" smtClean="0"/>
-              <a:t>15/06/2016</a:t>
+              <a:t>16/06/2016</a:t>
             </a:fld>
             <a:endParaRPr lang="en-AU"/>
           </a:p>
@@ -8017,16 +8016,8 @@
           <a:lstStyle/>
           <a:p>
             <a:r>
-              <a:rPr lang="en-US" dirty="0"/>
-              <a:t>Does the hypoxia derived exosome induce </a:t>
-            </a:r>
-            <a:r>
-              <a:rPr lang="en-US" dirty="0" err="1" smtClean="0"/>
-              <a:t>stemness</a:t>
-            </a:r>
-            <a:r>
               <a:rPr lang="en-US" dirty="0" smtClean="0"/>
-              <a:t>?</a:t>
+              <a:t>Does this protein content mediate any particular pathways?</a:t>
             </a:r>
             <a:endParaRPr lang="en-AU" dirty="0"/>
           </a:p>
@@ -8054,7 +8045,7 @@
     </p:spTree>
     <p:extLst>
       <p:ext uri="{BB962C8B-B14F-4D97-AF65-F5344CB8AC3E}">
-        <p14:creationId xmlns:p14="http://schemas.microsoft.com/office/powerpoint/2010/main" val="3593854408"/>
+        <p14:creationId xmlns:p14="http://schemas.microsoft.com/office/powerpoint/2010/main" val="3153417084"/>
       </p:ext>
     </p:extLst>
   </p:cSld>
@@ -8105,7 +8096,7 @@
           <a:p>
             <a:r>
               <a:rPr lang="en-US" dirty="0" smtClean="0"/>
-              <a:t>Is there distinct proteomic content?</a:t>
+              <a:t>Limitation and strengths, future directions. </a:t>
             </a:r>
             <a:endParaRPr lang="en-AU" dirty="0"/>
           </a:p>
@@ -8133,7 +8124,7 @@
     </p:spTree>
     <p:extLst>
       <p:ext uri="{BB962C8B-B14F-4D97-AF65-F5344CB8AC3E}">
-        <p14:creationId xmlns:p14="http://schemas.microsoft.com/office/powerpoint/2010/main" val="2133411175"/>
+        <p14:creationId xmlns:p14="http://schemas.microsoft.com/office/powerpoint/2010/main" val="500202845"/>
       </p:ext>
     </p:extLst>
   </p:cSld>
@@ -8184,7 +8175,7 @@
           <a:p>
             <a:r>
               <a:rPr lang="en-US" dirty="0" smtClean="0"/>
-              <a:t>Does this protein content mediate any particular pathways?</a:t>
+              <a:t>Conclusion and Proposed Mechanism</a:t>
             </a:r>
             <a:endParaRPr lang="en-AU" dirty="0"/>
           </a:p>
@@ -8212,7 +8203,7 @@
     </p:spTree>
     <p:extLst>
       <p:ext uri="{BB962C8B-B14F-4D97-AF65-F5344CB8AC3E}">
-        <p14:creationId xmlns:p14="http://schemas.microsoft.com/office/powerpoint/2010/main" val="3153417084"/>
+        <p14:creationId xmlns:p14="http://schemas.microsoft.com/office/powerpoint/2010/main" val="945079815"/>
       </p:ext>
     </p:extLst>
   </p:cSld>
@@ -8263,7 +8254,7 @@
           <a:p>
             <a:r>
               <a:rPr lang="en-US" dirty="0" smtClean="0"/>
-              <a:t>Limitation and strengths, future directions. </a:t>
+              <a:t>Prostate Cancer (PCA)</a:t>
             </a:r>
             <a:endParaRPr lang="en-AU" dirty="0"/>
           </a:p>
@@ -8279,98 +8270,162 @@
             <p:ph idx="1"/>
           </p:nvPr>
         </p:nvSpPr>
-        <p:spPr/>
+        <p:spPr>
+          <a:xfrm>
+            <a:off x="1055592" y="1576321"/>
+            <a:ext cx="4892842" cy="4482632"/>
+          </a:xfrm>
+        </p:spPr>
         <p:txBody>
           <a:bodyPr/>
           <a:lstStyle/>
           <a:p>
+            <a:r>
+              <a:rPr lang="en-US" dirty="0" smtClean="0"/>
+              <a:t>High incidence, low mortality UNLESS.. Metastatic.</a:t>
+            </a:r>
+          </a:p>
+          <a:p>
+            <a:endParaRPr lang="en-US" dirty="0"/>
+          </a:p>
+          <a:p>
+            <a:r>
+              <a:rPr lang="en-US" dirty="0" smtClean="0"/>
+              <a:t>Advanced PCA results in survival of 12-15months.  </a:t>
+            </a:r>
+          </a:p>
+          <a:p>
+            <a:endParaRPr lang="en-US" dirty="0"/>
+          </a:p>
+          <a:p>
+            <a:r>
+              <a:rPr lang="en-US" dirty="0" smtClean="0"/>
+              <a:t>Tends to spread to bone or lymph nodes. </a:t>
+            </a:r>
+          </a:p>
+          <a:p>
+            <a:endParaRPr lang="en-US" dirty="0"/>
+          </a:p>
+          <a:p>
+            <a:r>
+              <a:rPr lang="en-US" dirty="0" smtClean="0"/>
+              <a:t>Necessity to understand </a:t>
+            </a:r>
+            <a:r>
+              <a:rPr lang="en-US" dirty="0" smtClean="0"/>
+              <a:t>metastasis and progression</a:t>
+            </a:r>
+            <a:endParaRPr lang="en-US" dirty="0" smtClean="0"/>
+          </a:p>
+          <a:p>
+            <a:endParaRPr lang="en-US" dirty="0" smtClean="0"/>
+          </a:p>
+        </p:txBody>
+      </p:sp>
+      <p:graphicFrame>
+        <p:nvGraphicFramePr>
+          <p:cNvPr id="5" name="Chart 4"/>
+          <p:cNvGraphicFramePr>
+            <a:graphicFrameLocks/>
+          </p:cNvGraphicFramePr>
+          <p:nvPr>
+            <p:extLst>
+              <p:ext uri="{D42A27DB-BD31-4B8C-83A1-F6EECF244321}">
+                <p14:modId xmlns:p14="http://schemas.microsoft.com/office/powerpoint/2010/main" val="1524962893"/>
+              </p:ext>
+            </p:extLst>
+          </p:nvPr>
+        </p:nvGraphicFramePr>
+        <p:xfrm>
+          <a:off x="6357914" y="452717"/>
+          <a:ext cx="3692920" cy="6049597"/>
+        </p:xfrm>
+        <a:graphic>
+          <a:graphicData uri="http://schemas.openxmlformats.org/drawingml/2006/chart">
+            <c:chart xmlns:c="http://schemas.openxmlformats.org/drawingml/2006/chart" xmlns:r="http://schemas.openxmlformats.org/officeDocument/2006/relationships" r:id="rId2"/>
+          </a:graphicData>
+        </a:graphic>
+      </p:graphicFrame>
+      <p:sp>
+        <p:nvSpPr>
+          <p:cNvPr id="6" name="Oval 5"/>
+          <p:cNvSpPr/>
+          <p:nvPr/>
+        </p:nvSpPr>
+        <p:spPr>
+          <a:xfrm>
+            <a:off x="7172825" y="1418408"/>
+            <a:ext cx="1826795" cy="289894"/>
+          </a:xfrm>
+          <a:prstGeom prst="ellipse">
+            <a:avLst/>
+          </a:prstGeom>
+          <a:noFill/>
+          <a:ln>
+            <a:solidFill>
+              <a:srgbClr val="FF0000"/>
+            </a:solidFill>
+          </a:ln>
+        </p:spPr>
+        <p:style>
+          <a:lnRef idx="2">
+            <a:schemeClr val="accent1">
+              <a:shade val="50000"/>
+            </a:schemeClr>
+          </a:lnRef>
+          <a:fillRef idx="1">
+            <a:schemeClr val="accent1"/>
+          </a:fillRef>
+          <a:effectRef idx="0">
+            <a:schemeClr val="accent1"/>
+          </a:effectRef>
+          <a:fontRef idx="minor">
+            <a:schemeClr val="lt1"/>
+          </a:fontRef>
+        </p:style>
+        <p:txBody>
+          <a:bodyPr rtlCol="0" anchor="ctr"/>
+          <a:lstStyle/>
+          <a:p>
+            <a:pPr algn="ctr"/>
             <a:endParaRPr lang="en-AU"/>
+          </a:p>
+        </p:txBody>
+      </p:sp>
+      <p:sp>
+        <p:nvSpPr>
+          <p:cNvPr id="7" name="TextBox 6"/>
+          <p:cNvSpPr txBox="1"/>
+          <p:nvPr/>
+        </p:nvSpPr>
+        <p:spPr>
+          <a:xfrm>
+            <a:off x="8999620" y="6383378"/>
+            <a:ext cx="1420582" cy="253916"/>
+          </a:xfrm>
+          <a:prstGeom prst="rect">
+            <a:avLst/>
+          </a:prstGeom>
+          <a:noFill/>
+        </p:spPr>
+        <p:txBody>
+          <a:bodyPr wrap="none" rtlCol="0">
+            <a:spAutoFit/>
+          </a:bodyPr>
+          <a:lstStyle/>
+          <a:p>
+            <a:r>
+              <a:rPr lang="en-US" sz="1050" dirty="0" smtClean="0"/>
+              <a:t>(GLOBOCAN 2012)</a:t>
+            </a:r>
+            <a:endParaRPr lang="en-AU" sz="1050" dirty="0"/>
           </a:p>
         </p:txBody>
       </p:sp>
     </p:spTree>
     <p:extLst>
       <p:ext uri="{BB962C8B-B14F-4D97-AF65-F5344CB8AC3E}">
-        <p14:creationId xmlns:p14="http://schemas.microsoft.com/office/powerpoint/2010/main" val="500202845"/>
-      </p:ext>
-    </p:extLst>
-  </p:cSld>
-  <p:clrMapOvr>
-    <a:masterClrMapping/>
-  </p:clrMapOvr>
-  <p:timing>
-    <p:tnLst>
-      <p:par>
-        <p:cTn id="1" dur="indefinite" restart="never" nodeType="tmRoot"/>
-      </p:par>
-    </p:tnLst>
-  </p:timing>
-</p:sld>
-</file>
-
-<file path=ppt/slides/slide14.xml><?xml version="1.0" encoding="utf-8"?>
-<p:sld xmlns:a="http://schemas.openxmlformats.org/drawingml/2006/main" xmlns:r="http://schemas.openxmlformats.org/officeDocument/2006/relationships" xmlns:p="http://schemas.openxmlformats.org/presentationml/2006/main">
-  <p:cSld>
-    <p:spTree>
-      <p:nvGrpSpPr>
-        <p:cNvPr id="1" name=""/>
-        <p:cNvGrpSpPr/>
-        <p:nvPr/>
-      </p:nvGrpSpPr>
-      <p:grpSpPr>
-        <a:xfrm>
-          <a:off x="0" y="0"/>
-          <a:ext cx="0" cy="0"/>
-          <a:chOff x="0" y="0"/>
-          <a:chExt cx="0" cy="0"/>
-        </a:xfrm>
-      </p:grpSpPr>
-      <p:sp>
-        <p:nvSpPr>
-          <p:cNvPr id="2" name="Title 1"/>
-          <p:cNvSpPr>
-            <a:spLocks noGrp="1"/>
-          </p:cNvSpPr>
-          <p:nvPr>
-            <p:ph type="title"/>
-          </p:nvPr>
-        </p:nvSpPr>
-        <p:spPr/>
-        <p:txBody>
-          <a:bodyPr/>
-          <a:lstStyle/>
-          <a:p>
-            <a:r>
-              <a:rPr lang="en-US" dirty="0" smtClean="0"/>
-              <a:t>Conclusion and Proposed Mechanism</a:t>
-            </a:r>
-            <a:endParaRPr lang="en-AU" dirty="0"/>
-          </a:p>
-        </p:txBody>
-      </p:sp>
-      <p:sp>
-        <p:nvSpPr>
-          <p:cNvPr id="3" name="Content Placeholder 2"/>
-          <p:cNvSpPr>
-            <a:spLocks noGrp="1"/>
-          </p:cNvSpPr>
-          <p:nvPr>
-            <p:ph idx="1"/>
-          </p:nvPr>
-        </p:nvSpPr>
-        <p:spPr/>
-        <p:txBody>
-          <a:bodyPr/>
-          <a:lstStyle/>
-          <a:p>
-            <a:endParaRPr lang="en-AU"/>
-          </a:p>
-        </p:txBody>
-      </p:sp>
-    </p:spTree>
-    <p:extLst>
-      <p:ext uri="{BB962C8B-B14F-4D97-AF65-F5344CB8AC3E}">
-        <p14:creationId xmlns:p14="http://schemas.microsoft.com/office/powerpoint/2010/main" val="945079815"/>
+        <p14:creationId xmlns:p14="http://schemas.microsoft.com/office/powerpoint/2010/main" val="202492270"/>
       </p:ext>
     </p:extLst>
   </p:cSld>
@@ -8480,7 +8535,6 @@
               <a:rPr lang="en-US" dirty="0" smtClean="0"/>
               <a:t> Intercellular communications. </a:t>
             </a:r>
-            <a:endParaRPr lang="en-US" dirty="0" smtClean="0"/>
           </a:p>
           <a:p>
             <a:endParaRPr lang="en-US" dirty="0" smtClean="0"/>
@@ -8636,11 +8690,7 @@
             </a:r>
             <a:r>
               <a:rPr lang="en-US" dirty="0" smtClean="0"/>
-              <a:t>and</a:t>
-            </a:r>
-            <a:r>
-              <a:rPr lang="en-US" dirty="0" smtClean="0"/>
-              <a:t> metastasis in Melanoma. </a:t>
+              <a:t>and metastasis in Melanoma. </a:t>
             </a:r>
           </a:p>
           <a:p>
@@ -8651,14 +8701,41 @@
               <a:rPr lang="en-US" dirty="0" smtClean="0"/>
               <a:t>Addition of Colorectal cancer derived exosomes to healthy cells induced migration. </a:t>
             </a:r>
-          </a:p>
-          <a:p>
             <a:endParaRPr lang="en-US" dirty="0" smtClean="0"/>
           </a:p>
           <a:p>
+            <a:endParaRPr lang="en-US" dirty="0"/>
+          </a:p>
+          <a:p>
             <a:r>
               <a:rPr lang="en-US" dirty="0" smtClean="0"/>
-              <a:t>Suggested as a target for cancer diagnostics and treatment targets. </a:t>
+              <a:t>Suggested role in mediating signals in the </a:t>
+            </a:r>
+            <a:r>
+              <a:rPr lang="en-US" dirty="0" err="1" smtClean="0"/>
+              <a:t>tumour</a:t>
+            </a:r>
+            <a:r>
+              <a:rPr lang="en-US" dirty="0" smtClean="0"/>
+              <a:t> microenvironment.</a:t>
+            </a:r>
+            <a:endParaRPr lang="en-US" dirty="0" smtClean="0"/>
+          </a:p>
+          <a:p>
+            <a:endParaRPr lang="en-US" dirty="0" smtClean="0"/>
+          </a:p>
+          <a:p>
+            <a:r>
+              <a:rPr lang="en-US" dirty="0" smtClean="0"/>
+              <a:t>Potential</a:t>
+            </a:r>
+            <a:r>
+              <a:rPr lang="en-US" dirty="0" smtClean="0"/>
+              <a:t> </a:t>
+            </a:r>
+            <a:r>
+              <a:rPr lang="en-US" dirty="0" smtClean="0"/>
+              <a:t>as a target for cancer diagnostics and treatment targets. </a:t>
             </a:r>
             <a:endParaRPr lang="en-AU" dirty="0"/>
           </a:p>
@@ -8686,7 +8763,7 @@
         </p:blipFill>
         <p:spPr>
           <a:xfrm>
-            <a:off x="2532062" y="3617258"/>
+            <a:off x="2748226" y="3530793"/>
             <a:ext cx="9355138" cy="3005277"/>
           </a:xfrm>
           <a:prstGeom prst="rect">
@@ -8734,7 +8811,7 @@
                                       <p:cBhvr>
                                         <p:cTn id="6" dur="1" fill="hold">
                                           <p:stCondLst>
-                                            <p:cond delay="0"/>
+                                            <p:cond delay="9"/>
                                           </p:stCondLst>
                                         </p:cTn>
                                         <p:tgtEl>
@@ -8816,11 +8893,7 @@
           <a:p>
             <a:r>
               <a:rPr lang="en-US" dirty="0" smtClean="0"/>
-              <a:t>Prostate </a:t>
-            </a:r>
-            <a:r>
-              <a:rPr lang="en-US" dirty="0" smtClean="0"/>
-              <a:t>Cancer (PCA)</a:t>
+              <a:t>Hypoxia in Cancer</a:t>
             </a:r>
             <a:endParaRPr lang="en-AU" dirty="0"/>
           </a:p>
@@ -8838,8 +8911,8 @@
         </p:nvSpPr>
         <p:spPr>
           <a:xfrm>
-            <a:off x="946484" y="1940608"/>
-            <a:ext cx="4892842" cy="4482632"/>
+            <a:off x="527578" y="1703792"/>
+            <a:ext cx="5509606" cy="4195481"/>
           </a:xfrm>
         </p:spPr>
         <p:txBody>
@@ -8848,7 +8921,31 @@
           <a:p>
             <a:r>
               <a:rPr lang="en-US" dirty="0" smtClean="0"/>
-              <a:t>High incidence, low mortality UNLESS.. Metastatic</a:t>
+              <a:t>Advanced </a:t>
+            </a:r>
+            <a:r>
+              <a:rPr lang="en-US" dirty="0" err="1" smtClean="0"/>
+              <a:t>tumours</a:t>
+            </a:r>
+            <a:r>
+              <a:rPr lang="en-US" dirty="0" smtClean="0"/>
+              <a:t> possess complex microenvironment. </a:t>
+            </a:r>
+          </a:p>
+          <a:p>
+            <a:pPr marL="0" indent="0">
+              <a:buNone/>
+            </a:pPr>
+            <a:endParaRPr lang="en-US" dirty="0" smtClean="0"/>
+          </a:p>
+          <a:p>
+            <a:r>
+              <a:rPr lang="en-US" dirty="0" smtClean="0"/>
+              <a:t>Hypoxic conditions rife in larger </a:t>
+            </a:r>
+            <a:r>
+              <a:rPr lang="en-US" dirty="0" err="1" smtClean="0"/>
+              <a:t>tumours</a:t>
             </a:r>
             <a:r>
               <a:rPr lang="en-US" dirty="0" smtClean="0"/>
@@ -8856,141 +8953,61 @@
             </a:r>
           </a:p>
           <a:p>
+            <a:endParaRPr lang="en-AU" dirty="0" smtClean="0"/>
+          </a:p>
+          <a:p>
+            <a:r>
+              <a:rPr lang="en-US" dirty="0" smtClean="0"/>
+              <a:t>Aggressive phenotype linked with hypoxia.</a:t>
+            </a:r>
+          </a:p>
+          <a:p>
             <a:endParaRPr lang="en-US" dirty="0"/>
           </a:p>
           <a:p>
             <a:r>
               <a:rPr lang="en-US" dirty="0" smtClean="0"/>
-              <a:t>Advanced PCA results in survival of 12-15months.  </a:t>
-            </a:r>
-          </a:p>
-          <a:p>
-            <a:endParaRPr lang="en-US" dirty="0"/>
-          </a:p>
-          <a:p>
-            <a:r>
-              <a:rPr lang="en-US" dirty="0" smtClean="0"/>
-              <a:t>Tends to spread to bone or lymph nodes. </a:t>
-            </a:r>
-          </a:p>
-          <a:p>
-            <a:endParaRPr lang="en-US" dirty="0"/>
-          </a:p>
-          <a:p>
-            <a:r>
-              <a:rPr lang="en-US" dirty="0" smtClean="0"/>
-              <a:t>Necessity to understand metastasis</a:t>
-            </a:r>
-          </a:p>
-          <a:p>
-            <a:endParaRPr lang="en-US" dirty="0" smtClean="0"/>
-          </a:p>
-        </p:txBody>
-      </p:sp>
-      <p:graphicFrame>
-        <p:nvGraphicFramePr>
-          <p:cNvPr id="5" name="Chart 4"/>
-          <p:cNvGraphicFramePr>
-            <a:graphicFrameLocks/>
-          </p:cNvGraphicFramePr>
-          <p:nvPr>
-            <p:extLst>
-              <p:ext uri="{D42A27DB-BD31-4B8C-83A1-F6EECF244321}">
-                <p14:modId xmlns:p14="http://schemas.microsoft.com/office/powerpoint/2010/main" val="4217127507"/>
-              </p:ext>
-            </p:extLst>
-          </p:nvPr>
-        </p:nvGraphicFramePr>
-        <p:xfrm>
-          <a:off x="6357914" y="452717"/>
-          <a:ext cx="3692920" cy="6049597"/>
-        </p:xfrm>
-        <a:graphic>
-          <a:graphicData uri="http://schemas.openxmlformats.org/drawingml/2006/chart">
-            <c:chart xmlns:c="http://schemas.openxmlformats.org/drawingml/2006/chart" xmlns:r="http://schemas.openxmlformats.org/officeDocument/2006/relationships" r:id="rId2"/>
-          </a:graphicData>
-        </a:graphic>
-      </p:graphicFrame>
-      <p:sp>
-        <p:nvSpPr>
-          <p:cNvPr id="6" name="Oval 5"/>
-          <p:cNvSpPr/>
+              <a:t>Hypoxia mediated metastasis: </a:t>
+            </a:r>
+            <a:r>
+              <a:rPr lang="en-US" b="1" dirty="0" smtClean="0"/>
+              <a:t>mechanism unclear. </a:t>
+            </a:r>
+            <a:endParaRPr lang="en-US" b="1" dirty="0" smtClean="0"/>
+          </a:p>
+          <a:p>
+            <a:endParaRPr lang="en-AU" dirty="0"/>
+          </a:p>
+        </p:txBody>
+      </p:sp>
+      <p:pic>
+        <p:nvPicPr>
+          <p:cNvPr id="4" name="Picture 3"/>
+          <p:cNvPicPr>
+            <a:picLocks noChangeAspect="1"/>
+          </p:cNvPicPr>
           <p:nvPr/>
-        </p:nvSpPr>
+        </p:nvPicPr>
+        <p:blipFill>
+          <a:blip r:embed="rId2"/>
+          <a:stretch>
+            <a:fillRect/>
+          </a:stretch>
+        </p:blipFill>
         <p:spPr>
           <a:xfrm>
-            <a:off x="7172825" y="1363579"/>
-            <a:ext cx="1826795" cy="289894"/>
-          </a:xfrm>
-          <a:prstGeom prst="ellipse">
-            <a:avLst/>
-          </a:prstGeom>
-          <a:noFill/>
-          <a:ln>
-            <a:solidFill>
-              <a:srgbClr val="FF0000"/>
-            </a:solidFill>
-          </a:ln>
-        </p:spPr>
-        <p:style>
-          <a:lnRef idx="2">
-            <a:schemeClr val="accent1">
-              <a:shade val="50000"/>
-            </a:schemeClr>
-          </a:lnRef>
-          <a:fillRef idx="1">
-            <a:schemeClr val="accent1"/>
-          </a:fillRef>
-          <a:effectRef idx="0">
-            <a:schemeClr val="accent1"/>
-          </a:effectRef>
-          <a:fontRef idx="minor">
-            <a:schemeClr val="lt1"/>
-          </a:fontRef>
-        </p:style>
-        <p:txBody>
-          <a:bodyPr rtlCol="0" anchor="ctr"/>
-          <a:lstStyle/>
-          <a:p>
-            <a:pPr algn="ctr"/>
-            <a:endParaRPr lang="en-AU"/>
-          </a:p>
-        </p:txBody>
-      </p:sp>
-      <p:sp>
-        <p:nvSpPr>
-          <p:cNvPr id="7" name="TextBox 6"/>
-          <p:cNvSpPr txBox="1"/>
-          <p:nvPr/>
-        </p:nvSpPr>
-        <p:spPr>
-          <a:xfrm>
-            <a:off x="8999620" y="6383378"/>
-            <a:ext cx="1420582" cy="253916"/>
+            <a:off x="6155717" y="976842"/>
+            <a:ext cx="5715000" cy="5276850"/>
           </a:xfrm>
           <a:prstGeom prst="rect">
             <a:avLst/>
           </a:prstGeom>
-          <a:noFill/>
         </p:spPr>
-        <p:txBody>
-          <a:bodyPr wrap="none" rtlCol="0">
-            <a:spAutoFit/>
-          </a:bodyPr>
-          <a:lstStyle/>
-          <a:p>
-            <a:r>
-              <a:rPr lang="en-US" sz="1050" dirty="0" smtClean="0"/>
-              <a:t>(GLOBOCAN 2012)</a:t>
-            </a:r>
-            <a:endParaRPr lang="en-AU" sz="1050" dirty="0"/>
-          </a:p>
-        </p:txBody>
-      </p:sp>
+      </p:pic>
     </p:spTree>
     <p:extLst>
       <p:ext uri="{BB962C8B-B14F-4D97-AF65-F5344CB8AC3E}">
-        <p14:creationId xmlns:p14="http://schemas.microsoft.com/office/powerpoint/2010/main" val="202492270"/>
+        <p14:creationId xmlns:p14="http://schemas.microsoft.com/office/powerpoint/2010/main" val="4172996141"/>
       </p:ext>
     </p:extLst>
   </p:cSld>
@@ -9041,7 +9058,7 @@
           <a:p>
             <a:r>
               <a:rPr lang="en-US" dirty="0" smtClean="0"/>
-              <a:t>Hypoxia in Cancer</a:t>
+              <a:t>Hypotheses and Aims</a:t>
             </a:r>
             <a:endParaRPr lang="en-AU" dirty="0"/>
           </a:p>
@@ -9062,30 +9079,70 @@
           <a:bodyPr/>
           <a:lstStyle/>
           <a:p>
+            <a:pPr lvl="0"/>
             <a:r>
               <a:rPr lang="en-US" dirty="0" smtClean="0"/>
-              <a:t>What is hypoxia</a:t>
-            </a:r>
+              <a:t>Hypothesis: </a:t>
+            </a:r>
+          </a:p>
+          <a:p>
+            <a:pPr marL="449263" lvl="0" indent="176213" algn="ctr">
+              <a:buNone/>
+            </a:pPr>
+            <a:r>
+              <a:rPr lang="en-AU" dirty="0" smtClean="0"/>
+              <a:t>Hypoxic </a:t>
+            </a:r>
+            <a:r>
+              <a:rPr lang="en-AU" dirty="0"/>
+              <a:t>prostate tumour cells secrete exosomes containing pro-invasive, and metastasising proteins which can be absorbed by surrounding cells. </a:t>
+            </a:r>
+          </a:p>
+          <a:p>
+            <a:endParaRPr lang="en-US" dirty="0" smtClean="0"/>
           </a:p>
           <a:p>
             <a:r>
               <a:rPr lang="en-US" dirty="0" smtClean="0"/>
-              <a:t>What it does</a:t>
-            </a:r>
-          </a:p>
-          <a:p>
+              <a:t>Aims: </a:t>
+            </a:r>
+          </a:p>
+          <a:p>
+            <a:pPr lvl="2"/>
             <a:r>
               <a:rPr lang="en-US" dirty="0" smtClean="0"/>
-              <a:t>Issues associated with its formation</a:t>
-            </a:r>
-          </a:p>
-          <a:p>
+              <a:t>Establish the differences in exosome content between hypoxic and </a:t>
+            </a:r>
+            <a:r>
+              <a:rPr lang="en-US" dirty="0" err="1" smtClean="0"/>
+              <a:t>normoxic</a:t>
+            </a:r>
             <a:r>
               <a:rPr lang="en-US" dirty="0" smtClean="0"/>
-              <a:t>Graphs and shit</a:t>
-            </a:r>
-          </a:p>
-          <a:p>
+              <a:t> cells. </a:t>
+            </a:r>
+          </a:p>
+          <a:p>
+            <a:pPr lvl="2"/>
+            <a:r>
+              <a:rPr lang="en-US" dirty="0" smtClean="0"/>
+              <a:t>Determine the invasiveness, migration and </a:t>
+            </a:r>
+            <a:r>
+              <a:rPr lang="en-US" dirty="0" err="1" smtClean="0"/>
+              <a:t>stemness</a:t>
+            </a:r>
+            <a:r>
+              <a:rPr lang="en-US" dirty="0" smtClean="0"/>
+              <a:t> induced by hypoxic exosomes. </a:t>
+            </a:r>
+          </a:p>
+          <a:p>
+            <a:pPr lvl="2"/>
+            <a:r>
+              <a:rPr lang="en-US" dirty="0" smtClean="0"/>
+              <a:t>Elucidate the causative action induced by the hypoxic exosomes. </a:t>
+            </a:r>
             <a:endParaRPr lang="en-AU" dirty="0"/>
           </a:p>
         </p:txBody>
@@ -9093,7 +9150,7 @@
     </p:spTree>
     <p:extLst>
       <p:ext uri="{BB962C8B-B14F-4D97-AF65-F5344CB8AC3E}">
-        <p14:creationId xmlns:p14="http://schemas.microsoft.com/office/powerpoint/2010/main" val="4172996141"/>
+        <p14:creationId xmlns:p14="http://schemas.microsoft.com/office/powerpoint/2010/main" val="1207759441"/>
       </p:ext>
     </p:extLst>
   </p:cSld>
@@ -9137,16 +9194,25 @@
             <p:ph type="title"/>
           </p:nvPr>
         </p:nvSpPr>
-        <p:spPr/>
+        <p:spPr>
+          <a:xfrm>
+            <a:off x="646111" y="452718"/>
+            <a:ext cx="9700156" cy="1400530"/>
+          </a:xfrm>
+        </p:spPr>
         <p:txBody>
           <a:bodyPr/>
           <a:lstStyle/>
           <a:p>
             <a:r>
-              <a:rPr lang="en-US" dirty="0" smtClean="0"/>
-              <a:t>Hypotheses and Aims</a:t>
-            </a:r>
-            <a:endParaRPr lang="en-AU" dirty="0"/>
+              <a:rPr lang="en-US" sz="3200" dirty="0" smtClean="0"/>
+              <a:t>Is there a difference </a:t>
+            </a:r>
+            <a:r>
+              <a:rPr lang="en-US" sz="3200" dirty="0" smtClean="0"/>
+              <a:t>in exosome population?</a:t>
+            </a:r>
+            <a:endParaRPr lang="en-AU" sz="3200" dirty="0"/>
           </a:p>
         </p:txBody>
       </p:sp>
@@ -9160,91 +9226,132 @@
             <p:ph idx="1"/>
           </p:nvPr>
         </p:nvSpPr>
-        <p:spPr/>
+        <p:spPr>
+          <a:xfrm>
+            <a:off x="646111" y="4610348"/>
+            <a:ext cx="6334125" cy="1625599"/>
+          </a:xfrm>
+        </p:spPr>
         <p:txBody>
           <a:bodyPr/>
           <a:lstStyle/>
           <a:p>
-            <a:pPr lvl="0"/>
+            <a:r>
+              <a:rPr lang="en-US" dirty="0" err="1" smtClean="0"/>
+              <a:t>Nanotracker</a:t>
+            </a:r>
             <a:r>
               <a:rPr lang="en-US" dirty="0" smtClean="0"/>
-              <a:t>Hypothesis: </a:t>
-            </a:r>
-          </a:p>
-          <a:p>
-            <a:pPr marL="449263" lvl="0" indent="176213" algn="ctr">
-              <a:buNone/>
-            </a:pPr>
+              <a:t> analysis: size </a:t>
+            </a:r>
+            <a:r>
+              <a:rPr lang="en-AU" dirty="0"/>
+              <a:t>∝ motion </a:t>
+            </a:r>
             <a:r>
               <a:rPr lang="en-AU" dirty="0" smtClean="0"/>
-              <a:t>H</a:t>
-            </a:r>
-            <a:r>
-              <a:rPr lang="en-AU" dirty="0" smtClean="0"/>
-              <a:t>ypoxic </a:t>
-            </a:r>
-            <a:r>
-              <a:rPr lang="en-AU" dirty="0"/>
-              <a:t>prostate tumour cells secrete exosomes containing pro-invasive, and metastasising proteins which can be absorbed by surrounding cells. </a:t>
-            </a:r>
-          </a:p>
-          <a:p>
-            <a:endParaRPr lang="en-US" dirty="0" smtClean="0"/>
+              <a:t>∝ subpopulation</a:t>
+            </a:r>
           </a:p>
           <a:p>
             <a:r>
               <a:rPr lang="en-US" dirty="0" smtClean="0"/>
-              <a:t>Aims: </a:t>
-            </a:r>
-          </a:p>
-          <a:p>
-            <a:pPr lvl="2"/>
+              <a:t>Important to determine subpopulation due to differing </a:t>
+            </a:r>
+            <a:r>
+              <a:rPr lang="en-US" dirty="0" err="1" smtClean="0"/>
+              <a:t>biochemisty</a:t>
+            </a:r>
             <a:r>
               <a:rPr lang="en-US" dirty="0" smtClean="0"/>
-              <a:t>Establish the differences in exosome content between hypoxic and </a:t>
-            </a:r>
-            <a:r>
-              <a:rPr lang="en-US" dirty="0" err="1" smtClean="0"/>
-              <a:t>normoxic</a:t>
-            </a:r>
-            <a:r>
-              <a:rPr lang="en-US" dirty="0" smtClean="0"/>
-              <a:t> cells. </a:t>
-            </a:r>
-          </a:p>
-          <a:p>
-            <a:pPr lvl="2"/>
-            <a:r>
-              <a:rPr lang="en-US" dirty="0" smtClean="0"/>
-              <a:t>Determine the invasiveness, </a:t>
-            </a:r>
-            <a:r>
-              <a:rPr lang="en-US" dirty="0" smtClean="0"/>
-              <a:t>migration and </a:t>
-            </a:r>
-            <a:r>
-              <a:rPr lang="en-US" dirty="0" err="1" smtClean="0"/>
-              <a:t>stemness</a:t>
-            </a:r>
-            <a:r>
-              <a:rPr lang="en-US" dirty="0" smtClean="0"/>
-              <a:t> induced by hypoxic exosomes. </a:t>
-            </a:r>
-          </a:p>
-          <a:p>
-            <a:pPr lvl="2"/>
-            <a:r>
-              <a:rPr lang="en-US" dirty="0" smtClean="0"/>
-              <a:t>Elucidate the causative action induced by the hypoxic exosomes. </a:t>
+              <a:t>, biogenesis etc..</a:t>
             </a:r>
             <a:endParaRPr lang="en-AU" dirty="0"/>
+          </a:p>
+        </p:txBody>
+      </p:sp>
+      <p:pic>
+        <p:nvPicPr>
+          <p:cNvPr id="4" name="Picture 3"/>
+          <p:cNvPicPr>
+            <a:picLocks noChangeAspect="1"/>
+          </p:cNvPicPr>
+          <p:nvPr/>
+        </p:nvPicPr>
+        <p:blipFill>
+          <a:blip r:embed="rId2"/>
+          <a:stretch>
+            <a:fillRect/>
+          </a:stretch>
+        </p:blipFill>
+        <p:spPr>
+          <a:xfrm>
+            <a:off x="646111" y="1452033"/>
+            <a:ext cx="5876925" cy="2971800"/>
+          </a:xfrm>
+          <a:prstGeom prst="rect">
+            <a:avLst/>
+          </a:prstGeom>
+        </p:spPr>
+      </p:pic>
+      <p:pic>
+        <p:nvPicPr>
+          <p:cNvPr id="5" name="Picture 4"/>
+          <p:cNvPicPr>
+            <a:picLocks noChangeAspect="1"/>
+          </p:cNvPicPr>
+          <p:nvPr/>
+        </p:nvPicPr>
+        <p:blipFill>
+          <a:blip r:embed="rId3"/>
+          <a:stretch>
+            <a:fillRect/>
+          </a:stretch>
+        </p:blipFill>
+        <p:spPr>
+          <a:xfrm>
+            <a:off x="6971688" y="1452033"/>
+            <a:ext cx="2314575" cy="4152900"/>
+          </a:xfrm>
+          <a:prstGeom prst="rect">
+            <a:avLst/>
+          </a:prstGeom>
+        </p:spPr>
+      </p:pic>
+      <p:sp>
+        <p:nvSpPr>
+          <p:cNvPr id="6" name="TextBox 5"/>
+          <p:cNvSpPr txBox="1"/>
+          <p:nvPr/>
+        </p:nvSpPr>
+        <p:spPr>
+          <a:xfrm>
+            <a:off x="9567333" y="2405098"/>
+            <a:ext cx="2099733" cy="2246769"/>
+          </a:xfrm>
+          <a:prstGeom prst="rect">
+            <a:avLst/>
+          </a:prstGeom>
+          <a:noFill/>
+        </p:spPr>
+        <p:txBody>
+          <a:bodyPr wrap="square" rtlCol="0">
+            <a:spAutoFit/>
+          </a:bodyPr>
+          <a:lstStyle/>
+          <a:p>
+            <a:r>
+              <a:rPr lang="en-US" sz="2000" dirty="0" smtClean="0"/>
+              <a:t>Lysed Exosomes analyzed for typical vesicular markers via Western Blot. </a:t>
+            </a:r>
+            <a:endParaRPr lang="en-AU" sz="2000" dirty="0"/>
           </a:p>
         </p:txBody>
       </p:sp>
     </p:spTree>
     <p:extLst>
       <p:ext uri="{BB962C8B-B14F-4D97-AF65-F5344CB8AC3E}">
-        <p14:creationId xmlns:p14="http://schemas.microsoft.com/office/powerpoint/2010/main" val="1207759441"/>
+        <p14:creationId xmlns:p14="http://schemas.microsoft.com/office/powerpoint/2010/main" val="3770642438"/>
       </p:ext>
     </p:extLst>
   </p:cSld>
@@ -9288,16 +9395,25 @@
             <p:ph type="title"/>
           </p:nvPr>
         </p:nvSpPr>
-        <p:spPr/>
+        <p:spPr>
+          <a:xfrm>
+            <a:off x="646111" y="452718"/>
+            <a:ext cx="9903356" cy="1400530"/>
+          </a:xfrm>
+        </p:spPr>
         <p:txBody>
           <a:bodyPr/>
           <a:lstStyle/>
           <a:p>
             <a:r>
-              <a:rPr lang="en-US" dirty="0" smtClean="0"/>
-              <a:t>Is there a difference between exosomes?</a:t>
-            </a:r>
-            <a:endParaRPr lang="en-AU" dirty="0"/>
+              <a:rPr lang="en-US" sz="3600" dirty="0" smtClean="0"/>
+              <a:t>Does the hypoxia derived exosome induce </a:t>
+            </a:r>
+            <a:r>
+              <a:rPr lang="en-US" sz="3600" dirty="0" smtClean="0"/>
+              <a:t>invasiveness and migration?</a:t>
+            </a:r>
+            <a:endParaRPr lang="en-AU" sz="3600" dirty="0"/>
           </a:p>
         </p:txBody>
       </p:sp>
@@ -9311,19 +9427,76 @@
             <p:ph idx="1"/>
           </p:nvPr>
         </p:nvSpPr>
-        <p:spPr/>
+        <p:spPr>
+          <a:xfrm>
+            <a:off x="3880378" y="1850371"/>
+            <a:ext cx="7261755" cy="4320838"/>
+          </a:xfrm>
+        </p:spPr>
         <p:txBody>
           <a:bodyPr/>
           <a:lstStyle/>
           <a:p>
-            <a:endParaRPr lang="en-AU"/>
-          </a:p>
-        </p:txBody>
-      </p:sp>
+            <a:r>
+              <a:rPr lang="en-US" dirty="0" smtClean="0"/>
+              <a:t>Invasion Assay: </a:t>
+            </a:r>
+            <a:endParaRPr lang="en-AU" dirty="0"/>
+          </a:p>
+        </p:txBody>
+      </p:sp>
+      <p:pic>
+        <p:nvPicPr>
+          <p:cNvPr id="4" name="Picture 3"/>
+          <p:cNvPicPr>
+            <a:picLocks noChangeAspect="1"/>
+          </p:cNvPicPr>
+          <p:nvPr/>
+        </p:nvPicPr>
+        <p:blipFill>
+          <a:blip r:embed="rId2"/>
+          <a:stretch>
+            <a:fillRect/>
+          </a:stretch>
+        </p:blipFill>
+        <p:spPr>
+          <a:xfrm>
+            <a:off x="646111" y="1850370"/>
+            <a:ext cx="3028950" cy="4600575"/>
+          </a:xfrm>
+          <a:prstGeom prst="rect">
+            <a:avLst/>
+          </a:prstGeom>
+        </p:spPr>
+      </p:pic>
+      <p:pic>
+        <p:nvPicPr>
+          <p:cNvPr id="5" name="Picture 4"/>
+          <p:cNvPicPr>
+            <a:picLocks noChangeAspect="1"/>
+          </p:cNvPicPr>
+          <p:nvPr/>
+        </p:nvPicPr>
+        <p:blipFill>
+          <a:blip r:embed="rId3"/>
+          <a:stretch>
+            <a:fillRect/>
+          </a:stretch>
+        </p:blipFill>
+        <p:spPr>
+          <a:xfrm>
+            <a:off x="3675061" y="4076344"/>
+            <a:ext cx="4038600" cy="2371725"/>
+          </a:xfrm>
+          <a:prstGeom prst="rect">
+            <a:avLst/>
+          </a:prstGeom>
+        </p:spPr>
+      </p:pic>
     </p:spTree>
     <p:extLst>
       <p:ext uri="{BB962C8B-B14F-4D97-AF65-F5344CB8AC3E}">
-        <p14:creationId xmlns:p14="http://schemas.microsoft.com/office/powerpoint/2010/main" val="3770642438"/>
+        <p14:creationId xmlns:p14="http://schemas.microsoft.com/office/powerpoint/2010/main" val="802728832"/>
       </p:ext>
     </p:extLst>
   </p:cSld>
@@ -9373,8 +9546,16 @@
           <a:lstStyle/>
           <a:p>
             <a:r>
+              <a:rPr lang="en-US" dirty="0"/>
+              <a:t>Does the hypoxia derived exosome induce </a:t>
+            </a:r>
+            <a:r>
+              <a:rPr lang="en-US" dirty="0" err="1" smtClean="0"/>
+              <a:t>stemness</a:t>
+            </a:r>
+            <a:r>
               <a:rPr lang="en-US" dirty="0" smtClean="0"/>
-              <a:t>Does the hypoxia derived exosome induce invasiveness?</a:t>
+              <a:t>?</a:t>
             </a:r>
             <a:endParaRPr lang="en-AU" dirty="0"/>
           </a:p>
@@ -9402,7 +9583,7 @@
     </p:spTree>
     <p:extLst>
       <p:ext uri="{BB962C8B-B14F-4D97-AF65-F5344CB8AC3E}">
-        <p14:creationId xmlns:p14="http://schemas.microsoft.com/office/powerpoint/2010/main" val="802728832"/>
+        <p14:creationId xmlns:p14="http://schemas.microsoft.com/office/powerpoint/2010/main" val="3593854408"/>
       </p:ext>
     </p:extLst>
   </p:cSld>
@@ -9452,12 +9633,8 @@
           <a:lstStyle/>
           <a:p>
             <a:r>
-              <a:rPr lang="en-US" dirty="0"/>
-              <a:t>Does the hypoxia derived exosome induce </a:t>
-            </a:r>
-            <a:r>
               <a:rPr lang="en-US" dirty="0" smtClean="0"/>
-              <a:t>Migration?</a:t>
+              <a:t>Is there distinct proteomic content?</a:t>
             </a:r>
             <a:endParaRPr lang="en-AU" dirty="0"/>
           </a:p>
@@ -9485,7 +9662,7 @@
     </p:spTree>
     <p:extLst>
       <p:ext uri="{BB962C8B-B14F-4D97-AF65-F5344CB8AC3E}">
-        <p14:creationId xmlns:p14="http://schemas.microsoft.com/office/powerpoint/2010/main" val="2055098817"/>
+        <p14:creationId xmlns:p14="http://schemas.microsoft.com/office/powerpoint/2010/main" val="2133411175"/>
       </p:ext>
     </p:extLst>
   </p:cSld>

--- a/BackgroundInfo/JCslides.pptx
+++ b/BackgroundInfo/JCslides.pptx
@@ -5,7 +5,7 @@
     <p:sldMasterId id="2147483689" r:id="rId1"/>
   </p:sldMasterIdLst>
   <p:notesMasterIdLst>
-    <p:notesMasterId r:id="rId15"/>
+    <p:notesMasterId r:id="rId16"/>
   </p:notesMasterIdLst>
   <p:sldIdLst>
     <p:sldId id="256" r:id="rId2"/>
@@ -15,12 +15,13 @@
     <p:sldId id="261" r:id="rId6"/>
     <p:sldId id="262" r:id="rId7"/>
     <p:sldId id="263" r:id="rId8"/>
-    <p:sldId id="267" r:id="rId9"/>
-    <p:sldId id="265" r:id="rId10"/>
-    <p:sldId id="266" r:id="rId11"/>
-    <p:sldId id="269" r:id="rId12"/>
-    <p:sldId id="268" r:id="rId13"/>
-    <p:sldId id="260" r:id="rId14"/>
+    <p:sldId id="270" r:id="rId9"/>
+    <p:sldId id="267" r:id="rId10"/>
+    <p:sldId id="265" r:id="rId11"/>
+    <p:sldId id="266" r:id="rId12"/>
+    <p:sldId id="269" r:id="rId13"/>
+    <p:sldId id="268" r:id="rId14"/>
+    <p:sldId id="260" r:id="rId15"/>
   </p:sldIdLst>
   <p:sldSz cx="12192000" cy="6858000"/>
   <p:notesSz cx="6858000" cy="9144000"/>
@@ -636,11 +637,11 @@
           <c:showBubbleSize val="0"/>
         </c:dLbls>
         <c:gapWidth val="182"/>
-        <c:axId val="143722608"/>
-        <c:axId val="143723168"/>
+        <c:axId val="280967056"/>
+        <c:axId val="280967840"/>
       </c:barChart>
       <c:catAx>
-        <c:axId val="143722608"/>
+        <c:axId val="280967056"/>
         <c:scaling>
           <c:orientation val="minMax"/>
         </c:scaling>
@@ -683,7 +684,7 @@
             <a:endParaRPr lang="en-US"/>
           </a:p>
         </c:txPr>
-        <c:crossAx val="143723168"/>
+        <c:crossAx val="280967840"/>
         <c:crosses val="autoZero"/>
         <c:auto val="1"/>
         <c:lblAlgn val="ctr"/>
@@ -691,7 +692,7 @@
         <c:noMultiLvlLbl val="0"/>
       </c:catAx>
       <c:valAx>
-        <c:axId val="143723168"/>
+        <c:axId val="280967840"/>
         <c:scaling>
           <c:orientation val="minMax"/>
         </c:scaling>
@@ -742,7 +743,7 @@
             <a:endParaRPr lang="en-US"/>
           </a:p>
         </c:txPr>
-        <c:crossAx val="143722608"/>
+        <c:crossAx val="280967056"/>
         <c:crosses val="autoZero"/>
         <c:crossBetween val="between"/>
       </c:valAx>
@@ -756,7 +757,6 @@
     </c:plotArea>
     <c:legend>
       <c:legendPos val="b"/>
-      <c:layout/>
       <c:overlay val="0"/>
       <c:spPr>
         <a:noFill/>
@@ -1895,6 +1895,310 @@
 </p:notes>
 </file>
 
+<file path=ppt/notesSlides/notesSlide3.xml><?xml version="1.0" encoding="utf-8"?>
+<p:notes xmlns:a="http://schemas.openxmlformats.org/drawingml/2006/main" xmlns:r="http://schemas.openxmlformats.org/officeDocument/2006/relationships" xmlns:p="http://schemas.openxmlformats.org/presentationml/2006/main">
+  <p:cSld>
+    <p:spTree>
+      <p:nvGrpSpPr>
+        <p:cNvPr id="1" name=""/>
+        <p:cNvGrpSpPr/>
+        <p:nvPr/>
+      </p:nvGrpSpPr>
+      <p:grpSpPr>
+        <a:xfrm>
+          <a:off x="0" y="0"/>
+          <a:ext cx="0" cy="0"/>
+          <a:chOff x="0" y="0"/>
+          <a:chExt cx="0" cy="0"/>
+        </a:xfrm>
+      </p:grpSpPr>
+      <p:sp>
+        <p:nvSpPr>
+          <p:cNvPr id="2" name="Slide Image Placeholder 1"/>
+          <p:cNvSpPr>
+            <a:spLocks noGrp="1" noRot="1" noChangeAspect="1"/>
+          </p:cNvSpPr>
+          <p:nvPr>
+            <p:ph type="sldImg"/>
+          </p:nvPr>
+        </p:nvSpPr>
+        <p:spPr/>
+      </p:sp>
+      <p:sp>
+        <p:nvSpPr>
+          <p:cNvPr id="3" name="Notes Placeholder 2"/>
+          <p:cNvSpPr>
+            <a:spLocks noGrp="1"/>
+          </p:cNvSpPr>
+          <p:nvPr>
+            <p:ph type="body" idx="1"/>
+          </p:nvPr>
+        </p:nvSpPr>
+        <p:spPr/>
+        <p:txBody>
+          <a:bodyPr/>
+          <a:lstStyle/>
+          <a:p>
+            <a:r>
+              <a:rPr lang="en-AU" dirty="0" err="1" smtClean="0"/>
+              <a:t>Lncap</a:t>
+            </a:r>
+            <a:r>
+              <a:rPr lang="en-AU" dirty="0" smtClean="0"/>
+              <a:t> </a:t>
+            </a:r>
+            <a:r>
+              <a:rPr lang="en-AU" dirty="0" err="1" smtClean="0"/>
+              <a:t>exosomes</a:t>
+            </a:r>
+            <a:endParaRPr lang="en-AU" dirty="0"/>
+          </a:p>
+        </p:txBody>
+      </p:sp>
+      <p:sp>
+        <p:nvSpPr>
+          <p:cNvPr id="4" name="Slide Number Placeholder 3"/>
+          <p:cNvSpPr>
+            <a:spLocks noGrp="1"/>
+          </p:cNvSpPr>
+          <p:nvPr>
+            <p:ph type="sldNum" sz="quarter" idx="10"/>
+          </p:nvPr>
+        </p:nvSpPr>
+        <p:spPr/>
+        <p:txBody>
+          <a:bodyPr/>
+          <a:lstStyle/>
+          <a:p>
+            <a:fld id="{504F0287-5C00-4321-9B5B-B42CA9EA4453}" type="slidenum">
+              <a:rPr lang="en-AU" smtClean="0"/>
+              <a:t>6</a:t>
+            </a:fld>
+            <a:endParaRPr lang="en-AU"/>
+          </a:p>
+        </p:txBody>
+      </p:sp>
+    </p:spTree>
+    <p:extLst>
+      <p:ext uri="{BB962C8B-B14F-4D97-AF65-F5344CB8AC3E}">
+        <p14:creationId xmlns:p14="http://schemas.microsoft.com/office/powerpoint/2010/main" val="4143505123"/>
+      </p:ext>
+    </p:extLst>
+  </p:cSld>
+  <p:clrMapOvr>
+    <a:masterClrMapping/>
+  </p:clrMapOvr>
+</p:notes>
+</file>
+
+<file path=ppt/notesSlides/notesSlide4.xml><?xml version="1.0" encoding="utf-8"?>
+<p:notes xmlns:a="http://schemas.openxmlformats.org/drawingml/2006/main" xmlns:r="http://schemas.openxmlformats.org/officeDocument/2006/relationships" xmlns:p="http://schemas.openxmlformats.org/presentationml/2006/main">
+  <p:cSld>
+    <p:spTree>
+      <p:nvGrpSpPr>
+        <p:cNvPr id="1" name=""/>
+        <p:cNvGrpSpPr/>
+        <p:nvPr/>
+      </p:nvGrpSpPr>
+      <p:grpSpPr>
+        <a:xfrm>
+          <a:off x="0" y="0"/>
+          <a:ext cx="0" cy="0"/>
+          <a:chOff x="0" y="0"/>
+          <a:chExt cx="0" cy="0"/>
+        </a:xfrm>
+      </p:grpSpPr>
+      <p:sp>
+        <p:nvSpPr>
+          <p:cNvPr id="2" name="Slide Image Placeholder 1"/>
+          <p:cNvSpPr>
+            <a:spLocks noGrp="1" noRot="1" noChangeAspect="1"/>
+          </p:cNvSpPr>
+          <p:nvPr>
+            <p:ph type="sldImg"/>
+          </p:nvPr>
+        </p:nvSpPr>
+        <p:spPr/>
+      </p:sp>
+      <p:sp>
+        <p:nvSpPr>
+          <p:cNvPr id="3" name="Notes Placeholder 2"/>
+          <p:cNvSpPr>
+            <a:spLocks noGrp="1"/>
+          </p:cNvSpPr>
+          <p:nvPr>
+            <p:ph type="body" idx="1"/>
+          </p:nvPr>
+        </p:nvSpPr>
+        <p:spPr/>
+        <p:txBody>
+          <a:bodyPr/>
+          <a:lstStyle/>
+          <a:p>
+            <a:r>
+              <a:rPr lang="en-AU" dirty="0" err="1" smtClean="0"/>
+              <a:t>LNCaP</a:t>
+            </a:r>
+            <a:r>
+              <a:rPr lang="en-AU" baseline="0" dirty="0" smtClean="0"/>
+              <a:t> </a:t>
+            </a:r>
+            <a:r>
+              <a:rPr lang="en-AU" baseline="0" dirty="0" err="1" smtClean="0"/>
+              <a:t>exo</a:t>
+            </a:r>
+            <a:r>
+              <a:rPr lang="en-AU" baseline="0" dirty="0" smtClean="0"/>
+              <a:t> applied to </a:t>
+            </a:r>
+            <a:r>
+              <a:rPr lang="en-AU" baseline="0" dirty="0" err="1" smtClean="0"/>
+              <a:t>LNCap</a:t>
+            </a:r>
+            <a:r>
+              <a:rPr lang="en-AU" baseline="0" dirty="0" smtClean="0"/>
+              <a:t> cells. </a:t>
+            </a:r>
+            <a:endParaRPr lang="en-AU" dirty="0"/>
+          </a:p>
+        </p:txBody>
+      </p:sp>
+      <p:sp>
+        <p:nvSpPr>
+          <p:cNvPr id="4" name="Slide Number Placeholder 3"/>
+          <p:cNvSpPr>
+            <a:spLocks noGrp="1"/>
+          </p:cNvSpPr>
+          <p:nvPr>
+            <p:ph type="sldNum" sz="quarter" idx="10"/>
+          </p:nvPr>
+        </p:nvSpPr>
+        <p:spPr/>
+        <p:txBody>
+          <a:bodyPr/>
+          <a:lstStyle/>
+          <a:p>
+            <a:fld id="{504F0287-5C00-4321-9B5B-B42CA9EA4453}" type="slidenum">
+              <a:rPr lang="en-AU" smtClean="0"/>
+              <a:t>7</a:t>
+            </a:fld>
+            <a:endParaRPr lang="en-AU"/>
+          </a:p>
+        </p:txBody>
+      </p:sp>
+    </p:spTree>
+    <p:extLst>
+      <p:ext uri="{BB962C8B-B14F-4D97-AF65-F5344CB8AC3E}">
+        <p14:creationId xmlns:p14="http://schemas.microsoft.com/office/powerpoint/2010/main" val="1857350144"/>
+      </p:ext>
+    </p:extLst>
+  </p:cSld>
+  <p:clrMapOvr>
+    <a:masterClrMapping/>
+  </p:clrMapOvr>
+</p:notes>
+</file>
+
+<file path=ppt/notesSlides/notesSlide5.xml><?xml version="1.0" encoding="utf-8"?>
+<p:notes xmlns:a="http://schemas.openxmlformats.org/drawingml/2006/main" xmlns:r="http://schemas.openxmlformats.org/officeDocument/2006/relationships" xmlns:p="http://schemas.openxmlformats.org/presentationml/2006/main">
+  <p:cSld>
+    <p:spTree>
+      <p:nvGrpSpPr>
+        <p:cNvPr id="1" name=""/>
+        <p:cNvGrpSpPr/>
+        <p:nvPr/>
+      </p:nvGrpSpPr>
+      <p:grpSpPr>
+        <a:xfrm>
+          <a:off x="0" y="0"/>
+          <a:ext cx="0" cy="0"/>
+          <a:chOff x="0" y="0"/>
+          <a:chExt cx="0" cy="0"/>
+        </a:xfrm>
+      </p:grpSpPr>
+      <p:sp>
+        <p:nvSpPr>
+          <p:cNvPr id="2" name="Slide Image Placeholder 1"/>
+          <p:cNvSpPr>
+            <a:spLocks noGrp="1" noRot="1" noChangeAspect="1"/>
+          </p:cNvSpPr>
+          <p:nvPr>
+            <p:ph type="sldImg"/>
+          </p:nvPr>
+        </p:nvSpPr>
+        <p:spPr/>
+      </p:sp>
+      <p:sp>
+        <p:nvSpPr>
+          <p:cNvPr id="3" name="Notes Placeholder 2"/>
+          <p:cNvSpPr>
+            <a:spLocks noGrp="1"/>
+          </p:cNvSpPr>
+          <p:nvPr>
+            <p:ph type="body" idx="1"/>
+          </p:nvPr>
+        </p:nvSpPr>
+        <p:spPr/>
+        <p:txBody>
+          <a:bodyPr/>
+          <a:lstStyle/>
+          <a:p>
+            <a:r>
+              <a:rPr lang="en-AU" dirty="0" err="1" smtClean="0"/>
+              <a:t>LNCaP</a:t>
+            </a:r>
+            <a:r>
+              <a:rPr lang="en-AU" baseline="0" dirty="0" smtClean="0"/>
+              <a:t> </a:t>
+            </a:r>
+            <a:r>
+              <a:rPr lang="en-AU" baseline="0" dirty="0" err="1" smtClean="0"/>
+              <a:t>exo</a:t>
+            </a:r>
+            <a:r>
+              <a:rPr lang="en-AU" baseline="0" dirty="0" smtClean="0"/>
+              <a:t> applied to PC3 cells. Never specified control. How was the wound measured accurately?</a:t>
+            </a:r>
+            <a:endParaRPr lang="en-AU" dirty="0"/>
+          </a:p>
+        </p:txBody>
+      </p:sp>
+      <p:sp>
+        <p:nvSpPr>
+          <p:cNvPr id="4" name="Slide Number Placeholder 3"/>
+          <p:cNvSpPr>
+            <a:spLocks noGrp="1"/>
+          </p:cNvSpPr>
+          <p:nvPr>
+            <p:ph type="sldNum" sz="quarter" idx="10"/>
+          </p:nvPr>
+        </p:nvSpPr>
+        <p:spPr/>
+        <p:txBody>
+          <a:bodyPr/>
+          <a:lstStyle/>
+          <a:p>
+            <a:fld id="{504F0287-5C00-4321-9B5B-B42CA9EA4453}" type="slidenum">
+              <a:rPr lang="en-AU" smtClean="0"/>
+              <a:t>8</a:t>
+            </a:fld>
+            <a:endParaRPr lang="en-AU"/>
+          </a:p>
+        </p:txBody>
+      </p:sp>
+    </p:spTree>
+    <p:extLst>
+      <p:ext uri="{BB962C8B-B14F-4D97-AF65-F5344CB8AC3E}">
+        <p14:creationId xmlns:p14="http://schemas.microsoft.com/office/powerpoint/2010/main" val="2372474038"/>
+      </p:ext>
+    </p:extLst>
+  </p:cSld>
+  <p:clrMapOvr>
+    <a:masterClrMapping/>
+  </p:clrMapOvr>
+</p:notes>
+</file>
+
 <file path=ppt/slideLayouts/slideLayout1.xml><?xml version="1.0" encoding="utf-8"?>
 <p:sldLayout xmlns:a="http://schemas.openxmlformats.org/drawingml/2006/main" xmlns:r="http://schemas.openxmlformats.org/officeDocument/2006/relationships" xmlns:p="http://schemas.openxmlformats.org/presentationml/2006/main" type="title" preserve="1">
   <p:cSld name="Title Slide">
@@ -8010,14 +8314,19 @@
             <p:ph type="title"/>
           </p:nvPr>
         </p:nvSpPr>
-        <p:spPr/>
+        <p:spPr>
+          <a:xfrm>
+            <a:off x="3367087" y="293612"/>
+            <a:ext cx="6963147" cy="1400530"/>
+          </a:xfrm>
+        </p:spPr>
         <p:txBody>
           <a:bodyPr/>
           <a:lstStyle/>
           <a:p>
             <a:r>
               <a:rPr lang="en-US" dirty="0" smtClean="0"/>
-              <a:t>Does this protein content mediate any particular pathways?</a:t>
+              <a:t>Is there distinct proteomic content?</a:t>
             </a:r>
             <a:endParaRPr lang="en-AU" dirty="0"/>
           </a:p>
@@ -8033,19 +8342,47 @@
             <p:ph idx="1"/>
           </p:nvPr>
         </p:nvSpPr>
-        <p:spPr/>
+        <p:spPr>
+          <a:xfrm>
+            <a:off x="3632200" y="2052918"/>
+            <a:ext cx="6417653" cy="4195481"/>
+          </a:xfrm>
+        </p:spPr>
         <p:txBody>
           <a:bodyPr/>
           <a:lstStyle/>
           <a:p>
-            <a:endParaRPr lang="en-AU"/>
-          </a:p>
-        </p:txBody>
-      </p:sp>
+            <a:endParaRPr lang="en-AU" dirty="0"/>
+          </a:p>
+        </p:txBody>
+      </p:sp>
+      <p:pic>
+        <p:nvPicPr>
+          <p:cNvPr id="4" name="Picture 3"/>
+          <p:cNvPicPr>
+            <a:picLocks noChangeAspect="1"/>
+          </p:cNvPicPr>
+          <p:nvPr/>
+        </p:nvPicPr>
+        <p:blipFill rotWithShape="1">
+          <a:blip r:embed="rId2"/>
+          <a:srcRect t="2939"/>
+          <a:stretch/>
+        </p:blipFill>
+        <p:spPr>
+          <a:xfrm>
+            <a:off x="315912" y="457200"/>
+            <a:ext cx="2771775" cy="6018493"/>
+          </a:xfrm>
+          <a:prstGeom prst="rect">
+            <a:avLst/>
+          </a:prstGeom>
+        </p:spPr>
+      </p:pic>
     </p:spTree>
     <p:extLst>
       <p:ext uri="{BB962C8B-B14F-4D97-AF65-F5344CB8AC3E}">
-        <p14:creationId xmlns:p14="http://schemas.microsoft.com/office/powerpoint/2010/main" val="3153417084"/>
+        <p14:creationId xmlns:p14="http://schemas.microsoft.com/office/powerpoint/2010/main" val="2133411175"/>
       </p:ext>
     </p:extLst>
   </p:cSld>
@@ -8095,10 +8432,10 @@
           <a:lstStyle/>
           <a:p>
             <a:r>
-              <a:rPr lang="en-US" dirty="0" smtClean="0"/>
-              <a:t>Limitation and strengths, future directions. </a:t>
-            </a:r>
-            <a:endParaRPr lang="en-AU" dirty="0"/>
+              <a:rPr lang="en-US" sz="3600" dirty="0" smtClean="0"/>
+              <a:t>Does this protein content mediate any particular pathways?</a:t>
+            </a:r>
+            <a:endParaRPr lang="en-AU" sz="3600" dirty="0"/>
           </a:p>
         </p:txBody>
       </p:sp>
@@ -8112,19 +8449,111 @@
             <p:ph idx="1"/>
           </p:nvPr>
         </p:nvSpPr>
-        <p:spPr/>
+        <p:spPr>
+          <a:xfrm>
+            <a:off x="3733800" y="2052918"/>
+            <a:ext cx="6316053" cy="4195481"/>
+          </a:xfrm>
+        </p:spPr>
         <p:txBody>
           <a:bodyPr/>
           <a:lstStyle/>
           <a:p>
-            <a:endParaRPr lang="en-AU"/>
-          </a:p>
-        </p:txBody>
-      </p:sp>
+            <a:r>
+              <a:rPr lang="en-AU" dirty="0" smtClean="0"/>
+              <a:t>Pathways: </a:t>
+            </a:r>
+          </a:p>
+          <a:p>
+            <a:pPr lvl="1"/>
+            <a:r>
+              <a:rPr lang="en-AU" dirty="0" smtClean="0"/>
+              <a:t>Cell adherence and cytoskeletal </a:t>
+            </a:r>
+          </a:p>
+          <a:p>
+            <a:pPr lvl="2"/>
+            <a:r>
+              <a:rPr lang="en-AU" dirty="0" err="1"/>
+              <a:t>Remodeling</a:t>
+            </a:r>
+            <a:r>
+              <a:rPr lang="en-AU" dirty="0"/>
+              <a:t> of Epithelial </a:t>
+            </a:r>
+            <a:r>
+              <a:rPr lang="en-AU" dirty="0" err="1"/>
+              <a:t>adherens</a:t>
+            </a:r>
+            <a:r>
+              <a:rPr lang="en-AU" dirty="0"/>
+              <a:t> junctions</a:t>
+            </a:r>
+          </a:p>
+          <a:p>
+            <a:pPr lvl="1"/>
+            <a:r>
+              <a:rPr lang="en-AU" dirty="0" smtClean="0"/>
+              <a:t>Signalling:</a:t>
+            </a:r>
+          </a:p>
+          <a:p>
+            <a:pPr lvl="2"/>
+            <a:r>
+              <a:rPr lang="en-AU" dirty="0" err="1" smtClean="0"/>
+              <a:t>Endocytic</a:t>
+            </a:r>
+            <a:r>
+              <a:rPr lang="en-AU" dirty="0" smtClean="0"/>
+              <a:t> </a:t>
+            </a:r>
+          </a:p>
+          <a:p>
+            <a:pPr marL="914400" lvl="2" indent="0">
+              <a:buNone/>
+            </a:pPr>
+            <a:endParaRPr lang="en-AU" dirty="0"/>
+          </a:p>
+          <a:p>
+            <a:pPr marL="914400" lvl="2" indent="0">
+              <a:buNone/>
+            </a:pPr>
+            <a:endParaRPr lang="en-AU" dirty="0" smtClean="0"/>
+          </a:p>
+          <a:p>
+            <a:pPr lvl="1"/>
+            <a:endParaRPr lang="en-AU" dirty="0" smtClean="0"/>
+          </a:p>
+        </p:txBody>
+      </p:sp>
+      <p:pic>
+        <p:nvPicPr>
+          <p:cNvPr id="4" name="Picture 3"/>
+          <p:cNvPicPr>
+            <a:picLocks noChangeAspect="1"/>
+          </p:cNvPicPr>
+          <p:nvPr/>
+        </p:nvPicPr>
+        <p:blipFill>
+          <a:blip r:embed="rId2"/>
+          <a:stretch>
+            <a:fillRect/>
+          </a:stretch>
+        </p:blipFill>
+        <p:spPr>
+          <a:xfrm>
+            <a:off x="646111" y="2052918"/>
+            <a:ext cx="2833689" cy="1819673"/>
+          </a:xfrm>
+          <a:prstGeom prst="rect">
+            <a:avLst/>
+          </a:prstGeom>
+        </p:spPr>
+      </p:pic>
     </p:spTree>
     <p:extLst>
       <p:ext uri="{BB962C8B-B14F-4D97-AF65-F5344CB8AC3E}">
-        <p14:creationId xmlns:p14="http://schemas.microsoft.com/office/powerpoint/2010/main" val="500202845"/>
+        <p14:creationId xmlns:p14="http://schemas.microsoft.com/office/powerpoint/2010/main" val="3153417084"/>
       </p:ext>
     </p:extLst>
   </p:cSld>
@@ -8174,10 +8603,10 @@
           <a:lstStyle/>
           <a:p>
             <a:r>
-              <a:rPr lang="en-US" dirty="0" smtClean="0"/>
-              <a:t>Conclusion and Proposed Mechanism</a:t>
-            </a:r>
-            <a:endParaRPr lang="en-AU" dirty="0"/>
+              <a:rPr lang="en-US" sz="3600" dirty="0" smtClean="0"/>
+              <a:t>Limitation and strengths, future directions. </a:t>
+            </a:r>
+            <a:endParaRPr lang="en-AU" sz="3600" dirty="0"/>
           </a:p>
         </p:txBody>
       </p:sp>
@@ -8191,19 +8620,139 @@
             <p:ph idx="1"/>
           </p:nvPr>
         </p:nvSpPr>
-        <p:spPr/>
+        <p:spPr>
+          <a:xfrm>
+            <a:off x="1103312" y="2052918"/>
+            <a:ext cx="4611687" cy="4195481"/>
+          </a:xfrm>
+        </p:spPr>
         <p:txBody>
           <a:bodyPr/>
           <a:lstStyle/>
           <a:p>
-            <a:endParaRPr lang="en-AU"/>
+            <a:r>
+              <a:rPr lang="en-AU" dirty="0" smtClean="0"/>
+              <a:t>Supported the hypothesis. </a:t>
+            </a:r>
+          </a:p>
+          <a:p>
+            <a:r>
+              <a:rPr lang="en-AU" dirty="0" smtClean="0"/>
+              <a:t>Use of several cell lines. </a:t>
+            </a:r>
+          </a:p>
+          <a:p>
+            <a:r>
+              <a:rPr lang="en-AU" dirty="0" smtClean="0"/>
+              <a:t>Great starting point</a:t>
+            </a:r>
+          </a:p>
+          <a:p>
+            <a:endParaRPr lang="en-AU" dirty="0"/>
+          </a:p>
+          <a:p>
+            <a:r>
+              <a:rPr lang="en-AU" dirty="0" smtClean="0"/>
+              <a:t>Some clarity is lacking</a:t>
+            </a:r>
+          </a:p>
+          <a:p>
+            <a:r>
+              <a:rPr lang="en-AU" dirty="0" smtClean="0"/>
+              <a:t>Premature conclusions</a:t>
+            </a:r>
+          </a:p>
+          <a:p>
+            <a:r>
+              <a:rPr lang="en-AU" dirty="0" smtClean="0"/>
+              <a:t>Some results were not discussed. </a:t>
+            </a:r>
+            <a:endParaRPr lang="en-AU" dirty="0"/>
+          </a:p>
+        </p:txBody>
+      </p:sp>
+      <p:sp>
+        <p:nvSpPr>
+          <p:cNvPr id="4" name="TextBox 3"/>
+          <p:cNvSpPr txBox="1"/>
+          <p:nvPr/>
+        </p:nvSpPr>
+        <p:spPr>
+          <a:xfrm>
+            <a:off x="6743700" y="2281873"/>
+            <a:ext cx="4543425" cy="2523768"/>
+          </a:xfrm>
+          <a:prstGeom prst="rect">
+            <a:avLst/>
+          </a:prstGeom>
+          <a:noFill/>
+        </p:spPr>
+        <p:txBody>
+          <a:bodyPr wrap="square" rtlCol="0">
+            <a:spAutoFit/>
+          </a:bodyPr>
+          <a:lstStyle/>
+          <a:p>
+            <a:pPr marL="342900" indent="-342900">
+              <a:buFont typeface="Arial" panose="020B0604020202020204" pitchFamily="34" charset="0"/>
+              <a:buChar char="•"/>
+            </a:pPr>
+            <a:r>
+              <a:rPr lang="en-AU" sz="2000" dirty="0" smtClean="0"/>
+              <a:t>Assessing the biogenesis increase under hypoxia</a:t>
+            </a:r>
+          </a:p>
+          <a:p>
+            <a:pPr marL="285750" indent="-285750">
+              <a:buFont typeface="Arial" panose="020B0604020202020204" pitchFamily="34" charset="0"/>
+              <a:buChar char="•"/>
+            </a:pPr>
+            <a:endParaRPr lang="en-AU" sz="2000" dirty="0"/>
+          </a:p>
+          <a:p>
+            <a:pPr marL="285750" indent="-285750">
+              <a:buFont typeface="Arial" panose="020B0604020202020204" pitchFamily="34" charset="0"/>
+              <a:buChar char="•"/>
+            </a:pPr>
+            <a:r>
+              <a:rPr lang="en-AU" sz="2000" dirty="0" smtClean="0"/>
+              <a:t>Further assess the proposed mechanism</a:t>
+            </a:r>
+          </a:p>
+          <a:p>
+            <a:pPr marL="285750" indent="-285750">
+              <a:buFont typeface="Arial" panose="020B0604020202020204" pitchFamily="34" charset="0"/>
+              <a:buChar char="•"/>
+            </a:pPr>
+            <a:endParaRPr lang="en-AU" sz="2000" dirty="0" smtClean="0"/>
+          </a:p>
+          <a:p>
+            <a:pPr marL="285750" indent="-285750">
+              <a:buFont typeface="Arial" panose="020B0604020202020204" pitchFamily="34" charset="0"/>
+              <a:buChar char="•"/>
+            </a:pPr>
+            <a:r>
+              <a:rPr lang="en-AU" sz="2000" dirty="0" smtClean="0"/>
+              <a:t>Explore other avenues; </a:t>
+            </a:r>
+            <a:r>
+              <a:rPr lang="en-AU" sz="2000" dirty="0" err="1" smtClean="0"/>
+              <a:t>eg</a:t>
+            </a:r>
+            <a:r>
+              <a:rPr lang="en-AU" sz="2000" dirty="0" smtClean="0"/>
+              <a:t> RNA. </a:t>
+            </a:r>
+          </a:p>
+          <a:p>
+            <a:endParaRPr lang="en-AU" dirty="0"/>
           </a:p>
         </p:txBody>
       </p:sp>
     </p:spTree>
     <p:extLst>
       <p:ext uri="{BB962C8B-B14F-4D97-AF65-F5344CB8AC3E}">
-        <p14:creationId xmlns:p14="http://schemas.microsoft.com/office/powerpoint/2010/main" val="945079815"/>
+        <p14:creationId xmlns:p14="http://schemas.microsoft.com/office/powerpoint/2010/main" val="500202845"/>
       </p:ext>
     </p:extLst>
   </p:cSld>
@@ -8253,6 +8802,116 @@
           <a:lstStyle/>
           <a:p>
             <a:r>
+              <a:rPr lang="en-US" sz="3600" dirty="0" smtClean="0"/>
+              <a:t>Conclusion and Proposed Mechanism</a:t>
+            </a:r>
+            <a:endParaRPr lang="en-AU" sz="3600" dirty="0"/>
+          </a:p>
+        </p:txBody>
+      </p:sp>
+      <p:pic>
+        <p:nvPicPr>
+          <p:cNvPr id="4" name="Content Placeholder 3"/>
+          <p:cNvPicPr>
+            <a:picLocks noGrp="1" noChangeAspect="1"/>
+          </p:cNvPicPr>
+          <p:nvPr>
+            <p:ph idx="1"/>
+          </p:nvPr>
+        </p:nvPicPr>
+        <p:blipFill>
+          <a:blip r:embed="rId2"/>
+          <a:stretch>
+            <a:fillRect/>
+          </a:stretch>
+        </p:blipFill>
+        <p:spPr>
+          <a:xfrm>
+            <a:off x="646111" y="1853248"/>
+            <a:ext cx="3143250" cy="3305175"/>
+          </a:xfrm>
+          <a:prstGeom prst="rect">
+            <a:avLst/>
+          </a:prstGeom>
+        </p:spPr>
+      </p:pic>
+      <p:pic>
+        <p:nvPicPr>
+          <p:cNvPr id="5" name="Picture 4"/>
+          <p:cNvPicPr>
+            <a:picLocks noChangeAspect="1"/>
+          </p:cNvPicPr>
+          <p:nvPr/>
+        </p:nvPicPr>
+        <p:blipFill>
+          <a:blip r:embed="rId3"/>
+          <a:stretch>
+            <a:fillRect/>
+          </a:stretch>
+        </p:blipFill>
+        <p:spPr>
+          <a:xfrm>
+            <a:off x="3789361" y="1853248"/>
+            <a:ext cx="2538457" cy="3305175"/>
+          </a:xfrm>
+          <a:prstGeom prst="rect">
+            <a:avLst/>
+          </a:prstGeom>
+        </p:spPr>
+      </p:pic>
+    </p:spTree>
+    <p:extLst>
+      <p:ext uri="{BB962C8B-B14F-4D97-AF65-F5344CB8AC3E}">
+        <p14:creationId xmlns:p14="http://schemas.microsoft.com/office/powerpoint/2010/main" val="945079815"/>
+      </p:ext>
+    </p:extLst>
+  </p:cSld>
+  <p:clrMapOvr>
+    <a:masterClrMapping/>
+  </p:clrMapOvr>
+  <p:timing>
+    <p:tnLst>
+      <p:par>
+        <p:cTn id="1" dur="indefinite" restart="never" nodeType="tmRoot"/>
+      </p:par>
+    </p:tnLst>
+  </p:timing>
+</p:sld>
+</file>
+
+<file path=ppt/slides/slide14.xml><?xml version="1.0" encoding="utf-8"?>
+<p:sld xmlns:a="http://schemas.openxmlformats.org/drawingml/2006/main" xmlns:r="http://schemas.openxmlformats.org/officeDocument/2006/relationships" xmlns:p="http://schemas.openxmlformats.org/presentationml/2006/main">
+  <p:cSld>
+    <p:spTree>
+      <p:nvGrpSpPr>
+        <p:cNvPr id="1" name=""/>
+        <p:cNvGrpSpPr/>
+        <p:nvPr/>
+      </p:nvGrpSpPr>
+      <p:grpSpPr>
+        <a:xfrm>
+          <a:off x="0" y="0"/>
+          <a:ext cx="0" cy="0"/>
+          <a:chOff x="0" y="0"/>
+          <a:chExt cx="0" cy="0"/>
+        </a:xfrm>
+      </p:grpSpPr>
+      <p:sp>
+        <p:nvSpPr>
+          <p:cNvPr id="2" name="Title 1"/>
+          <p:cNvSpPr>
+            <a:spLocks noGrp="1"/>
+          </p:cNvSpPr>
+          <p:nvPr>
+            <p:ph type="title"/>
+          </p:nvPr>
+        </p:nvSpPr>
+        <p:spPr/>
+        <p:txBody>
+          <a:bodyPr/>
+          <a:lstStyle/>
+          <a:p>
+            <a:r>
               <a:rPr lang="en-US" dirty="0" smtClean="0"/>
               <a:t>Prostate Cancer (PCA)</a:t>
             </a:r>
@@ -8309,13 +8968,8 @@
           <a:p>
             <a:r>
               <a:rPr lang="en-US" dirty="0" smtClean="0"/>
-              <a:t>Necessity to understand </a:t>
-            </a:r>
-            <a:r>
-              <a:rPr lang="en-US" dirty="0" smtClean="0"/>
-              <a:t>metastasis and progression</a:t>
-            </a:r>
-            <a:endParaRPr lang="en-US" dirty="0" smtClean="0"/>
+              <a:t>Necessity to understand metastasis and progression</a:t>
+            </a:r>
           </a:p>
           <a:p>
             <a:endParaRPr lang="en-US" dirty="0" smtClean="0"/>
@@ -8701,7 +9355,6 @@
               <a:rPr lang="en-US" dirty="0" smtClean="0"/>
               <a:t>Addition of Colorectal cancer derived exosomes to healthy cells induced migration. </a:t>
             </a:r>
-            <a:endParaRPr lang="en-US" dirty="0" smtClean="0"/>
           </a:p>
           <a:p>
             <a:endParaRPr lang="en-US" dirty="0"/>
@@ -8719,23 +9372,14 @@
               <a:rPr lang="en-US" dirty="0" smtClean="0"/>
               <a:t> microenvironment.</a:t>
             </a:r>
+          </a:p>
+          <a:p>
             <a:endParaRPr lang="en-US" dirty="0" smtClean="0"/>
           </a:p>
           <a:p>
-            <a:endParaRPr lang="en-US" dirty="0" smtClean="0"/>
-          </a:p>
-          <a:p>
             <a:r>
               <a:rPr lang="en-US" dirty="0" smtClean="0"/>
-              <a:t>Potential</a:t>
-            </a:r>
-            <a:r>
-              <a:rPr lang="en-US" dirty="0" smtClean="0"/>
-              <a:t> </a:t>
-            </a:r>
-            <a:r>
-              <a:rPr lang="en-US" dirty="0" smtClean="0"/>
-              <a:t>as a target for cancer diagnostics and treatment targets. </a:t>
+              <a:t>Potential as a target for cancer diagnostics and treatment targets. </a:t>
             </a:r>
             <a:endParaRPr lang="en-AU" dirty="0"/>
           </a:p>
@@ -8973,7 +9617,6 @@
               <a:rPr lang="en-US" b="1" dirty="0" smtClean="0"/>
               <a:t>mechanism unclear. </a:t>
             </a:r>
-            <a:endParaRPr lang="en-US" b="1" dirty="0" smtClean="0"/>
           </a:p>
           <a:p>
             <a:endParaRPr lang="en-AU" dirty="0"/>
@@ -9206,11 +9849,7 @@
           <a:p>
             <a:r>
               <a:rPr lang="en-US" sz="3200" dirty="0" smtClean="0"/>
-              <a:t>Is there a difference </a:t>
-            </a:r>
-            <a:r>
-              <a:rPr lang="en-US" sz="3200" dirty="0" smtClean="0"/>
-              <a:t>in exosome population?</a:t>
+              <a:t>Is there a difference in exosome population?</a:t>
             </a:r>
             <a:endParaRPr lang="en-AU" sz="3200" dirty="0"/>
           </a:p>
@@ -9228,12 +9867,14 @@
         </p:nvSpPr>
         <p:spPr>
           <a:xfrm>
-            <a:off x="646111" y="4610348"/>
-            <a:ext cx="6334125" cy="1625599"/>
+            <a:off x="646111" y="4311298"/>
+            <a:ext cx="6562725" cy="1952172"/>
           </a:xfrm>
         </p:spPr>
         <p:txBody>
-          <a:bodyPr/>
+          <a:bodyPr>
+            <a:normAutofit/>
+          </a:bodyPr>
           <a:lstStyle/>
           <a:p>
             <a:r>
@@ -9264,7 +9905,17 @@
             </a:r>
             <a:r>
               <a:rPr lang="en-US" dirty="0" smtClean="0"/>
-              <a:t>, biogenesis etc..</a:t>
+              <a:t>, biogenesis etc</a:t>
+            </a:r>
+            <a:r>
+              <a:rPr lang="en-US" dirty="0" smtClean="0"/>
+              <a:t>..</a:t>
+            </a:r>
+          </a:p>
+          <a:p>
+            <a:r>
+              <a:rPr lang="en-US" dirty="0" smtClean="0"/>
+              <a:t>Differing number of cells..</a:t>
             </a:r>
             <a:endParaRPr lang="en-AU" dirty="0"/>
           </a:p>
@@ -9279,14 +9930,14 @@
           <p:nvPr/>
         </p:nvPicPr>
         <p:blipFill>
-          <a:blip r:embed="rId2"/>
+          <a:blip r:embed="rId3"/>
           <a:stretch>
             <a:fillRect/>
           </a:stretch>
         </p:blipFill>
         <p:spPr>
           <a:xfrm>
-            <a:off x="646111" y="1452033"/>
+            <a:off x="874710" y="1152983"/>
             <a:ext cx="5876925" cy="2971800"/>
           </a:xfrm>
           <a:prstGeom prst="rect">
@@ -9303,14 +9954,14 @@
           <p:nvPr/>
         </p:nvPicPr>
         <p:blipFill>
-          <a:blip r:embed="rId3"/>
+          <a:blip r:embed="rId4"/>
           <a:stretch>
             <a:fillRect/>
           </a:stretch>
         </p:blipFill>
         <p:spPr>
           <a:xfrm>
-            <a:off x="6971688" y="1452033"/>
+            <a:off x="7208836" y="1168157"/>
             <a:ext cx="2314575" cy="4152900"/>
           </a:xfrm>
           <a:prstGeom prst="rect">
@@ -9326,7 +9977,7 @@
         </p:nvSpPr>
         <p:spPr>
           <a:xfrm>
-            <a:off x="9567333" y="2405098"/>
+            <a:off x="9752011" y="2234710"/>
             <a:ext cx="2099733" cy="2246769"/>
           </a:xfrm>
           <a:prstGeom prst="rect">
@@ -9411,7 +10062,7 @@
             </a:r>
             <a:r>
               <a:rPr lang="en-US" sz="3600" dirty="0" smtClean="0"/>
-              <a:t>invasiveness and migration?</a:t>
+              <a:t>invasiveness?</a:t>
             </a:r>
             <a:endParaRPr lang="en-AU" sz="3600" dirty="0"/>
           </a:p>
@@ -9429,8 +10080,8 @@
         </p:nvSpPr>
         <p:spPr>
           <a:xfrm>
-            <a:off x="3880378" y="1850371"/>
-            <a:ext cx="7261755" cy="4320838"/>
+            <a:off x="2316036" y="2542916"/>
+            <a:ext cx="4800807" cy="4315084"/>
           </a:xfrm>
         </p:spPr>
         <p:txBody>
@@ -9440,6 +10091,43 @@
             <a:r>
               <a:rPr lang="en-US" dirty="0" smtClean="0"/>
               <a:t>Invasion Assay: </a:t>
+            </a:r>
+            <a:r>
+              <a:rPr lang="en-US" dirty="0" smtClean="0"/>
+              <a:t>24hrs incubation after exposure to hypoxia or </a:t>
+            </a:r>
+            <a:r>
+              <a:rPr lang="en-US" dirty="0" err="1" smtClean="0"/>
+              <a:t>normoxia</a:t>
+            </a:r>
+            <a:r>
+              <a:rPr lang="en-US" dirty="0" smtClean="0"/>
+              <a:t> derived </a:t>
+            </a:r>
+            <a:r>
+              <a:rPr lang="en-US" dirty="0" err="1" smtClean="0"/>
+              <a:t>exosomes</a:t>
+            </a:r>
+            <a:r>
+              <a:rPr lang="en-US" dirty="0" smtClean="0"/>
+              <a:t>. </a:t>
+            </a:r>
+          </a:p>
+          <a:p>
+            <a:endParaRPr lang="en-US" dirty="0"/>
+          </a:p>
+          <a:p>
+            <a:r>
+              <a:rPr lang="en-US" dirty="0" smtClean="0"/>
+              <a:t>Approximately 6 fold increase of invasion when incubated with </a:t>
+            </a:r>
+            <a:r>
+              <a:rPr lang="en-US" dirty="0" err="1" smtClean="0"/>
+              <a:t>EXOhyp</a:t>
+            </a:r>
+            <a:r>
+              <a:rPr lang="en-US" dirty="0" smtClean="0"/>
+              <a:t>. </a:t>
             </a:r>
             <a:endParaRPr lang="en-AU" dirty="0"/>
           </a:p>
@@ -9453,16 +10141,15 @@
           </p:cNvPicPr>
           <p:nvPr/>
         </p:nvPicPr>
-        <p:blipFill>
-          <a:blip r:embed="rId2"/>
-          <a:stretch>
-            <a:fillRect/>
-          </a:stretch>
+        <p:blipFill rotWithShape="1">
+          <a:blip r:embed="rId3"/>
+          <a:srcRect b="53294"/>
+          <a:stretch/>
         </p:blipFill>
         <p:spPr>
           <a:xfrm>
-            <a:off x="646111" y="1850370"/>
-            <a:ext cx="3028950" cy="4600575"/>
+            <a:off x="7116843" y="1932026"/>
+            <a:ext cx="4751500" cy="3370734"/>
           </a:xfrm>
           <a:prstGeom prst="rect">
             <a:avLst/>
@@ -9471,22 +10158,22 @@
       </p:pic>
       <p:pic>
         <p:nvPicPr>
-          <p:cNvPr id="5" name="Picture 4"/>
+          <p:cNvPr id="6" name="Picture 5"/>
           <p:cNvPicPr>
             <a:picLocks noChangeAspect="1"/>
           </p:cNvPicPr>
           <p:nvPr/>
         </p:nvPicPr>
         <p:blipFill>
-          <a:blip r:embed="rId3"/>
+          <a:blip r:embed="rId4"/>
           <a:stretch>
             <a:fillRect/>
           </a:stretch>
         </p:blipFill>
         <p:spPr>
           <a:xfrm>
-            <a:off x="3675061" y="4076344"/>
-            <a:ext cx="4038600" cy="2371725"/>
+            <a:off x="513352" y="1853248"/>
+            <a:ext cx="1802683" cy="4315084"/>
           </a:xfrm>
           <a:prstGeom prst="rect">
             <a:avLst/>
@@ -9540,24 +10227,29 @@
             <p:ph type="title"/>
           </p:nvPr>
         </p:nvSpPr>
-        <p:spPr/>
+        <p:spPr>
+          <a:xfrm>
+            <a:off x="646111" y="452718"/>
+            <a:ext cx="9818689" cy="1400530"/>
+          </a:xfrm>
+        </p:spPr>
         <p:txBody>
           <a:bodyPr/>
           <a:lstStyle/>
           <a:p>
             <a:r>
-              <a:rPr lang="en-US" dirty="0"/>
-              <a:t>Does the hypoxia derived exosome induce </a:t>
-            </a:r>
-            <a:r>
-              <a:rPr lang="en-US" dirty="0" err="1" smtClean="0"/>
-              <a:t>stemness</a:t>
-            </a:r>
-            <a:r>
-              <a:rPr lang="en-US" dirty="0" smtClean="0"/>
-              <a:t>?</a:t>
-            </a:r>
-            <a:endParaRPr lang="en-AU" dirty="0"/>
+              <a:rPr lang="en-US" sz="4000" dirty="0"/>
+              <a:t>Does the </a:t>
+            </a:r>
+            <a:r>
+              <a:rPr lang="en-US" sz="4000" dirty="0" err="1" smtClean="0"/>
+              <a:t>EXOhyp</a:t>
+            </a:r>
+            <a:r>
+              <a:rPr lang="en-US" sz="4000" dirty="0" smtClean="0"/>
+              <a:t> induce migration?</a:t>
+            </a:r>
+            <a:endParaRPr lang="en-AU" sz="3600" dirty="0"/>
           </a:p>
         </p:txBody>
       </p:sp>
@@ -9571,19 +10263,85 @@
             <p:ph idx="1"/>
           </p:nvPr>
         </p:nvSpPr>
-        <p:spPr/>
+        <p:spPr>
+          <a:xfrm>
+            <a:off x="1518259" y="5232401"/>
+            <a:ext cx="8946541" cy="1803399"/>
+          </a:xfrm>
+        </p:spPr>
         <p:txBody>
           <a:bodyPr/>
           <a:lstStyle/>
           <a:p>
-            <a:endParaRPr lang="en-AU"/>
-          </a:p>
-        </p:txBody>
-      </p:sp>
+            <a:r>
+              <a:rPr lang="en-AU" dirty="0" smtClean="0"/>
+              <a:t>Standard stratch assay: images and migration distance measured.</a:t>
+            </a:r>
+          </a:p>
+          <a:p>
+            <a:r>
+              <a:rPr lang="en-AU" dirty="0" err="1" smtClean="0"/>
+              <a:t>Stemness</a:t>
+            </a:r>
+            <a:r>
+              <a:rPr lang="en-AU" dirty="0" smtClean="0"/>
+              <a:t> also assessed.</a:t>
+            </a:r>
+            <a:endParaRPr lang="en-AU" dirty="0"/>
+          </a:p>
+        </p:txBody>
+      </p:sp>
+      <p:pic>
+        <p:nvPicPr>
+          <p:cNvPr id="4" name="Picture 3"/>
+          <p:cNvPicPr>
+            <a:picLocks noChangeAspect="1"/>
+          </p:cNvPicPr>
+          <p:nvPr/>
+        </p:nvPicPr>
+        <p:blipFill>
+          <a:blip r:embed="rId3"/>
+          <a:stretch>
+            <a:fillRect/>
+          </a:stretch>
+        </p:blipFill>
+        <p:spPr>
+          <a:xfrm>
+            <a:off x="1237000" y="1739696"/>
+            <a:ext cx="5297489" cy="3198364"/>
+          </a:xfrm>
+          <a:prstGeom prst="rect">
+            <a:avLst/>
+          </a:prstGeom>
+        </p:spPr>
+      </p:pic>
+      <p:pic>
+        <p:nvPicPr>
+          <p:cNvPr id="5" name="Picture 4"/>
+          <p:cNvPicPr>
+            <a:picLocks noChangeAspect="1"/>
+          </p:cNvPicPr>
+          <p:nvPr/>
+        </p:nvPicPr>
+        <p:blipFill rotWithShape="1">
+          <a:blip r:embed="rId4"/>
+          <a:srcRect t="45718"/>
+          <a:stretch/>
+        </p:blipFill>
+        <p:spPr>
+          <a:xfrm>
+            <a:off x="6534489" y="1739696"/>
+            <a:ext cx="3879283" cy="3198364"/>
+          </a:xfrm>
+          <a:prstGeom prst="rect">
+            <a:avLst/>
+          </a:prstGeom>
+        </p:spPr>
+      </p:pic>
     </p:spTree>
     <p:extLst>
       <p:ext uri="{BB962C8B-B14F-4D97-AF65-F5344CB8AC3E}">
-        <p14:creationId xmlns:p14="http://schemas.microsoft.com/office/powerpoint/2010/main" val="3593854408"/>
+        <p14:creationId xmlns:p14="http://schemas.microsoft.com/office/powerpoint/2010/main" val="2898526236"/>
       </p:ext>
     </p:extLst>
   </p:cSld>
@@ -9627,16 +10385,29 @@
             <p:ph type="title"/>
           </p:nvPr>
         </p:nvSpPr>
-        <p:spPr/>
+        <p:spPr>
+          <a:xfrm>
+            <a:off x="1052510" y="605118"/>
+            <a:ext cx="10174289" cy="1400530"/>
+          </a:xfrm>
+        </p:spPr>
         <p:txBody>
           <a:bodyPr/>
           <a:lstStyle/>
           <a:p>
             <a:r>
-              <a:rPr lang="en-US" dirty="0" smtClean="0"/>
-              <a:t>Is there distinct proteomic content?</a:t>
-            </a:r>
-            <a:endParaRPr lang="en-AU" dirty="0"/>
+              <a:rPr lang="en-US" sz="3600" dirty="0" smtClean="0"/>
+              <a:t>Can </a:t>
+            </a:r>
+            <a:r>
+              <a:rPr lang="en-US" sz="3600" dirty="0" err="1" smtClean="0"/>
+              <a:t>EXOhyp</a:t>
+            </a:r>
+            <a:r>
+              <a:rPr lang="en-US" sz="3600" dirty="0" smtClean="0"/>
+              <a:t> induce CAF phenotype?</a:t>
+            </a:r>
+            <a:endParaRPr lang="en-AU" sz="3600" dirty="0"/>
           </a:p>
         </p:txBody>
       </p:sp>
@@ -9650,19 +10421,70 @@
             <p:ph idx="1"/>
           </p:nvPr>
         </p:nvSpPr>
-        <p:spPr/>
+        <p:spPr>
+          <a:xfrm>
+            <a:off x="1230310" y="1649411"/>
+            <a:ext cx="10174289" cy="4195481"/>
+          </a:xfrm>
+        </p:spPr>
         <p:txBody>
           <a:bodyPr/>
           <a:lstStyle/>
           <a:p>
-            <a:endParaRPr lang="en-AU"/>
-          </a:p>
-        </p:txBody>
-      </p:sp>
+            <a:r>
+              <a:rPr lang="en-AU" dirty="0" smtClean="0"/>
+              <a:t>Fibroblasts can be stimulated: by inflammation or cancer. </a:t>
+            </a:r>
+          </a:p>
+          <a:p>
+            <a:r>
+              <a:rPr lang="en-AU" dirty="0" smtClean="0"/>
+              <a:t>Stimulation results in increased alpha-smooth muscle actin (</a:t>
+            </a:r>
+            <a:r>
+              <a:rPr lang="en-AU" dirty="0" smtClean="0">
+                <a:latin typeface="Calibri" panose="020F0502020204030204" pitchFamily="34" charset="0"/>
+              </a:rPr>
+              <a:t>ɑ-SMA</a:t>
+            </a:r>
+            <a:r>
+              <a:rPr lang="en-AU" dirty="0" smtClean="0"/>
+              <a:t>).</a:t>
+            </a:r>
+          </a:p>
+          <a:p>
+            <a:endParaRPr lang="en-AU" dirty="0"/>
+          </a:p>
+        </p:txBody>
+      </p:sp>
+      <p:pic>
+        <p:nvPicPr>
+          <p:cNvPr id="5" name="Picture 4"/>
+          <p:cNvPicPr>
+            <a:picLocks noChangeAspect="1"/>
+          </p:cNvPicPr>
+          <p:nvPr/>
+        </p:nvPicPr>
+        <p:blipFill>
+          <a:blip r:embed="rId2"/>
+          <a:stretch>
+            <a:fillRect/>
+          </a:stretch>
+        </p:blipFill>
+        <p:spPr>
+          <a:xfrm>
+            <a:off x="1687510" y="2601460"/>
+            <a:ext cx="7812090" cy="3716208"/>
+          </a:xfrm>
+          <a:prstGeom prst="rect">
+            <a:avLst/>
+          </a:prstGeom>
+        </p:spPr>
+      </p:pic>
     </p:spTree>
     <p:extLst>
       <p:ext uri="{BB962C8B-B14F-4D97-AF65-F5344CB8AC3E}">
-        <p14:creationId xmlns:p14="http://schemas.microsoft.com/office/powerpoint/2010/main" val="2133411175"/>
+        <p14:creationId xmlns:p14="http://schemas.microsoft.com/office/powerpoint/2010/main" val="3593854408"/>
       </p:ext>
     </p:extLst>
   </p:cSld>

--- a/BackgroundInfo/JCslides.pptx
+++ b/BackgroundInfo/JCslides.pptx
@@ -5,7 +5,7 @@
     <p:sldMasterId id="2147483689" r:id="rId1"/>
   </p:sldMasterIdLst>
   <p:notesMasterIdLst>
-    <p:notesMasterId r:id="rId16"/>
+    <p:notesMasterId r:id="rId18"/>
   </p:notesMasterIdLst>
   <p:sldIdLst>
     <p:sldId id="256" r:id="rId2"/>
@@ -13,15 +13,17 @@
     <p:sldId id="258" r:id="rId4"/>
     <p:sldId id="259" r:id="rId5"/>
     <p:sldId id="261" r:id="rId6"/>
-    <p:sldId id="262" r:id="rId7"/>
-    <p:sldId id="263" r:id="rId8"/>
-    <p:sldId id="270" r:id="rId9"/>
-    <p:sldId id="267" r:id="rId10"/>
-    <p:sldId id="265" r:id="rId11"/>
-    <p:sldId id="266" r:id="rId12"/>
-    <p:sldId id="269" r:id="rId13"/>
-    <p:sldId id="268" r:id="rId14"/>
-    <p:sldId id="260" r:id="rId15"/>
+    <p:sldId id="271" r:id="rId7"/>
+    <p:sldId id="262" r:id="rId8"/>
+    <p:sldId id="263" r:id="rId9"/>
+    <p:sldId id="270" r:id="rId10"/>
+    <p:sldId id="267" r:id="rId11"/>
+    <p:sldId id="265" r:id="rId12"/>
+    <p:sldId id="266" r:id="rId13"/>
+    <p:sldId id="272" r:id="rId14"/>
+    <p:sldId id="269" r:id="rId15"/>
+    <p:sldId id="268" r:id="rId16"/>
+    <p:sldId id="260" r:id="rId17"/>
   </p:sldIdLst>
   <p:sldSz cx="12192000" cy="6858000"/>
   <p:notesSz cx="6858000" cy="9144000"/>
@@ -637,11 +639,11 @@
           <c:showBubbleSize val="0"/>
         </c:dLbls>
         <c:gapWidth val="182"/>
-        <c:axId val="280967056"/>
-        <c:axId val="280967840"/>
+        <c:axId val="249199928"/>
+        <c:axId val="249201496"/>
       </c:barChart>
       <c:catAx>
-        <c:axId val="280967056"/>
+        <c:axId val="249199928"/>
         <c:scaling>
           <c:orientation val="minMax"/>
         </c:scaling>
@@ -684,7 +686,7 @@
             <a:endParaRPr lang="en-US"/>
           </a:p>
         </c:txPr>
-        <c:crossAx val="280967840"/>
+        <c:crossAx val="249201496"/>
         <c:crosses val="autoZero"/>
         <c:auto val="1"/>
         <c:lblAlgn val="ctr"/>
@@ -692,7 +694,7 @@
         <c:noMultiLvlLbl val="0"/>
       </c:catAx>
       <c:valAx>
-        <c:axId val="280967840"/>
+        <c:axId val="249201496"/>
         <c:scaling>
           <c:orientation val="minMax"/>
         </c:scaling>
@@ -743,7 +745,7 @@
             <a:endParaRPr lang="en-US"/>
           </a:p>
         </c:txPr>
-        <c:crossAx val="280967056"/>
+        <c:crossAx val="249199928"/>
         <c:crosses val="autoZero"/>
         <c:crossBetween val="between"/>
       </c:valAx>
@@ -757,6 +759,7 @@
     </c:plotArea>
     <c:legend>
       <c:legendPos val="b"/>
+      <c:layout/>
       <c:overlay val="0"/>
       <c:spPr>
         <a:noFill/>
@@ -1437,7 +1440,7 @@
           <a:p>
             <a:fld id="{3E76E294-BBA0-4AAE-A1F9-80FF5E77064A}" type="datetimeFigureOut">
               <a:rPr lang="en-AU" smtClean="0"/>
-              <a:t>16/06/2016</a:t>
+              <a:t>18/06/2016</a:t>
             </a:fld>
             <a:endParaRPr lang="en-AU"/>
           </a:p>
@@ -1972,7 +1975,7 @@
           <a:p>
             <a:fld id="{504F0287-5C00-4321-9B5B-B42CA9EA4453}" type="slidenum">
               <a:rPr lang="en-AU" smtClean="0"/>
-              <a:t>6</a:t>
+              <a:t>7</a:t>
             </a:fld>
             <a:endParaRPr lang="en-AU"/>
           </a:p>
@@ -2059,6 +2062,10 @@
               <a:rPr lang="en-AU" baseline="0" dirty="0" smtClean="0"/>
               <a:t> cells. </a:t>
             </a:r>
+            <a:r>
+              <a:rPr lang="en-AU" baseline="0" dirty="0" smtClean="0"/>
+              <a:t>Invasion assay, 4samples</a:t>
+            </a:r>
             <a:endParaRPr lang="en-AU" dirty="0"/>
           </a:p>
         </p:txBody>
@@ -2080,7 +2087,7 @@
           <a:p>
             <a:fld id="{504F0287-5C00-4321-9B5B-B42CA9EA4453}" type="slidenum">
               <a:rPr lang="en-AU" smtClean="0"/>
-              <a:t>7</a:t>
+              <a:t>8</a:t>
             </a:fld>
             <a:endParaRPr lang="en-AU"/>
           </a:p>
@@ -2180,7 +2187,7 @@
           <a:p>
             <a:fld id="{504F0287-5C00-4321-9B5B-B42CA9EA4453}" type="slidenum">
               <a:rPr lang="en-AU" smtClean="0"/>
-              <a:t>8</a:t>
+              <a:t>9</a:t>
             </a:fld>
             <a:endParaRPr lang="en-AU"/>
           </a:p>
@@ -2385,7 +2392,7 @@
           <a:p>
             <a:fld id="{7D50A433-14A5-4014-A22C-49E731E6083D}" type="datetimeFigureOut">
               <a:rPr lang="en-AU" smtClean="0"/>
-              <a:t>16/06/2016</a:t>
+              <a:t>18/06/2016</a:t>
             </a:fld>
             <a:endParaRPr lang="en-AU"/>
           </a:p>
@@ -2660,7 +2667,7 @@
           <a:p>
             <a:fld id="{7D50A433-14A5-4014-A22C-49E731E6083D}" type="datetimeFigureOut">
               <a:rPr lang="en-AU" smtClean="0"/>
-              <a:t>16/06/2016</a:t>
+              <a:t>18/06/2016</a:t>
             </a:fld>
             <a:endParaRPr lang="en-AU"/>
           </a:p>
@@ -2854,7 +2861,7 @@
           <a:p>
             <a:fld id="{7D50A433-14A5-4014-A22C-49E731E6083D}" type="datetimeFigureOut">
               <a:rPr lang="en-AU" smtClean="0"/>
-              <a:t>16/06/2016</a:t>
+              <a:t>18/06/2016</a:t>
             </a:fld>
             <a:endParaRPr lang="en-AU"/>
           </a:p>
@@ -3127,7 +3134,7 @@
           <a:p>
             <a:fld id="{7D50A433-14A5-4014-A22C-49E731E6083D}" type="datetimeFigureOut">
               <a:rPr lang="en-AU" smtClean="0"/>
-              <a:t>16/06/2016</a:t>
+              <a:t>18/06/2016</a:t>
             </a:fld>
             <a:endParaRPr lang="en-AU"/>
           </a:p>
@@ -3468,7 +3475,7 @@
           <a:p>
             <a:fld id="{7D50A433-14A5-4014-A22C-49E731E6083D}" type="datetimeFigureOut">
               <a:rPr lang="en-AU" smtClean="0"/>
-              <a:t>16/06/2016</a:t>
+              <a:t>18/06/2016</a:t>
             </a:fld>
             <a:endParaRPr lang="en-AU"/>
           </a:p>
@@ -4091,7 +4098,7 @@
           <a:p>
             <a:fld id="{7D50A433-14A5-4014-A22C-49E731E6083D}" type="datetimeFigureOut">
               <a:rPr lang="en-AU" smtClean="0"/>
-              <a:t>16/06/2016</a:t>
+              <a:t>18/06/2016</a:t>
             </a:fld>
             <a:endParaRPr lang="en-AU"/>
           </a:p>
@@ -4951,7 +4958,7 @@
           <a:p>
             <a:fld id="{7D50A433-14A5-4014-A22C-49E731E6083D}" type="datetimeFigureOut">
               <a:rPr lang="en-AU" smtClean="0"/>
-              <a:t>16/06/2016</a:t>
+              <a:t>18/06/2016</a:t>
             </a:fld>
             <a:endParaRPr lang="en-AU"/>
           </a:p>
@@ -5121,7 +5128,7 @@
           <a:p>
             <a:fld id="{7D50A433-14A5-4014-A22C-49E731E6083D}" type="datetimeFigureOut">
               <a:rPr lang="en-AU" smtClean="0"/>
-              <a:t>16/06/2016</a:t>
+              <a:t>18/06/2016</a:t>
             </a:fld>
             <a:endParaRPr lang="en-AU"/>
           </a:p>
@@ -5301,7 +5308,7 @@
           <a:p>
             <a:fld id="{7D50A433-14A5-4014-A22C-49E731E6083D}" type="datetimeFigureOut">
               <a:rPr lang="en-AU" smtClean="0"/>
-              <a:t>16/06/2016</a:t>
+              <a:t>18/06/2016</a:t>
             </a:fld>
             <a:endParaRPr lang="en-AU"/>
           </a:p>
@@ -5471,7 +5478,7 @@
           <a:p>
             <a:fld id="{7D50A433-14A5-4014-A22C-49E731E6083D}" type="datetimeFigureOut">
               <a:rPr lang="en-AU" smtClean="0"/>
-              <a:t>16/06/2016</a:t>
+              <a:t>18/06/2016</a:t>
             </a:fld>
             <a:endParaRPr lang="en-AU"/>
           </a:p>
@@ -5718,7 +5725,7 @@
           <a:p>
             <a:fld id="{7D50A433-14A5-4014-A22C-49E731E6083D}" type="datetimeFigureOut">
               <a:rPr lang="en-AU" smtClean="0"/>
-              <a:t>16/06/2016</a:t>
+              <a:t>18/06/2016</a:t>
             </a:fld>
             <a:endParaRPr lang="en-AU"/>
           </a:p>
@@ -6010,7 +6017,7 @@
           <a:p>
             <a:fld id="{7D50A433-14A5-4014-A22C-49E731E6083D}" type="datetimeFigureOut">
               <a:rPr lang="en-AU" smtClean="0"/>
-              <a:t>16/06/2016</a:t>
+              <a:t>18/06/2016</a:t>
             </a:fld>
             <a:endParaRPr lang="en-AU"/>
           </a:p>
@@ -6454,7 +6461,7 @@
           <a:p>
             <a:fld id="{7D50A433-14A5-4014-A22C-49E731E6083D}" type="datetimeFigureOut">
               <a:rPr lang="en-AU" smtClean="0"/>
-              <a:t>16/06/2016</a:t>
+              <a:t>18/06/2016</a:t>
             </a:fld>
             <a:endParaRPr lang="en-AU"/>
           </a:p>
@@ -6572,7 +6579,7 @@
           <a:p>
             <a:fld id="{7D50A433-14A5-4014-A22C-49E731E6083D}" type="datetimeFigureOut">
               <a:rPr lang="en-AU" smtClean="0"/>
-              <a:t>16/06/2016</a:t>
+              <a:t>18/06/2016</a:t>
             </a:fld>
             <a:endParaRPr lang="en-AU"/>
           </a:p>
@@ -6667,7 +6674,7 @@
           <a:p>
             <a:fld id="{7D50A433-14A5-4014-A22C-49E731E6083D}" type="datetimeFigureOut">
               <a:rPr lang="en-AU" smtClean="0"/>
-              <a:t>16/06/2016</a:t>
+              <a:t>18/06/2016</a:t>
             </a:fld>
             <a:endParaRPr lang="en-AU"/>
           </a:p>
@@ -6946,7 +6953,7 @@
           <a:p>
             <a:fld id="{7D50A433-14A5-4014-A22C-49E731E6083D}" type="datetimeFigureOut">
               <a:rPr lang="en-AU" smtClean="0"/>
-              <a:t>16/06/2016</a:t>
+              <a:t>18/06/2016</a:t>
             </a:fld>
             <a:endParaRPr lang="en-AU"/>
           </a:p>
@@ -7221,7 +7228,7 @@
           <a:p>
             <a:fld id="{7D50A433-14A5-4014-A22C-49E731E6083D}" type="datetimeFigureOut">
               <a:rPr lang="en-AU" smtClean="0"/>
-              <a:t>16/06/2016</a:t>
+              <a:t>18/06/2016</a:t>
             </a:fld>
             <a:endParaRPr lang="en-AU"/>
           </a:p>
@@ -7650,7 +7657,7 @@
           <a:p>
             <a:fld id="{7D50A433-14A5-4014-A22C-49E731E6083D}" type="datetimeFigureOut">
               <a:rPr lang="en-AU" smtClean="0"/>
-              <a:t>16/06/2016</a:t>
+              <a:t>18/06/2016</a:t>
             </a:fld>
             <a:endParaRPr lang="en-AU"/>
           </a:p>
@@ -8247,23 +8254,57 @@
         </p:nvSpPr>
         <p:spPr>
           <a:xfrm>
-            <a:off x="1402620" y="4941087"/>
-            <a:ext cx="9144000" cy="939800"/>
+            <a:off x="1154954" y="4941087"/>
+            <a:ext cx="9489233" cy="939800"/>
           </a:xfrm>
         </p:spPr>
         <p:txBody>
-          <a:bodyPr/>
+          <a:bodyPr>
+            <a:normAutofit/>
+          </a:bodyPr>
           <a:lstStyle/>
           <a:p>
             <a:r>
-              <a:rPr lang="en-US" dirty="0" err="1" smtClean="0"/>
+              <a:rPr lang="en-AU" cap="none" dirty="0" err="1" smtClean="0"/>
               <a:t>Ramteke</a:t>
             </a:r>
             <a:r>
-              <a:rPr lang="en-US" dirty="0" smtClean="0"/>
-              <a:t>, A et al. 2015.</a:t>
-            </a:r>
-            <a:endParaRPr lang="en-AU" dirty="0"/>
+              <a:rPr lang="en-AU" cap="none" dirty="0" smtClean="0"/>
+              <a:t>, Ting, Agarwal, </a:t>
+            </a:r>
+            <a:r>
+              <a:rPr lang="en-AU" cap="none" dirty="0" err="1" smtClean="0"/>
+              <a:t>Mateen</a:t>
+            </a:r>
+            <a:r>
+              <a:rPr lang="en-AU" cap="none" dirty="0" smtClean="0"/>
+              <a:t>, </a:t>
+            </a:r>
+            <a:r>
+              <a:rPr lang="en-AU" cap="none" dirty="0" err="1" smtClean="0"/>
+              <a:t>Somasagara</a:t>
+            </a:r>
+            <a:r>
+              <a:rPr lang="en-AU" cap="none" dirty="0" smtClean="0"/>
+              <a:t>, </a:t>
+            </a:r>
+            <a:r>
+              <a:rPr lang="en-AU" cap="none" dirty="0" err="1" smtClean="0"/>
+              <a:t>Hussain</a:t>
+            </a:r>
+            <a:r>
+              <a:rPr lang="en-AU" cap="none" dirty="0" smtClean="0"/>
+              <a:t>, </a:t>
+            </a:r>
+            <a:r>
+              <a:rPr lang="en-AU" cap="none" dirty="0" err="1" smtClean="0"/>
+              <a:t>Graner</a:t>
+            </a:r>
+            <a:r>
+              <a:rPr lang="en-AU" cap="none" dirty="0" smtClean="0"/>
+              <a:t>, Frederick, Agarwal And Deep. 2015</a:t>
+            </a:r>
+            <a:endParaRPr lang="en-AU" cap="none" dirty="0"/>
           </a:p>
         </p:txBody>
       </p:sp>
@@ -8316,6 +8357,149 @@
         </p:nvSpPr>
         <p:spPr>
           <a:xfrm>
+            <a:off x="1052510" y="605118"/>
+            <a:ext cx="10174289" cy="1400530"/>
+          </a:xfrm>
+        </p:spPr>
+        <p:txBody>
+          <a:bodyPr/>
+          <a:lstStyle/>
+          <a:p>
+            <a:r>
+              <a:rPr lang="en-US" sz="3600" dirty="0" smtClean="0"/>
+              <a:t>Can </a:t>
+            </a:r>
+            <a:r>
+              <a:rPr lang="en-US" sz="3600" dirty="0" err="1" smtClean="0"/>
+              <a:t>EXOhyp</a:t>
+            </a:r>
+            <a:r>
+              <a:rPr lang="en-US" sz="3600" dirty="0" smtClean="0"/>
+              <a:t> induce CAF phenotype?</a:t>
+            </a:r>
+            <a:endParaRPr lang="en-AU" sz="3600" dirty="0"/>
+          </a:p>
+        </p:txBody>
+      </p:sp>
+      <p:sp>
+        <p:nvSpPr>
+          <p:cNvPr id="3" name="Content Placeholder 2"/>
+          <p:cNvSpPr>
+            <a:spLocks noGrp="1"/>
+          </p:cNvSpPr>
+          <p:nvPr>
+            <p:ph idx="1"/>
+          </p:nvPr>
+        </p:nvSpPr>
+        <p:spPr>
+          <a:xfrm>
+            <a:off x="1230310" y="1649411"/>
+            <a:ext cx="10174289" cy="4195481"/>
+          </a:xfrm>
+        </p:spPr>
+        <p:txBody>
+          <a:bodyPr/>
+          <a:lstStyle/>
+          <a:p>
+            <a:r>
+              <a:rPr lang="en-AU" dirty="0" smtClean="0"/>
+              <a:t>Fibroblasts can be stimulated: by inflammation or cancer. </a:t>
+            </a:r>
+          </a:p>
+          <a:p>
+            <a:r>
+              <a:rPr lang="en-AU" dirty="0" smtClean="0"/>
+              <a:t>Stimulation results in increased alpha-smooth muscle actin (</a:t>
+            </a:r>
+            <a:r>
+              <a:rPr lang="en-AU" dirty="0" smtClean="0">
+                <a:latin typeface="Calibri" panose="020F0502020204030204" pitchFamily="34" charset="0"/>
+              </a:rPr>
+              <a:t>ɑ-SMA</a:t>
+            </a:r>
+            <a:r>
+              <a:rPr lang="en-AU" dirty="0" smtClean="0"/>
+              <a:t>).</a:t>
+            </a:r>
+          </a:p>
+          <a:p>
+            <a:endParaRPr lang="en-AU" dirty="0"/>
+          </a:p>
+        </p:txBody>
+      </p:sp>
+      <p:pic>
+        <p:nvPicPr>
+          <p:cNvPr id="5" name="Picture 4"/>
+          <p:cNvPicPr>
+            <a:picLocks noChangeAspect="1"/>
+          </p:cNvPicPr>
+          <p:nvPr/>
+        </p:nvPicPr>
+        <p:blipFill>
+          <a:blip r:embed="rId2"/>
+          <a:stretch>
+            <a:fillRect/>
+          </a:stretch>
+        </p:blipFill>
+        <p:spPr>
+          <a:xfrm>
+            <a:off x="1687510" y="2601460"/>
+            <a:ext cx="7812090" cy="3716208"/>
+          </a:xfrm>
+          <a:prstGeom prst="rect">
+            <a:avLst/>
+          </a:prstGeom>
+        </p:spPr>
+      </p:pic>
+    </p:spTree>
+    <p:extLst>
+      <p:ext uri="{BB962C8B-B14F-4D97-AF65-F5344CB8AC3E}">
+        <p14:creationId xmlns:p14="http://schemas.microsoft.com/office/powerpoint/2010/main" val="3593854408"/>
+      </p:ext>
+    </p:extLst>
+  </p:cSld>
+  <p:clrMapOvr>
+    <a:masterClrMapping/>
+  </p:clrMapOvr>
+  <p:timing>
+    <p:tnLst>
+      <p:par>
+        <p:cTn id="1" dur="indefinite" restart="never" nodeType="tmRoot"/>
+      </p:par>
+    </p:tnLst>
+  </p:timing>
+</p:sld>
+</file>
+
+<file path=ppt/slides/slide11.xml><?xml version="1.0" encoding="utf-8"?>
+<p:sld xmlns:a="http://schemas.openxmlformats.org/drawingml/2006/main" xmlns:r="http://schemas.openxmlformats.org/officeDocument/2006/relationships" xmlns:p="http://schemas.openxmlformats.org/presentationml/2006/main">
+  <p:cSld>
+    <p:spTree>
+      <p:nvGrpSpPr>
+        <p:cNvPr id="1" name=""/>
+        <p:cNvGrpSpPr/>
+        <p:nvPr/>
+      </p:nvGrpSpPr>
+      <p:grpSpPr>
+        <a:xfrm>
+          <a:off x="0" y="0"/>
+          <a:ext cx="0" cy="0"/>
+          <a:chOff x="0" y="0"/>
+          <a:chExt cx="0" cy="0"/>
+        </a:xfrm>
+      </p:grpSpPr>
+      <p:sp>
+        <p:nvSpPr>
+          <p:cNvPr id="2" name="Title 1"/>
+          <p:cNvSpPr>
+            <a:spLocks noGrp="1"/>
+          </p:cNvSpPr>
+          <p:nvPr>
+            <p:ph type="title"/>
+          </p:nvPr>
+        </p:nvSpPr>
+        <p:spPr>
+          <a:xfrm>
             <a:off x="3367087" y="293612"/>
             <a:ext cx="6963147" cy="1400530"/>
           </a:xfrm>
@@ -8345,13 +8529,52 @@
         <p:spPr>
           <a:xfrm>
             <a:off x="3632200" y="2052918"/>
-            <a:ext cx="6417653" cy="4195481"/>
+            <a:ext cx="7637162" cy="4195481"/>
           </a:xfrm>
         </p:spPr>
         <p:txBody>
           <a:bodyPr/>
           <a:lstStyle/>
           <a:p>
+            <a:r>
+              <a:rPr lang="en-AU" dirty="0" smtClean="0"/>
+              <a:t>MMPs implemented in angiogenesis and metastasis and enhanced in hypoxic cells. </a:t>
+            </a:r>
+          </a:p>
+          <a:p>
+            <a:endParaRPr lang="en-AU" dirty="0" smtClean="0"/>
+          </a:p>
+          <a:p>
+            <a:r>
+              <a:rPr lang="en-AU" dirty="0" smtClean="0"/>
+              <a:t>Cytokines, growth factors and signalling molecules known to play role in tumour microenvironment. </a:t>
+            </a:r>
+          </a:p>
+          <a:p>
+            <a:endParaRPr lang="en-AU" dirty="0"/>
+          </a:p>
+          <a:p>
+            <a:r>
+              <a:rPr lang="en-AU" dirty="0" smtClean="0"/>
+              <a:t>All of the above increased in </a:t>
+            </a:r>
+            <a:r>
+              <a:rPr lang="en-AU" dirty="0" err="1" smtClean="0"/>
+              <a:t>EXOhyp</a:t>
+            </a:r>
+            <a:r>
+              <a:rPr lang="en-AU" dirty="0" smtClean="0"/>
+              <a:t>, bar PKM2. </a:t>
+            </a:r>
+          </a:p>
+          <a:p>
+            <a:endParaRPr lang="en-AU" dirty="0"/>
+          </a:p>
+          <a:p>
+            <a:r>
+              <a:rPr lang="en-AU" dirty="0" smtClean="0"/>
+              <a:t>Very subjective. </a:t>
+            </a:r>
             <a:endParaRPr lang="en-AU" dirty="0"/>
           </a:p>
         </p:txBody>
@@ -8399,177 +8622,6 @@
 </p:sld>
 </file>
 
-<file path=ppt/slides/slide11.xml><?xml version="1.0" encoding="utf-8"?>
-<p:sld xmlns:a="http://schemas.openxmlformats.org/drawingml/2006/main" xmlns:r="http://schemas.openxmlformats.org/officeDocument/2006/relationships" xmlns:p="http://schemas.openxmlformats.org/presentationml/2006/main">
-  <p:cSld>
-    <p:spTree>
-      <p:nvGrpSpPr>
-        <p:cNvPr id="1" name=""/>
-        <p:cNvGrpSpPr/>
-        <p:nvPr/>
-      </p:nvGrpSpPr>
-      <p:grpSpPr>
-        <a:xfrm>
-          <a:off x="0" y="0"/>
-          <a:ext cx="0" cy="0"/>
-          <a:chOff x="0" y="0"/>
-          <a:chExt cx="0" cy="0"/>
-        </a:xfrm>
-      </p:grpSpPr>
-      <p:sp>
-        <p:nvSpPr>
-          <p:cNvPr id="2" name="Title 1"/>
-          <p:cNvSpPr>
-            <a:spLocks noGrp="1"/>
-          </p:cNvSpPr>
-          <p:nvPr>
-            <p:ph type="title"/>
-          </p:nvPr>
-        </p:nvSpPr>
-        <p:spPr/>
-        <p:txBody>
-          <a:bodyPr/>
-          <a:lstStyle/>
-          <a:p>
-            <a:r>
-              <a:rPr lang="en-US" sz="3600" dirty="0" smtClean="0"/>
-              <a:t>Does this protein content mediate any particular pathways?</a:t>
-            </a:r>
-            <a:endParaRPr lang="en-AU" sz="3600" dirty="0"/>
-          </a:p>
-        </p:txBody>
-      </p:sp>
-      <p:sp>
-        <p:nvSpPr>
-          <p:cNvPr id="3" name="Content Placeholder 2"/>
-          <p:cNvSpPr>
-            <a:spLocks noGrp="1"/>
-          </p:cNvSpPr>
-          <p:nvPr>
-            <p:ph idx="1"/>
-          </p:nvPr>
-        </p:nvSpPr>
-        <p:spPr>
-          <a:xfrm>
-            <a:off x="3733800" y="2052918"/>
-            <a:ext cx="6316053" cy="4195481"/>
-          </a:xfrm>
-        </p:spPr>
-        <p:txBody>
-          <a:bodyPr/>
-          <a:lstStyle/>
-          <a:p>
-            <a:r>
-              <a:rPr lang="en-AU" dirty="0" smtClean="0"/>
-              <a:t>Pathways: </a:t>
-            </a:r>
-          </a:p>
-          <a:p>
-            <a:pPr lvl="1"/>
-            <a:r>
-              <a:rPr lang="en-AU" dirty="0" smtClean="0"/>
-              <a:t>Cell adherence and cytoskeletal </a:t>
-            </a:r>
-          </a:p>
-          <a:p>
-            <a:pPr lvl="2"/>
-            <a:r>
-              <a:rPr lang="en-AU" dirty="0" err="1"/>
-              <a:t>Remodeling</a:t>
-            </a:r>
-            <a:r>
-              <a:rPr lang="en-AU" dirty="0"/>
-              <a:t> of Epithelial </a:t>
-            </a:r>
-            <a:r>
-              <a:rPr lang="en-AU" dirty="0" err="1"/>
-              <a:t>adherens</a:t>
-            </a:r>
-            <a:r>
-              <a:rPr lang="en-AU" dirty="0"/>
-              <a:t> junctions</a:t>
-            </a:r>
-          </a:p>
-          <a:p>
-            <a:pPr lvl="1"/>
-            <a:r>
-              <a:rPr lang="en-AU" dirty="0" smtClean="0"/>
-              <a:t>Signalling:</a:t>
-            </a:r>
-          </a:p>
-          <a:p>
-            <a:pPr lvl="2"/>
-            <a:r>
-              <a:rPr lang="en-AU" dirty="0" err="1" smtClean="0"/>
-              <a:t>Endocytic</a:t>
-            </a:r>
-            <a:r>
-              <a:rPr lang="en-AU" dirty="0" smtClean="0"/>
-              <a:t> </a:t>
-            </a:r>
-          </a:p>
-          <a:p>
-            <a:pPr marL="914400" lvl="2" indent="0">
-              <a:buNone/>
-            </a:pPr>
-            <a:endParaRPr lang="en-AU" dirty="0"/>
-          </a:p>
-          <a:p>
-            <a:pPr marL="914400" lvl="2" indent="0">
-              <a:buNone/>
-            </a:pPr>
-            <a:endParaRPr lang="en-AU" dirty="0" smtClean="0"/>
-          </a:p>
-          <a:p>
-            <a:pPr lvl="1"/>
-            <a:endParaRPr lang="en-AU" dirty="0" smtClean="0"/>
-          </a:p>
-        </p:txBody>
-      </p:sp>
-      <p:pic>
-        <p:nvPicPr>
-          <p:cNvPr id="4" name="Picture 3"/>
-          <p:cNvPicPr>
-            <a:picLocks noChangeAspect="1"/>
-          </p:cNvPicPr>
-          <p:nvPr/>
-        </p:nvPicPr>
-        <p:blipFill>
-          <a:blip r:embed="rId2"/>
-          <a:stretch>
-            <a:fillRect/>
-          </a:stretch>
-        </p:blipFill>
-        <p:spPr>
-          <a:xfrm>
-            <a:off x="646111" y="2052918"/>
-            <a:ext cx="2833689" cy="1819673"/>
-          </a:xfrm>
-          <a:prstGeom prst="rect">
-            <a:avLst/>
-          </a:prstGeom>
-        </p:spPr>
-      </p:pic>
-    </p:spTree>
-    <p:extLst>
-      <p:ext uri="{BB962C8B-B14F-4D97-AF65-F5344CB8AC3E}">
-        <p14:creationId xmlns:p14="http://schemas.microsoft.com/office/powerpoint/2010/main" val="3153417084"/>
-      </p:ext>
-    </p:extLst>
-  </p:cSld>
-  <p:clrMapOvr>
-    <a:masterClrMapping/>
-  </p:clrMapOvr>
-  <p:timing>
-    <p:tnLst>
-      <p:par>
-        <p:cTn id="1" dur="indefinite" restart="never" nodeType="tmRoot"/>
-      </p:par>
-    </p:tnLst>
-  </p:timing>
-</p:sld>
-</file>
-
 <file path=ppt/slides/slide12.xml><?xml version="1.0" encoding="utf-8"?>
 <p:sld xmlns:a="http://schemas.openxmlformats.org/drawingml/2006/main" xmlns:r="http://schemas.openxmlformats.org/officeDocument/2006/relationships" xmlns:p="http://schemas.openxmlformats.org/presentationml/2006/main">
   <p:cSld>
@@ -8604,7 +8656,7 @@
           <a:p>
             <a:r>
               <a:rPr lang="en-US" sz="3600" dirty="0" smtClean="0"/>
-              <a:t>Limitation and strengths, future directions. </a:t>
+              <a:t>Does this protein content mediate any particular pathways?</a:t>
             </a:r>
             <a:endParaRPr lang="en-AU" sz="3600" dirty="0"/>
           </a:p>
@@ -8622,8 +8674,8 @@
         </p:nvSpPr>
         <p:spPr>
           <a:xfrm>
-            <a:off x="1103312" y="2052918"/>
-            <a:ext cx="4611687" cy="4195481"/>
+            <a:off x="4772749" y="2052919"/>
+            <a:ext cx="6316053" cy="4195481"/>
           </a:xfrm>
         </p:spPr>
         <p:txBody>
@@ -8632,127 +8684,121 @@
           <a:p>
             <a:r>
               <a:rPr lang="en-AU" dirty="0" smtClean="0"/>
-              <a:t>Supported the hypothesis. </a:t>
-            </a:r>
+              <a:t>Mass spectrometry. </a:t>
+            </a:r>
+          </a:p>
+          <a:p>
+            <a:endParaRPr lang="en-AU" dirty="0" smtClean="0"/>
           </a:p>
           <a:p>
             <a:r>
               <a:rPr lang="en-AU" dirty="0" smtClean="0"/>
-              <a:t>Use of several cell lines. </a:t>
-            </a:r>
-          </a:p>
-          <a:p>
+              <a:t>Pathways</a:t>
+            </a:r>
             <a:r>
               <a:rPr lang="en-AU" dirty="0" smtClean="0"/>
-              <a:t>Great starting point</a:t>
-            </a:r>
-          </a:p>
-          <a:p>
-            <a:endParaRPr lang="en-AU" dirty="0"/>
-          </a:p>
-          <a:p>
+              <a:t>: </a:t>
+            </a:r>
+          </a:p>
+          <a:p>
+            <a:pPr lvl="1"/>
             <a:r>
               <a:rPr lang="en-AU" dirty="0" smtClean="0"/>
-              <a:t>Some clarity is lacking</a:t>
-            </a:r>
-          </a:p>
-          <a:p>
+              <a:t>Cell adherence and cytoskeletal </a:t>
+            </a:r>
+          </a:p>
+          <a:p>
+            <a:pPr lvl="2"/>
+            <a:r>
+              <a:rPr lang="en-AU" dirty="0" err="1"/>
+              <a:t>Remodeling</a:t>
+            </a:r>
+            <a:r>
+              <a:rPr lang="en-AU" dirty="0"/>
+              <a:t> of Epithelial </a:t>
+            </a:r>
+            <a:r>
+              <a:rPr lang="en-AU" dirty="0" err="1"/>
+              <a:t>adherens</a:t>
+            </a:r>
+            <a:r>
+              <a:rPr lang="en-AU" dirty="0"/>
+              <a:t> junctions</a:t>
+            </a:r>
+          </a:p>
+          <a:p>
+            <a:pPr lvl="1"/>
             <a:r>
               <a:rPr lang="en-AU" dirty="0" smtClean="0"/>
-              <a:t>Premature conclusions</a:t>
-            </a:r>
-          </a:p>
-          <a:p>
+              <a:t>Signalling:</a:t>
+            </a:r>
+          </a:p>
+          <a:p>
+            <a:pPr lvl="2"/>
+            <a:r>
+              <a:rPr lang="en-AU" dirty="0" err="1" smtClean="0"/>
+              <a:t>Endocytic</a:t>
+            </a:r>
             <a:r>
               <a:rPr lang="en-AU" dirty="0" smtClean="0"/>
-              <a:t>Some results were not discussed. </a:t>
-            </a:r>
-            <a:endParaRPr lang="en-AU" dirty="0"/>
-          </a:p>
-        </p:txBody>
-      </p:sp>
-      <p:sp>
-        <p:nvSpPr>
-          <p:cNvPr id="4" name="TextBox 3"/>
-          <p:cNvSpPr txBox="1"/>
+              <a:t> </a:t>
+            </a:r>
+            <a:endParaRPr lang="en-AU" dirty="0" smtClean="0"/>
+          </a:p>
+          <a:p>
+            <a:pPr lvl="2"/>
+            <a:endParaRPr lang="en-AU" sz="2000" dirty="0"/>
+          </a:p>
+          <a:p>
+            <a:pPr marL="285750" lvl="2" indent="-285750"/>
+            <a:r>
+              <a:rPr lang="en-AU" sz="2000" dirty="0" smtClean="0"/>
+              <a:t>Enrichment in </a:t>
+            </a:r>
+            <a:r>
+              <a:rPr lang="en-AU" sz="2000" dirty="0" err="1" smtClean="0"/>
+              <a:t>adherens</a:t>
+            </a:r>
+            <a:r>
+              <a:rPr lang="en-AU" sz="2000" dirty="0" smtClean="0"/>
+              <a:t> junction pathways. </a:t>
+            </a:r>
+            <a:endParaRPr lang="en-AU" sz="2000" dirty="0" smtClean="0"/>
+          </a:p>
+          <a:p>
+            <a:pPr lvl="1"/>
+            <a:endParaRPr lang="en-AU" dirty="0" smtClean="0"/>
+          </a:p>
+        </p:txBody>
+      </p:sp>
+      <p:pic>
+        <p:nvPicPr>
+          <p:cNvPr id="4" name="Picture 3"/>
+          <p:cNvPicPr>
+            <a:picLocks noChangeAspect="1"/>
+          </p:cNvPicPr>
           <p:nvPr/>
-        </p:nvSpPr>
+        </p:nvPicPr>
+        <p:blipFill>
+          <a:blip r:embed="rId2"/>
+          <a:stretch>
+            <a:fillRect/>
+          </a:stretch>
+        </p:blipFill>
         <p:spPr>
           <a:xfrm>
-            <a:off x="6743700" y="2281873"/>
-            <a:ext cx="4543425" cy="2523768"/>
+            <a:off x="839341" y="2646042"/>
+            <a:ext cx="3537993" cy="2271947"/>
           </a:xfrm>
           <a:prstGeom prst="rect">
             <a:avLst/>
           </a:prstGeom>
-          <a:noFill/>
         </p:spPr>
-        <p:txBody>
-          <a:bodyPr wrap="square" rtlCol="0">
-            <a:spAutoFit/>
-          </a:bodyPr>
-          <a:lstStyle/>
-          <a:p>
-            <a:pPr marL="342900" indent="-342900">
-              <a:buFont typeface="Arial" panose="020B0604020202020204" pitchFamily="34" charset="0"/>
-              <a:buChar char="•"/>
-            </a:pPr>
-            <a:r>
-              <a:rPr lang="en-AU" sz="2000" dirty="0" smtClean="0"/>
-              <a:t>Assessing the biogenesis increase under hypoxia</a:t>
-            </a:r>
-          </a:p>
-          <a:p>
-            <a:pPr marL="285750" indent="-285750">
-              <a:buFont typeface="Arial" panose="020B0604020202020204" pitchFamily="34" charset="0"/>
-              <a:buChar char="•"/>
-            </a:pPr>
-            <a:endParaRPr lang="en-AU" sz="2000" dirty="0"/>
-          </a:p>
-          <a:p>
-            <a:pPr marL="285750" indent="-285750">
-              <a:buFont typeface="Arial" panose="020B0604020202020204" pitchFamily="34" charset="0"/>
-              <a:buChar char="•"/>
-            </a:pPr>
-            <a:r>
-              <a:rPr lang="en-AU" sz="2000" dirty="0" smtClean="0"/>
-              <a:t>Further assess the proposed mechanism</a:t>
-            </a:r>
-          </a:p>
-          <a:p>
-            <a:pPr marL="285750" indent="-285750">
-              <a:buFont typeface="Arial" panose="020B0604020202020204" pitchFamily="34" charset="0"/>
-              <a:buChar char="•"/>
-            </a:pPr>
-            <a:endParaRPr lang="en-AU" sz="2000" dirty="0" smtClean="0"/>
-          </a:p>
-          <a:p>
-            <a:pPr marL="285750" indent="-285750">
-              <a:buFont typeface="Arial" panose="020B0604020202020204" pitchFamily="34" charset="0"/>
-              <a:buChar char="•"/>
-            </a:pPr>
-            <a:r>
-              <a:rPr lang="en-AU" sz="2000" dirty="0" smtClean="0"/>
-              <a:t>Explore other avenues; </a:t>
-            </a:r>
-            <a:r>
-              <a:rPr lang="en-AU" sz="2000" dirty="0" err="1" smtClean="0"/>
-              <a:t>eg</a:t>
-            </a:r>
-            <a:r>
-              <a:rPr lang="en-AU" sz="2000" dirty="0" smtClean="0"/>
-              <a:t> RNA. </a:t>
-            </a:r>
-          </a:p>
-          <a:p>
-            <a:endParaRPr lang="en-AU" dirty="0"/>
-          </a:p>
-        </p:txBody>
-      </p:sp>
+      </p:pic>
     </p:spTree>
     <p:extLst>
       <p:ext uri="{BB962C8B-B14F-4D97-AF65-F5344CB8AC3E}">
-        <p14:creationId xmlns:p14="http://schemas.microsoft.com/office/powerpoint/2010/main" val="500202845"/>
+        <p14:creationId xmlns:p14="http://schemas.microsoft.com/office/powerpoint/2010/main" val="3153417084"/>
       </p:ext>
     </p:extLst>
   </p:cSld>
@@ -8802,22 +8848,92 @@
           <a:lstStyle/>
           <a:p>
             <a:r>
-              <a:rPr lang="en-US" sz="3600" dirty="0" smtClean="0"/>
-              <a:t>Conclusion and Proposed Mechanism</a:t>
-            </a:r>
-            <a:endParaRPr lang="en-AU" sz="3600" dirty="0"/>
+              <a:rPr lang="en-AU" dirty="0" smtClean="0"/>
+              <a:t>Are </a:t>
+            </a:r>
+            <a:r>
+              <a:rPr lang="en-AU" dirty="0" err="1" smtClean="0"/>
+              <a:t>adherens</a:t>
+            </a:r>
+            <a:r>
+              <a:rPr lang="en-AU" dirty="0" smtClean="0"/>
+              <a:t> being targeted?</a:t>
+            </a:r>
+            <a:endParaRPr lang="en-AU" dirty="0"/>
+          </a:p>
+        </p:txBody>
+      </p:sp>
+      <p:sp>
+        <p:nvSpPr>
+          <p:cNvPr id="3" name="Content Placeholder 2"/>
+          <p:cNvSpPr>
+            <a:spLocks noGrp="1"/>
+          </p:cNvSpPr>
+          <p:nvPr>
+            <p:ph idx="1"/>
+          </p:nvPr>
+        </p:nvSpPr>
+        <p:spPr>
+          <a:xfrm>
+            <a:off x="4893276" y="2191001"/>
+            <a:ext cx="5477853" cy="4666999"/>
+          </a:xfrm>
+        </p:spPr>
+        <p:txBody>
+          <a:bodyPr/>
+          <a:lstStyle/>
+          <a:p>
+            <a:r>
+              <a:rPr lang="en-AU" dirty="0" err="1" smtClean="0"/>
+              <a:t>Adherens</a:t>
+            </a:r>
+            <a:r>
+              <a:rPr lang="en-AU" dirty="0" smtClean="0"/>
+              <a:t> Junction proteins: E-cadherin bound to cytosolic beta-catenin. </a:t>
+            </a:r>
+          </a:p>
+          <a:p>
+            <a:endParaRPr lang="en-AU" dirty="0"/>
+          </a:p>
+          <a:p>
+            <a:r>
+              <a:rPr lang="en-AU" dirty="0" smtClean="0"/>
+              <a:t>PARP (nuclear control)</a:t>
+            </a:r>
+          </a:p>
+          <a:p>
+            <a:r>
+              <a:rPr lang="en-AU" dirty="0" smtClean="0"/>
+              <a:t>Alpha-tubulin </a:t>
+            </a:r>
+            <a:r>
+              <a:rPr lang="en-AU" dirty="0"/>
+              <a:t>(</a:t>
+            </a:r>
+            <a:r>
+              <a:rPr lang="en-AU" dirty="0" smtClean="0"/>
+              <a:t>cytoplasmic control)</a:t>
+            </a:r>
+          </a:p>
+          <a:p>
+            <a:endParaRPr lang="en-AU" dirty="0"/>
+          </a:p>
+          <a:p>
+            <a:r>
+              <a:rPr lang="en-AU" dirty="0" smtClean="0"/>
+              <a:t>Decrease in membrane E-cad resulted in increased nuclear and cytoplasmic catenin. </a:t>
+            </a:r>
+            <a:endParaRPr lang="en-AU" dirty="0"/>
           </a:p>
         </p:txBody>
       </p:sp>
       <p:pic>
         <p:nvPicPr>
-          <p:cNvPr id="4" name="Content Placeholder 3"/>
+          <p:cNvPr id="6" name="Picture 5"/>
           <p:cNvPicPr>
-            <a:picLocks noGrp="1" noChangeAspect="1"/>
+            <a:picLocks noChangeAspect="1"/>
           </p:cNvPicPr>
-          <p:nvPr>
-            <p:ph idx="1"/>
-          </p:nvPr>
+          <p:nvPr/>
         </p:nvPicPr>
         <p:blipFill>
           <a:blip r:embed="rId2"/>
@@ -8827,38 +8943,654 @@
         </p:blipFill>
         <p:spPr>
           <a:xfrm>
-            <a:off x="646111" y="1853248"/>
-            <a:ext cx="3143250" cy="3305175"/>
+            <a:off x="967387" y="1581400"/>
+            <a:ext cx="3530473" cy="4596820"/>
           </a:xfrm>
           <a:prstGeom prst="rect">
             <a:avLst/>
           </a:prstGeom>
         </p:spPr>
       </p:pic>
+    </p:spTree>
+    <p:extLst>
+      <p:ext uri="{BB962C8B-B14F-4D97-AF65-F5344CB8AC3E}">
+        <p14:creationId xmlns:p14="http://schemas.microsoft.com/office/powerpoint/2010/main" val="839966030"/>
+      </p:ext>
+    </p:extLst>
+  </p:cSld>
+  <p:clrMapOvr>
+    <a:masterClrMapping/>
+  </p:clrMapOvr>
+</p:sld>
+</file>
+
+<file path=ppt/slides/slide14.xml><?xml version="1.0" encoding="utf-8"?>
+<p:sld xmlns:a="http://schemas.openxmlformats.org/drawingml/2006/main" xmlns:r="http://schemas.openxmlformats.org/officeDocument/2006/relationships" xmlns:p="http://schemas.openxmlformats.org/presentationml/2006/main">
+  <p:cSld>
+    <p:spTree>
+      <p:nvGrpSpPr>
+        <p:cNvPr id="1" name=""/>
+        <p:cNvGrpSpPr/>
+        <p:nvPr/>
+      </p:nvGrpSpPr>
+      <p:grpSpPr>
+        <a:xfrm>
+          <a:off x="0" y="0"/>
+          <a:ext cx="0" cy="0"/>
+          <a:chOff x="0" y="0"/>
+          <a:chExt cx="0" cy="0"/>
+        </a:xfrm>
+      </p:grpSpPr>
+      <p:sp>
+        <p:nvSpPr>
+          <p:cNvPr id="2" name="Title 1"/>
+          <p:cNvSpPr>
+            <a:spLocks noGrp="1"/>
+          </p:cNvSpPr>
+          <p:nvPr>
+            <p:ph type="title"/>
+          </p:nvPr>
+        </p:nvSpPr>
+        <p:spPr/>
+        <p:txBody>
+          <a:bodyPr/>
+          <a:lstStyle/>
+          <a:p>
+            <a:r>
+              <a:rPr lang="en-US" sz="3600" dirty="0" smtClean="0"/>
+              <a:t>Limitation and strengths, future directions. </a:t>
+            </a:r>
+            <a:endParaRPr lang="en-AU" sz="3600" dirty="0"/>
+          </a:p>
+        </p:txBody>
+      </p:sp>
+      <p:sp>
+        <p:nvSpPr>
+          <p:cNvPr id="3" name="Content Placeholder 2"/>
+          <p:cNvSpPr>
+            <a:spLocks noGrp="1"/>
+          </p:cNvSpPr>
+          <p:nvPr>
+            <p:ph idx="1"/>
+          </p:nvPr>
+        </p:nvSpPr>
+        <p:spPr>
+          <a:xfrm>
+            <a:off x="1103312" y="1779374"/>
+            <a:ext cx="4611687" cy="4269356"/>
+          </a:xfrm>
+        </p:spPr>
+        <p:txBody>
+          <a:bodyPr/>
+          <a:lstStyle/>
+          <a:p>
+            <a:pPr marL="0" indent="0">
+              <a:buNone/>
+            </a:pPr>
+            <a:r>
+              <a:rPr lang="en-AU" dirty="0" smtClean="0"/>
+              <a:t>Strengths:</a:t>
+            </a:r>
+            <a:endParaRPr lang="en-AU" dirty="0" smtClean="0"/>
+          </a:p>
+          <a:p>
+            <a:r>
+              <a:rPr lang="en-AU" dirty="0" smtClean="0"/>
+              <a:t>Supported </a:t>
+            </a:r>
+            <a:r>
+              <a:rPr lang="en-AU" dirty="0" smtClean="0"/>
+              <a:t>the hypothesis. </a:t>
+            </a:r>
+          </a:p>
+          <a:p>
+            <a:r>
+              <a:rPr lang="en-AU" dirty="0" smtClean="0"/>
+              <a:t>Use of several cell lines. </a:t>
+            </a:r>
+          </a:p>
+          <a:p>
+            <a:r>
+              <a:rPr lang="en-AU" dirty="0" smtClean="0"/>
+              <a:t>Great starting </a:t>
+            </a:r>
+            <a:r>
+              <a:rPr lang="en-AU" dirty="0" smtClean="0"/>
+              <a:t>point</a:t>
+            </a:r>
+          </a:p>
+          <a:p>
+            <a:endParaRPr lang="en-AU" dirty="0" smtClean="0"/>
+          </a:p>
+          <a:p>
+            <a:pPr marL="0" indent="0">
+              <a:buNone/>
+            </a:pPr>
+            <a:r>
+              <a:rPr lang="en-AU" dirty="0" smtClean="0"/>
+              <a:t>Limitations: </a:t>
+            </a:r>
+            <a:endParaRPr lang="en-AU" dirty="0"/>
+          </a:p>
+          <a:p>
+            <a:r>
+              <a:rPr lang="en-AU" dirty="0" smtClean="0"/>
+              <a:t>Some clarity is lacking</a:t>
+            </a:r>
+          </a:p>
+          <a:p>
+            <a:r>
+              <a:rPr lang="en-AU" dirty="0" smtClean="0"/>
+              <a:t>Some </a:t>
+            </a:r>
+            <a:r>
+              <a:rPr lang="en-AU" dirty="0" smtClean="0"/>
+              <a:t>results were not </a:t>
+            </a:r>
+            <a:r>
+              <a:rPr lang="en-AU" dirty="0" smtClean="0"/>
+              <a:t>thoroughly discussed</a:t>
+            </a:r>
+            <a:r>
+              <a:rPr lang="en-AU" dirty="0" smtClean="0"/>
+              <a:t>. </a:t>
+            </a:r>
+            <a:endParaRPr lang="en-AU" dirty="0"/>
+          </a:p>
+        </p:txBody>
+      </p:sp>
+      <p:sp>
+        <p:nvSpPr>
+          <p:cNvPr id="4" name="TextBox 3"/>
+          <p:cNvSpPr txBox="1"/>
+          <p:nvPr/>
+        </p:nvSpPr>
+        <p:spPr>
+          <a:xfrm>
+            <a:off x="6743700" y="2281873"/>
+            <a:ext cx="4543425" cy="2215991"/>
+          </a:xfrm>
+          <a:prstGeom prst="rect">
+            <a:avLst/>
+          </a:prstGeom>
+          <a:noFill/>
+        </p:spPr>
+        <p:txBody>
+          <a:bodyPr wrap="square" rtlCol="0">
+            <a:spAutoFit/>
+          </a:bodyPr>
+          <a:lstStyle/>
+          <a:p>
+            <a:r>
+              <a:rPr lang="en-AU" sz="2000" dirty="0" smtClean="0"/>
+              <a:t>Future directions: </a:t>
+            </a:r>
+          </a:p>
+          <a:p>
+            <a:endParaRPr lang="en-AU" sz="2000" dirty="0"/>
+          </a:p>
+          <a:p>
+            <a:pPr marL="285750" indent="-285750">
+              <a:buFont typeface="Arial" panose="020B0604020202020204" pitchFamily="34" charset="0"/>
+              <a:buChar char="•"/>
+            </a:pPr>
+            <a:r>
+              <a:rPr lang="en-AU" sz="2000" dirty="0" smtClean="0"/>
+              <a:t>Further assess the proposed mechanism</a:t>
+            </a:r>
+          </a:p>
+          <a:p>
+            <a:pPr marL="285750" indent="-285750">
+              <a:buFont typeface="Arial" panose="020B0604020202020204" pitchFamily="34" charset="0"/>
+              <a:buChar char="•"/>
+            </a:pPr>
+            <a:endParaRPr lang="en-AU" sz="2000" dirty="0" smtClean="0"/>
+          </a:p>
+          <a:p>
+            <a:pPr marL="285750" indent="-285750">
+              <a:buFont typeface="Arial" panose="020B0604020202020204" pitchFamily="34" charset="0"/>
+              <a:buChar char="•"/>
+            </a:pPr>
+            <a:r>
+              <a:rPr lang="en-AU" sz="2000" dirty="0" smtClean="0"/>
+              <a:t>Explore other avenues; </a:t>
+            </a:r>
+            <a:r>
+              <a:rPr lang="en-AU" sz="2000" dirty="0" err="1" smtClean="0"/>
+              <a:t>eg</a:t>
+            </a:r>
+            <a:r>
+              <a:rPr lang="en-AU" sz="2000" dirty="0" smtClean="0"/>
+              <a:t> RNA. </a:t>
+            </a:r>
+          </a:p>
+          <a:p>
+            <a:endParaRPr lang="en-AU" dirty="0"/>
+          </a:p>
+        </p:txBody>
+      </p:sp>
+    </p:spTree>
+    <p:extLst>
+      <p:ext uri="{BB962C8B-B14F-4D97-AF65-F5344CB8AC3E}">
+        <p14:creationId xmlns:p14="http://schemas.microsoft.com/office/powerpoint/2010/main" val="500202845"/>
+      </p:ext>
+    </p:extLst>
+  </p:cSld>
+  <p:clrMapOvr>
+    <a:masterClrMapping/>
+  </p:clrMapOvr>
+  <p:timing>
+    <p:tnLst>
+      <p:par>
+        <p:cTn id="1" dur="indefinite" restart="never" nodeType="tmRoot"/>
+      </p:par>
+    </p:tnLst>
+  </p:timing>
+</p:sld>
+</file>
+
+<file path=ppt/slides/slide15.xml><?xml version="1.0" encoding="utf-8"?>
+<p:sld xmlns:a="http://schemas.openxmlformats.org/drawingml/2006/main" xmlns:r="http://schemas.openxmlformats.org/officeDocument/2006/relationships" xmlns:p="http://schemas.openxmlformats.org/presentationml/2006/main">
+  <p:cSld>
+    <p:spTree>
+      <p:nvGrpSpPr>
+        <p:cNvPr id="1" name=""/>
+        <p:cNvGrpSpPr/>
+        <p:nvPr/>
+      </p:nvGrpSpPr>
+      <p:grpSpPr>
+        <a:xfrm>
+          <a:off x="0" y="0"/>
+          <a:ext cx="0" cy="0"/>
+          <a:chOff x="0" y="0"/>
+          <a:chExt cx="0" cy="0"/>
+        </a:xfrm>
+      </p:grpSpPr>
+      <p:sp>
+        <p:nvSpPr>
+          <p:cNvPr id="2" name="Title 1"/>
+          <p:cNvSpPr>
+            <a:spLocks noGrp="1"/>
+          </p:cNvSpPr>
+          <p:nvPr>
+            <p:ph type="title"/>
+          </p:nvPr>
+        </p:nvSpPr>
+        <p:spPr>
+          <a:xfrm>
+            <a:off x="646111" y="452718"/>
+            <a:ext cx="9404723" cy="857098"/>
+          </a:xfrm>
+        </p:spPr>
+        <p:txBody>
+          <a:bodyPr/>
+          <a:lstStyle/>
+          <a:p>
+            <a:r>
+              <a:rPr lang="en-US" sz="3600" dirty="0" smtClean="0"/>
+              <a:t>Conclusion and Proposed Mechanism</a:t>
+            </a:r>
+            <a:endParaRPr lang="en-AU" sz="3600" dirty="0"/>
+          </a:p>
+        </p:txBody>
+      </p:sp>
       <p:pic>
         <p:nvPicPr>
-          <p:cNvPr id="5" name="Picture 4"/>
+          <p:cNvPr id="4" name="Content Placeholder 3"/>
           <p:cNvPicPr>
-            <a:picLocks noChangeAspect="1"/>
+            <a:picLocks noGrp="1" noChangeAspect="1"/>
           </p:cNvPicPr>
-          <p:nvPr/>
+          <p:nvPr>
+            <p:ph idx="1"/>
+          </p:nvPr>
         </p:nvPicPr>
         <p:blipFill>
-          <a:blip r:embed="rId3"/>
+          <a:blip r:embed="rId2"/>
           <a:stretch>
             <a:fillRect/>
           </a:stretch>
         </p:blipFill>
         <p:spPr>
           <a:xfrm>
-            <a:off x="3789361" y="1853248"/>
-            <a:ext cx="2538457" cy="3305175"/>
+            <a:off x="942674" y="1853248"/>
+            <a:ext cx="4000030" cy="4206092"/>
           </a:xfrm>
           <a:prstGeom prst="rect">
             <a:avLst/>
           </a:prstGeom>
         </p:spPr>
       </p:pic>
+      <p:sp>
+        <p:nvSpPr>
+          <p:cNvPr id="7" name="Content Placeholder 2"/>
+          <p:cNvSpPr txBox="1">
+            <a:spLocks/>
+          </p:cNvSpPr>
+          <p:nvPr/>
+        </p:nvSpPr>
+        <p:spPr>
+          <a:xfrm>
+            <a:off x="4942704" y="2223951"/>
+            <a:ext cx="6316053" cy="4195481"/>
+          </a:xfrm>
+          <a:prstGeom prst="rect">
+            <a:avLst/>
+          </a:prstGeom>
+        </p:spPr>
+        <p:txBody>
+          <a:bodyPr vert="horz" lIns="91440" tIns="45720" rIns="91440" bIns="45720" rtlCol="0">
+            <a:normAutofit/>
+          </a:bodyPr>
+          <a:lstStyle>
+            <a:lvl1pPr marL="342900" indent="-342900" algn="l" defTabSz="457200" rtl="0" eaLnBrk="1" latinLnBrk="0" hangingPunct="1">
+              <a:spcBef>
+                <a:spcPts val="1000"/>
+              </a:spcBef>
+              <a:spcAft>
+                <a:spcPts val="0"/>
+              </a:spcAft>
+              <a:buClr>
+                <a:schemeClr val="bg2">
+                  <a:lumMod val="40000"/>
+                  <a:lumOff val="60000"/>
+                </a:schemeClr>
+              </a:buClr>
+              <a:buSzPct val="80000"/>
+              <a:buFont typeface="Wingdings 3" charset="2"/>
+              <a:buChar char=""/>
+              <a:defRPr sz="2000" b="0" i="0" kern="1200">
+                <a:solidFill>
+                  <a:schemeClr val="tx1"/>
+                </a:solidFill>
+                <a:latin typeface="+mj-lt"/>
+                <a:ea typeface="+mj-ea"/>
+                <a:cs typeface="+mj-cs"/>
+              </a:defRPr>
+            </a:lvl1pPr>
+            <a:lvl2pPr marL="742950" indent="-285750" algn="l" defTabSz="457200" rtl="0" eaLnBrk="1" latinLnBrk="0" hangingPunct="1">
+              <a:spcBef>
+                <a:spcPts val="1000"/>
+              </a:spcBef>
+              <a:spcAft>
+                <a:spcPts val="0"/>
+              </a:spcAft>
+              <a:buClr>
+                <a:schemeClr val="bg2">
+                  <a:lumMod val="40000"/>
+                  <a:lumOff val="60000"/>
+                </a:schemeClr>
+              </a:buClr>
+              <a:buSzPct val="80000"/>
+              <a:buFont typeface="Wingdings 3" charset="2"/>
+              <a:buChar char=""/>
+              <a:defRPr sz="1800" b="0" i="0" kern="1200">
+                <a:solidFill>
+                  <a:schemeClr val="tx1"/>
+                </a:solidFill>
+                <a:latin typeface="+mj-lt"/>
+                <a:ea typeface="+mj-ea"/>
+                <a:cs typeface="+mj-cs"/>
+              </a:defRPr>
+            </a:lvl2pPr>
+            <a:lvl3pPr marL="1143000" indent="-228600" algn="l" defTabSz="457200" rtl="0" eaLnBrk="1" latinLnBrk="0" hangingPunct="1">
+              <a:spcBef>
+                <a:spcPts val="1000"/>
+              </a:spcBef>
+              <a:spcAft>
+                <a:spcPts val="0"/>
+              </a:spcAft>
+              <a:buClr>
+                <a:schemeClr val="bg2">
+                  <a:lumMod val="40000"/>
+                  <a:lumOff val="60000"/>
+                </a:schemeClr>
+              </a:buClr>
+              <a:buSzPct val="80000"/>
+              <a:buFont typeface="Wingdings 3" charset="2"/>
+              <a:buChar char=""/>
+              <a:defRPr sz="1600" b="0" i="0" kern="1200">
+                <a:solidFill>
+                  <a:schemeClr val="tx1"/>
+                </a:solidFill>
+                <a:latin typeface="+mj-lt"/>
+                <a:ea typeface="+mj-ea"/>
+                <a:cs typeface="+mj-cs"/>
+              </a:defRPr>
+            </a:lvl3pPr>
+            <a:lvl4pPr marL="1600200" indent="-228600" algn="l" defTabSz="457200" rtl="0" eaLnBrk="1" latinLnBrk="0" hangingPunct="1">
+              <a:spcBef>
+                <a:spcPts val="1000"/>
+              </a:spcBef>
+              <a:spcAft>
+                <a:spcPts val="0"/>
+              </a:spcAft>
+              <a:buClr>
+                <a:schemeClr val="bg2">
+                  <a:lumMod val="40000"/>
+                  <a:lumOff val="60000"/>
+                </a:schemeClr>
+              </a:buClr>
+              <a:buSzPct val="80000"/>
+              <a:buFont typeface="Wingdings 3" charset="2"/>
+              <a:buChar char=""/>
+              <a:defRPr sz="1400" b="0" i="0" kern="1200">
+                <a:solidFill>
+                  <a:schemeClr val="tx1"/>
+                </a:solidFill>
+                <a:latin typeface="+mj-lt"/>
+                <a:ea typeface="+mj-ea"/>
+                <a:cs typeface="+mj-cs"/>
+              </a:defRPr>
+            </a:lvl4pPr>
+            <a:lvl5pPr marL="2057400" indent="-228600" algn="l" defTabSz="457200" rtl="0" eaLnBrk="1" latinLnBrk="0" hangingPunct="1">
+              <a:spcBef>
+                <a:spcPts val="1000"/>
+              </a:spcBef>
+              <a:spcAft>
+                <a:spcPts val="0"/>
+              </a:spcAft>
+              <a:buClr>
+                <a:schemeClr val="bg2">
+                  <a:lumMod val="40000"/>
+                  <a:lumOff val="60000"/>
+                </a:schemeClr>
+              </a:buClr>
+              <a:buSzPct val="80000"/>
+              <a:buFont typeface="Wingdings 3" charset="2"/>
+              <a:buChar char=""/>
+              <a:defRPr sz="1400" b="0" i="0" kern="1200">
+                <a:solidFill>
+                  <a:schemeClr val="tx1"/>
+                </a:solidFill>
+                <a:latin typeface="+mj-lt"/>
+                <a:ea typeface="+mj-ea"/>
+                <a:cs typeface="+mj-cs"/>
+              </a:defRPr>
+            </a:lvl5pPr>
+            <a:lvl6pPr marL="2506000" indent="-228600" algn="l" defTabSz="457200" rtl="0" eaLnBrk="1" latinLnBrk="0" hangingPunct="1">
+              <a:spcBef>
+                <a:spcPts val="1000"/>
+              </a:spcBef>
+              <a:spcAft>
+                <a:spcPts val="0"/>
+              </a:spcAft>
+              <a:buClr>
+                <a:schemeClr val="bg2">
+                  <a:lumMod val="40000"/>
+                  <a:lumOff val="60000"/>
+                </a:schemeClr>
+              </a:buClr>
+              <a:buSzPct val="80000"/>
+              <a:buFont typeface="Wingdings 3" charset="2"/>
+              <a:buChar char=""/>
+              <a:defRPr sz="1400" b="0" i="0" kern="1200">
+                <a:solidFill>
+                  <a:schemeClr val="tx1"/>
+                </a:solidFill>
+                <a:latin typeface="+mj-lt"/>
+                <a:ea typeface="+mj-ea"/>
+                <a:cs typeface="+mj-cs"/>
+              </a:defRPr>
+            </a:lvl6pPr>
+            <a:lvl7pPr marL="2971800" indent="-228600" algn="l" defTabSz="457200" rtl="0" eaLnBrk="1" latinLnBrk="0" hangingPunct="1">
+              <a:spcBef>
+                <a:spcPts val="1000"/>
+              </a:spcBef>
+              <a:spcAft>
+                <a:spcPts val="0"/>
+              </a:spcAft>
+              <a:buClr>
+                <a:schemeClr val="bg2">
+                  <a:lumMod val="40000"/>
+                  <a:lumOff val="60000"/>
+                </a:schemeClr>
+              </a:buClr>
+              <a:buSzPct val="80000"/>
+              <a:buFont typeface="Wingdings 3" charset="2"/>
+              <a:buChar char=""/>
+              <a:defRPr sz="1400" b="0" i="0" kern="1200">
+                <a:solidFill>
+                  <a:schemeClr val="tx1"/>
+                </a:solidFill>
+                <a:latin typeface="+mj-lt"/>
+                <a:ea typeface="+mj-ea"/>
+                <a:cs typeface="+mj-cs"/>
+              </a:defRPr>
+            </a:lvl7pPr>
+            <a:lvl8pPr marL="3429000" indent="-228600" algn="l" defTabSz="457200" rtl="0" eaLnBrk="1" latinLnBrk="0" hangingPunct="1">
+              <a:spcBef>
+                <a:spcPts val="1000"/>
+              </a:spcBef>
+              <a:spcAft>
+                <a:spcPts val="0"/>
+              </a:spcAft>
+              <a:buClr>
+                <a:schemeClr val="bg2">
+                  <a:lumMod val="40000"/>
+                  <a:lumOff val="60000"/>
+                </a:schemeClr>
+              </a:buClr>
+              <a:buSzPct val="80000"/>
+              <a:buFont typeface="Wingdings 3" charset="2"/>
+              <a:buChar char=""/>
+              <a:defRPr sz="1400" b="0" i="0" kern="1200">
+                <a:solidFill>
+                  <a:schemeClr val="tx1"/>
+                </a:solidFill>
+                <a:latin typeface="+mj-lt"/>
+                <a:ea typeface="+mj-ea"/>
+                <a:cs typeface="+mj-cs"/>
+              </a:defRPr>
+            </a:lvl8pPr>
+            <a:lvl9pPr marL="3886200" indent="-228600" algn="l" defTabSz="457200" rtl="0" eaLnBrk="1" latinLnBrk="0" hangingPunct="1">
+              <a:spcBef>
+                <a:spcPts val="1000"/>
+              </a:spcBef>
+              <a:spcAft>
+                <a:spcPts val="0"/>
+              </a:spcAft>
+              <a:buClr>
+                <a:schemeClr val="bg2">
+                  <a:lumMod val="40000"/>
+                  <a:lumOff val="60000"/>
+                </a:schemeClr>
+              </a:buClr>
+              <a:buSzPct val="80000"/>
+              <a:buFont typeface="Wingdings 3" charset="2"/>
+              <a:buChar char=""/>
+              <a:defRPr sz="1400" b="0" i="0" kern="1200">
+                <a:solidFill>
+                  <a:schemeClr val="tx1"/>
+                </a:solidFill>
+                <a:latin typeface="+mj-lt"/>
+                <a:ea typeface="+mj-ea"/>
+                <a:cs typeface="+mj-cs"/>
+              </a:defRPr>
+            </a:lvl9pPr>
+          </a:lstStyle>
+          <a:p>
+            <a:pPr marL="457200" lvl="1" indent="0">
+              <a:buNone/>
+            </a:pPr>
+            <a:r>
+              <a:rPr lang="en-AU" sz="2000" dirty="0" smtClean="0"/>
+              <a:t>Hypothesis: </a:t>
+            </a:r>
+          </a:p>
+          <a:p>
+            <a:pPr marL="457200" lvl="1" indent="358775" algn="ctr">
+              <a:buNone/>
+            </a:pPr>
+            <a:r>
+              <a:rPr lang="en-AU" sz="2000" dirty="0" smtClean="0"/>
+              <a:t>Hypoxic </a:t>
+            </a:r>
+            <a:r>
+              <a:rPr lang="en-AU" sz="2000" dirty="0"/>
+              <a:t>prostate tumour cells secrete </a:t>
+            </a:r>
+            <a:r>
+              <a:rPr lang="en-AU" sz="2000" dirty="0" err="1"/>
+              <a:t>exosomes</a:t>
+            </a:r>
+            <a:r>
+              <a:rPr lang="en-AU" sz="2000" dirty="0"/>
+              <a:t> containing pro-invasive, and metastasising proteins which can be absorbed by surrounding </a:t>
+            </a:r>
+            <a:r>
+              <a:rPr lang="en-AU" sz="2000" dirty="0" smtClean="0"/>
+              <a:t>cells…..</a:t>
+            </a:r>
+          </a:p>
+          <a:p>
+            <a:pPr marL="457200" lvl="1" indent="358775" algn="ctr">
+              <a:buNone/>
+            </a:pPr>
+            <a:r>
+              <a:rPr lang="en-AU" sz="2000" dirty="0" smtClean="0">
+                <a:solidFill>
+                  <a:srgbClr val="FF0000"/>
+                </a:solidFill>
+              </a:rPr>
+              <a:t>SUPPORTED!</a:t>
+            </a:r>
+            <a:r>
+              <a:rPr lang="en-AU" sz="2000" dirty="0" smtClean="0"/>
+              <a:t> </a:t>
+            </a:r>
+          </a:p>
+          <a:p>
+            <a:pPr marL="457200" lvl="1" indent="358775">
+              <a:buNone/>
+            </a:pPr>
+            <a:endParaRPr lang="en-AU" sz="2000" dirty="0"/>
+          </a:p>
+          <a:p>
+            <a:pPr marL="457200" lvl="1" indent="358775">
+              <a:buNone/>
+            </a:pPr>
+            <a:r>
+              <a:rPr lang="en-AU" sz="2000" dirty="0" smtClean="0"/>
+              <a:t>PLUS: </a:t>
+            </a:r>
+            <a:r>
+              <a:rPr lang="en-AU" sz="2000" i="1" dirty="0" smtClean="0"/>
+              <a:t>suggested</a:t>
+            </a:r>
+            <a:r>
+              <a:rPr lang="en-AU" sz="2000" dirty="0" smtClean="0"/>
+              <a:t> how this occurs. </a:t>
+            </a:r>
+            <a:endParaRPr lang="en-AU" sz="2000" dirty="0"/>
+          </a:p>
+          <a:p>
+            <a:pPr marL="457200" lvl="1" indent="0">
+              <a:buNone/>
+            </a:pPr>
+            <a:endParaRPr lang="en-AU" sz="2000" dirty="0" smtClean="0"/>
+          </a:p>
+        </p:txBody>
+      </p:sp>
     </p:spTree>
     <p:extLst>
       <p:ext uri="{BB962C8B-B14F-4D97-AF65-F5344CB8AC3E}">
@@ -8879,7 +9611,7 @@
 </p:sld>
 </file>
 
-<file path=ppt/slides/slide14.xml><?xml version="1.0" encoding="utf-8"?>
+<file path=ppt/slides/slide16.xml><?xml version="1.0" encoding="utf-8"?>
 <p:sld xmlns:a="http://schemas.openxmlformats.org/drawingml/2006/main" xmlns:r="http://schemas.openxmlformats.org/officeDocument/2006/relationships" xmlns:p="http://schemas.openxmlformats.org/presentationml/2006/main">
   <p:cSld>
     <p:spTree>
@@ -9154,7 +9886,7 @@
         </p:spPr>
         <p:txBody>
           <a:bodyPr>
-            <a:normAutofit lnSpcReduction="10000"/>
+            <a:normAutofit/>
           </a:bodyPr>
           <a:lstStyle/>
           <a:p>
@@ -9169,35 +9901,31 @@
           <a:p>
             <a:r>
               <a:rPr lang="en-US" dirty="0" smtClean="0"/>
+              <a:t>Intercellular communication. </a:t>
+            </a:r>
+            <a:endParaRPr lang="en-US" dirty="0" smtClean="0"/>
+          </a:p>
+          <a:p>
+            <a:endParaRPr lang="en-US" dirty="0" smtClean="0"/>
+          </a:p>
+          <a:p>
+            <a:r>
+              <a:rPr lang="en-US" dirty="0" smtClean="0"/>
+              <a:t>Limited details surrounding</a:t>
+            </a:r>
+            <a:r>
+              <a:rPr lang="en-US" dirty="0" smtClean="0"/>
               <a:t> </a:t>
             </a:r>
             <a:r>
-              <a:rPr lang="en-US" strike="sngStrike" dirty="0" smtClean="0"/>
-              <a:t>Garbage disposal</a:t>
-            </a:r>
-            <a:r>
               <a:rPr lang="en-US" dirty="0" smtClean="0"/>
-              <a:t>. </a:t>
-            </a:r>
-            <a:r>
-              <a:rPr lang="en-US" dirty="0" smtClean="0">
-                <a:latin typeface="Wingdings 3" panose="05040102010807070707" pitchFamily="18" charset="2"/>
-              </a:rPr>
-              <a:t>g</a:t>
+              <a:t>formation, sorting and </a:t>
             </a:r>
             <a:r>
               <a:rPr lang="en-US" dirty="0" smtClean="0"/>
-              <a:t> Intercellular communications. </a:t>
-            </a:r>
-          </a:p>
-          <a:p>
+              <a:t>content. </a:t>
+            </a:r>
             <a:endParaRPr lang="en-US" dirty="0" smtClean="0"/>
-          </a:p>
-          <a:p>
-            <a:r>
-              <a:rPr lang="en-US" dirty="0" smtClean="0"/>
-              <a:t>Little known about formation, sorting and content. </a:t>
-            </a:r>
           </a:p>
           <a:p>
             <a:endParaRPr lang="en-US" dirty="0"/>
@@ -9238,8 +9966,8 @@
         </p:blipFill>
         <p:spPr>
           <a:xfrm>
-            <a:off x="1112294" y="1597836"/>
-            <a:ext cx="3972479" cy="4296375"/>
+            <a:off x="912269" y="1354949"/>
+            <a:ext cx="4531269" cy="4900726"/>
           </a:xfrm>
           <a:prstGeom prst="rect">
             <a:avLst/>
@@ -9837,6 +10565,120 @@
             <p:ph type="title"/>
           </p:nvPr>
         </p:nvSpPr>
+        <p:spPr/>
+        <p:txBody>
+          <a:bodyPr/>
+          <a:lstStyle/>
+          <a:p>
+            <a:r>
+              <a:rPr lang="en-AU" dirty="0" smtClean="0"/>
+              <a:t>Cell Lines and Conditions</a:t>
+            </a:r>
+            <a:endParaRPr lang="en-AU" dirty="0"/>
+          </a:p>
+        </p:txBody>
+      </p:sp>
+      <p:sp>
+        <p:nvSpPr>
+          <p:cNvPr id="3" name="Content Placeholder 2"/>
+          <p:cNvSpPr>
+            <a:spLocks noGrp="1"/>
+          </p:cNvSpPr>
+          <p:nvPr>
+            <p:ph idx="1"/>
+          </p:nvPr>
+        </p:nvSpPr>
+        <p:spPr/>
+        <p:txBody>
+          <a:bodyPr/>
+          <a:lstStyle/>
+          <a:p>
+            <a:r>
+              <a:rPr lang="en-AU" dirty="0" smtClean="0"/>
+              <a:t>Use of </a:t>
+            </a:r>
+            <a:r>
+              <a:rPr lang="en-AU" dirty="0" err="1" smtClean="0"/>
+              <a:t>LNCaP</a:t>
+            </a:r>
+            <a:r>
+              <a:rPr lang="en-AU" dirty="0" smtClean="0"/>
+              <a:t> and PC3 cells were fit. </a:t>
+            </a:r>
+          </a:p>
+          <a:p>
+            <a:endParaRPr lang="en-AU" dirty="0" smtClean="0"/>
+          </a:p>
+          <a:p>
+            <a:r>
+              <a:rPr lang="en-AU" dirty="0" smtClean="0"/>
+              <a:t>Hypoxic conditions set to 1% oxygen. </a:t>
+            </a:r>
+          </a:p>
+          <a:p>
+            <a:endParaRPr lang="en-AU" dirty="0" smtClean="0"/>
+          </a:p>
+          <a:p>
+            <a:r>
+              <a:rPr lang="en-AU" dirty="0" err="1" smtClean="0"/>
+              <a:t>Exosomes</a:t>
+            </a:r>
+            <a:r>
+              <a:rPr lang="en-AU" dirty="0" smtClean="0"/>
+              <a:t> collected using </a:t>
+            </a:r>
+            <a:r>
+              <a:rPr lang="en-AU" dirty="0" err="1" smtClean="0"/>
+              <a:t>ultracentifiguation</a:t>
+            </a:r>
+            <a:r>
+              <a:rPr lang="en-AU" dirty="0" smtClean="0"/>
+              <a:t> or from kits. </a:t>
+            </a:r>
+            <a:endParaRPr lang="en-AU" dirty="0"/>
+          </a:p>
+        </p:txBody>
+      </p:sp>
+    </p:spTree>
+    <p:extLst>
+      <p:ext uri="{BB962C8B-B14F-4D97-AF65-F5344CB8AC3E}">
+        <p14:creationId xmlns:p14="http://schemas.microsoft.com/office/powerpoint/2010/main" val="1278020139"/>
+      </p:ext>
+    </p:extLst>
+  </p:cSld>
+  <p:clrMapOvr>
+    <a:masterClrMapping/>
+  </p:clrMapOvr>
+</p:sld>
+</file>
+
+<file path=ppt/slides/slide7.xml><?xml version="1.0" encoding="utf-8"?>
+<p:sld xmlns:a="http://schemas.openxmlformats.org/drawingml/2006/main" xmlns:r="http://schemas.openxmlformats.org/officeDocument/2006/relationships" xmlns:p="http://schemas.openxmlformats.org/presentationml/2006/main">
+  <p:cSld>
+    <p:spTree>
+      <p:nvGrpSpPr>
+        <p:cNvPr id="1" name=""/>
+        <p:cNvGrpSpPr/>
+        <p:nvPr/>
+      </p:nvGrpSpPr>
+      <p:grpSpPr>
+        <a:xfrm>
+          <a:off x="0" y="0"/>
+          <a:ext cx="0" cy="0"/>
+          <a:chOff x="0" y="0"/>
+          <a:chExt cx="0" cy="0"/>
+        </a:xfrm>
+      </p:grpSpPr>
+      <p:sp>
+        <p:nvSpPr>
+          <p:cNvPr id="2" name="Title 1"/>
+          <p:cNvSpPr>
+            <a:spLocks noGrp="1"/>
+          </p:cNvSpPr>
+          <p:nvPr>
+            <p:ph type="title"/>
+          </p:nvPr>
+        </p:nvSpPr>
         <p:spPr>
           <a:xfrm>
             <a:off x="646111" y="452718"/>
@@ -9878,12 +10720,12 @@
           <a:lstStyle/>
           <a:p>
             <a:r>
-              <a:rPr lang="en-US" dirty="0" err="1" smtClean="0"/>
-              <a:t>Nanotracker</a:t>
-            </a:r>
-            <a:r>
               <a:rPr lang="en-US" dirty="0" smtClean="0"/>
-              <a:t> analysis: size </a:t>
+              <a:t>Nanoparticle tracker </a:t>
+            </a:r>
+            <a:r>
+              <a:rPr lang="en-US" dirty="0" smtClean="0"/>
+              <a:t>analysis: size </a:t>
             </a:r>
             <a:r>
               <a:rPr lang="en-AU" dirty="0"/>
@@ -9905,11 +10747,7 @@
             </a:r>
             <a:r>
               <a:rPr lang="en-US" dirty="0" smtClean="0"/>
-              <a:t>, biogenesis etc</a:t>
-            </a:r>
-            <a:r>
-              <a:rPr lang="en-US" dirty="0" smtClean="0"/>
-              <a:t>..</a:t>
+              <a:t>, biogenesis etc..</a:t>
             </a:r>
           </a:p>
           <a:p>
@@ -10019,7 +10857,7 @@
 </p:sld>
 </file>
 
-<file path=ppt/slides/slide7.xml><?xml version="1.0" encoding="utf-8"?>
+<file path=ppt/slides/slide8.xml><?xml version="1.0" encoding="utf-8"?>
 <p:sld xmlns:a="http://schemas.openxmlformats.org/drawingml/2006/main" xmlns:r="http://schemas.openxmlformats.org/officeDocument/2006/relationships" xmlns:p="http://schemas.openxmlformats.org/presentationml/2006/main">
   <p:cSld>
     <p:spTree>
@@ -10058,11 +10896,7 @@
           <a:p>
             <a:r>
               <a:rPr lang="en-US" sz="3600" dirty="0" smtClean="0"/>
-              <a:t>Does the hypoxia derived exosome induce </a:t>
-            </a:r>
-            <a:r>
-              <a:rPr lang="en-US" sz="3600" dirty="0" smtClean="0"/>
-              <a:t>invasiveness?</a:t>
+              <a:t>Does the hypoxia derived exosome induce invasiveness?</a:t>
             </a:r>
             <a:endParaRPr lang="en-AU" sz="3600" dirty="0"/>
           </a:p>
@@ -10090,11 +10924,7 @@
           <a:p>
             <a:r>
               <a:rPr lang="en-US" dirty="0" smtClean="0"/>
-              <a:t>Invasion Assay: </a:t>
-            </a:r>
-            <a:r>
-              <a:rPr lang="en-US" dirty="0" smtClean="0"/>
-              <a:t>24hrs incubation after exposure to hypoxia or </a:t>
+              <a:t>Invasion Assay: 24hrs incubation after exposure to hypoxia or </a:t>
             </a:r>
             <a:r>
               <a:rPr lang="en-US" dirty="0" err="1" smtClean="0"/>
@@ -10200,7 +11030,7 @@
 </p:sld>
 </file>
 
-<file path=ppt/slides/slide8.xml><?xml version="1.0" encoding="utf-8"?>
+<file path=ppt/slides/slide9.xml><?xml version="1.0" encoding="utf-8"?>
 <p:sld xmlns:a="http://schemas.openxmlformats.org/drawingml/2006/main" xmlns:r="http://schemas.openxmlformats.org/officeDocument/2006/relationships" xmlns:p="http://schemas.openxmlformats.org/presentationml/2006/main">
   <p:cSld>
     <p:spTree>
@@ -10342,149 +11172,6 @@
     <p:extLst>
       <p:ext uri="{BB962C8B-B14F-4D97-AF65-F5344CB8AC3E}">
         <p14:creationId xmlns:p14="http://schemas.microsoft.com/office/powerpoint/2010/main" val="2898526236"/>
-      </p:ext>
-    </p:extLst>
-  </p:cSld>
-  <p:clrMapOvr>
-    <a:masterClrMapping/>
-  </p:clrMapOvr>
-  <p:timing>
-    <p:tnLst>
-      <p:par>
-        <p:cTn id="1" dur="indefinite" restart="never" nodeType="tmRoot"/>
-      </p:par>
-    </p:tnLst>
-  </p:timing>
-</p:sld>
-</file>
-
-<file path=ppt/slides/slide9.xml><?xml version="1.0" encoding="utf-8"?>
-<p:sld xmlns:a="http://schemas.openxmlformats.org/drawingml/2006/main" xmlns:r="http://schemas.openxmlformats.org/officeDocument/2006/relationships" xmlns:p="http://schemas.openxmlformats.org/presentationml/2006/main">
-  <p:cSld>
-    <p:spTree>
-      <p:nvGrpSpPr>
-        <p:cNvPr id="1" name=""/>
-        <p:cNvGrpSpPr/>
-        <p:nvPr/>
-      </p:nvGrpSpPr>
-      <p:grpSpPr>
-        <a:xfrm>
-          <a:off x="0" y="0"/>
-          <a:ext cx="0" cy="0"/>
-          <a:chOff x="0" y="0"/>
-          <a:chExt cx="0" cy="0"/>
-        </a:xfrm>
-      </p:grpSpPr>
-      <p:sp>
-        <p:nvSpPr>
-          <p:cNvPr id="2" name="Title 1"/>
-          <p:cNvSpPr>
-            <a:spLocks noGrp="1"/>
-          </p:cNvSpPr>
-          <p:nvPr>
-            <p:ph type="title"/>
-          </p:nvPr>
-        </p:nvSpPr>
-        <p:spPr>
-          <a:xfrm>
-            <a:off x="1052510" y="605118"/>
-            <a:ext cx="10174289" cy="1400530"/>
-          </a:xfrm>
-        </p:spPr>
-        <p:txBody>
-          <a:bodyPr/>
-          <a:lstStyle/>
-          <a:p>
-            <a:r>
-              <a:rPr lang="en-US" sz="3600" dirty="0" smtClean="0"/>
-              <a:t>Can </a:t>
-            </a:r>
-            <a:r>
-              <a:rPr lang="en-US" sz="3600" dirty="0" err="1" smtClean="0"/>
-              <a:t>EXOhyp</a:t>
-            </a:r>
-            <a:r>
-              <a:rPr lang="en-US" sz="3600" dirty="0" smtClean="0"/>
-              <a:t> induce CAF phenotype?</a:t>
-            </a:r>
-            <a:endParaRPr lang="en-AU" sz="3600" dirty="0"/>
-          </a:p>
-        </p:txBody>
-      </p:sp>
-      <p:sp>
-        <p:nvSpPr>
-          <p:cNvPr id="3" name="Content Placeholder 2"/>
-          <p:cNvSpPr>
-            <a:spLocks noGrp="1"/>
-          </p:cNvSpPr>
-          <p:nvPr>
-            <p:ph idx="1"/>
-          </p:nvPr>
-        </p:nvSpPr>
-        <p:spPr>
-          <a:xfrm>
-            <a:off x="1230310" y="1649411"/>
-            <a:ext cx="10174289" cy="4195481"/>
-          </a:xfrm>
-        </p:spPr>
-        <p:txBody>
-          <a:bodyPr/>
-          <a:lstStyle/>
-          <a:p>
-            <a:r>
-              <a:rPr lang="en-AU" dirty="0" smtClean="0"/>
-              <a:t>Fibroblasts can be stimulated: by inflammation or cancer. </a:t>
-            </a:r>
-          </a:p>
-          <a:p>
-            <a:r>
-              <a:rPr lang="en-AU" dirty="0" smtClean="0"/>
-              <a:t>Stimulation results in increased alpha-smooth muscle actin (</a:t>
-            </a:r>
-            <a:r>
-              <a:rPr lang="en-AU" dirty="0" smtClean="0">
-                <a:latin typeface="Calibri" panose="020F0502020204030204" pitchFamily="34" charset="0"/>
-              </a:rPr>
-              <a:t>ɑ-SMA</a:t>
-            </a:r>
-            <a:r>
-              <a:rPr lang="en-AU" dirty="0" smtClean="0"/>
-              <a:t>).</a:t>
-            </a:r>
-          </a:p>
-          <a:p>
-            <a:endParaRPr lang="en-AU" dirty="0"/>
-          </a:p>
-        </p:txBody>
-      </p:sp>
-      <p:pic>
-        <p:nvPicPr>
-          <p:cNvPr id="5" name="Picture 4"/>
-          <p:cNvPicPr>
-            <a:picLocks noChangeAspect="1"/>
-          </p:cNvPicPr>
-          <p:nvPr/>
-        </p:nvPicPr>
-        <p:blipFill>
-          <a:blip r:embed="rId2"/>
-          <a:stretch>
-            <a:fillRect/>
-          </a:stretch>
-        </p:blipFill>
-        <p:spPr>
-          <a:xfrm>
-            <a:off x="1687510" y="2601460"/>
-            <a:ext cx="7812090" cy="3716208"/>
-          </a:xfrm>
-          <a:prstGeom prst="rect">
-            <a:avLst/>
-          </a:prstGeom>
-        </p:spPr>
-      </p:pic>
-    </p:spTree>
-    <p:extLst>
-      <p:ext uri="{BB962C8B-B14F-4D97-AF65-F5344CB8AC3E}">
-        <p14:creationId xmlns:p14="http://schemas.microsoft.com/office/powerpoint/2010/main" val="3593854408"/>
       </p:ext>
     </p:extLst>
   </p:cSld>

--- a/BackgroundInfo/JCslides.pptx
+++ b/BackgroundInfo/JCslides.pptx
@@ -639,11 +639,11 @@
           <c:showBubbleSize val="0"/>
         </c:dLbls>
         <c:gapWidth val="182"/>
-        <c:axId val="249199928"/>
-        <c:axId val="249201496"/>
+        <c:axId val="280652576"/>
+        <c:axId val="280646304"/>
       </c:barChart>
       <c:catAx>
-        <c:axId val="249199928"/>
+        <c:axId val="280652576"/>
         <c:scaling>
           <c:orientation val="minMax"/>
         </c:scaling>
@@ -686,7 +686,7 @@
             <a:endParaRPr lang="en-US"/>
           </a:p>
         </c:txPr>
-        <c:crossAx val="249201496"/>
+        <c:crossAx val="280646304"/>
         <c:crosses val="autoZero"/>
         <c:auto val="1"/>
         <c:lblAlgn val="ctr"/>
@@ -694,7 +694,7 @@
         <c:noMultiLvlLbl val="0"/>
       </c:catAx>
       <c:valAx>
-        <c:axId val="249201496"/>
+        <c:axId val="280646304"/>
         <c:scaling>
           <c:orientation val="minMax"/>
         </c:scaling>
@@ -745,7 +745,7 @@
             <a:endParaRPr lang="en-US"/>
           </a:p>
         </c:txPr>
-        <c:crossAx val="249199928"/>
+        <c:crossAx val="280652576"/>
         <c:crosses val="autoZero"/>
         <c:crossBetween val="between"/>
       </c:valAx>
@@ -1440,7 +1440,7 @@
           <a:p>
             <a:fld id="{3E76E294-BBA0-4AAE-A1F9-80FF5E77064A}" type="datetimeFigureOut">
               <a:rPr lang="en-AU" smtClean="0"/>
-              <a:t>18/06/2016</a:t>
+              <a:t>19/06/2016</a:t>
             </a:fld>
             <a:endParaRPr lang="en-AU"/>
           </a:p>
@@ -2060,11 +2060,7 @@
             </a:r>
             <a:r>
               <a:rPr lang="en-AU" baseline="0" dirty="0" smtClean="0"/>
-              <a:t> cells. </a:t>
-            </a:r>
-            <a:r>
-              <a:rPr lang="en-AU" baseline="0" dirty="0" smtClean="0"/>
-              <a:t>Invasion assay, 4samples</a:t>
+              <a:t> cells. Invasion assay, 4samples</a:t>
             </a:r>
             <a:endParaRPr lang="en-AU" dirty="0"/>
           </a:p>
@@ -2392,7 +2388,7 @@
           <a:p>
             <a:fld id="{7D50A433-14A5-4014-A22C-49E731E6083D}" type="datetimeFigureOut">
               <a:rPr lang="en-AU" smtClean="0"/>
-              <a:t>18/06/2016</a:t>
+              <a:t>19/06/2016</a:t>
             </a:fld>
             <a:endParaRPr lang="en-AU"/>
           </a:p>
@@ -2667,7 +2663,7 @@
           <a:p>
             <a:fld id="{7D50A433-14A5-4014-A22C-49E731E6083D}" type="datetimeFigureOut">
               <a:rPr lang="en-AU" smtClean="0"/>
-              <a:t>18/06/2016</a:t>
+              <a:t>19/06/2016</a:t>
             </a:fld>
             <a:endParaRPr lang="en-AU"/>
           </a:p>
@@ -2861,7 +2857,7 @@
           <a:p>
             <a:fld id="{7D50A433-14A5-4014-A22C-49E731E6083D}" type="datetimeFigureOut">
               <a:rPr lang="en-AU" smtClean="0"/>
-              <a:t>18/06/2016</a:t>
+              <a:t>19/06/2016</a:t>
             </a:fld>
             <a:endParaRPr lang="en-AU"/>
           </a:p>
@@ -3134,7 +3130,7 @@
           <a:p>
             <a:fld id="{7D50A433-14A5-4014-A22C-49E731E6083D}" type="datetimeFigureOut">
               <a:rPr lang="en-AU" smtClean="0"/>
-              <a:t>18/06/2016</a:t>
+              <a:t>19/06/2016</a:t>
             </a:fld>
             <a:endParaRPr lang="en-AU"/>
           </a:p>
@@ -3475,7 +3471,7 @@
           <a:p>
             <a:fld id="{7D50A433-14A5-4014-A22C-49E731E6083D}" type="datetimeFigureOut">
               <a:rPr lang="en-AU" smtClean="0"/>
-              <a:t>18/06/2016</a:t>
+              <a:t>19/06/2016</a:t>
             </a:fld>
             <a:endParaRPr lang="en-AU"/>
           </a:p>
@@ -4098,7 +4094,7 @@
           <a:p>
             <a:fld id="{7D50A433-14A5-4014-A22C-49E731E6083D}" type="datetimeFigureOut">
               <a:rPr lang="en-AU" smtClean="0"/>
-              <a:t>18/06/2016</a:t>
+              <a:t>19/06/2016</a:t>
             </a:fld>
             <a:endParaRPr lang="en-AU"/>
           </a:p>
@@ -4958,7 +4954,7 @@
           <a:p>
             <a:fld id="{7D50A433-14A5-4014-A22C-49E731E6083D}" type="datetimeFigureOut">
               <a:rPr lang="en-AU" smtClean="0"/>
-              <a:t>18/06/2016</a:t>
+              <a:t>19/06/2016</a:t>
             </a:fld>
             <a:endParaRPr lang="en-AU"/>
           </a:p>
@@ -5128,7 +5124,7 @@
           <a:p>
             <a:fld id="{7D50A433-14A5-4014-A22C-49E731E6083D}" type="datetimeFigureOut">
               <a:rPr lang="en-AU" smtClean="0"/>
-              <a:t>18/06/2016</a:t>
+              <a:t>19/06/2016</a:t>
             </a:fld>
             <a:endParaRPr lang="en-AU"/>
           </a:p>
@@ -5308,7 +5304,7 @@
           <a:p>
             <a:fld id="{7D50A433-14A5-4014-A22C-49E731E6083D}" type="datetimeFigureOut">
               <a:rPr lang="en-AU" smtClean="0"/>
-              <a:t>18/06/2016</a:t>
+              <a:t>19/06/2016</a:t>
             </a:fld>
             <a:endParaRPr lang="en-AU"/>
           </a:p>
@@ -5478,7 +5474,7 @@
           <a:p>
             <a:fld id="{7D50A433-14A5-4014-A22C-49E731E6083D}" type="datetimeFigureOut">
               <a:rPr lang="en-AU" smtClean="0"/>
-              <a:t>18/06/2016</a:t>
+              <a:t>19/06/2016</a:t>
             </a:fld>
             <a:endParaRPr lang="en-AU"/>
           </a:p>
@@ -5725,7 +5721,7 @@
           <a:p>
             <a:fld id="{7D50A433-14A5-4014-A22C-49E731E6083D}" type="datetimeFigureOut">
               <a:rPr lang="en-AU" smtClean="0"/>
-              <a:t>18/06/2016</a:t>
+              <a:t>19/06/2016</a:t>
             </a:fld>
             <a:endParaRPr lang="en-AU"/>
           </a:p>
@@ -6017,7 +6013,7 @@
           <a:p>
             <a:fld id="{7D50A433-14A5-4014-A22C-49E731E6083D}" type="datetimeFigureOut">
               <a:rPr lang="en-AU" smtClean="0"/>
-              <a:t>18/06/2016</a:t>
+              <a:t>19/06/2016</a:t>
             </a:fld>
             <a:endParaRPr lang="en-AU"/>
           </a:p>
@@ -6461,7 +6457,7 @@
           <a:p>
             <a:fld id="{7D50A433-14A5-4014-A22C-49E731E6083D}" type="datetimeFigureOut">
               <a:rPr lang="en-AU" smtClean="0"/>
-              <a:t>18/06/2016</a:t>
+              <a:t>19/06/2016</a:t>
             </a:fld>
             <a:endParaRPr lang="en-AU"/>
           </a:p>
@@ -6579,7 +6575,7 @@
           <a:p>
             <a:fld id="{7D50A433-14A5-4014-A22C-49E731E6083D}" type="datetimeFigureOut">
               <a:rPr lang="en-AU" smtClean="0"/>
-              <a:t>18/06/2016</a:t>
+              <a:t>19/06/2016</a:t>
             </a:fld>
             <a:endParaRPr lang="en-AU"/>
           </a:p>
@@ -6674,7 +6670,7 @@
           <a:p>
             <a:fld id="{7D50A433-14A5-4014-A22C-49E731E6083D}" type="datetimeFigureOut">
               <a:rPr lang="en-AU" smtClean="0"/>
-              <a:t>18/06/2016</a:t>
+              <a:t>19/06/2016</a:t>
             </a:fld>
             <a:endParaRPr lang="en-AU"/>
           </a:p>
@@ -6953,7 +6949,7 @@
           <a:p>
             <a:fld id="{7D50A433-14A5-4014-A22C-49E731E6083D}" type="datetimeFigureOut">
               <a:rPr lang="en-AU" smtClean="0"/>
-              <a:t>18/06/2016</a:t>
+              <a:t>19/06/2016</a:t>
             </a:fld>
             <a:endParaRPr lang="en-AU"/>
           </a:p>
@@ -7228,7 +7224,7 @@
           <a:p>
             <a:fld id="{7D50A433-14A5-4014-A22C-49E731E6083D}" type="datetimeFigureOut">
               <a:rPr lang="en-AU" smtClean="0"/>
-              <a:t>18/06/2016</a:t>
+              <a:t>19/06/2016</a:t>
             </a:fld>
             <a:endParaRPr lang="en-AU"/>
           </a:p>
@@ -7657,7 +7653,7 @@
           <a:p>
             <a:fld id="{7D50A433-14A5-4014-A22C-49E731E6083D}" type="datetimeFigureOut">
               <a:rPr lang="en-AU" smtClean="0"/>
-              <a:t>18/06/2016</a:t>
+              <a:t>19/06/2016</a:t>
             </a:fld>
             <a:endParaRPr lang="en-AU"/>
           </a:p>
@@ -8371,11 +8367,19 @@
             </a:r>
             <a:r>
               <a:rPr lang="en-US" sz="3600" dirty="0" err="1" smtClean="0"/>
-              <a:t>EXOhyp</a:t>
+              <a:t>EXO</a:t>
+            </a:r>
+            <a:r>
+              <a:rPr lang="en-US" sz="3600" baseline="30000" dirty="0" err="1" smtClean="0"/>
+              <a:t>hyp</a:t>
             </a:r>
             <a:r>
               <a:rPr lang="en-US" sz="3600" dirty="0" smtClean="0"/>
-              <a:t> induce CAF phenotype?</a:t>
+              <a:t> </a:t>
+            </a:r>
+            <a:r>
+              <a:rPr lang="en-US" sz="3600" dirty="0" smtClean="0"/>
+              <a:t>induce CAF phenotype?</a:t>
             </a:r>
             <a:endParaRPr lang="en-AU" sz="3600" dirty="0"/>
           </a:p>
@@ -8393,7 +8397,7 @@
         </p:nvSpPr>
         <p:spPr>
           <a:xfrm>
-            <a:off x="1230310" y="1649411"/>
+            <a:off x="1403304" y="1649411"/>
             <a:ext cx="10174289" cy="4195481"/>
           </a:xfrm>
         </p:spPr>
@@ -8556,15 +8560,27 @@
           <a:p>
             <a:r>
               <a:rPr lang="en-AU" dirty="0" smtClean="0"/>
-              <a:t>All of the above increased in </a:t>
-            </a:r>
-            <a:r>
-              <a:rPr lang="en-AU" dirty="0" err="1" smtClean="0"/>
-              <a:t>EXOhyp</a:t>
+              <a:t>All of the above increased </a:t>
             </a:r>
             <a:r>
               <a:rPr lang="en-AU" dirty="0" smtClean="0"/>
-              <a:t>, bar PKM2. </a:t>
+              <a:t>in </a:t>
+            </a:r>
+            <a:r>
+              <a:rPr lang="en-US" dirty="0" err="1" smtClean="0"/>
+              <a:t>EXO</a:t>
+            </a:r>
+            <a:r>
+              <a:rPr lang="en-US" baseline="30000" dirty="0" err="1" smtClean="0"/>
+              <a:t>hyp</a:t>
+            </a:r>
+            <a:r>
+              <a:rPr lang="en-AU" dirty="0" smtClean="0"/>
+              <a:t>, </a:t>
+            </a:r>
+            <a:r>
+              <a:rPr lang="en-AU" dirty="0" smtClean="0"/>
+              <a:t>bar PKM2. </a:t>
             </a:r>
           </a:p>
           <a:p>
@@ -8693,11 +8709,7 @@
           <a:p>
             <a:r>
               <a:rPr lang="en-AU" dirty="0" smtClean="0"/>
-              <a:t>Pathways</a:t>
-            </a:r>
-            <a:r>
-              <a:rPr lang="en-AU" dirty="0" smtClean="0"/>
-              <a:t>: </a:t>
+              <a:t>Pathways: </a:t>
             </a:r>
           </a:p>
           <a:p>
@@ -8743,7 +8755,6 @@
               <a:rPr lang="en-AU" dirty="0" smtClean="0"/>
               <a:t> </a:t>
             </a:r>
-            <a:endParaRPr lang="en-AU" dirty="0" smtClean="0"/>
           </a:p>
           <a:p>
             <a:pPr lvl="2"/>
@@ -8763,7 +8774,6 @@
               <a:rPr lang="en-AU" sz="2000" dirty="0" smtClean="0"/>
               <a:t> junction pathways. </a:t>
             </a:r>
-            <a:endParaRPr lang="en-AU" sz="2000" dirty="0" smtClean="0"/>
           </a:p>
           <a:p>
             <a:pPr lvl="1"/>
@@ -9031,16 +9041,11 @@
               <a:rPr lang="en-AU" dirty="0" smtClean="0"/>
               <a:t>Strengths:</a:t>
             </a:r>
-            <a:endParaRPr lang="en-AU" dirty="0" smtClean="0"/>
           </a:p>
           <a:p>
             <a:r>
               <a:rPr lang="en-AU" dirty="0" smtClean="0"/>
-              <a:t>Supported </a:t>
-            </a:r>
-            <a:r>
-              <a:rPr lang="en-AU" dirty="0" smtClean="0"/>
-              <a:t>the hypothesis. </a:t>
+              <a:t>Supported the hypothesis. </a:t>
             </a:r>
           </a:p>
           <a:p>
@@ -9052,11 +9057,7 @@
           <a:p>
             <a:r>
               <a:rPr lang="en-AU" dirty="0" smtClean="0"/>
-              <a:t>Great starting </a:t>
-            </a:r>
-            <a:r>
-              <a:rPr lang="en-AU" dirty="0" smtClean="0"/>
-              <a:t>point</a:t>
+              <a:t>Great starting point</a:t>
             </a:r>
           </a:p>
           <a:p>
@@ -9081,19 +9082,7 @@
           <a:p>
             <a:r>
               <a:rPr lang="en-AU" dirty="0" smtClean="0"/>
-              <a:t>Some </a:t>
-            </a:r>
-            <a:r>
-              <a:rPr lang="en-AU" dirty="0" smtClean="0"/>
-              <a:t>results were not </a:t>
-            </a:r>
-            <a:r>
-              <a:rPr lang="en-AU" dirty="0" smtClean="0"/>
-              <a:t>thoroughly discussed</a:t>
-            </a:r>
-            <a:r>
-              <a:rPr lang="en-AU" dirty="0" smtClean="0"/>
-              <a:t>. </a:t>
+              <a:t>Some results were not thoroughly discussed. </a:t>
             </a:r>
             <a:endParaRPr lang="en-AU" dirty="0"/>
           </a:p>
@@ -9522,12 +9511,8 @@
               <a:buNone/>
             </a:pPr>
             <a:r>
-              <a:rPr lang="en-AU" sz="2000" dirty="0" smtClean="0"/>
-              <a:t>Hypoxic </a:t>
-            </a:r>
-            <a:r>
               <a:rPr lang="en-AU" sz="2000" dirty="0"/>
-              <a:t>prostate tumour cells secrete </a:t>
+              <a:t>Hypoxic prostate tumour cells secrete </a:t>
             </a:r>
             <a:r>
               <a:rPr lang="en-AU" sz="2000" dirty="0" err="1"/>
@@ -9535,12 +9520,17 @@
             </a:r>
             <a:r>
               <a:rPr lang="en-AU" sz="2000" dirty="0"/>
-              <a:t> containing pro-invasive, and metastasising proteins which can be absorbed by surrounding </a:t>
+              <a:t>, absorbed by surrounding cells, which enhance cancer cell invasiveness and metastasis</a:t>
             </a:r>
             <a:r>
               <a:rPr lang="en-AU" sz="2000" dirty="0" smtClean="0"/>
-              <a:t>cells…..</a:t>
-            </a:r>
+              <a:t>.</a:t>
+            </a:r>
+            <a:r>
+              <a:rPr lang="en-AU" sz="2000" dirty="0" smtClean="0"/>
+              <a:t>…..</a:t>
+            </a:r>
+            <a:endParaRPr lang="en-AU" sz="2000" dirty="0" smtClean="0"/>
           </a:p>
           <a:p>
             <a:pPr marL="457200" lvl="1" indent="358775" algn="ctr">
@@ -9903,29 +9893,15 @@
               <a:rPr lang="en-US" dirty="0" smtClean="0"/>
               <a:t>Intercellular communication. </a:t>
             </a:r>
+          </a:p>
+          <a:p>
             <a:endParaRPr lang="en-US" dirty="0" smtClean="0"/>
           </a:p>
           <a:p>
-            <a:endParaRPr lang="en-US" dirty="0" smtClean="0"/>
-          </a:p>
-          <a:p>
             <a:r>
               <a:rPr lang="en-US" dirty="0" smtClean="0"/>
-              <a:t>Limited details surrounding</a:t>
-            </a:r>
-            <a:r>
-              <a:rPr lang="en-US" dirty="0" smtClean="0"/>
-              <a:t> </a:t>
-            </a:r>
-            <a:r>
-              <a:rPr lang="en-US" dirty="0" smtClean="0"/>
-              <a:t>formation, sorting and </a:t>
-            </a:r>
-            <a:r>
-              <a:rPr lang="en-US" dirty="0" smtClean="0"/>
-              <a:t>content. </a:t>
-            </a:r>
-            <a:endParaRPr lang="en-US" dirty="0" smtClean="0"/>
+              <a:t>Limited details surrounding formation, sorting and content. </a:t>
+            </a:r>
           </a:p>
           <a:p>
             <a:endParaRPr lang="en-US" dirty="0"/>
@@ -10090,16 +10066,9 @@
           <a:p>
             <a:r>
               <a:rPr lang="en-US" dirty="0" smtClean="0"/>
-              <a:t>Suggested role in mediating signals in the </a:t>
-            </a:r>
-            <a:r>
-              <a:rPr lang="en-US" dirty="0" err="1" smtClean="0"/>
-              <a:t>tumour</a:t>
-            </a:r>
-            <a:r>
-              <a:rPr lang="en-US" dirty="0" smtClean="0"/>
-              <a:t> microenvironment.</a:t>
-            </a:r>
+              <a:t>Exact mechanism still debated.</a:t>
+            </a:r>
+            <a:endParaRPr lang="en-US" dirty="0" smtClean="0"/>
           </a:p>
           <a:p>
             <a:endParaRPr lang="en-US" dirty="0" smtClean="0"/>
@@ -10291,9 +10260,15 @@
           <a:bodyPr/>
           <a:lstStyle/>
           <a:p>
+            <a:pPr marL="0" indent="0">
+              <a:buNone/>
+            </a:pPr>
+            <a:endParaRPr lang="en-US" dirty="0" smtClean="0"/>
+          </a:p>
+          <a:p>
             <a:r>
               <a:rPr lang="en-US" dirty="0" smtClean="0"/>
-              <a:t>Advanced </a:t>
+              <a:t>Hypoxic conditions rife in larger </a:t>
             </a:r>
             <a:r>
               <a:rPr lang="en-US" dirty="0" err="1" smtClean="0"/>
@@ -10301,26 +10276,6 @@
             </a:r>
             <a:r>
               <a:rPr lang="en-US" dirty="0" smtClean="0"/>
-              <a:t> possess complex microenvironment. </a:t>
-            </a:r>
-          </a:p>
-          <a:p>
-            <a:pPr marL="0" indent="0">
-              <a:buNone/>
-            </a:pPr>
-            <a:endParaRPr lang="en-US" dirty="0" smtClean="0"/>
-          </a:p>
-          <a:p>
-            <a:r>
-              <a:rPr lang="en-US" dirty="0" smtClean="0"/>
-              <a:t>Hypoxic conditions rife in larger </a:t>
-            </a:r>
-            <a:r>
-              <a:rPr lang="en-US" dirty="0" err="1" smtClean="0"/>
-              <a:t>tumours</a:t>
-            </a:r>
-            <a:r>
-              <a:rPr lang="en-US" dirty="0" smtClean="0"/>
               <a:t>.</a:t>
             </a:r>
           </a:p>
@@ -10347,6 +10302,9 @@
             </a:r>
           </a:p>
           <a:p>
+            <a:pPr marL="0" indent="0">
+              <a:buNone/>
+            </a:pPr>
             <a:endParaRPr lang="en-AU" dirty="0"/>
           </a:p>
         </p:txBody>
@@ -10466,8 +10424,37 @@
             </a:r>
             <a:r>
               <a:rPr lang="en-AU" dirty="0"/>
-              <a:t>prostate tumour cells secrete exosomes containing pro-invasive, and metastasising proteins which can be absorbed by surrounding cells. </a:t>
-            </a:r>
+              <a:t>prostate tumour cells secrete </a:t>
+            </a:r>
+            <a:r>
+              <a:rPr lang="en-AU" dirty="0" err="1" smtClean="0"/>
+              <a:t>exosomes</a:t>
+            </a:r>
+            <a:r>
+              <a:rPr lang="en-AU" dirty="0" smtClean="0"/>
+              <a:t>, </a:t>
+            </a:r>
+            <a:r>
+              <a:rPr lang="en-AU" dirty="0" smtClean="0"/>
+              <a:t>absorbed </a:t>
+            </a:r>
+            <a:r>
+              <a:rPr lang="en-AU" dirty="0"/>
+              <a:t>by surrounding </a:t>
+            </a:r>
+            <a:r>
+              <a:rPr lang="en-AU" dirty="0" smtClean="0"/>
+              <a:t>cells, which </a:t>
+            </a:r>
+            <a:r>
+              <a:rPr lang="en-AU" dirty="0" smtClean="0"/>
+              <a:t>enhance cancer cell invasiveness and metastasis</a:t>
+            </a:r>
+            <a:r>
+              <a:rPr lang="en-AU" dirty="0" smtClean="0"/>
+              <a:t>. </a:t>
+            </a:r>
+            <a:endParaRPr lang="en-AU" dirty="0"/>
           </a:p>
           <a:p>
             <a:endParaRPr lang="en-US" dirty="0" smtClean="0"/>
@@ -10603,7 +10590,11 @@
             </a:r>
             <a:r>
               <a:rPr lang="en-AU" dirty="0" smtClean="0"/>
-              <a:t> and PC3 cells were fit. </a:t>
+              <a:t> and PC3 </a:t>
+            </a:r>
+            <a:r>
+              <a:rPr lang="en-AU" dirty="0" smtClean="0"/>
+              <a:t>cells. </a:t>
             </a:r>
           </a:p>
           <a:p>
@@ -10628,12 +10619,12 @@
               <a:t> collected using </a:t>
             </a:r>
             <a:r>
-              <a:rPr lang="en-AU" dirty="0" err="1" smtClean="0"/>
-              <a:t>ultracentifiguation</a:t>
-            </a:r>
-            <a:r>
               <a:rPr lang="en-AU" dirty="0" smtClean="0"/>
-              <a:t> or from kits. </a:t>
+              <a:t>ultracentrifugation </a:t>
+            </a:r>
+            <a:r>
+              <a:rPr lang="en-AU" dirty="0" smtClean="0"/>
+              <a:t>or from kits. </a:t>
             </a:r>
             <a:endParaRPr lang="en-AU" dirty="0"/>
           </a:p>
@@ -10709,7 +10700,7 @@
         </p:nvSpPr>
         <p:spPr>
           <a:xfrm>
-            <a:off x="646111" y="4311298"/>
+            <a:off x="646111" y="4429678"/>
             <a:ext cx="6562725" cy="1952172"/>
           </a:xfrm>
         </p:spPr>
@@ -10721,11 +10712,7 @@
           <a:p>
             <a:r>
               <a:rPr lang="en-US" dirty="0" smtClean="0"/>
-              <a:t>Nanoparticle tracker </a:t>
-            </a:r>
-            <a:r>
-              <a:rPr lang="en-US" dirty="0" smtClean="0"/>
-              <a:t>analysis: size </a:t>
+              <a:t>Nanoparticle tracker analysis: size </a:t>
             </a:r>
             <a:r>
               <a:rPr lang="en-AU" dirty="0"/>
@@ -10747,15 +10734,13 @@
             </a:r>
             <a:r>
               <a:rPr lang="en-US" dirty="0" smtClean="0"/>
-              <a:t>, biogenesis etc..</a:t>
-            </a:r>
-          </a:p>
-          <a:p>
+              <a:t>, biogenesis etc</a:t>
+            </a:r>
             <a:r>
               <a:rPr lang="en-US" dirty="0" smtClean="0"/>
-              <a:t>Differing number of cells..</a:t>
-            </a:r>
-            <a:endParaRPr lang="en-AU" dirty="0"/>
+              <a:t>..</a:t>
+            </a:r>
+            <a:endParaRPr lang="en-US" dirty="0" smtClean="0"/>
           </a:p>
         </p:txBody>
       </p:sp>
@@ -10896,7 +10881,27 @@
           <a:p>
             <a:r>
               <a:rPr lang="en-US" sz="3600" dirty="0" smtClean="0"/>
-              <a:t>Does the hypoxia derived exosome induce invasiveness?</a:t>
+              <a:t>Can </a:t>
+            </a:r>
+            <a:r>
+              <a:rPr lang="en-US" sz="3600" dirty="0" err="1" smtClean="0"/>
+              <a:t>EXO</a:t>
+            </a:r>
+            <a:r>
+              <a:rPr lang="en-US" sz="3600" baseline="30000" dirty="0" err="1" smtClean="0"/>
+              <a:t>hyp</a:t>
+            </a:r>
+            <a:r>
+              <a:rPr lang="en-AU" sz="3600" dirty="0" smtClean="0"/>
+              <a:t> </a:t>
+            </a:r>
+            <a:r>
+              <a:rPr lang="en-US" sz="3600" dirty="0" smtClean="0"/>
+              <a:t>induce </a:t>
+            </a:r>
+            <a:r>
+              <a:rPr lang="en-US" sz="3600" dirty="0" smtClean="0"/>
+              <a:t>invasiveness?</a:t>
             </a:r>
             <a:endParaRPr lang="en-AU" sz="3600" dirty="0"/>
           </a:p>
@@ -11069,15 +11074,23 @@
           <a:p>
             <a:r>
               <a:rPr lang="en-US" sz="4000" dirty="0"/>
-              <a:t>Does the </a:t>
+              <a:t>Does </a:t>
             </a:r>
             <a:r>
               <a:rPr lang="en-US" sz="4000" dirty="0" err="1" smtClean="0"/>
-              <a:t>EXOhyp</a:t>
+              <a:t>EXO</a:t>
+            </a:r>
+            <a:r>
+              <a:rPr lang="en-US" sz="4000" baseline="30000" dirty="0" err="1" smtClean="0"/>
+              <a:t>hyp</a:t>
             </a:r>
             <a:r>
               <a:rPr lang="en-US" sz="4000" dirty="0" smtClean="0"/>
-              <a:t> induce migration?</a:t>
+              <a:t> </a:t>
+            </a:r>
+            <a:r>
+              <a:rPr lang="en-US" sz="4000" dirty="0" smtClean="0"/>
+              <a:t>induce migration?</a:t>
             </a:r>
             <a:endParaRPr lang="en-AU" sz="3600" dirty="0"/>
           </a:p>
@@ -11115,7 +11128,31 @@
             </a:r>
             <a:r>
               <a:rPr lang="en-AU" dirty="0" smtClean="0"/>
-              <a:t> also assessed.</a:t>
+              <a:t> also </a:t>
+            </a:r>
+            <a:r>
+              <a:rPr lang="en-AU" dirty="0" smtClean="0"/>
+              <a:t>assessed</a:t>
+            </a:r>
+            <a:r>
+              <a:rPr lang="en-AU" dirty="0"/>
+              <a:t> </a:t>
+            </a:r>
+            <a:r>
+              <a:rPr lang="en-AU" dirty="0" smtClean="0"/>
+              <a:t>   </a:t>
+            </a:r>
+            <a:r>
+              <a:rPr lang="en-AU" dirty="0" smtClean="0">
+                <a:latin typeface="Wingdings 3" panose="05040102010807070707" pitchFamily="18" charset="2"/>
+              </a:rPr>
+              <a:t>g </a:t>
+            </a:r>
+            <a:r>
+              <a:rPr lang="en-AU" dirty="0" smtClean="0">
+                <a:latin typeface="+mn-lt"/>
+              </a:rPr>
+              <a:t>Similar results.</a:t>
             </a:r>
             <a:endParaRPr lang="en-AU" dirty="0"/>
           </a:p>

--- a/BackgroundInfo/JCslides.pptx
+++ b/BackgroundInfo/JCslides.pptx
@@ -5,7 +5,7 @@
     <p:sldMasterId id="2147483689" r:id="rId1"/>
   </p:sldMasterIdLst>
   <p:notesMasterIdLst>
-    <p:notesMasterId r:id="rId18"/>
+    <p:notesMasterId r:id="rId19"/>
   </p:notesMasterIdLst>
   <p:sldIdLst>
     <p:sldId id="256" r:id="rId2"/>
@@ -14,16 +14,17 @@
     <p:sldId id="259" r:id="rId5"/>
     <p:sldId id="261" r:id="rId6"/>
     <p:sldId id="271" r:id="rId7"/>
-    <p:sldId id="262" r:id="rId8"/>
-    <p:sldId id="263" r:id="rId9"/>
-    <p:sldId id="270" r:id="rId10"/>
-    <p:sldId id="267" r:id="rId11"/>
-    <p:sldId id="265" r:id="rId12"/>
-    <p:sldId id="266" r:id="rId13"/>
-    <p:sldId id="272" r:id="rId14"/>
+    <p:sldId id="263" r:id="rId8"/>
+    <p:sldId id="270" r:id="rId9"/>
+    <p:sldId id="267" r:id="rId10"/>
+    <p:sldId id="265" r:id="rId11"/>
+    <p:sldId id="266" r:id="rId12"/>
+    <p:sldId id="272" r:id="rId13"/>
+    <p:sldId id="268" r:id="rId14"/>
     <p:sldId id="269" r:id="rId15"/>
-    <p:sldId id="268" r:id="rId16"/>
-    <p:sldId id="260" r:id="rId17"/>
+    <p:sldId id="273" r:id="rId16"/>
+    <p:sldId id="262" r:id="rId17"/>
+    <p:sldId id="260" r:id="rId18"/>
   </p:sldIdLst>
   <p:sldSz cx="12192000" cy="6858000"/>
   <p:notesSz cx="6858000" cy="9144000"/>
@@ -639,11 +640,11 @@
           <c:showBubbleSize val="0"/>
         </c:dLbls>
         <c:gapWidth val="182"/>
-        <c:axId val="280652576"/>
-        <c:axId val="280646304"/>
+        <c:axId val="247047176"/>
+        <c:axId val="246710296"/>
       </c:barChart>
       <c:catAx>
-        <c:axId val="280652576"/>
+        <c:axId val="247047176"/>
         <c:scaling>
           <c:orientation val="minMax"/>
         </c:scaling>
@@ -686,7 +687,7 @@
             <a:endParaRPr lang="en-US"/>
           </a:p>
         </c:txPr>
-        <c:crossAx val="280646304"/>
+        <c:crossAx val="246710296"/>
         <c:crosses val="autoZero"/>
         <c:auto val="1"/>
         <c:lblAlgn val="ctr"/>
@@ -694,7 +695,7 @@
         <c:noMultiLvlLbl val="0"/>
       </c:catAx>
       <c:valAx>
-        <c:axId val="280646304"/>
+        <c:axId val="246710296"/>
         <c:scaling>
           <c:orientation val="minMax"/>
         </c:scaling>
@@ -745,7 +746,7 @@
             <a:endParaRPr lang="en-US"/>
           </a:p>
         </c:txPr>
-        <c:crossAx val="280652576"/>
+        <c:crossAx val="247047176"/>
         <c:crosses val="autoZero"/>
         <c:crossBetween val="between"/>
       </c:valAx>
@@ -1440,7 +1441,7 @@
           <a:p>
             <a:fld id="{3E76E294-BBA0-4AAE-A1F9-80FF5E77064A}" type="datetimeFigureOut">
               <a:rPr lang="en-AU" smtClean="0"/>
-              <a:t>19/06/2016</a:t>
+              <a:t>20/06/2016</a:t>
             </a:fld>
             <a:endParaRPr lang="en-AU"/>
           </a:p>
@@ -1944,15 +1945,27 @@
           <a:p>
             <a:r>
               <a:rPr lang="en-AU" dirty="0" err="1" smtClean="0"/>
-              <a:t>Lncap</a:t>
-            </a:r>
-            <a:r>
-              <a:rPr lang="en-AU" dirty="0" smtClean="0"/>
+              <a:t>LNCaP</a:t>
+            </a:r>
+            <a:r>
+              <a:rPr lang="en-AU" baseline="0" dirty="0" smtClean="0"/>
               <a:t> </a:t>
             </a:r>
             <a:r>
-              <a:rPr lang="en-AU" dirty="0" err="1" smtClean="0"/>
-              <a:t>exosomes</a:t>
+              <a:rPr lang="en-AU" baseline="0" dirty="0" err="1" smtClean="0"/>
+              <a:t>exo</a:t>
+            </a:r>
+            <a:r>
+              <a:rPr lang="en-AU" baseline="0" dirty="0" smtClean="0"/>
+              <a:t> applied to </a:t>
+            </a:r>
+            <a:r>
+              <a:rPr lang="en-AU" baseline="0" dirty="0" err="1" smtClean="0"/>
+              <a:t>LNCap</a:t>
+            </a:r>
+            <a:r>
+              <a:rPr lang="en-AU" baseline="0" dirty="0" smtClean="0"/>
+              <a:t> cells. Invasion assay, 4samples</a:t>
             </a:r>
             <a:endParaRPr lang="en-AU" dirty="0"/>
           </a:p>
@@ -1984,7 +1997,7 @@
     </p:spTree>
     <p:extLst>
       <p:ext uri="{BB962C8B-B14F-4D97-AF65-F5344CB8AC3E}">
-        <p14:creationId xmlns:p14="http://schemas.microsoft.com/office/powerpoint/2010/main" val="4143505123"/>
+        <p14:creationId xmlns:p14="http://schemas.microsoft.com/office/powerpoint/2010/main" val="1857350144"/>
       </p:ext>
     </p:extLst>
   </p:cSld>
@@ -2052,15 +2065,7 @@
             </a:r>
             <a:r>
               <a:rPr lang="en-AU" baseline="0" dirty="0" smtClean="0"/>
-              <a:t> applied to </a:t>
-            </a:r>
-            <a:r>
-              <a:rPr lang="en-AU" baseline="0" dirty="0" err="1" smtClean="0"/>
-              <a:t>LNCap</a:t>
-            </a:r>
-            <a:r>
-              <a:rPr lang="en-AU" baseline="0" dirty="0" smtClean="0"/>
-              <a:t> cells. Invasion assay, 4samples</a:t>
+              <a:t> applied to PC3 cells. Never specified control. How was the wound measured accurately?</a:t>
             </a:r>
             <a:endParaRPr lang="en-AU" dirty="0"/>
           </a:p>
@@ -2092,7 +2097,7 @@
     </p:spTree>
     <p:extLst>
       <p:ext uri="{BB962C8B-B14F-4D97-AF65-F5344CB8AC3E}">
-        <p14:creationId xmlns:p14="http://schemas.microsoft.com/office/powerpoint/2010/main" val="1857350144"/>
+        <p14:creationId xmlns:p14="http://schemas.microsoft.com/office/powerpoint/2010/main" val="2372474038"/>
       </p:ext>
     </p:extLst>
   </p:cSld>
@@ -2148,19 +2153,15 @@
           <a:p>
             <a:r>
               <a:rPr lang="en-AU" dirty="0" err="1" smtClean="0"/>
-              <a:t>LNCaP</a:t>
-            </a:r>
-            <a:r>
-              <a:rPr lang="en-AU" baseline="0" dirty="0" smtClean="0"/>
+              <a:t>Lncap</a:t>
+            </a:r>
+            <a:r>
+              <a:rPr lang="en-AU" dirty="0" smtClean="0"/>
               <a:t> </a:t>
             </a:r>
             <a:r>
-              <a:rPr lang="en-AU" baseline="0" dirty="0" err="1" smtClean="0"/>
-              <a:t>exo</a:t>
-            </a:r>
-            <a:r>
-              <a:rPr lang="en-AU" baseline="0" dirty="0" smtClean="0"/>
-              <a:t> applied to PC3 cells. Never specified control. How was the wound measured accurately?</a:t>
+              <a:rPr lang="en-AU" dirty="0" err="1" smtClean="0"/>
+              <a:t>exosomes</a:t>
             </a:r>
             <a:endParaRPr lang="en-AU" dirty="0"/>
           </a:p>
@@ -2183,7 +2184,7 @@
           <a:p>
             <a:fld id="{504F0287-5C00-4321-9B5B-B42CA9EA4453}" type="slidenum">
               <a:rPr lang="en-AU" smtClean="0"/>
-              <a:t>9</a:t>
+              <a:t>16</a:t>
             </a:fld>
             <a:endParaRPr lang="en-AU"/>
           </a:p>
@@ -2192,7 +2193,7 @@
     </p:spTree>
     <p:extLst>
       <p:ext uri="{BB962C8B-B14F-4D97-AF65-F5344CB8AC3E}">
-        <p14:creationId xmlns:p14="http://schemas.microsoft.com/office/powerpoint/2010/main" val="2372474038"/>
+        <p14:creationId xmlns:p14="http://schemas.microsoft.com/office/powerpoint/2010/main" val="4143505123"/>
       </p:ext>
     </p:extLst>
   </p:cSld>
@@ -2388,7 +2389,7 @@
           <a:p>
             <a:fld id="{7D50A433-14A5-4014-A22C-49E731E6083D}" type="datetimeFigureOut">
               <a:rPr lang="en-AU" smtClean="0"/>
-              <a:t>19/06/2016</a:t>
+              <a:t>20/06/2016</a:t>
             </a:fld>
             <a:endParaRPr lang="en-AU"/>
           </a:p>
@@ -2663,7 +2664,7 @@
           <a:p>
             <a:fld id="{7D50A433-14A5-4014-A22C-49E731E6083D}" type="datetimeFigureOut">
               <a:rPr lang="en-AU" smtClean="0"/>
-              <a:t>19/06/2016</a:t>
+              <a:t>20/06/2016</a:t>
             </a:fld>
             <a:endParaRPr lang="en-AU"/>
           </a:p>
@@ -2857,7 +2858,7 @@
           <a:p>
             <a:fld id="{7D50A433-14A5-4014-A22C-49E731E6083D}" type="datetimeFigureOut">
               <a:rPr lang="en-AU" smtClean="0"/>
-              <a:t>19/06/2016</a:t>
+              <a:t>20/06/2016</a:t>
             </a:fld>
             <a:endParaRPr lang="en-AU"/>
           </a:p>
@@ -3130,7 +3131,7 @@
           <a:p>
             <a:fld id="{7D50A433-14A5-4014-A22C-49E731E6083D}" type="datetimeFigureOut">
               <a:rPr lang="en-AU" smtClean="0"/>
-              <a:t>19/06/2016</a:t>
+              <a:t>20/06/2016</a:t>
             </a:fld>
             <a:endParaRPr lang="en-AU"/>
           </a:p>
@@ -3471,7 +3472,7 @@
           <a:p>
             <a:fld id="{7D50A433-14A5-4014-A22C-49E731E6083D}" type="datetimeFigureOut">
               <a:rPr lang="en-AU" smtClean="0"/>
-              <a:t>19/06/2016</a:t>
+              <a:t>20/06/2016</a:t>
             </a:fld>
             <a:endParaRPr lang="en-AU"/>
           </a:p>
@@ -4094,7 +4095,7 @@
           <a:p>
             <a:fld id="{7D50A433-14A5-4014-A22C-49E731E6083D}" type="datetimeFigureOut">
               <a:rPr lang="en-AU" smtClean="0"/>
-              <a:t>19/06/2016</a:t>
+              <a:t>20/06/2016</a:t>
             </a:fld>
             <a:endParaRPr lang="en-AU"/>
           </a:p>
@@ -4954,7 +4955,7 @@
           <a:p>
             <a:fld id="{7D50A433-14A5-4014-A22C-49E731E6083D}" type="datetimeFigureOut">
               <a:rPr lang="en-AU" smtClean="0"/>
-              <a:t>19/06/2016</a:t>
+              <a:t>20/06/2016</a:t>
             </a:fld>
             <a:endParaRPr lang="en-AU"/>
           </a:p>
@@ -5124,7 +5125,7 @@
           <a:p>
             <a:fld id="{7D50A433-14A5-4014-A22C-49E731E6083D}" type="datetimeFigureOut">
               <a:rPr lang="en-AU" smtClean="0"/>
-              <a:t>19/06/2016</a:t>
+              <a:t>20/06/2016</a:t>
             </a:fld>
             <a:endParaRPr lang="en-AU"/>
           </a:p>
@@ -5304,7 +5305,7 @@
           <a:p>
             <a:fld id="{7D50A433-14A5-4014-A22C-49E731E6083D}" type="datetimeFigureOut">
               <a:rPr lang="en-AU" smtClean="0"/>
-              <a:t>19/06/2016</a:t>
+              <a:t>20/06/2016</a:t>
             </a:fld>
             <a:endParaRPr lang="en-AU"/>
           </a:p>
@@ -5474,7 +5475,7 @@
           <a:p>
             <a:fld id="{7D50A433-14A5-4014-A22C-49E731E6083D}" type="datetimeFigureOut">
               <a:rPr lang="en-AU" smtClean="0"/>
-              <a:t>19/06/2016</a:t>
+              <a:t>20/06/2016</a:t>
             </a:fld>
             <a:endParaRPr lang="en-AU"/>
           </a:p>
@@ -5721,7 +5722,7 @@
           <a:p>
             <a:fld id="{7D50A433-14A5-4014-A22C-49E731E6083D}" type="datetimeFigureOut">
               <a:rPr lang="en-AU" smtClean="0"/>
-              <a:t>19/06/2016</a:t>
+              <a:t>20/06/2016</a:t>
             </a:fld>
             <a:endParaRPr lang="en-AU"/>
           </a:p>
@@ -6013,7 +6014,7 @@
           <a:p>
             <a:fld id="{7D50A433-14A5-4014-A22C-49E731E6083D}" type="datetimeFigureOut">
               <a:rPr lang="en-AU" smtClean="0"/>
-              <a:t>19/06/2016</a:t>
+              <a:t>20/06/2016</a:t>
             </a:fld>
             <a:endParaRPr lang="en-AU"/>
           </a:p>
@@ -6457,7 +6458,7 @@
           <a:p>
             <a:fld id="{7D50A433-14A5-4014-A22C-49E731E6083D}" type="datetimeFigureOut">
               <a:rPr lang="en-AU" smtClean="0"/>
-              <a:t>19/06/2016</a:t>
+              <a:t>20/06/2016</a:t>
             </a:fld>
             <a:endParaRPr lang="en-AU"/>
           </a:p>
@@ -6575,7 +6576,7 @@
           <a:p>
             <a:fld id="{7D50A433-14A5-4014-A22C-49E731E6083D}" type="datetimeFigureOut">
               <a:rPr lang="en-AU" smtClean="0"/>
-              <a:t>19/06/2016</a:t>
+              <a:t>20/06/2016</a:t>
             </a:fld>
             <a:endParaRPr lang="en-AU"/>
           </a:p>
@@ -6670,7 +6671,7 @@
           <a:p>
             <a:fld id="{7D50A433-14A5-4014-A22C-49E731E6083D}" type="datetimeFigureOut">
               <a:rPr lang="en-AU" smtClean="0"/>
-              <a:t>19/06/2016</a:t>
+              <a:t>20/06/2016</a:t>
             </a:fld>
             <a:endParaRPr lang="en-AU"/>
           </a:p>
@@ -6949,7 +6950,7 @@
           <a:p>
             <a:fld id="{7D50A433-14A5-4014-A22C-49E731E6083D}" type="datetimeFigureOut">
               <a:rPr lang="en-AU" smtClean="0"/>
-              <a:t>19/06/2016</a:t>
+              <a:t>20/06/2016</a:t>
             </a:fld>
             <a:endParaRPr lang="en-AU"/>
           </a:p>
@@ -7224,7 +7225,7 @@
           <a:p>
             <a:fld id="{7D50A433-14A5-4014-A22C-49E731E6083D}" type="datetimeFigureOut">
               <a:rPr lang="en-AU" smtClean="0"/>
-              <a:t>19/06/2016</a:t>
+              <a:t>20/06/2016</a:t>
             </a:fld>
             <a:endParaRPr lang="en-AU"/>
           </a:p>
@@ -7653,7 +7654,7 @@
           <a:p>
             <a:fld id="{7D50A433-14A5-4014-A22C-49E731E6083D}" type="datetimeFigureOut">
               <a:rPr lang="en-AU" smtClean="0"/>
-              <a:t>19/06/2016</a:t>
+              <a:t>20/06/2016</a:t>
             </a:fld>
             <a:endParaRPr lang="en-AU"/>
           </a:p>
@@ -8353,157 +8354,6 @@
         </p:nvSpPr>
         <p:spPr>
           <a:xfrm>
-            <a:off x="1052510" y="605118"/>
-            <a:ext cx="10174289" cy="1400530"/>
-          </a:xfrm>
-        </p:spPr>
-        <p:txBody>
-          <a:bodyPr/>
-          <a:lstStyle/>
-          <a:p>
-            <a:r>
-              <a:rPr lang="en-US" sz="3600" dirty="0" smtClean="0"/>
-              <a:t>Can </a:t>
-            </a:r>
-            <a:r>
-              <a:rPr lang="en-US" sz="3600" dirty="0" err="1" smtClean="0"/>
-              <a:t>EXO</a:t>
-            </a:r>
-            <a:r>
-              <a:rPr lang="en-US" sz="3600" baseline="30000" dirty="0" err="1" smtClean="0"/>
-              <a:t>hyp</a:t>
-            </a:r>
-            <a:r>
-              <a:rPr lang="en-US" sz="3600" dirty="0" smtClean="0"/>
-              <a:t> </a:t>
-            </a:r>
-            <a:r>
-              <a:rPr lang="en-US" sz="3600" dirty="0" smtClean="0"/>
-              <a:t>induce CAF phenotype?</a:t>
-            </a:r>
-            <a:endParaRPr lang="en-AU" sz="3600" dirty="0"/>
-          </a:p>
-        </p:txBody>
-      </p:sp>
-      <p:sp>
-        <p:nvSpPr>
-          <p:cNvPr id="3" name="Content Placeholder 2"/>
-          <p:cNvSpPr>
-            <a:spLocks noGrp="1"/>
-          </p:cNvSpPr>
-          <p:nvPr>
-            <p:ph idx="1"/>
-          </p:nvPr>
-        </p:nvSpPr>
-        <p:spPr>
-          <a:xfrm>
-            <a:off x="1403304" y="1649411"/>
-            <a:ext cx="10174289" cy="4195481"/>
-          </a:xfrm>
-        </p:spPr>
-        <p:txBody>
-          <a:bodyPr/>
-          <a:lstStyle/>
-          <a:p>
-            <a:r>
-              <a:rPr lang="en-AU" dirty="0" smtClean="0"/>
-              <a:t>Fibroblasts can be stimulated: by inflammation or cancer. </a:t>
-            </a:r>
-          </a:p>
-          <a:p>
-            <a:r>
-              <a:rPr lang="en-AU" dirty="0" smtClean="0"/>
-              <a:t>Stimulation results in increased alpha-smooth muscle actin (</a:t>
-            </a:r>
-            <a:r>
-              <a:rPr lang="en-AU" dirty="0" smtClean="0">
-                <a:latin typeface="Calibri" panose="020F0502020204030204" pitchFamily="34" charset="0"/>
-              </a:rPr>
-              <a:t>ɑ-SMA</a:t>
-            </a:r>
-            <a:r>
-              <a:rPr lang="en-AU" dirty="0" smtClean="0"/>
-              <a:t>).</a:t>
-            </a:r>
-          </a:p>
-          <a:p>
-            <a:endParaRPr lang="en-AU" dirty="0"/>
-          </a:p>
-        </p:txBody>
-      </p:sp>
-      <p:pic>
-        <p:nvPicPr>
-          <p:cNvPr id="5" name="Picture 4"/>
-          <p:cNvPicPr>
-            <a:picLocks noChangeAspect="1"/>
-          </p:cNvPicPr>
-          <p:nvPr/>
-        </p:nvPicPr>
-        <p:blipFill>
-          <a:blip r:embed="rId2"/>
-          <a:stretch>
-            <a:fillRect/>
-          </a:stretch>
-        </p:blipFill>
-        <p:spPr>
-          <a:xfrm>
-            <a:off x="1687510" y="2601460"/>
-            <a:ext cx="7812090" cy="3716208"/>
-          </a:xfrm>
-          <a:prstGeom prst="rect">
-            <a:avLst/>
-          </a:prstGeom>
-        </p:spPr>
-      </p:pic>
-    </p:spTree>
-    <p:extLst>
-      <p:ext uri="{BB962C8B-B14F-4D97-AF65-F5344CB8AC3E}">
-        <p14:creationId xmlns:p14="http://schemas.microsoft.com/office/powerpoint/2010/main" val="3593854408"/>
-      </p:ext>
-    </p:extLst>
-  </p:cSld>
-  <p:clrMapOvr>
-    <a:masterClrMapping/>
-  </p:clrMapOvr>
-  <p:timing>
-    <p:tnLst>
-      <p:par>
-        <p:cTn id="1" dur="indefinite" restart="never" nodeType="tmRoot"/>
-      </p:par>
-    </p:tnLst>
-  </p:timing>
-</p:sld>
-</file>
-
-<file path=ppt/slides/slide11.xml><?xml version="1.0" encoding="utf-8"?>
-<p:sld xmlns:a="http://schemas.openxmlformats.org/drawingml/2006/main" xmlns:r="http://schemas.openxmlformats.org/officeDocument/2006/relationships" xmlns:p="http://schemas.openxmlformats.org/presentationml/2006/main">
-  <p:cSld>
-    <p:spTree>
-      <p:nvGrpSpPr>
-        <p:cNvPr id="1" name=""/>
-        <p:cNvGrpSpPr/>
-        <p:nvPr/>
-      </p:nvGrpSpPr>
-      <p:grpSpPr>
-        <a:xfrm>
-          <a:off x="0" y="0"/>
-          <a:ext cx="0" cy="0"/>
-          <a:chOff x="0" y="0"/>
-          <a:chExt cx="0" cy="0"/>
-        </a:xfrm>
-      </p:grpSpPr>
-      <p:sp>
-        <p:nvSpPr>
-          <p:cNvPr id="2" name="Title 1"/>
-          <p:cNvSpPr>
-            <a:spLocks noGrp="1"/>
-          </p:cNvSpPr>
-          <p:nvPr>
-            <p:ph type="title"/>
-          </p:nvPr>
-        </p:nvSpPr>
-        <p:spPr>
-          <a:xfrm>
             <a:off x="3367087" y="293612"/>
             <a:ext cx="6963147" cy="1400530"/>
           </a:xfrm>
@@ -8560,11 +8410,7 @@
           <a:p>
             <a:r>
               <a:rPr lang="en-AU" dirty="0" smtClean="0"/>
-              <a:t>All of the above increased </a:t>
-            </a:r>
-            <a:r>
-              <a:rPr lang="en-AU" dirty="0" smtClean="0"/>
-              <a:t>in </a:t>
+              <a:t>All of the above increased in </a:t>
             </a:r>
             <a:r>
               <a:rPr lang="en-US" dirty="0" err="1" smtClean="0"/>
@@ -8576,20 +8422,20 @@
             </a:r>
             <a:r>
               <a:rPr lang="en-AU" dirty="0" smtClean="0"/>
-              <a:t>, </a:t>
-            </a:r>
+              <a:t>, bar PKM2. </a:t>
+            </a:r>
+          </a:p>
+          <a:p>
+            <a:endParaRPr lang="en-AU" dirty="0"/>
+          </a:p>
+          <a:p>
             <a:r>
               <a:rPr lang="en-AU" dirty="0" smtClean="0"/>
-              <a:t>bar PKM2. </a:t>
-            </a:r>
-          </a:p>
-          <a:p>
-            <a:endParaRPr lang="en-AU" dirty="0"/>
-          </a:p>
-          <a:p>
+              <a:t>Not comprehensive</a:t>
+            </a:r>
             <a:r>
               <a:rPr lang="en-AU" dirty="0" smtClean="0"/>
-              <a:t>Very subjective. </a:t>
+              <a:t>. </a:t>
             </a:r>
             <a:endParaRPr lang="en-AU" dirty="0"/>
           </a:p>
@@ -8638,7 +8484,7 @@
 </p:sld>
 </file>
 
-<file path=ppt/slides/slide12.xml><?xml version="1.0" encoding="utf-8"?>
+<file path=ppt/slides/slide11.xml><?xml version="1.0" encoding="utf-8"?>
 <p:sld xmlns:a="http://schemas.openxmlformats.org/drawingml/2006/main" xmlns:r="http://schemas.openxmlformats.org/officeDocument/2006/relationships" xmlns:p="http://schemas.openxmlformats.org/presentationml/2006/main">
   <p:cSld>
     <p:spTree>
@@ -8825,7 +8671,7 @@
 </p:sld>
 </file>
 
-<file path=ppt/slides/slide13.xml><?xml version="1.0" encoding="utf-8"?>
+<file path=ppt/slides/slide12.xml><?xml version="1.0" encoding="utf-8"?>
 <p:sld xmlns:a="http://schemas.openxmlformats.org/drawingml/2006/main" xmlns:r="http://schemas.openxmlformats.org/officeDocument/2006/relationships" xmlns:p="http://schemas.openxmlformats.org/presentationml/2006/main">
   <p:cSld>
     <p:spTree>
@@ -8974,211 +8820,7 @@
 </p:sld>
 </file>
 
-<file path=ppt/slides/slide14.xml><?xml version="1.0" encoding="utf-8"?>
-<p:sld xmlns:a="http://schemas.openxmlformats.org/drawingml/2006/main" xmlns:r="http://schemas.openxmlformats.org/officeDocument/2006/relationships" xmlns:p="http://schemas.openxmlformats.org/presentationml/2006/main">
-  <p:cSld>
-    <p:spTree>
-      <p:nvGrpSpPr>
-        <p:cNvPr id="1" name=""/>
-        <p:cNvGrpSpPr/>
-        <p:nvPr/>
-      </p:nvGrpSpPr>
-      <p:grpSpPr>
-        <a:xfrm>
-          <a:off x="0" y="0"/>
-          <a:ext cx="0" cy="0"/>
-          <a:chOff x="0" y="0"/>
-          <a:chExt cx="0" cy="0"/>
-        </a:xfrm>
-      </p:grpSpPr>
-      <p:sp>
-        <p:nvSpPr>
-          <p:cNvPr id="2" name="Title 1"/>
-          <p:cNvSpPr>
-            <a:spLocks noGrp="1"/>
-          </p:cNvSpPr>
-          <p:nvPr>
-            <p:ph type="title"/>
-          </p:nvPr>
-        </p:nvSpPr>
-        <p:spPr/>
-        <p:txBody>
-          <a:bodyPr/>
-          <a:lstStyle/>
-          <a:p>
-            <a:r>
-              <a:rPr lang="en-US" sz="3600" dirty="0" smtClean="0"/>
-              <a:t>Limitation and strengths, future directions. </a:t>
-            </a:r>
-            <a:endParaRPr lang="en-AU" sz="3600" dirty="0"/>
-          </a:p>
-        </p:txBody>
-      </p:sp>
-      <p:sp>
-        <p:nvSpPr>
-          <p:cNvPr id="3" name="Content Placeholder 2"/>
-          <p:cNvSpPr>
-            <a:spLocks noGrp="1"/>
-          </p:cNvSpPr>
-          <p:nvPr>
-            <p:ph idx="1"/>
-          </p:nvPr>
-        </p:nvSpPr>
-        <p:spPr>
-          <a:xfrm>
-            <a:off x="1103312" y="1779374"/>
-            <a:ext cx="4611687" cy="4269356"/>
-          </a:xfrm>
-        </p:spPr>
-        <p:txBody>
-          <a:bodyPr/>
-          <a:lstStyle/>
-          <a:p>
-            <a:pPr marL="0" indent="0">
-              <a:buNone/>
-            </a:pPr>
-            <a:r>
-              <a:rPr lang="en-AU" dirty="0" smtClean="0"/>
-              <a:t>Strengths:</a:t>
-            </a:r>
-          </a:p>
-          <a:p>
-            <a:r>
-              <a:rPr lang="en-AU" dirty="0" smtClean="0"/>
-              <a:t>Supported the hypothesis. </a:t>
-            </a:r>
-          </a:p>
-          <a:p>
-            <a:r>
-              <a:rPr lang="en-AU" dirty="0" smtClean="0"/>
-              <a:t>Use of several cell lines. </a:t>
-            </a:r>
-          </a:p>
-          <a:p>
-            <a:r>
-              <a:rPr lang="en-AU" dirty="0" smtClean="0"/>
-              <a:t>Great starting point</a:t>
-            </a:r>
-          </a:p>
-          <a:p>
-            <a:endParaRPr lang="en-AU" dirty="0" smtClean="0"/>
-          </a:p>
-          <a:p>
-            <a:pPr marL="0" indent="0">
-              <a:buNone/>
-            </a:pPr>
-            <a:r>
-              <a:rPr lang="en-AU" dirty="0" smtClean="0"/>
-              <a:t>Limitations: </a:t>
-            </a:r>
-            <a:endParaRPr lang="en-AU" dirty="0"/>
-          </a:p>
-          <a:p>
-            <a:r>
-              <a:rPr lang="en-AU" dirty="0" smtClean="0"/>
-              <a:t>Some clarity is lacking</a:t>
-            </a:r>
-          </a:p>
-          <a:p>
-            <a:r>
-              <a:rPr lang="en-AU" dirty="0" smtClean="0"/>
-              <a:t>Some results were not thoroughly discussed. </a:t>
-            </a:r>
-            <a:endParaRPr lang="en-AU" dirty="0"/>
-          </a:p>
-        </p:txBody>
-      </p:sp>
-      <p:sp>
-        <p:nvSpPr>
-          <p:cNvPr id="4" name="TextBox 3"/>
-          <p:cNvSpPr txBox="1"/>
-          <p:nvPr/>
-        </p:nvSpPr>
-        <p:spPr>
-          <a:xfrm>
-            <a:off x="6743700" y="2281873"/>
-            <a:ext cx="4543425" cy="2215991"/>
-          </a:xfrm>
-          <a:prstGeom prst="rect">
-            <a:avLst/>
-          </a:prstGeom>
-          <a:noFill/>
-        </p:spPr>
-        <p:txBody>
-          <a:bodyPr wrap="square" rtlCol="0">
-            <a:spAutoFit/>
-          </a:bodyPr>
-          <a:lstStyle/>
-          <a:p>
-            <a:r>
-              <a:rPr lang="en-AU" sz="2000" dirty="0" smtClean="0"/>
-              <a:t>Future directions: </a:t>
-            </a:r>
-          </a:p>
-          <a:p>
-            <a:endParaRPr lang="en-AU" sz="2000" dirty="0"/>
-          </a:p>
-          <a:p>
-            <a:pPr marL="285750" indent="-285750">
-              <a:buFont typeface="Arial" panose="020B0604020202020204" pitchFamily="34" charset="0"/>
-              <a:buChar char="•"/>
-            </a:pPr>
-            <a:r>
-              <a:rPr lang="en-AU" sz="2000" dirty="0" smtClean="0"/>
-              <a:t>Further assess the proposed mechanism</a:t>
-            </a:r>
-          </a:p>
-          <a:p>
-            <a:pPr marL="285750" indent="-285750">
-              <a:buFont typeface="Arial" panose="020B0604020202020204" pitchFamily="34" charset="0"/>
-              <a:buChar char="•"/>
-            </a:pPr>
-            <a:endParaRPr lang="en-AU" sz="2000" dirty="0" smtClean="0"/>
-          </a:p>
-          <a:p>
-            <a:pPr marL="285750" indent="-285750">
-              <a:buFont typeface="Arial" panose="020B0604020202020204" pitchFamily="34" charset="0"/>
-              <a:buChar char="•"/>
-            </a:pPr>
-            <a:r>
-              <a:rPr lang="en-AU" sz="2000" dirty="0" smtClean="0"/>
-              <a:t>Explore other avenues; </a:t>
-            </a:r>
-            <a:r>
-              <a:rPr lang="en-AU" sz="2000" dirty="0" err="1" smtClean="0"/>
-              <a:t>eg</a:t>
-            </a:r>
-            <a:r>
-              <a:rPr lang="en-AU" sz="2000" dirty="0" smtClean="0"/>
-              <a:t> RNA. </a:t>
-            </a:r>
-          </a:p>
-          <a:p>
-            <a:endParaRPr lang="en-AU" dirty="0"/>
-          </a:p>
-        </p:txBody>
-      </p:sp>
-    </p:spTree>
-    <p:extLst>
-      <p:ext uri="{BB962C8B-B14F-4D97-AF65-F5344CB8AC3E}">
-        <p14:creationId xmlns:p14="http://schemas.microsoft.com/office/powerpoint/2010/main" val="500202845"/>
-      </p:ext>
-    </p:extLst>
-  </p:cSld>
-  <p:clrMapOvr>
-    <a:masterClrMapping/>
-  </p:clrMapOvr>
-  <p:timing>
-    <p:tnLst>
-      <p:par>
-        <p:cTn id="1" dur="indefinite" restart="never" nodeType="tmRoot"/>
-      </p:par>
-    </p:tnLst>
-  </p:timing>
-</p:sld>
-</file>
-
-<file path=ppt/slides/slide15.xml><?xml version="1.0" encoding="utf-8"?>
+<file path=ppt/slides/slide13.xml><?xml version="1.0" encoding="utf-8"?>
 <p:sld xmlns:a="http://schemas.openxmlformats.org/drawingml/2006/main" xmlns:r="http://schemas.openxmlformats.org/officeDocument/2006/relationships" xmlns:p="http://schemas.openxmlformats.org/presentationml/2006/main">
   <p:cSld>
     <p:spTree>
@@ -9524,13 +9166,8 @@
             </a:r>
             <a:r>
               <a:rPr lang="en-AU" sz="2000" dirty="0" smtClean="0"/>
-              <a:t>.</a:t>
-            </a:r>
-            <a:r>
-              <a:rPr lang="en-AU" sz="2000" dirty="0" smtClean="0"/>
-              <a:t>…..</a:t>
-            </a:r>
-            <a:endParaRPr lang="en-AU" sz="2000" dirty="0" smtClean="0"/>
+              <a:t>.…..</a:t>
+            </a:r>
           </a:p>
           <a:p>
             <a:pPr marL="457200" lvl="1" indent="358775" algn="ctr">
@@ -9601,7 +9238,506 @@
 </p:sld>
 </file>
 
+<file path=ppt/slides/slide14.xml><?xml version="1.0" encoding="utf-8"?>
+<p:sld xmlns:a="http://schemas.openxmlformats.org/drawingml/2006/main" xmlns:r="http://schemas.openxmlformats.org/officeDocument/2006/relationships" xmlns:p="http://schemas.openxmlformats.org/presentationml/2006/main">
+  <p:cSld>
+    <p:spTree>
+      <p:nvGrpSpPr>
+        <p:cNvPr id="1" name=""/>
+        <p:cNvGrpSpPr/>
+        <p:nvPr/>
+      </p:nvGrpSpPr>
+      <p:grpSpPr>
+        <a:xfrm>
+          <a:off x="0" y="0"/>
+          <a:ext cx="0" cy="0"/>
+          <a:chOff x="0" y="0"/>
+          <a:chExt cx="0" cy="0"/>
+        </a:xfrm>
+      </p:grpSpPr>
+      <p:sp>
+        <p:nvSpPr>
+          <p:cNvPr id="2" name="Title 1"/>
+          <p:cNvSpPr>
+            <a:spLocks noGrp="1"/>
+          </p:cNvSpPr>
+          <p:nvPr>
+            <p:ph type="title"/>
+          </p:nvPr>
+        </p:nvSpPr>
+        <p:spPr/>
+        <p:txBody>
+          <a:bodyPr/>
+          <a:lstStyle/>
+          <a:p>
+            <a:r>
+              <a:rPr lang="en-US" sz="3600" dirty="0" smtClean="0"/>
+              <a:t>Limitation and strengths, future directions. </a:t>
+            </a:r>
+            <a:endParaRPr lang="en-AU" sz="3600" dirty="0"/>
+          </a:p>
+        </p:txBody>
+      </p:sp>
+      <p:sp>
+        <p:nvSpPr>
+          <p:cNvPr id="3" name="Content Placeholder 2"/>
+          <p:cNvSpPr>
+            <a:spLocks noGrp="1"/>
+          </p:cNvSpPr>
+          <p:nvPr>
+            <p:ph idx="1"/>
+          </p:nvPr>
+        </p:nvSpPr>
+        <p:spPr>
+          <a:xfrm>
+            <a:off x="1103312" y="1779374"/>
+            <a:ext cx="4611687" cy="4269356"/>
+          </a:xfrm>
+        </p:spPr>
+        <p:txBody>
+          <a:bodyPr/>
+          <a:lstStyle/>
+          <a:p>
+            <a:pPr marL="0" indent="0">
+              <a:buNone/>
+            </a:pPr>
+            <a:r>
+              <a:rPr lang="en-AU" dirty="0" smtClean="0"/>
+              <a:t>Strengths:</a:t>
+            </a:r>
+          </a:p>
+          <a:p>
+            <a:r>
+              <a:rPr lang="en-AU" dirty="0" smtClean="0"/>
+              <a:t>Supported the hypothesis. </a:t>
+            </a:r>
+          </a:p>
+          <a:p>
+            <a:r>
+              <a:rPr lang="en-AU" dirty="0" smtClean="0"/>
+              <a:t>Use of several cell lines. </a:t>
+            </a:r>
+          </a:p>
+          <a:p>
+            <a:r>
+              <a:rPr lang="en-AU" dirty="0" smtClean="0"/>
+              <a:t>Great starting point</a:t>
+            </a:r>
+          </a:p>
+          <a:p>
+            <a:endParaRPr lang="en-AU" dirty="0" smtClean="0"/>
+          </a:p>
+          <a:p>
+            <a:pPr marL="0" indent="0">
+              <a:buNone/>
+            </a:pPr>
+            <a:r>
+              <a:rPr lang="en-AU" dirty="0" smtClean="0"/>
+              <a:t>Limitations: </a:t>
+            </a:r>
+            <a:endParaRPr lang="en-AU" dirty="0"/>
+          </a:p>
+          <a:p>
+            <a:r>
+              <a:rPr lang="en-AU" dirty="0" smtClean="0"/>
+              <a:t>Lacking control</a:t>
+            </a:r>
+          </a:p>
+          <a:p>
+            <a:r>
+              <a:rPr lang="en-AU" dirty="0" smtClean="0"/>
+              <a:t>Not stating controls</a:t>
+            </a:r>
+          </a:p>
+          <a:p>
+            <a:r>
+              <a:rPr lang="en-AU" dirty="0" smtClean="0"/>
+              <a:t>Non-innovative</a:t>
+            </a:r>
+            <a:endParaRPr lang="en-AU" dirty="0"/>
+          </a:p>
+        </p:txBody>
+      </p:sp>
+      <p:sp>
+        <p:nvSpPr>
+          <p:cNvPr id="4" name="TextBox 3"/>
+          <p:cNvSpPr txBox="1"/>
+          <p:nvPr/>
+        </p:nvSpPr>
+        <p:spPr>
+          <a:xfrm>
+            <a:off x="6743700" y="2281873"/>
+            <a:ext cx="4543425" cy="2831544"/>
+          </a:xfrm>
+          <a:prstGeom prst="rect">
+            <a:avLst/>
+          </a:prstGeom>
+          <a:noFill/>
+        </p:spPr>
+        <p:txBody>
+          <a:bodyPr wrap="square" rtlCol="0">
+            <a:spAutoFit/>
+          </a:bodyPr>
+          <a:lstStyle/>
+          <a:p>
+            <a:r>
+              <a:rPr lang="en-AU" sz="2000" dirty="0" smtClean="0"/>
+              <a:t>Future directions: </a:t>
+            </a:r>
+          </a:p>
+          <a:p>
+            <a:endParaRPr lang="en-AU" sz="2000" dirty="0"/>
+          </a:p>
+          <a:p>
+            <a:pPr marL="285750" indent="-285750">
+              <a:buFont typeface="Arial" panose="020B0604020202020204" pitchFamily="34" charset="0"/>
+              <a:buChar char="•"/>
+            </a:pPr>
+            <a:r>
+              <a:rPr lang="en-AU" sz="2000" dirty="0" smtClean="0"/>
+              <a:t>Further assess the proposed mechanism</a:t>
+            </a:r>
+          </a:p>
+          <a:p>
+            <a:pPr marL="285750" indent="-285750">
+              <a:buFont typeface="Arial" panose="020B0604020202020204" pitchFamily="34" charset="0"/>
+              <a:buChar char="•"/>
+            </a:pPr>
+            <a:endParaRPr lang="en-AU" sz="2000" dirty="0" smtClean="0"/>
+          </a:p>
+          <a:p>
+            <a:pPr marL="285750" indent="-285750">
+              <a:buFont typeface="Arial" panose="020B0604020202020204" pitchFamily="34" charset="0"/>
+              <a:buChar char="•"/>
+            </a:pPr>
+            <a:r>
+              <a:rPr lang="en-AU" sz="2000" dirty="0" smtClean="0"/>
+              <a:t>Additional pathways</a:t>
+            </a:r>
+            <a:endParaRPr lang="en-AU" sz="2000" dirty="0" smtClean="0"/>
+          </a:p>
+          <a:p>
+            <a:pPr marL="285750" indent="-285750">
+              <a:buFont typeface="Arial" panose="020B0604020202020204" pitchFamily="34" charset="0"/>
+              <a:buChar char="•"/>
+            </a:pPr>
+            <a:endParaRPr lang="en-AU" sz="2000" dirty="0" smtClean="0"/>
+          </a:p>
+          <a:p>
+            <a:pPr marL="285750" indent="-285750">
+              <a:buFont typeface="Arial" panose="020B0604020202020204" pitchFamily="34" charset="0"/>
+              <a:buChar char="•"/>
+            </a:pPr>
+            <a:r>
+              <a:rPr lang="en-AU" sz="2000" dirty="0" smtClean="0"/>
+              <a:t>Explore other avenues; </a:t>
+            </a:r>
+            <a:r>
+              <a:rPr lang="en-AU" sz="2000" dirty="0" err="1" smtClean="0"/>
+              <a:t>eg</a:t>
+            </a:r>
+            <a:r>
+              <a:rPr lang="en-AU" sz="2000" dirty="0" smtClean="0"/>
+              <a:t> RNA. </a:t>
+            </a:r>
+          </a:p>
+          <a:p>
+            <a:endParaRPr lang="en-AU" dirty="0"/>
+          </a:p>
+        </p:txBody>
+      </p:sp>
+    </p:spTree>
+    <p:extLst>
+      <p:ext uri="{BB962C8B-B14F-4D97-AF65-F5344CB8AC3E}">
+        <p14:creationId xmlns:p14="http://schemas.microsoft.com/office/powerpoint/2010/main" val="500202845"/>
+      </p:ext>
+    </p:extLst>
+  </p:cSld>
+  <p:clrMapOvr>
+    <a:masterClrMapping/>
+  </p:clrMapOvr>
+  <p:timing>
+    <p:tnLst>
+      <p:par>
+        <p:cTn id="1" dur="indefinite" restart="never" nodeType="tmRoot"/>
+      </p:par>
+    </p:tnLst>
+  </p:timing>
+</p:sld>
+</file>
+
+<file path=ppt/slides/slide15.xml><?xml version="1.0" encoding="utf-8"?>
+<p:sld xmlns:a="http://schemas.openxmlformats.org/drawingml/2006/main" xmlns:r="http://schemas.openxmlformats.org/officeDocument/2006/relationships" xmlns:p="http://schemas.openxmlformats.org/presentationml/2006/main">
+  <p:cSld>
+    <p:spTree>
+      <p:nvGrpSpPr>
+        <p:cNvPr id="1" name=""/>
+        <p:cNvGrpSpPr/>
+        <p:nvPr/>
+      </p:nvGrpSpPr>
+      <p:grpSpPr>
+        <a:xfrm>
+          <a:off x="0" y="0"/>
+          <a:ext cx="0" cy="0"/>
+          <a:chOff x="0" y="0"/>
+          <a:chExt cx="0" cy="0"/>
+        </a:xfrm>
+      </p:grpSpPr>
+      <p:sp>
+        <p:nvSpPr>
+          <p:cNvPr id="2" name="Title 1"/>
+          <p:cNvSpPr>
+            <a:spLocks noGrp="1"/>
+          </p:cNvSpPr>
+          <p:nvPr>
+            <p:ph type="title"/>
+          </p:nvPr>
+        </p:nvSpPr>
+        <p:spPr>
+          <a:xfrm>
+            <a:off x="1103312" y="4847869"/>
+            <a:ext cx="9404723" cy="1400530"/>
+          </a:xfrm>
+        </p:spPr>
+        <p:txBody>
+          <a:bodyPr/>
+          <a:lstStyle/>
+          <a:p>
+            <a:r>
+              <a:rPr lang="en-AU" dirty="0" smtClean="0"/>
+              <a:t>Questions?</a:t>
+            </a:r>
+            <a:endParaRPr lang="en-AU" dirty="0"/>
+          </a:p>
+        </p:txBody>
+      </p:sp>
+      <p:sp>
+        <p:nvSpPr>
+          <p:cNvPr id="3" name="Content Placeholder 2"/>
+          <p:cNvSpPr>
+            <a:spLocks noGrp="1"/>
+          </p:cNvSpPr>
+          <p:nvPr>
+            <p:ph idx="1"/>
+          </p:nvPr>
+        </p:nvSpPr>
+        <p:spPr/>
+        <p:txBody>
+          <a:bodyPr/>
+          <a:lstStyle/>
+          <a:p>
+            <a:endParaRPr lang="en-AU" dirty="0"/>
+          </a:p>
+        </p:txBody>
+      </p:sp>
+    </p:spTree>
+    <p:extLst>
+      <p:ext uri="{BB962C8B-B14F-4D97-AF65-F5344CB8AC3E}">
+        <p14:creationId xmlns:p14="http://schemas.microsoft.com/office/powerpoint/2010/main" val="3042370620"/>
+      </p:ext>
+    </p:extLst>
+  </p:cSld>
+  <p:clrMapOvr>
+    <a:masterClrMapping/>
+  </p:clrMapOvr>
+</p:sld>
+</file>
+
 <file path=ppt/slides/slide16.xml><?xml version="1.0" encoding="utf-8"?>
+<p:sld xmlns:a="http://schemas.openxmlformats.org/drawingml/2006/main" xmlns:r="http://schemas.openxmlformats.org/officeDocument/2006/relationships" xmlns:p="http://schemas.openxmlformats.org/presentationml/2006/main">
+  <p:cSld>
+    <p:spTree>
+      <p:nvGrpSpPr>
+        <p:cNvPr id="1" name=""/>
+        <p:cNvGrpSpPr/>
+        <p:nvPr/>
+      </p:nvGrpSpPr>
+      <p:grpSpPr>
+        <a:xfrm>
+          <a:off x="0" y="0"/>
+          <a:ext cx="0" cy="0"/>
+          <a:chOff x="0" y="0"/>
+          <a:chExt cx="0" cy="0"/>
+        </a:xfrm>
+      </p:grpSpPr>
+      <p:sp>
+        <p:nvSpPr>
+          <p:cNvPr id="2" name="Title 1"/>
+          <p:cNvSpPr>
+            <a:spLocks noGrp="1"/>
+          </p:cNvSpPr>
+          <p:nvPr>
+            <p:ph type="title"/>
+          </p:nvPr>
+        </p:nvSpPr>
+        <p:spPr>
+          <a:xfrm>
+            <a:off x="646111" y="452718"/>
+            <a:ext cx="9700156" cy="1400530"/>
+          </a:xfrm>
+        </p:spPr>
+        <p:txBody>
+          <a:bodyPr/>
+          <a:lstStyle/>
+          <a:p>
+            <a:r>
+              <a:rPr lang="en-US" sz="3200" dirty="0" smtClean="0"/>
+              <a:t>Is there a difference in exosome population?</a:t>
+            </a:r>
+            <a:endParaRPr lang="en-AU" sz="3200" dirty="0"/>
+          </a:p>
+        </p:txBody>
+      </p:sp>
+      <p:sp>
+        <p:nvSpPr>
+          <p:cNvPr id="3" name="Content Placeholder 2"/>
+          <p:cNvSpPr>
+            <a:spLocks noGrp="1"/>
+          </p:cNvSpPr>
+          <p:nvPr>
+            <p:ph idx="1"/>
+          </p:nvPr>
+        </p:nvSpPr>
+        <p:spPr>
+          <a:xfrm>
+            <a:off x="646111" y="4429678"/>
+            <a:ext cx="6562725" cy="1952172"/>
+          </a:xfrm>
+        </p:spPr>
+        <p:txBody>
+          <a:bodyPr>
+            <a:normAutofit/>
+          </a:bodyPr>
+          <a:lstStyle/>
+          <a:p>
+            <a:r>
+              <a:rPr lang="en-US" dirty="0" smtClean="0"/>
+              <a:t>Nanoparticle tracker analysis: size </a:t>
+            </a:r>
+            <a:r>
+              <a:rPr lang="en-AU" dirty="0"/>
+              <a:t>∝ motion </a:t>
+            </a:r>
+            <a:r>
+              <a:rPr lang="en-AU" dirty="0" smtClean="0"/>
+              <a:t>∝ subpopulation</a:t>
+            </a:r>
+          </a:p>
+          <a:p>
+            <a:r>
+              <a:rPr lang="en-US" dirty="0" smtClean="0"/>
+              <a:t>Important to determine subpopulation due to differing </a:t>
+            </a:r>
+            <a:r>
+              <a:rPr lang="en-US" dirty="0" err="1" smtClean="0"/>
+              <a:t>biochemisty</a:t>
+            </a:r>
+            <a:r>
+              <a:rPr lang="en-US" dirty="0" smtClean="0"/>
+              <a:t>, biogenesis etc..</a:t>
+            </a:r>
+          </a:p>
+        </p:txBody>
+      </p:sp>
+      <p:pic>
+        <p:nvPicPr>
+          <p:cNvPr id="4" name="Picture 3"/>
+          <p:cNvPicPr>
+            <a:picLocks noChangeAspect="1"/>
+          </p:cNvPicPr>
+          <p:nvPr/>
+        </p:nvPicPr>
+        <p:blipFill>
+          <a:blip r:embed="rId3"/>
+          <a:stretch>
+            <a:fillRect/>
+          </a:stretch>
+        </p:blipFill>
+        <p:spPr>
+          <a:xfrm>
+            <a:off x="874710" y="1152983"/>
+            <a:ext cx="5876925" cy="2971800"/>
+          </a:xfrm>
+          <a:prstGeom prst="rect">
+            <a:avLst/>
+          </a:prstGeom>
+        </p:spPr>
+      </p:pic>
+      <p:pic>
+        <p:nvPicPr>
+          <p:cNvPr id="5" name="Picture 4"/>
+          <p:cNvPicPr>
+            <a:picLocks noChangeAspect="1"/>
+          </p:cNvPicPr>
+          <p:nvPr/>
+        </p:nvPicPr>
+        <p:blipFill>
+          <a:blip r:embed="rId4"/>
+          <a:stretch>
+            <a:fillRect/>
+          </a:stretch>
+        </p:blipFill>
+        <p:spPr>
+          <a:xfrm>
+            <a:off x="7208836" y="1168157"/>
+            <a:ext cx="2314575" cy="4152900"/>
+          </a:xfrm>
+          <a:prstGeom prst="rect">
+            <a:avLst/>
+          </a:prstGeom>
+        </p:spPr>
+      </p:pic>
+      <p:sp>
+        <p:nvSpPr>
+          <p:cNvPr id="6" name="TextBox 5"/>
+          <p:cNvSpPr txBox="1"/>
+          <p:nvPr/>
+        </p:nvSpPr>
+        <p:spPr>
+          <a:xfrm>
+            <a:off x="9752011" y="2234710"/>
+            <a:ext cx="2099733" cy="2246769"/>
+          </a:xfrm>
+          <a:prstGeom prst="rect">
+            <a:avLst/>
+          </a:prstGeom>
+          <a:noFill/>
+        </p:spPr>
+        <p:txBody>
+          <a:bodyPr wrap="square" rtlCol="0">
+            <a:spAutoFit/>
+          </a:bodyPr>
+          <a:lstStyle/>
+          <a:p>
+            <a:r>
+              <a:rPr lang="en-US" sz="2000" dirty="0" smtClean="0"/>
+              <a:t>Lysed Exosomes analyzed for typical vesicular markers via Western Blot. </a:t>
+            </a:r>
+            <a:endParaRPr lang="en-AU" sz="2000" dirty="0"/>
+          </a:p>
+        </p:txBody>
+      </p:sp>
+    </p:spTree>
+    <p:extLst>
+      <p:ext uri="{BB962C8B-B14F-4D97-AF65-F5344CB8AC3E}">
+        <p14:creationId xmlns:p14="http://schemas.microsoft.com/office/powerpoint/2010/main" val="3770642438"/>
+      </p:ext>
+    </p:extLst>
+  </p:cSld>
+  <p:clrMapOvr>
+    <a:masterClrMapping/>
+  </p:clrMapOvr>
+  <p:timing>
+    <p:tnLst>
+      <p:par>
+        <p:cTn id="1" dur="indefinite" restart="never" nodeType="tmRoot"/>
+      </p:par>
+    </p:tnLst>
+  </p:timing>
+</p:sld>
+</file>
+
+<file path=ppt/slides/slide17.xml><?xml version="1.0" encoding="utf-8"?>
 <p:sld xmlns:a="http://schemas.openxmlformats.org/drawingml/2006/main" xmlns:r="http://schemas.openxmlformats.org/officeDocument/2006/relationships" xmlns:p="http://schemas.openxmlformats.org/presentationml/2006/main">
   <p:cSld>
     <p:spTree>
@@ -10068,7 +10204,6 @@
               <a:rPr lang="en-US" dirty="0" smtClean="0"/>
               <a:t>Exact mechanism still debated.</a:t>
             </a:r>
-            <a:endParaRPr lang="en-US" dirty="0" smtClean="0"/>
           </a:p>
           <a:p>
             <a:endParaRPr lang="en-US" dirty="0" smtClean="0"/>
@@ -10432,11 +10567,7 @@
             </a:r>
             <a:r>
               <a:rPr lang="en-AU" dirty="0" smtClean="0"/>
-              <a:t>, </a:t>
-            </a:r>
-            <a:r>
-              <a:rPr lang="en-AU" dirty="0" smtClean="0"/>
-              <a:t>absorbed </a:t>
+              <a:t>, absorbed </a:t>
             </a:r>
             <a:r>
               <a:rPr lang="en-AU" dirty="0"/>
@@ -10444,15 +10575,7 @@
             </a:r>
             <a:r>
               <a:rPr lang="en-AU" dirty="0" smtClean="0"/>
-              <a:t>cells, which </a:t>
-            </a:r>
-            <a:r>
-              <a:rPr lang="en-AU" dirty="0" smtClean="0"/>
-              <a:t>enhance cancer cell invasiveness and metastasis</a:t>
-            </a:r>
-            <a:r>
-              <a:rPr lang="en-AU" dirty="0" smtClean="0"/>
-              <a:t>. </a:t>
+              <a:t>cells, which enhance cancer cell invasiveness and metastasis. </a:t>
             </a:r>
             <a:endParaRPr lang="en-AU" dirty="0"/>
           </a:p>
@@ -10499,7 +10622,15 @@
             <a:pPr lvl="2"/>
             <a:r>
               <a:rPr lang="en-US" dirty="0" smtClean="0"/>
-              <a:t>Elucidate the causative action induced by the hypoxic exosomes. </a:t>
+              <a:t>Elucidate the causative </a:t>
+            </a:r>
+            <a:r>
+              <a:rPr lang="en-US" dirty="0" smtClean="0"/>
+              <a:t>agent </a:t>
+            </a:r>
+            <a:r>
+              <a:rPr lang="en-US" dirty="0" smtClean="0"/>
+              <a:t>induced by the hypoxic exosomes. </a:t>
             </a:r>
             <a:endParaRPr lang="en-AU" dirty="0"/>
           </a:p>
@@ -10590,11 +10721,7 @@
             </a:r>
             <a:r>
               <a:rPr lang="en-AU" dirty="0" smtClean="0"/>
-              <a:t> and PC3 </a:t>
-            </a:r>
-            <a:r>
-              <a:rPr lang="en-AU" dirty="0" smtClean="0"/>
-              <a:t>cells. </a:t>
+              <a:t> and PC3 cells. </a:t>
             </a:r>
           </a:p>
           <a:p>
@@ -10616,15 +10743,25 @@
             </a:r>
             <a:r>
               <a:rPr lang="en-AU" dirty="0" smtClean="0"/>
-              <a:t> collected using </a:t>
-            </a:r>
+              <a:t> collected using ultracentrifugation or from kits. </a:t>
+            </a:r>
+            <a:endParaRPr lang="en-AU" dirty="0" smtClean="0"/>
+          </a:p>
+          <a:p>
+            <a:endParaRPr lang="en-AU" dirty="0"/>
+          </a:p>
+          <a:p>
             <a:r>
               <a:rPr lang="en-AU" dirty="0" smtClean="0"/>
-              <a:t>ultracentrifugation </a:t>
+              <a:t>Figure 1 assesses </a:t>
+            </a:r>
+            <a:r>
+              <a:rPr lang="en-AU" dirty="0" err="1" smtClean="0"/>
+              <a:t>exosome</a:t>
             </a:r>
             <a:r>
               <a:rPr lang="en-AU" dirty="0" smtClean="0"/>
-              <a:t>or from kits. </a:t>
+              <a:t> distribution. </a:t>
             </a:r>
             <a:endParaRPr lang="en-AU" dirty="0"/>
           </a:p>
@@ -10673,205 +10810,6 @@
         <p:spPr>
           <a:xfrm>
             <a:off x="646111" y="452718"/>
-            <a:ext cx="9700156" cy="1400530"/>
-          </a:xfrm>
-        </p:spPr>
-        <p:txBody>
-          <a:bodyPr/>
-          <a:lstStyle/>
-          <a:p>
-            <a:r>
-              <a:rPr lang="en-US" sz="3200" dirty="0" smtClean="0"/>
-              <a:t>Is there a difference in exosome population?</a:t>
-            </a:r>
-            <a:endParaRPr lang="en-AU" sz="3200" dirty="0"/>
-          </a:p>
-        </p:txBody>
-      </p:sp>
-      <p:sp>
-        <p:nvSpPr>
-          <p:cNvPr id="3" name="Content Placeholder 2"/>
-          <p:cNvSpPr>
-            <a:spLocks noGrp="1"/>
-          </p:cNvSpPr>
-          <p:nvPr>
-            <p:ph idx="1"/>
-          </p:nvPr>
-        </p:nvSpPr>
-        <p:spPr>
-          <a:xfrm>
-            <a:off x="646111" y="4429678"/>
-            <a:ext cx="6562725" cy="1952172"/>
-          </a:xfrm>
-        </p:spPr>
-        <p:txBody>
-          <a:bodyPr>
-            <a:normAutofit/>
-          </a:bodyPr>
-          <a:lstStyle/>
-          <a:p>
-            <a:r>
-              <a:rPr lang="en-US" dirty="0" smtClean="0"/>
-              <a:t>Nanoparticle tracker analysis: size </a:t>
-            </a:r>
-            <a:r>
-              <a:rPr lang="en-AU" dirty="0"/>
-              <a:t>∝ motion </a:t>
-            </a:r>
-            <a:r>
-              <a:rPr lang="en-AU" dirty="0" smtClean="0"/>
-              <a:t>∝ subpopulation</a:t>
-            </a:r>
-          </a:p>
-          <a:p>
-            <a:r>
-              <a:rPr lang="en-US" dirty="0" smtClean="0"/>
-              <a:t>Important to determine subpopulation due to differing </a:t>
-            </a:r>
-            <a:r>
-              <a:rPr lang="en-US" dirty="0" err="1" smtClean="0"/>
-              <a:t>biochemisty</a:t>
-            </a:r>
-            <a:r>
-              <a:rPr lang="en-US" dirty="0" smtClean="0"/>
-              <a:t>, biogenesis etc</a:t>
-            </a:r>
-            <a:r>
-              <a:rPr lang="en-US" dirty="0" smtClean="0"/>
-              <a:t>..</a:t>
-            </a:r>
-            <a:endParaRPr lang="en-US" dirty="0" smtClean="0"/>
-          </a:p>
-        </p:txBody>
-      </p:sp>
-      <p:pic>
-        <p:nvPicPr>
-          <p:cNvPr id="4" name="Picture 3"/>
-          <p:cNvPicPr>
-            <a:picLocks noChangeAspect="1"/>
-          </p:cNvPicPr>
-          <p:nvPr/>
-        </p:nvPicPr>
-        <p:blipFill>
-          <a:blip r:embed="rId3"/>
-          <a:stretch>
-            <a:fillRect/>
-          </a:stretch>
-        </p:blipFill>
-        <p:spPr>
-          <a:xfrm>
-            <a:off x="874710" y="1152983"/>
-            <a:ext cx="5876925" cy="2971800"/>
-          </a:xfrm>
-          <a:prstGeom prst="rect">
-            <a:avLst/>
-          </a:prstGeom>
-        </p:spPr>
-      </p:pic>
-      <p:pic>
-        <p:nvPicPr>
-          <p:cNvPr id="5" name="Picture 4"/>
-          <p:cNvPicPr>
-            <a:picLocks noChangeAspect="1"/>
-          </p:cNvPicPr>
-          <p:nvPr/>
-        </p:nvPicPr>
-        <p:blipFill>
-          <a:blip r:embed="rId4"/>
-          <a:stretch>
-            <a:fillRect/>
-          </a:stretch>
-        </p:blipFill>
-        <p:spPr>
-          <a:xfrm>
-            <a:off x="7208836" y="1168157"/>
-            <a:ext cx="2314575" cy="4152900"/>
-          </a:xfrm>
-          <a:prstGeom prst="rect">
-            <a:avLst/>
-          </a:prstGeom>
-        </p:spPr>
-      </p:pic>
-      <p:sp>
-        <p:nvSpPr>
-          <p:cNvPr id="6" name="TextBox 5"/>
-          <p:cNvSpPr txBox="1"/>
-          <p:nvPr/>
-        </p:nvSpPr>
-        <p:spPr>
-          <a:xfrm>
-            <a:off x="9752011" y="2234710"/>
-            <a:ext cx="2099733" cy="2246769"/>
-          </a:xfrm>
-          <a:prstGeom prst="rect">
-            <a:avLst/>
-          </a:prstGeom>
-          <a:noFill/>
-        </p:spPr>
-        <p:txBody>
-          <a:bodyPr wrap="square" rtlCol="0">
-            <a:spAutoFit/>
-          </a:bodyPr>
-          <a:lstStyle/>
-          <a:p>
-            <a:r>
-              <a:rPr lang="en-US" sz="2000" dirty="0" smtClean="0"/>
-              <a:t>Lysed Exosomes analyzed for typical vesicular markers via Western Blot. </a:t>
-            </a:r>
-            <a:endParaRPr lang="en-AU" sz="2000" dirty="0"/>
-          </a:p>
-        </p:txBody>
-      </p:sp>
-    </p:spTree>
-    <p:extLst>
-      <p:ext uri="{BB962C8B-B14F-4D97-AF65-F5344CB8AC3E}">
-        <p14:creationId xmlns:p14="http://schemas.microsoft.com/office/powerpoint/2010/main" val="3770642438"/>
-      </p:ext>
-    </p:extLst>
-  </p:cSld>
-  <p:clrMapOvr>
-    <a:masterClrMapping/>
-  </p:clrMapOvr>
-  <p:timing>
-    <p:tnLst>
-      <p:par>
-        <p:cTn id="1" dur="indefinite" restart="never" nodeType="tmRoot"/>
-      </p:par>
-    </p:tnLst>
-  </p:timing>
-</p:sld>
-</file>
-
-<file path=ppt/slides/slide8.xml><?xml version="1.0" encoding="utf-8"?>
-<p:sld xmlns:a="http://schemas.openxmlformats.org/drawingml/2006/main" xmlns:r="http://schemas.openxmlformats.org/officeDocument/2006/relationships" xmlns:p="http://schemas.openxmlformats.org/presentationml/2006/main">
-  <p:cSld>
-    <p:spTree>
-      <p:nvGrpSpPr>
-        <p:cNvPr id="1" name=""/>
-        <p:cNvGrpSpPr/>
-        <p:nvPr/>
-      </p:nvGrpSpPr>
-      <p:grpSpPr>
-        <a:xfrm>
-          <a:off x="0" y="0"/>
-          <a:ext cx="0" cy="0"/>
-          <a:chOff x="0" y="0"/>
-          <a:chExt cx="0" cy="0"/>
-        </a:xfrm>
-      </p:grpSpPr>
-      <p:sp>
-        <p:nvSpPr>
-          <p:cNvPr id="2" name="Title 1"/>
-          <p:cNvSpPr>
-            <a:spLocks noGrp="1"/>
-          </p:cNvSpPr>
-          <p:nvPr>
-            <p:ph type="title"/>
-          </p:nvPr>
-        </p:nvSpPr>
-        <p:spPr>
-          <a:xfrm>
-            <a:off x="646111" y="452718"/>
             <a:ext cx="9903356" cy="1400530"/>
           </a:xfrm>
         </p:spPr>
@@ -10897,11 +10835,7 @@
             </a:r>
             <a:r>
               <a:rPr lang="en-US" sz="3600" dirty="0" smtClean="0"/>
-              <a:t>induce </a:t>
-            </a:r>
-            <a:r>
-              <a:rPr lang="en-US" sz="3600" dirty="0" smtClean="0"/>
-              <a:t>invasiveness?</a:t>
+              <a:t>induce invasiveness?</a:t>
             </a:r>
             <a:endParaRPr lang="en-AU" sz="3600" dirty="0"/>
           </a:p>
@@ -10957,8 +10891,12 @@
               <a:t>Approximately 6 fold increase of invasion when incubated with </a:t>
             </a:r>
             <a:r>
-              <a:rPr lang="en-US" dirty="0" err="1" smtClean="0"/>
-              <a:t>EXOhyp</a:t>
+              <a:rPr lang="en-US" dirty="0" err="1"/>
+              <a:t>EXO</a:t>
+            </a:r>
+            <a:r>
+              <a:rPr lang="en-US" baseline="30000" dirty="0" err="1"/>
+              <a:t>hyp</a:t>
             </a:r>
             <a:r>
               <a:rPr lang="en-US" dirty="0" smtClean="0"/>
@@ -11035,7 +10973,7 @@
 </p:sld>
 </file>
 
-<file path=ppt/slides/slide9.xml><?xml version="1.0" encoding="utf-8"?>
+<file path=ppt/slides/slide8.xml><?xml version="1.0" encoding="utf-8"?>
 <p:sld xmlns:a="http://schemas.openxmlformats.org/drawingml/2006/main" xmlns:r="http://schemas.openxmlformats.org/officeDocument/2006/relationships" xmlns:p="http://schemas.openxmlformats.org/presentationml/2006/main">
   <p:cSld>
     <p:spTree>
@@ -11086,11 +11024,7 @@
             </a:r>
             <a:r>
               <a:rPr lang="en-US" sz="4000" dirty="0" smtClean="0"/>
-              <a:t> </a:t>
-            </a:r>
-            <a:r>
-              <a:rPr lang="en-US" sz="4000" dirty="0" smtClean="0"/>
-              <a:t>induce migration?</a:t>
+              <a:t> induce migration?</a:t>
             </a:r>
             <a:endParaRPr lang="en-AU" sz="3600" dirty="0"/>
           </a:p>
@@ -11128,11 +11062,7 @@
             </a:r>
             <a:r>
               <a:rPr lang="en-AU" dirty="0" smtClean="0"/>
-              <a:t> also </a:t>
-            </a:r>
-            <a:r>
-              <a:rPr lang="en-AU" dirty="0" smtClean="0"/>
-              <a:t>assessed</a:t>
+              <a:t> also assessed</a:t>
             </a:r>
             <a:r>
               <a:rPr lang="en-AU" dirty="0"/>
@@ -11209,6 +11139,153 @@
     <p:extLst>
       <p:ext uri="{BB962C8B-B14F-4D97-AF65-F5344CB8AC3E}">
         <p14:creationId xmlns:p14="http://schemas.microsoft.com/office/powerpoint/2010/main" val="2898526236"/>
+      </p:ext>
+    </p:extLst>
+  </p:cSld>
+  <p:clrMapOvr>
+    <a:masterClrMapping/>
+  </p:clrMapOvr>
+  <p:timing>
+    <p:tnLst>
+      <p:par>
+        <p:cTn id="1" dur="indefinite" restart="never" nodeType="tmRoot"/>
+      </p:par>
+    </p:tnLst>
+  </p:timing>
+</p:sld>
+</file>
+
+<file path=ppt/slides/slide9.xml><?xml version="1.0" encoding="utf-8"?>
+<p:sld xmlns:a="http://schemas.openxmlformats.org/drawingml/2006/main" xmlns:r="http://schemas.openxmlformats.org/officeDocument/2006/relationships" xmlns:p="http://schemas.openxmlformats.org/presentationml/2006/main">
+  <p:cSld>
+    <p:spTree>
+      <p:nvGrpSpPr>
+        <p:cNvPr id="1" name=""/>
+        <p:cNvGrpSpPr/>
+        <p:nvPr/>
+      </p:nvGrpSpPr>
+      <p:grpSpPr>
+        <a:xfrm>
+          <a:off x="0" y="0"/>
+          <a:ext cx="0" cy="0"/>
+          <a:chOff x="0" y="0"/>
+          <a:chExt cx="0" cy="0"/>
+        </a:xfrm>
+      </p:grpSpPr>
+      <p:sp>
+        <p:nvSpPr>
+          <p:cNvPr id="2" name="Title 1"/>
+          <p:cNvSpPr>
+            <a:spLocks noGrp="1"/>
+          </p:cNvSpPr>
+          <p:nvPr>
+            <p:ph type="title"/>
+          </p:nvPr>
+        </p:nvSpPr>
+        <p:spPr>
+          <a:xfrm>
+            <a:off x="1052510" y="605118"/>
+            <a:ext cx="10174289" cy="1400530"/>
+          </a:xfrm>
+        </p:spPr>
+        <p:txBody>
+          <a:bodyPr/>
+          <a:lstStyle/>
+          <a:p>
+            <a:r>
+              <a:rPr lang="en-US" sz="3600" dirty="0" smtClean="0"/>
+              <a:t>Can </a:t>
+            </a:r>
+            <a:r>
+              <a:rPr lang="en-US" sz="3600" dirty="0" err="1" smtClean="0"/>
+              <a:t>EXO</a:t>
+            </a:r>
+            <a:r>
+              <a:rPr lang="en-US" sz="3600" baseline="30000" dirty="0" err="1" smtClean="0"/>
+              <a:t>hyp</a:t>
+            </a:r>
+            <a:r>
+              <a:rPr lang="en-US" sz="3600" dirty="0" smtClean="0"/>
+              <a:t> induce CAF phenotype?</a:t>
+            </a:r>
+            <a:endParaRPr lang="en-AU" sz="3600" dirty="0"/>
+          </a:p>
+        </p:txBody>
+      </p:sp>
+      <p:sp>
+        <p:nvSpPr>
+          <p:cNvPr id="3" name="Content Placeholder 2"/>
+          <p:cNvSpPr>
+            <a:spLocks noGrp="1"/>
+          </p:cNvSpPr>
+          <p:nvPr>
+            <p:ph idx="1"/>
+          </p:nvPr>
+        </p:nvSpPr>
+        <p:spPr>
+          <a:xfrm>
+            <a:off x="1403304" y="1649411"/>
+            <a:ext cx="10174289" cy="4195481"/>
+          </a:xfrm>
+        </p:spPr>
+        <p:txBody>
+          <a:bodyPr/>
+          <a:lstStyle/>
+          <a:p>
+            <a:r>
+              <a:rPr lang="en-AU" dirty="0" smtClean="0"/>
+              <a:t>Fibroblasts can be stimulated: by inflammation or cancer. </a:t>
+            </a:r>
+          </a:p>
+          <a:p>
+            <a:r>
+              <a:rPr lang="en-AU" dirty="0" smtClean="0"/>
+              <a:t>Stimulation results in increased alpha-smooth muscle actin (</a:t>
+            </a:r>
+            <a:r>
+              <a:rPr lang="en-AU" dirty="0" smtClean="0">
+                <a:latin typeface="Calibri" panose="020F0502020204030204" pitchFamily="34" charset="0"/>
+              </a:rPr>
+              <a:t>ɑ-SMA</a:t>
+            </a:r>
+            <a:r>
+              <a:rPr lang="en-AU" dirty="0" smtClean="0"/>
+              <a:t>).</a:t>
+            </a:r>
+          </a:p>
+          <a:p>
+            <a:endParaRPr lang="en-AU" dirty="0"/>
+          </a:p>
+        </p:txBody>
+      </p:sp>
+      <p:pic>
+        <p:nvPicPr>
+          <p:cNvPr id="5" name="Picture 4"/>
+          <p:cNvPicPr>
+            <a:picLocks noChangeAspect="1"/>
+          </p:cNvPicPr>
+          <p:nvPr/>
+        </p:nvPicPr>
+        <p:blipFill>
+          <a:blip r:embed="rId2"/>
+          <a:stretch>
+            <a:fillRect/>
+          </a:stretch>
+        </p:blipFill>
+        <p:spPr>
+          <a:xfrm>
+            <a:off x="1687510" y="2601460"/>
+            <a:ext cx="7812090" cy="3716208"/>
+          </a:xfrm>
+          <a:prstGeom prst="rect">
+            <a:avLst/>
+          </a:prstGeom>
+        </p:spPr>
+      </p:pic>
+    </p:spTree>
+    <p:extLst>
+      <p:ext uri="{BB962C8B-B14F-4D97-AF65-F5344CB8AC3E}">
+        <p14:creationId xmlns:p14="http://schemas.microsoft.com/office/powerpoint/2010/main" val="3593854408"/>
       </p:ext>
     </p:extLst>
   </p:cSld>

--- a/BackgroundInfo/JCslides.pptx
+++ b/BackgroundInfo/JCslides.pptx
@@ -640,11 +640,11 @@
           <c:showBubbleSize val="0"/>
         </c:dLbls>
         <c:gapWidth val="182"/>
-        <c:axId val="247047176"/>
-        <c:axId val="246710296"/>
+        <c:axId val="140977216"/>
+        <c:axId val="140977776"/>
       </c:barChart>
       <c:catAx>
-        <c:axId val="247047176"/>
+        <c:axId val="140977216"/>
         <c:scaling>
           <c:orientation val="minMax"/>
         </c:scaling>
@@ -687,7 +687,7 @@
             <a:endParaRPr lang="en-US"/>
           </a:p>
         </c:txPr>
-        <c:crossAx val="246710296"/>
+        <c:crossAx val="140977776"/>
         <c:crosses val="autoZero"/>
         <c:auto val="1"/>
         <c:lblAlgn val="ctr"/>
@@ -695,7 +695,7 @@
         <c:noMultiLvlLbl val="0"/>
       </c:catAx>
       <c:valAx>
-        <c:axId val="246710296"/>
+        <c:axId val="140977776"/>
         <c:scaling>
           <c:orientation val="minMax"/>
         </c:scaling>
@@ -746,7 +746,7 @@
             <a:endParaRPr lang="en-US"/>
           </a:p>
         </c:txPr>
-        <c:crossAx val="247047176"/>
+        <c:crossAx val="140977216"/>
         <c:crosses val="autoZero"/>
         <c:crossBetween val="between"/>
       </c:valAx>
@@ -8431,11 +8431,7 @@
           <a:p>
             <a:r>
               <a:rPr lang="en-AU" dirty="0" smtClean="0"/>
-              <a:t>Not comprehensive</a:t>
-            </a:r>
-            <a:r>
-              <a:rPr lang="en-AU" dirty="0" smtClean="0"/>
-              <a:t>. </a:t>
+              <a:t>Not comprehensive. </a:t>
             </a:r>
             <a:endParaRPr lang="en-AU" dirty="0"/>
           </a:p>
@@ -9414,7 +9410,6 @@
               <a:rPr lang="en-AU" sz="2000" dirty="0" smtClean="0"/>
               <a:t>Additional pathways</a:t>
             </a:r>
-            <a:endParaRPr lang="en-AU" sz="2000" dirty="0" smtClean="0"/>
           </a:p>
           <a:p>
             <a:pPr marL="285750" indent="-285750">
@@ -10007,7 +10002,7 @@
         <p:spPr>
           <a:xfrm>
             <a:off x="5810417" y="1597836"/>
-            <a:ext cx="4966061" cy="4195481"/>
+            <a:ext cx="5381839" cy="4195481"/>
           </a:xfrm>
         </p:spPr>
         <p:txBody>
@@ -10027,8 +10022,46 @@
           <a:p>
             <a:r>
               <a:rPr lang="en-US" dirty="0" smtClean="0"/>
-              <a:t>Intercellular communication. </a:t>
-            </a:r>
+              <a:t>Intercellular </a:t>
+            </a:r>
+            <a:r>
+              <a:rPr lang="en-US" dirty="0" smtClean="0"/>
+              <a:t>communication </a:t>
+            </a:r>
+          </a:p>
+          <a:p>
+            <a:pPr marL="0" indent="0">
+              <a:buNone/>
+            </a:pPr>
+            <a:r>
+              <a:rPr lang="en-US" sz="1100" dirty="0"/>
+              <a:t>	</a:t>
+            </a:r>
+            <a:r>
+              <a:rPr lang="en-US" sz="1100" dirty="0" smtClean="0"/>
+              <a:t>					(</a:t>
+            </a:r>
+            <a:r>
+              <a:rPr lang="en-US" sz="1100" dirty="0" err="1"/>
+              <a:t>Mulcahy</a:t>
+            </a:r>
+            <a:r>
+              <a:rPr lang="en-US" sz="1100" dirty="0"/>
+              <a:t> </a:t>
+            </a:r>
+            <a:r>
+              <a:rPr lang="en-US" sz="1100" i="1" dirty="0"/>
+              <a:t>et al</a:t>
+            </a:r>
+            <a:r>
+              <a:rPr lang="en-US" sz="1100" dirty="0"/>
+              <a:t> 2014</a:t>
+            </a:r>
+            <a:r>
+              <a:rPr lang="en-US" sz="1100" dirty="0" smtClean="0"/>
+              <a:t>)</a:t>
+            </a:r>
+            <a:endParaRPr lang="en-US" sz="1100" dirty="0" smtClean="0"/>
           </a:p>
           <a:p>
             <a:endParaRPr lang="en-US" dirty="0" smtClean="0"/>
@@ -10045,8 +10078,41 @@
           <a:p>
             <a:r>
               <a:rPr lang="en-US" dirty="0" smtClean="0"/>
-              <a:t>Strong links to roles in cancer, stress signaling and immunity. </a:t>
-            </a:r>
+              <a:t>Strong links to roles in cancer, stress signaling and </a:t>
+            </a:r>
+            <a:r>
+              <a:rPr lang="en-US" dirty="0" smtClean="0"/>
+              <a:t>immunity </a:t>
+            </a:r>
+            <a:r>
+              <a:rPr lang="en-US" sz="1200" dirty="0" smtClean="0"/>
+              <a:t>(</a:t>
+            </a:r>
+            <a:r>
+              <a:rPr lang="en-AU" sz="1200" dirty="0" smtClean="0"/>
+              <a:t>Campos</a:t>
+            </a:r>
+            <a:r>
+              <a:rPr lang="en-AU" sz="1200" i="1" dirty="0" smtClean="0"/>
+              <a:t> </a:t>
+            </a:r>
+            <a:r>
+              <a:rPr lang="en-AU" sz="1200" i="1" dirty="0"/>
+              <a:t>et al.</a:t>
+            </a:r>
+            <a:r>
+              <a:rPr lang="en-AU" sz="1200" dirty="0"/>
+              <a:t> 2015; De Toro</a:t>
+            </a:r>
+            <a:r>
+              <a:rPr lang="en-AU" sz="1200" i="1" dirty="0"/>
+              <a:t> et al.</a:t>
+            </a:r>
+            <a:r>
+              <a:rPr lang="en-AU" sz="1200" dirty="0"/>
+              <a:t> 2015)</a:t>
+            </a:r>
+            <a:endParaRPr lang="en-US" sz="1200" dirty="0" smtClean="0"/>
           </a:p>
           <a:p>
             <a:pPr marL="0" indent="0">
@@ -10158,7 +10224,7 @@
         </p:nvSpPr>
         <p:spPr>
           <a:xfrm>
-            <a:off x="855662" y="1652868"/>
+            <a:off x="855662" y="2000340"/>
             <a:ext cx="10821987" cy="4195481"/>
           </a:xfrm>
         </p:spPr>
@@ -10184,17 +10250,47 @@
             </a:r>
             <a:r>
               <a:rPr lang="en-US" dirty="0" smtClean="0"/>
-              <a:t>and metastasis in Melanoma. </a:t>
-            </a:r>
-          </a:p>
-          <a:p>
+              <a:t>and metastasis in </a:t>
+            </a:r>
+            <a:r>
+              <a:rPr lang="en-US" dirty="0" smtClean="0"/>
+              <a:t>Melanoma </a:t>
+            </a:r>
+            <a:r>
+              <a:rPr lang="en-US" sz="1100" dirty="0" smtClean="0"/>
+              <a:t>(</a:t>
+            </a:r>
+            <a:r>
+              <a:rPr lang="en-US" sz="1100" dirty="0" err="1" smtClean="0"/>
+              <a:t>Peinado</a:t>
+            </a:r>
+            <a:r>
+              <a:rPr lang="en-US" sz="1100" dirty="0" smtClean="0"/>
+              <a:t> H 2012)</a:t>
+            </a:r>
             <a:endParaRPr lang="en-US" dirty="0" smtClean="0"/>
           </a:p>
           <a:p>
+            <a:endParaRPr lang="en-US" dirty="0" smtClean="0"/>
+          </a:p>
+          <a:p>
             <a:r>
               <a:rPr lang="en-US" dirty="0" smtClean="0"/>
-              <a:t>Addition of Colorectal cancer derived exosomes to healthy cells induced migration. </a:t>
-            </a:r>
+              <a:t>Addition of Colorectal cancer derived exosomes to healthy cells induced </a:t>
+            </a:r>
+            <a:r>
+              <a:rPr lang="en-US" dirty="0" smtClean="0"/>
+              <a:t>migration</a:t>
+            </a:r>
+            <a:r>
+              <a:rPr lang="en-US" dirty="0"/>
+              <a:t> </a:t>
+            </a:r>
+            <a:r>
+              <a:rPr lang="en-US" sz="1200" dirty="0" smtClean="0"/>
+              <a:t>(Chiba et al 2013)</a:t>
+            </a:r>
+            <a:endParaRPr lang="en-US" sz="1200" dirty="0" smtClean="0"/>
           </a:p>
           <a:p>
             <a:endParaRPr lang="en-US" dirty="0"/>
@@ -10202,16 +10298,25 @@
           <a:p>
             <a:r>
               <a:rPr lang="en-US" dirty="0" smtClean="0"/>
-              <a:t>Exact mechanism still debated.</a:t>
-            </a:r>
-          </a:p>
-          <a:p>
+              <a:t>Exact mechanism still </a:t>
+            </a:r>
+            <a:r>
+              <a:rPr lang="en-US" dirty="0" smtClean="0"/>
+              <a:t>investigated</a:t>
+            </a:r>
             <a:endParaRPr lang="en-US" dirty="0" smtClean="0"/>
           </a:p>
           <a:p>
+            <a:endParaRPr lang="en-US" dirty="0" smtClean="0"/>
+          </a:p>
+          <a:p>
             <a:r>
               <a:rPr lang="en-US" dirty="0" smtClean="0"/>
-              <a:t>Potential as a target for cancer diagnostics and treatment targets. </a:t>
+              <a:t>Potential as a target for cancer diagnostics and treatment </a:t>
+            </a:r>
+            <a:r>
+              <a:rPr lang="en-US" dirty="0" smtClean="0"/>
+              <a:t>targets</a:t>
             </a:r>
             <a:endParaRPr lang="en-AU" dirty="0"/>
           </a:p>
@@ -10239,7 +10344,7 @@
         </p:blipFill>
         <p:spPr>
           <a:xfrm>
-            <a:off x="2748226" y="3530793"/>
+            <a:off x="2532062" y="3427475"/>
             <a:ext cx="9355138" cy="3005277"/>
           </a:xfrm>
           <a:prstGeom prst="rect">
@@ -10387,32 +10492,29 @@
         </p:nvSpPr>
         <p:spPr>
           <a:xfrm>
-            <a:off x="527578" y="1703792"/>
+            <a:off x="820186" y="1853248"/>
             <a:ext cx="5509606" cy="4195481"/>
           </a:xfrm>
         </p:spPr>
         <p:txBody>
-          <a:bodyPr/>
+          <a:bodyPr>
+            <a:normAutofit lnSpcReduction="10000"/>
+          </a:bodyPr>
           <a:lstStyle/>
           <a:p>
-            <a:pPr marL="0" indent="0">
-              <a:buNone/>
-            </a:pPr>
-            <a:endParaRPr lang="en-US" dirty="0" smtClean="0"/>
-          </a:p>
-          <a:p>
+            <a:r>
+              <a:rPr lang="en-US" dirty="0" err="1" smtClean="0"/>
+              <a:t>Tumour</a:t>
+            </a:r>
             <a:r>
               <a:rPr lang="en-US" dirty="0" smtClean="0"/>
-              <a:t>Hypoxic conditions rife in larger </a:t>
-            </a:r>
-            <a:r>
-              <a:rPr lang="en-US" dirty="0" err="1" smtClean="0"/>
-              <a:t>tumours</a:t>
+              <a:t> out grows vasculature = hypoxia</a:t>
             </a:r>
             <a:r>
               <a:rPr lang="en-US" dirty="0" smtClean="0"/>
               <a:t>.</a:t>
             </a:r>
+            <a:endParaRPr lang="en-US" dirty="0" smtClean="0"/>
           </a:p>
           <a:p>
             <a:endParaRPr lang="en-AU" dirty="0" smtClean="0"/>
@@ -10420,8 +10522,25 @@
           <a:p>
             <a:r>
               <a:rPr lang="en-US" dirty="0" smtClean="0"/>
-              <a:t>Aggressive phenotype linked with hypoxia.</a:t>
-            </a:r>
+              <a:t>Aggressive phenotype linked with </a:t>
+            </a:r>
+            <a:r>
+              <a:rPr lang="en-US" dirty="0" smtClean="0"/>
+              <a:t>hypoxia </a:t>
+            </a:r>
+            <a:r>
+              <a:rPr lang="en-US" sz="1100" dirty="0" smtClean="0"/>
+              <a:t>(</a:t>
+            </a:r>
+            <a:r>
+              <a:rPr lang="en-US" sz="1100" dirty="0" err="1" smtClean="0"/>
+              <a:t>Vaupel</a:t>
+            </a:r>
+            <a:r>
+              <a:rPr lang="en-US" sz="1100" dirty="0" smtClean="0"/>
+              <a:t> 2008)</a:t>
+            </a:r>
+            <a:endParaRPr lang="en-US" sz="1100" dirty="0" smtClean="0"/>
           </a:p>
           <a:p>
             <a:endParaRPr lang="en-US" dirty="0"/>
@@ -10435,12 +10554,33 @@
               <a:rPr lang="en-US" b="1" dirty="0" smtClean="0"/>
               <a:t>mechanism unclear. </a:t>
             </a:r>
-          </a:p>
-          <a:p>
-            <a:pPr marL="0" indent="0">
-              <a:buNone/>
-            </a:pPr>
-            <a:endParaRPr lang="en-AU" dirty="0"/>
+            <a:endParaRPr lang="en-US" dirty="0"/>
+          </a:p>
+          <a:p>
+            <a:endParaRPr lang="en-US" b="1" dirty="0" smtClean="0"/>
+          </a:p>
+          <a:p>
+            <a:r>
+              <a:rPr lang="en-US" dirty="0"/>
+              <a:t>L</a:t>
+            </a:r>
+            <a:r>
+              <a:rPr lang="en-US" dirty="0" smtClean="0"/>
+              <a:t>ink between hypoxia and microenvironment </a:t>
+            </a:r>
+            <a:r>
+              <a:rPr lang="en-US" sz="1100" dirty="0" smtClean="0"/>
+              <a:t>(Kim </a:t>
+            </a:r>
+            <a:r>
+              <a:rPr lang="en-US" sz="1100" i="1" dirty="0" smtClean="0"/>
+              <a:t>et al </a:t>
+            </a:r>
+            <a:r>
+              <a:rPr lang="en-US" sz="1100" dirty="0" smtClean="0"/>
+              <a:t>2009)</a:t>
+            </a:r>
+            <a:endParaRPr lang="en-US" sz="1100" dirty="0" smtClean="0"/>
           </a:p>
         </p:txBody>
       </p:sp>
@@ -10538,7 +10678,12 @@
             <p:ph idx="1"/>
           </p:nvPr>
         </p:nvSpPr>
-        <p:spPr/>
+        <p:spPr>
+          <a:xfrm>
+            <a:off x="1121600" y="1853248"/>
+            <a:ext cx="10290112" cy="4195481"/>
+          </a:xfrm>
+        </p:spPr>
         <p:txBody>
           <a:bodyPr/>
           <a:lstStyle/>
@@ -10591,48 +10736,40 @@
           <a:p>
             <a:pPr lvl="2"/>
             <a:r>
-              <a:rPr lang="en-US" dirty="0" smtClean="0"/>
+              <a:rPr lang="en-US" sz="1800" dirty="0" smtClean="0"/>
               <a:t>Establish the differences in exosome content between hypoxic and </a:t>
             </a:r>
             <a:r>
-              <a:rPr lang="en-US" dirty="0" err="1" smtClean="0"/>
+              <a:rPr lang="en-US" sz="1800" dirty="0" err="1" smtClean="0"/>
               <a:t>normoxic</a:t>
             </a:r>
             <a:r>
-              <a:rPr lang="en-US" dirty="0" smtClean="0"/>
+              <a:rPr lang="en-US" sz="1800" dirty="0" smtClean="0"/>
               <a:t> cells. </a:t>
             </a:r>
           </a:p>
           <a:p>
             <a:pPr lvl="2"/>
             <a:r>
-              <a:rPr lang="en-US" dirty="0" smtClean="0"/>
+              <a:rPr lang="en-US" sz="1800" dirty="0" smtClean="0"/>
               <a:t>Determine the invasiveness, migration and </a:t>
             </a:r>
             <a:r>
-              <a:rPr lang="en-US" dirty="0" err="1" smtClean="0"/>
+              <a:rPr lang="en-US" sz="1800" dirty="0" err="1" smtClean="0"/>
               <a:t>stemness</a:t>
             </a:r>
             <a:r>
-              <a:rPr lang="en-US" dirty="0" smtClean="0"/>
+              <a:rPr lang="en-US" sz="1800" dirty="0" smtClean="0"/>
               <a:t> induced by hypoxic exosomes. </a:t>
             </a:r>
           </a:p>
           <a:p>
             <a:pPr lvl="2"/>
             <a:r>
-              <a:rPr lang="en-US" dirty="0" smtClean="0"/>
-              <a:t>Elucidate the causative </a:t>
-            </a:r>
-            <a:r>
-              <a:rPr lang="en-US" dirty="0" smtClean="0"/>
-              <a:t>agent </a:t>
-            </a:r>
-            <a:r>
-              <a:rPr lang="en-US" dirty="0" smtClean="0"/>
-              <a:t>induced by the hypoxic exosomes. </a:t>
-            </a:r>
-            <a:endParaRPr lang="en-AU" dirty="0"/>
+              <a:rPr lang="en-US" sz="1800" dirty="0" smtClean="0"/>
+              <a:t>Elucidate the causative agent induced by the hypoxic exosomes. </a:t>
+            </a:r>
+            <a:endParaRPr lang="en-AU" sz="1800" dirty="0"/>
           </a:p>
         </p:txBody>
       </p:sp>
@@ -10706,7 +10843,12 @@
             <p:ph idx="1"/>
           </p:nvPr>
         </p:nvSpPr>
-        <p:spPr/>
+        <p:spPr>
+          <a:xfrm>
+            <a:off x="1103313" y="2052918"/>
+            <a:ext cx="4273360" cy="4195481"/>
+          </a:xfrm>
+        </p:spPr>
         <p:txBody>
           <a:bodyPr/>
           <a:lstStyle/>
@@ -10745,7 +10887,6 @@
               <a:rPr lang="en-AU" dirty="0" smtClean="0"/>
               <a:t> collected using ultracentrifugation or from kits. </a:t>
             </a:r>
-            <a:endParaRPr lang="en-AU" dirty="0" smtClean="0"/>
           </a:p>
           <a:p>
             <a:endParaRPr lang="en-AU" dirty="0"/>
@@ -10764,6 +10905,122 @@
               <a:t> distribution. </a:t>
             </a:r>
             <a:endParaRPr lang="en-AU" dirty="0"/>
+          </a:p>
+        </p:txBody>
+      </p:sp>
+      <p:pic>
+        <p:nvPicPr>
+          <p:cNvPr id="4" name="Picture 3"/>
+          <p:cNvPicPr>
+            <a:picLocks noChangeAspect="1"/>
+          </p:cNvPicPr>
+          <p:nvPr/>
+        </p:nvPicPr>
+        <p:blipFill>
+          <a:blip r:embed="rId2"/>
+          <a:stretch>
+            <a:fillRect/>
+          </a:stretch>
+        </p:blipFill>
+        <p:spPr>
+          <a:xfrm>
+            <a:off x="5649734" y="2346007"/>
+            <a:ext cx="6096000" cy="2714625"/>
+          </a:xfrm>
+          <a:prstGeom prst="rect">
+            <a:avLst/>
+          </a:prstGeom>
+        </p:spPr>
+      </p:pic>
+      <p:sp>
+        <p:nvSpPr>
+          <p:cNvPr id="5" name="Oval 4"/>
+          <p:cNvSpPr/>
+          <p:nvPr/>
+        </p:nvSpPr>
+        <p:spPr>
+          <a:xfrm>
+            <a:off x="5540007" y="2871216"/>
+            <a:ext cx="575582" cy="310896"/>
+          </a:xfrm>
+          <a:prstGeom prst="ellipse">
+            <a:avLst/>
+          </a:prstGeom>
+          <a:noFill/>
+          <a:ln>
+            <a:solidFill>
+              <a:srgbClr val="FF0000"/>
+            </a:solidFill>
+          </a:ln>
+        </p:spPr>
+        <p:style>
+          <a:lnRef idx="2">
+            <a:schemeClr val="accent1">
+              <a:shade val="50000"/>
+            </a:schemeClr>
+          </a:lnRef>
+          <a:fillRef idx="1">
+            <a:schemeClr val="accent1"/>
+          </a:fillRef>
+          <a:effectRef idx="0">
+            <a:schemeClr val="accent1"/>
+          </a:effectRef>
+          <a:fontRef idx="minor">
+            <a:schemeClr val="lt1"/>
+          </a:fontRef>
+        </p:style>
+        <p:txBody>
+          <a:bodyPr rtlCol="0" anchor="ctr"/>
+          <a:lstStyle/>
+          <a:p>
+            <a:pPr algn="ctr"/>
+            <a:endParaRPr lang="en-AU"/>
+          </a:p>
+        </p:txBody>
+      </p:sp>
+      <p:sp>
+        <p:nvSpPr>
+          <p:cNvPr id="6" name="Oval 5"/>
+          <p:cNvSpPr/>
+          <p:nvPr/>
+        </p:nvSpPr>
+        <p:spPr>
+          <a:xfrm>
+            <a:off x="5540007" y="3627596"/>
+            <a:ext cx="725380" cy="329184"/>
+          </a:xfrm>
+          <a:prstGeom prst="ellipse">
+            <a:avLst/>
+          </a:prstGeom>
+          <a:noFill/>
+          <a:ln>
+            <a:solidFill>
+              <a:srgbClr val="FF0000"/>
+            </a:solidFill>
+          </a:ln>
+        </p:spPr>
+        <p:style>
+          <a:lnRef idx="2">
+            <a:schemeClr val="accent1">
+              <a:shade val="50000"/>
+            </a:schemeClr>
+          </a:lnRef>
+          <a:fillRef idx="1">
+            <a:schemeClr val="accent1"/>
+          </a:fillRef>
+          <a:effectRef idx="0">
+            <a:schemeClr val="accent1"/>
+          </a:effectRef>
+          <a:fontRef idx="minor">
+            <a:schemeClr val="lt1"/>
+          </a:fontRef>
+        </p:style>
+        <p:txBody>
+          <a:bodyPr rtlCol="0" anchor="ctr"/>
+          <a:lstStyle/>
+          <a:p>
+            <a:pPr algn="ctr"/>
+            <a:endParaRPr lang="en-AU"/>
           </a:p>
         </p:txBody>
       </p:sp>
